--- a/translations/pt-br/Project/IdentificacaodoProblema.pptx
+++ b/translations/pt-br/Project/IdentificacaodoProblema.pptx
@@ -1,31 +1,446 @@
 
 <file path=ppt/presentation.xml><?xml version="1.0" encoding="utf-8"?>
-<p:presentation xmlns:a="http://schemas.openxmlformats.org/drawingml/2006/main" xmlns:p="http://schemas.openxmlformats.org/presentationml/2006/main" xmlns:r="http://schemas.openxmlformats.org/officeDocument/2006/relationships" xmlns:p14="http://schemas.microsoft.com/office/powerpoint/2010/main" xmlns:p15="http://schemas.microsoft.com/office/powerpoint/2012/main" xmlns:mc="http://schemas.openxmlformats.org/markup-compatibility/2006">
+<p:presentation xmlns:a="http://schemas.openxmlformats.org/drawingml/2006/main" xmlns:r="http://schemas.openxmlformats.org/officeDocument/2006/relationships" xmlns:p="http://schemas.openxmlformats.org/presentationml/2006/main">
   <p:sldMasterIdLst>
-    <p:sldMasterId id="2147483648" r:id="rId2"/>
-    <p:sldMasterId id="2147483661" r:id="rId3"/>
+    <p:sldMasterId id="2147483648" r:id="rId1"/>
+    <p:sldMasterId id="2147483661" r:id="rId2"/>
   </p:sldMasterIdLst>
   <p:notesMasterIdLst>
-    <p:notesMasterId r:id="rId4"/>
+    <p:notesMasterId r:id="rId12"/>
   </p:notesMasterIdLst>
   <p:sldIdLst>
-    <p:sldId id="256" r:id="rId5"/>
-    <p:sldId id="257" r:id="rId6"/>
-    <p:sldId id="258" r:id="rId7"/>
-    <p:sldId id="259" r:id="rId8"/>
-    <p:sldId id="260" r:id="rId9"/>
-    <p:sldId id="261" r:id="rId10"/>
-    <p:sldId id="262" r:id="rId11"/>
-    <p:sldId id="263" r:id="rId12"/>
-    <p:sldId id="264" r:id="rId13"/>
+    <p:sldId id="256" r:id="rId3"/>
+    <p:sldId id="257" r:id="rId4"/>
+    <p:sldId id="258" r:id="rId5"/>
+    <p:sldId id="259" r:id="rId6"/>
+    <p:sldId id="260" r:id="rId7"/>
+    <p:sldId id="261" r:id="rId8"/>
+    <p:sldId id="262" r:id="rId9"/>
+    <p:sldId id="263" r:id="rId10"/>
+    <p:sldId id="264" r:id="rId11"/>
   </p:sldIdLst>
-  <p:sldSz cx="9144000" cy="6858000"/>
+  <p:sldSz cx="9144000" cy="6858000" type="screen4x3"/>
   <p:notesSz cx="6858000" cy="9144000"/>
+  <p:defaultTextStyle>
+    <a:defPPr>
+      <a:defRPr lang="en-US"/>
+    </a:defPPr>
+    <a:lvl1pPr marL="0" algn="l" defTabSz="914400" rtl="0" eaLnBrk="1" latinLnBrk="0" hangingPunct="1">
+      <a:defRPr sz="1800" kern="1200">
+        <a:solidFill>
+          <a:schemeClr val="tx1"/>
+        </a:solidFill>
+        <a:latin typeface="+mn-lt"/>
+        <a:ea typeface="+mn-ea"/>
+        <a:cs typeface="+mn-cs"/>
+      </a:defRPr>
+    </a:lvl1pPr>
+    <a:lvl2pPr marL="457200" algn="l" defTabSz="914400" rtl="0" eaLnBrk="1" latinLnBrk="0" hangingPunct="1">
+      <a:defRPr sz="1800" kern="1200">
+        <a:solidFill>
+          <a:schemeClr val="tx1"/>
+        </a:solidFill>
+        <a:latin typeface="+mn-lt"/>
+        <a:ea typeface="+mn-ea"/>
+        <a:cs typeface="+mn-cs"/>
+      </a:defRPr>
+    </a:lvl2pPr>
+    <a:lvl3pPr marL="914400" algn="l" defTabSz="914400" rtl="0" eaLnBrk="1" latinLnBrk="0" hangingPunct="1">
+      <a:defRPr sz="1800" kern="1200">
+        <a:solidFill>
+          <a:schemeClr val="tx1"/>
+        </a:solidFill>
+        <a:latin typeface="+mn-lt"/>
+        <a:ea typeface="+mn-ea"/>
+        <a:cs typeface="+mn-cs"/>
+      </a:defRPr>
+    </a:lvl3pPr>
+    <a:lvl4pPr marL="1371600" algn="l" defTabSz="914400" rtl="0" eaLnBrk="1" latinLnBrk="0" hangingPunct="1">
+      <a:defRPr sz="1800" kern="1200">
+        <a:solidFill>
+          <a:schemeClr val="tx1"/>
+        </a:solidFill>
+        <a:latin typeface="+mn-lt"/>
+        <a:ea typeface="+mn-ea"/>
+        <a:cs typeface="+mn-cs"/>
+      </a:defRPr>
+    </a:lvl4pPr>
+    <a:lvl5pPr marL="1828800" algn="l" defTabSz="914400" rtl="0" eaLnBrk="1" latinLnBrk="0" hangingPunct="1">
+      <a:defRPr sz="1800" kern="1200">
+        <a:solidFill>
+          <a:schemeClr val="tx1"/>
+        </a:solidFill>
+        <a:latin typeface="+mn-lt"/>
+        <a:ea typeface="+mn-ea"/>
+        <a:cs typeface="+mn-cs"/>
+      </a:defRPr>
+    </a:lvl5pPr>
+    <a:lvl6pPr marL="2286000" algn="l" defTabSz="914400" rtl="0" eaLnBrk="1" latinLnBrk="0" hangingPunct="1">
+      <a:defRPr sz="1800" kern="1200">
+        <a:solidFill>
+          <a:schemeClr val="tx1"/>
+        </a:solidFill>
+        <a:latin typeface="+mn-lt"/>
+        <a:ea typeface="+mn-ea"/>
+        <a:cs typeface="+mn-cs"/>
+      </a:defRPr>
+    </a:lvl6pPr>
+    <a:lvl7pPr marL="2743200" algn="l" defTabSz="914400" rtl="0" eaLnBrk="1" latinLnBrk="0" hangingPunct="1">
+      <a:defRPr sz="1800" kern="1200">
+        <a:solidFill>
+          <a:schemeClr val="tx1"/>
+        </a:solidFill>
+        <a:latin typeface="+mn-lt"/>
+        <a:ea typeface="+mn-ea"/>
+        <a:cs typeface="+mn-cs"/>
+      </a:defRPr>
+    </a:lvl7pPr>
+    <a:lvl8pPr marL="3200400" algn="l" defTabSz="914400" rtl="0" eaLnBrk="1" latinLnBrk="0" hangingPunct="1">
+      <a:defRPr sz="1800" kern="1200">
+        <a:solidFill>
+          <a:schemeClr val="tx1"/>
+        </a:solidFill>
+        <a:latin typeface="+mn-lt"/>
+        <a:ea typeface="+mn-ea"/>
+        <a:cs typeface="+mn-cs"/>
+      </a:defRPr>
+    </a:lvl8pPr>
+    <a:lvl9pPr marL="3657600" algn="l" defTabSz="914400" rtl="0" eaLnBrk="1" latinLnBrk="0" hangingPunct="1">
+      <a:defRPr sz="1800" kern="1200">
+        <a:solidFill>
+          <a:schemeClr val="tx1"/>
+        </a:solidFill>
+        <a:latin typeface="+mn-lt"/>
+        <a:ea typeface="+mn-ea"/>
+        <a:cs typeface="+mn-cs"/>
+      </a:defRPr>
+    </a:lvl9pPr>
+  </p:defaultTextStyle>
 </p:presentation>
 </file>
 
 <file path=ppt/notesMasters/notesMaster1.xml><?xml version="1.0" encoding="utf-8"?>
-<p:notesMaster xmlns:a="http://schemas.openxmlformats.org/drawingml/2006/main" xmlns:p="http://schemas.openxmlformats.org/presentationml/2006/main" xmlns:r="http://schemas.openxmlformats.org/officeDocument/2006/relationships" xmlns:p14="http://schemas.microsoft.com/office/powerpoint/2010/main" xmlns:p15="http://schemas.microsoft.com/office/powerpoint/2012/main" xmlns:mc="http://schemas.openxmlformats.org/markup-compatibility/2006">
+<p:notesMaster xmlns:a="http://schemas.openxmlformats.org/drawingml/2006/main" xmlns:r="http://schemas.openxmlformats.org/officeDocument/2006/relationships" xmlns:p="http://schemas.openxmlformats.org/presentationml/2006/main">
+  <p:cSld>
+    <p:bg>
+      <p:bgRef idx="1001">
+        <a:schemeClr val="bg1"/>
+      </p:bgRef>
+    </p:bg>
+    <p:spTree>
+      <p:nvGrpSpPr>
+        <p:cNvPr id="1" name=""/>
+        <p:cNvGrpSpPr/>
+        <p:nvPr/>
+      </p:nvGrpSpPr>
+      <p:grpSpPr>
+        <a:xfrm>
+          <a:off x="0" y="0"/>
+          <a:ext cx="0" cy="0"/>
+          <a:chOff x="0" y="0"/>
+          <a:chExt cx="0" cy="0"/>
+        </a:xfrm>
+      </p:grpSpPr>
+      <p:sp>
+        <p:nvSpPr>
+          <p:cNvPr id="94" name="PlaceHolder 1"/>
+          <p:cNvSpPr>
+            <a:spLocks noGrp="1" noRot="1" noChangeAspect="1"/>
+          </p:cNvSpPr>
+          <p:nvPr>
+            <p:ph type="sldImg"/>
+          </p:nvPr>
+        </p:nvSpPr>
+        <p:spPr>
+          <a:xfrm>
+            <a:off x="216000" y="812520"/>
+            <a:ext cx="7127280" cy="4008960"/>
+          </a:xfrm>
+          <a:prstGeom prst="rect">
+            <a:avLst/>
+          </a:prstGeom>
+        </p:spPr>
+        <p:txBody>
+          <a:bodyPr lIns="0" tIns="0" rIns="0" bIns="0" anchor="ctr"/>
+          <a:lstStyle/>
+          <a:p>
+            <a:r>
+              <a:rPr lang="en-US" sz="1800" b="0" strike="noStrike" spc="-1">
+                <a:solidFill>
+                  <a:srgbClr val="000000"/>
+                </a:solidFill>
+                <a:latin typeface="Gill Sans MT"/>
+              </a:rPr>
+              <a:t>Clique para mover o slide</a:t>
+            </a:r>
+          </a:p>
+        </p:txBody>
+      </p:sp>
+      <p:sp>
+        <p:nvSpPr>
+          <p:cNvPr id="95" name="PlaceHolder 2"/>
+          <p:cNvSpPr>
+            <a:spLocks noGrp="1"/>
+          </p:cNvSpPr>
+          <p:nvPr>
+            <p:ph type="body"/>
+          </p:nvPr>
+        </p:nvSpPr>
+        <p:spPr>
+          <a:xfrm>
+            <a:off x="756000" y="5078520"/>
+            <a:ext cx="6047640" cy="4811040"/>
+          </a:xfrm>
+          <a:prstGeom prst="rect">
+            <a:avLst/>
+          </a:prstGeom>
+        </p:spPr>
+        <p:txBody>
+          <a:bodyPr lIns="0" tIns="0" rIns="0" bIns="0"/>
+          <a:lstStyle/>
+          <a:p>
+            <a:r>
+              <a:rPr lang="pt-BR" sz="2000" b="0" strike="noStrike" spc="-1">
+                <a:latin typeface="Arial"/>
+              </a:rPr>
+              <a:t>Clique para editar o formato de notas</a:t>
+            </a:r>
+          </a:p>
+        </p:txBody>
+      </p:sp>
+      <p:sp>
+        <p:nvSpPr>
+          <p:cNvPr id="96" name="PlaceHolder 3"/>
+          <p:cNvSpPr>
+            <a:spLocks noGrp="1"/>
+          </p:cNvSpPr>
+          <p:nvPr>
+            <p:ph type="hdr"/>
+          </p:nvPr>
+        </p:nvSpPr>
+        <p:spPr>
+          <a:xfrm>
+            <a:off x="0" y="0"/>
+            <a:ext cx="3280680" cy="534240"/>
+          </a:xfrm>
+          <a:prstGeom prst="rect">
+            <a:avLst/>
+          </a:prstGeom>
+        </p:spPr>
+        <p:txBody>
+          <a:bodyPr lIns="0" tIns="0" rIns="0" bIns="0"/>
+          <a:lstStyle/>
+          <a:p>
+            <a:r>
+              <a:rPr lang="pt-BR" sz="1400" b="0" strike="noStrike" spc="-1">
+                <a:latin typeface="Times New Roman"/>
+              </a:rPr>
+              <a:t>&lt;cabeçalho&gt;</a:t>
+            </a:r>
+          </a:p>
+        </p:txBody>
+      </p:sp>
+      <p:sp>
+        <p:nvSpPr>
+          <p:cNvPr id="97" name="PlaceHolder 4"/>
+          <p:cNvSpPr>
+            <a:spLocks noGrp="1"/>
+          </p:cNvSpPr>
+          <p:nvPr>
+            <p:ph type="dt"/>
+          </p:nvPr>
+        </p:nvSpPr>
+        <p:spPr>
+          <a:xfrm>
+            <a:off x="4278960" y="0"/>
+            <a:ext cx="3280680" cy="534240"/>
+          </a:xfrm>
+          <a:prstGeom prst="rect">
+            <a:avLst/>
+          </a:prstGeom>
+        </p:spPr>
+        <p:txBody>
+          <a:bodyPr lIns="0" tIns="0" rIns="0" bIns="0"/>
+          <a:lstStyle/>
+          <a:p>
+            <a:pPr algn="r"/>
+            <a:r>
+              <a:rPr lang="pt-BR" sz="1400" b="0" strike="noStrike" spc="-1">
+                <a:latin typeface="Times New Roman"/>
+              </a:rPr>
+              <a:t>&lt;data/hora&gt;</a:t>
+            </a:r>
+          </a:p>
+        </p:txBody>
+      </p:sp>
+      <p:sp>
+        <p:nvSpPr>
+          <p:cNvPr id="98" name="PlaceHolder 5"/>
+          <p:cNvSpPr>
+            <a:spLocks noGrp="1"/>
+          </p:cNvSpPr>
+          <p:nvPr>
+            <p:ph type="ftr"/>
+          </p:nvPr>
+        </p:nvSpPr>
+        <p:spPr>
+          <a:xfrm>
+            <a:off x="0" y="10157400"/>
+            <a:ext cx="3280680" cy="534240"/>
+          </a:xfrm>
+          <a:prstGeom prst="rect">
+            <a:avLst/>
+          </a:prstGeom>
+        </p:spPr>
+        <p:txBody>
+          <a:bodyPr lIns="0" tIns="0" rIns="0" bIns="0" anchor="b"/>
+          <a:lstStyle/>
+          <a:p>
+            <a:r>
+              <a:rPr lang="pt-BR" sz="1400" b="0" strike="noStrike" spc="-1">
+                <a:latin typeface="Times New Roman"/>
+              </a:rPr>
+              <a:t>&lt;rodapé&gt;</a:t>
+            </a:r>
+          </a:p>
+        </p:txBody>
+      </p:sp>
+      <p:sp>
+        <p:nvSpPr>
+          <p:cNvPr id="99" name="PlaceHolder 6"/>
+          <p:cNvSpPr>
+            <a:spLocks noGrp="1"/>
+          </p:cNvSpPr>
+          <p:nvPr>
+            <p:ph type="sldNum"/>
+          </p:nvPr>
+        </p:nvSpPr>
+        <p:spPr>
+          <a:xfrm>
+            <a:off x="4278960" y="10157400"/>
+            <a:ext cx="3280680" cy="534240"/>
+          </a:xfrm>
+          <a:prstGeom prst="rect">
+            <a:avLst/>
+          </a:prstGeom>
+        </p:spPr>
+        <p:txBody>
+          <a:bodyPr lIns="0" tIns="0" rIns="0" bIns="0" anchor="b"/>
+          <a:lstStyle/>
+          <a:p>
+            <a:pPr algn="r"/>
+            <a:fld id="{AEA4F425-2822-4CC3-ABE6-07C28A59EEE8}" type="slidenum">
+              <a:rPr lang="pt-BR" sz="1400" b="0" strike="noStrike" spc="-1">
+                <a:latin typeface="Times New Roman"/>
+              </a:rPr>
+              <a:t>‹#›</a:t>
+            </a:fld>
+            <a:endParaRPr lang="pt-BR" sz="1400" b="0" strike="noStrike" spc="-1">
+              <a:latin typeface="Times New Roman"/>
+            </a:endParaRPr>
+          </a:p>
+        </p:txBody>
+      </p:sp>
+    </p:spTree>
+  </p:cSld>
+  <p:clrMap bg1="lt1" tx1="dk1" bg2="lt2" tx2="dk2" accent1="accent1" accent2="accent2" accent3="accent3" accent4="accent4" accent5="accent5" accent6="accent6" hlink="hlink" folHlink="folHlink"/>
+  <p:notesStyle>
+    <a:lvl1pPr marL="0" algn="l" defTabSz="914400" rtl="0" eaLnBrk="1" latinLnBrk="0" hangingPunct="1">
+      <a:defRPr sz="1200" kern="1200">
+        <a:solidFill>
+          <a:schemeClr val="tx1"/>
+        </a:solidFill>
+        <a:latin typeface="+mn-lt"/>
+        <a:ea typeface="+mn-ea"/>
+        <a:cs typeface="+mn-cs"/>
+      </a:defRPr>
+    </a:lvl1pPr>
+    <a:lvl2pPr marL="457200" algn="l" defTabSz="914400" rtl="0" eaLnBrk="1" latinLnBrk="0" hangingPunct="1">
+      <a:defRPr sz="1200" kern="1200">
+        <a:solidFill>
+          <a:schemeClr val="tx1"/>
+        </a:solidFill>
+        <a:latin typeface="+mn-lt"/>
+        <a:ea typeface="+mn-ea"/>
+        <a:cs typeface="+mn-cs"/>
+      </a:defRPr>
+    </a:lvl2pPr>
+    <a:lvl3pPr marL="914400" algn="l" defTabSz="914400" rtl="0" eaLnBrk="1" latinLnBrk="0" hangingPunct="1">
+      <a:defRPr sz="1200" kern="1200">
+        <a:solidFill>
+          <a:schemeClr val="tx1"/>
+        </a:solidFill>
+        <a:latin typeface="+mn-lt"/>
+        <a:ea typeface="+mn-ea"/>
+        <a:cs typeface="+mn-cs"/>
+      </a:defRPr>
+    </a:lvl3pPr>
+    <a:lvl4pPr marL="1371600" algn="l" defTabSz="914400" rtl="0" eaLnBrk="1" latinLnBrk="0" hangingPunct="1">
+      <a:defRPr sz="1200" kern="1200">
+        <a:solidFill>
+          <a:schemeClr val="tx1"/>
+        </a:solidFill>
+        <a:latin typeface="+mn-lt"/>
+        <a:ea typeface="+mn-ea"/>
+        <a:cs typeface="+mn-cs"/>
+      </a:defRPr>
+    </a:lvl4pPr>
+    <a:lvl5pPr marL="1828800" algn="l" defTabSz="914400" rtl="0" eaLnBrk="1" latinLnBrk="0" hangingPunct="1">
+      <a:defRPr sz="1200" kern="1200">
+        <a:solidFill>
+          <a:schemeClr val="tx1"/>
+        </a:solidFill>
+        <a:latin typeface="+mn-lt"/>
+        <a:ea typeface="+mn-ea"/>
+        <a:cs typeface="+mn-cs"/>
+      </a:defRPr>
+    </a:lvl5pPr>
+    <a:lvl6pPr marL="2286000" algn="l" defTabSz="914400" rtl="0" eaLnBrk="1" latinLnBrk="0" hangingPunct="1">
+      <a:defRPr sz="1200" kern="1200">
+        <a:solidFill>
+          <a:schemeClr val="tx1"/>
+        </a:solidFill>
+        <a:latin typeface="+mn-lt"/>
+        <a:ea typeface="+mn-ea"/>
+        <a:cs typeface="+mn-cs"/>
+      </a:defRPr>
+    </a:lvl6pPr>
+    <a:lvl7pPr marL="2743200" algn="l" defTabSz="914400" rtl="0" eaLnBrk="1" latinLnBrk="0" hangingPunct="1">
+      <a:defRPr sz="1200" kern="1200">
+        <a:solidFill>
+          <a:schemeClr val="tx1"/>
+        </a:solidFill>
+        <a:latin typeface="+mn-lt"/>
+        <a:ea typeface="+mn-ea"/>
+        <a:cs typeface="+mn-cs"/>
+      </a:defRPr>
+    </a:lvl7pPr>
+    <a:lvl8pPr marL="3200400" algn="l" defTabSz="914400" rtl="0" eaLnBrk="1" latinLnBrk="0" hangingPunct="1">
+      <a:defRPr sz="1200" kern="1200">
+        <a:solidFill>
+          <a:schemeClr val="tx1"/>
+        </a:solidFill>
+        <a:latin typeface="+mn-lt"/>
+        <a:ea typeface="+mn-ea"/>
+        <a:cs typeface="+mn-cs"/>
+      </a:defRPr>
+    </a:lvl8pPr>
+    <a:lvl9pPr marL="3657600" algn="l" defTabSz="914400" rtl="0" eaLnBrk="1" latinLnBrk="0" hangingPunct="1">
+      <a:defRPr sz="1200" kern="1200">
+        <a:solidFill>
+          <a:schemeClr val="tx1"/>
+        </a:solidFill>
+        <a:latin typeface="+mn-lt"/>
+        <a:ea typeface="+mn-ea"/>
+        <a:cs typeface="+mn-cs"/>
+      </a:defRPr>
+    </a:lvl9pPr>
+  </p:notesStyle>
+</p:notesMaster>
+</file>
+
+<file path=ppt/notesSlides/notesSlide1.xml><?xml version="1.0" encoding="utf-8"?>
+<p:notes xmlns:a="http://schemas.openxmlformats.org/drawingml/2006/main" xmlns:r="http://schemas.openxmlformats.org/officeDocument/2006/relationships" xmlns:p="http://schemas.openxmlformats.org/presentationml/2006/main">
   <p:cSld>
     <p:spTree>
       <p:nvGrpSpPr>
@@ -43,244 +458,9 @@
       </p:grpSpPr>
       <p:sp>
         <p:nvSpPr>
-          <p:cNvPr id="94" name="PlaceHolder 1"/>
-          <p:cNvSpPr>
-            <a:spLocks noGrp="1"/>
-          </p:cNvSpPr>
-          <p:nvPr>
-            <p:ph type="sldImg"/>
-          </p:nvPr>
-        </p:nvSpPr>
-        <p:spPr>
-          <a:xfrm>
-            <a:off x="216000" y="812520"/>
-            <a:ext cx="7127280" cy="4008960"/>
-          </a:xfrm>
-          <a:prstGeom prst="rect">
-            <a:avLst/>
-          </a:prstGeom>
-        </p:spPr>
-        <p:txBody>
-          <a:bodyPr lIns="0" rIns="0" tIns="0" bIns="0" anchor="ctr"/>
-          <a:p>
-            <a:r>
-              <a:rPr b="0" lang="en-US" sz="1800" spc="-1" strike="noStrike">
-                <a:solidFill>
-                  <a:srgbClr val="000000"/>
-                </a:solidFill>
-                <a:latin typeface="Gill Sans MT"/>
-              </a:rPr>
-              <a:t>Clique para mover o slide</a:t>
-            </a:r>
-            <a:endParaRPr b="0" lang="en-US" sz="1800" spc="-1" strike="noStrike">
-              <a:solidFill>
-                <a:srgbClr val="000000"/>
-              </a:solidFill>
-              <a:latin typeface="Gill Sans MT"/>
-            </a:endParaRPr>
-          </a:p>
-        </p:txBody>
-      </p:sp>
-      <p:sp>
-        <p:nvSpPr>
-          <p:cNvPr id="95" name="PlaceHolder 2"/>
-          <p:cNvSpPr>
-            <a:spLocks noGrp="1"/>
-          </p:cNvSpPr>
-          <p:nvPr>
-            <p:ph type="body"/>
-          </p:nvPr>
-        </p:nvSpPr>
-        <p:spPr>
-          <a:xfrm>
-            <a:off x="756000" y="5078520"/>
-            <a:ext cx="6047640" cy="4811040"/>
-          </a:xfrm>
-          <a:prstGeom prst="rect">
-            <a:avLst/>
-          </a:prstGeom>
-        </p:spPr>
-        <p:txBody>
-          <a:bodyPr lIns="0" rIns="0" tIns="0" bIns="0"/>
-          <a:p>
-            <a:r>
-              <a:rPr b="0" lang="pt-BR" sz="2000" spc="-1" strike="noStrike">
-                <a:latin typeface="Arial"/>
-              </a:rPr>
-              <a:t>Clique para editar o formato de notas</a:t>
-            </a:r>
-            <a:endParaRPr b="0" lang="pt-BR" sz="2000" spc="-1" strike="noStrike">
-              <a:latin typeface="Arial"/>
-            </a:endParaRPr>
-          </a:p>
-        </p:txBody>
-      </p:sp>
-      <p:sp>
-        <p:nvSpPr>
-          <p:cNvPr id="96" name="PlaceHolder 3"/>
-          <p:cNvSpPr>
-            <a:spLocks noGrp="1"/>
-          </p:cNvSpPr>
-          <p:nvPr>
-            <p:ph type="hdr"/>
-          </p:nvPr>
-        </p:nvSpPr>
-        <p:spPr>
-          <a:xfrm>
-            <a:off x="0" y="0"/>
-            <a:ext cx="3280680" cy="534240"/>
-          </a:xfrm>
-          <a:prstGeom prst="rect">
-            <a:avLst/>
-          </a:prstGeom>
-        </p:spPr>
-        <p:txBody>
-          <a:bodyPr lIns="0" rIns="0" tIns="0" bIns="0"/>
-          <a:p>
-            <a:r>
-              <a:rPr b="0" lang="pt-BR" sz="1400" spc="-1" strike="noStrike">
-                <a:latin typeface="Times New Roman"/>
-              </a:rPr>
-              <a:t>&lt;cabeçalho&gt;</a:t>
-            </a:r>
-            <a:endParaRPr b="0" lang="pt-BR" sz="1400" spc="-1" strike="noStrike">
-              <a:latin typeface="Times New Roman"/>
-            </a:endParaRPr>
-          </a:p>
-        </p:txBody>
-      </p:sp>
-      <p:sp>
-        <p:nvSpPr>
-          <p:cNvPr id="97" name="PlaceHolder 4"/>
-          <p:cNvSpPr>
-            <a:spLocks noGrp="1"/>
-          </p:cNvSpPr>
-          <p:nvPr>
-            <p:ph type="dt"/>
-          </p:nvPr>
-        </p:nvSpPr>
-        <p:spPr>
-          <a:xfrm>
-            <a:off x="4278960" y="0"/>
-            <a:ext cx="3280680" cy="534240"/>
-          </a:xfrm>
-          <a:prstGeom prst="rect">
-            <a:avLst/>
-          </a:prstGeom>
-        </p:spPr>
-        <p:txBody>
-          <a:bodyPr lIns="0" rIns="0" tIns="0" bIns="0"/>
-          <a:p>
-            <a:pPr algn="r"/>
-            <a:r>
-              <a:rPr b="0" lang="pt-BR" sz="1400" spc="-1" strike="noStrike">
-                <a:latin typeface="Times New Roman"/>
-              </a:rPr>
-              <a:t>&lt;data/hora&gt;</a:t>
-            </a:r>
-            <a:endParaRPr b="0" lang="pt-BR" sz="1400" spc="-1" strike="noStrike">
-              <a:latin typeface="Times New Roman"/>
-            </a:endParaRPr>
-          </a:p>
-        </p:txBody>
-      </p:sp>
-      <p:sp>
-        <p:nvSpPr>
-          <p:cNvPr id="98" name="PlaceHolder 5"/>
-          <p:cNvSpPr>
-            <a:spLocks noGrp="1"/>
-          </p:cNvSpPr>
-          <p:nvPr>
-            <p:ph type="ftr"/>
-          </p:nvPr>
-        </p:nvSpPr>
-        <p:spPr>
-          <a:xfrm>
-            <a:off x="0" y="10157400"/>
-            <a:ext cx="3280680" cy="534240"/>
-          </a:xfrm>
-          <a:prstGeom prst="rect">
-            <a:avLst/>
-          </a:prstGeom>
-        </p:spPr>
-        <p:txBody>
-          <a:bodyPr lIns="0" rIns="0" tIns="0" bIns="0" anchor="b"/>
-          <a:p>
-            <a:r>
-              <a:rPr b="0" lang="pt-BR" sz="1400" spc="-1" strike="noStrike">
-                <a:latin typeface="Times New Roman"/>
-              </a:rPr>
-              <a:t>&lt;rodapé&gt;</a:t>
-            </a:r>
-            <a:endParaRPr b="0" lang="pt-BR" sz="1400" spc="-1" strike="noStrike">
-              <a:latin typeface="Times New Roman"/>
-            </a:endParaRPr>
-          </a:p>
-        </p:txBody>
-      </p:sp>
-      <p:sp>
-        <p:nvSpPr>
-          <p:cNvPr id="99" name="PlaceHolder 6"/>
-          <p:cNvSpPr>
-            <a:spLocks noGrp="1"/>
-          </p:cNvSpPr>
-          <p:nvPr>
-            <p:ph type="sldNum"/>
-          </p:nvPr>
-        </p:nvSpPr>
-        <p:spPr>
-          <a:xfrm>
-            <a:off x="4278960" y="10157400"/>
-            <a:ext cx="3280680" cy="534240"/>
-          </a:xfrm>
-          <a:prstGeom prst="rect">
-            <a:avLst/>
-          </a:prstGeom>
-        </p:spPr>
-        <p:txBody>
-          <a:bodyPr lIns="0" rIns="0" tIns="0" bIns="0" anchor="b"/>
-          <a:p>
-            <a:pPr algn="r"/>
-            <a:fld id="{AEA4F425-2822-4CC3-ABE6-07C28A59EEE8}" type="slidenum">
-              <a:rPr b="0" lang="pt-BR" sz="1400" spc="-1" strike="noStrike">
-                <a:latin typeface="Times New Roman"/>
-              </a:rPr>
-              <a:t>&lt;número&gt;</a:t>
-            </a:fld>
-            <a:endParaRPr b="0" lang="pt-BR" sz="1400" spc="-1" strike="noStrike">
-              <a:latin typeface="Times New Roman"/>
-            </a:endParaRPr>
-          </a:p>
-        </p:txBody>
-      </p:sp>
-    </p:spTree>
-  </p:cSld>
-  <p:clrMap bg1="lt1" bg2="lt2" tx1="dk1" tx2="dk2" accent1="accent1" accent2="accent2" accent3="accent3" accent4="accent4" accent5="accent5" accent6="accent6" hlink="hlink" folHlink="folHlink"/>
-</p:notesMaster>
-</file>
-
-<file path=ppt/notesSlides/notesSlide1.xml><?xml version="1.0" encoding="utf-8"?>
-<p:notes xmlns:a="http://schemas.openxmlformats.org/drawingml/2006/main" xmlns:p="http://schemas.openxmlformats.org/presentationml/2006/main" xmlns:r="http://schemas.openxmlformats.org/officeDocument/2006/relationships" xmlns:p14="http://schemas.microsoft.com/office/powerpoint/2010/main" xmlns:p15="http://schemas.microsoft.com/office/powerpoint/2012/main" xmlns:mc="http://schemas.openxmlformats.org/markup-compatibility/2006">
-  <p:cSld>
-    <p:spTree>
-      <p:nvGrpSpPr>
-        <p:cNvPr id="1" name=""/>
-        <p:cNvGrpSpPr/>
-        <p:nvPr/>
-      </p:nvGrpSpPr>
-      <p:grpSpPr>
-        <a:xfrm>
-          <a:off x="0" y="0"/>
-          <a:ext cx="0" cy="0"/>
-          <a:chOff x="0" y="0"/>
-          <a:chExt cx="0" cy="0"/>
-        </a:xfrm>
-      </p:grpSpPr>
-      <p:sp>
-        <p:nvSpPr>
           <p:cNvPr id="177" name="PlaceHolder 1"/>
           <p:cNvSpPr>
-            <a:spLocks noGrp="1"/>
+            <a:spLocks noGrp="1" noRot="1" noChangeAspect="1"/>
           </p:cNvSpPr>
           <p:nvPr>
             <p:ph type="sldImg"/>
@@ -317,8 +497,9 @@
         </p:spPr>
         <p:txBody>
           <a:bodyPr/>
-          <a:p>
-            <a:endParaRPr b="0" lang="pt-BR" sz="2000" spc="-1" strike="noStrike">
+          <a:lstStyle/>
+          <a:p>
+            <a:endParaRPr lang="pt-BR" sz="2000" b="0" strike="noStrike" spc="-1">
               <a:latin typeface="Arial"/>
             </a:endParaRPr>
           </a:p>
@@ -345,6 +526,7 @@
         </p:spPr>
         <p:txBody>
           <a:bodyPr anchor="b"/>
+          <a:lstStyle/>
           <a:p>
             <a:pPr algn="r">
               <a:lnSpc>
@@ -352,16 +534,16 @@
               </a:lnSpc>
             </a:pPr>
             <a:fld id="{B0476A29-2162-42D4-B880-B3C7BB83A56E}" type="slidenum">
-              <a:rPr b="0" lang="pt-BR" sz="1200" spc="-1" strike="noStrike">
+              <a:rPr lang="pt-BR" sz="1200" b="0" strike="noStrike" spc="-1">
                 <a:solidFill>
                   <a:srgbClr val="000000"/>
                 </a:solidFill>
                 <a:latin typeface="+mn-lt"/>
                 <a:ea typeface="+mn-ea"/>
               </a:rPr>
-              <a:t>&lt;número&gt;</a:t>
+              <a:t>1</a:t>
             </a:fld>
-            <a:endParaRPr b="0" lang="pt-BR" sz="1200" spc="-1" strike="noStrike">
+            <a:endParaRPr lang="pt-BR" sz="1200" b="0" strike="noStrike" spc="-1">
               <a:latin typeface="Times New Roman"/>
             </a:endParaRPr>
           </a:p>
@@ -369,11 +551,14 @@
       </p:sp>
     </p:spTree>
   </p:cSld>
+  <p:clrMapOvr>
+    <a:masterClrMapping/>
+  </p:clrMapOvr>
 </p:notes>
 </file>
 
 <file path=ppt/slideLayouts/slideLayout1.xml><?xml version="1.0" encoding="utf-8"?>
-<p:sldLayout xmlns:a="http://schemas.openxmlformats.org/drawingml/2006/main" xmlns:p="http://schemas.openxmlformats.org/presentationml/2006/main" xmlns:r="http://schemas.openxmlformats.org/officeDocument/2006/relationships" xmlns:p14="http://schemas.microsoft.com/office/powerpoint/2010/main" xmlns:p15="http://schemas.microsoft.com/office/powerpoint/2012/main" xmlns:mc="http://schemas.openxmlformats.org/markup-compatibility/2006" type="blank" preserve="1">
+<p:sldLayout xmlns:a="http://schemas.openxmlformats.org/drawingml/2006/main" xmlns:r="http://schemas.openxmlformats.org/officeDocument/2006/relationships" xmlns:p="http://schemas.openxmlformats.org/presentationml/2006/main" type="blank" preserve="1">
   <p:cSld name="Blank Slide">
     <p:spTree>
       <p:nvGrpSpPr>
@@ -391,11 +576,14 @@
       </p:grpSpPr>
     </p:spTree>
   </p:cSld>
+  <p:clrMapOvr>
+    <a:masterClrMapping/>
+  </p:clrMapOvr>
 </p:sldLayout>
 </file>
 
 <file path=ppt/slideLayouts/slideLayout10.xml><?xml version="1.0" encoding="utf-8"?>
-<p:sldLayout xmlns:a="http://schemas.openxmlformats.org/drawingml/2006/main" xmlns:p="http://schemas.openxmlformats.org/presentationml/2006/main" xmlns:r="http://schemas.openxmlformats.org/officeDocument/2006/relationships" xmlns:p14="http://schemas.microsoft.com/office/powerpoint/2010/main" xmlns:p15="http://schemas.microsoft.com/office/powerpoint/2012/main" xmlns:mc="http://schemas.openxmlformats.org/markup-compatibility/2006" type="objOverTx" preserve="1">
+<p:sldLayout xmlns:a="http://schemas.openxmlformats.org/drawingml/2006/main" xmlns:r="http://schemas.openxmlformats.org/officeDocument/2006/relationships" xmlns:p="http://schemas.openxmlformats.org/presentationml/2006/main" type="objOverTx" preserve="1">
   <p:cSld name="Title, Content over Content">
     <p:spTree>
       <p:nvGrpSpPr>
@@ -431,9 +619,10 @@
           </a:prstGeom>
         </p:spPr>
         <p:txBody>
-          <a:bodyPr lIns="0" rIns="0" tIns="0" bIns="0" anchor="ctr"/>
-          <a:p>
-            <a:endParaRPr b="0" lang="en-US" sz="1800" spc="-1" strike="noStrike">
+          <a:bodyPr lIns="0" tIns="0" rIns="0" bIns="0" anchor="ctr"/>
+          <a:lstStyle/>
+          <a:p>
+            <a:endParaRPr lang="en-US" sz="1800" b="0" strike="noStrike" spc="-1">
               <a:solidFill>
                 <a:srgbClr val="000000"/>
               </a:solidFill>
@@ -462,13 +651,14 @@
           </a:prstGeom>
         </p:spPr>
         <p:txBody>
-          <a:bodyPr lIns="0" rIns="0" tIns="0" bIns="0">
+          <a:bodyPr lIns="0" tIns="0" rIns="0" bIns="0">
             <a:normAutofit/>
           </a:bodyPr>
-          <a:p>
-            <a:endParaRPr b="0" lang="en-US" sz="1800" spc="-1" strike="noStrike">
+          <a:lstStyle/>
+          <a:p>
+            <a:endParaRPr lang="en-US" sz="1800" b="0" strike="noStrike" spc="-1">
               <a:solidFill>
-                <a:srgbClr val="3d3d3d"/>
+                <a:srgbClr val="3D3D3D"/>
               </a:solidFill>
               <a:latin typeface="Gill Sans MT"/>
             </a:endParaRPr>
@@ -495,13 +685,14 @@
           </a:prstGeom>
         </p:spPr>
         <p:txBody>
-          <a:bodyPr lIns="0" rIns="0" tIns="0" bIns="0">
+          <a:bodyPr lIns="0" tIns="0" rIns="0" bIns="0">
             <a:normAutofit/>
           </a:bodyPr>
-          <a:p>
-            <a:endParaRPr b="0" lang="en-US" sz="1800" spc="-1" strike="noStrike">
+          <a:lstStyle/>
+          <a:p>
+            <a:endParaRPr lang="en-US" sz="1800" b="0" strike="noStrike" spc="-1">
               <a:solidFill>
-                <a:srgbClr val="3d3d3d"/>
+                <a:srgbClr val="3D3D3D"/>
               </a:solidFill>
               <a:latin typeface="Gill Sans MT"/>
             </a:endParaRPr>
@@ -510,11 +701,14 @@
       </p:sp>
     </p:spTree>
   </p:cSld>
+  <p:clrMapOvr>
+    <a:masterClrMapping/>
+  </p:clrMapOvr>
 </p:sldLayout>
 </file>
 
 <file path=ppt/slideLayouts/slideLayout11.xml><?xml version="1.0" encoding="utf-8"?>
-<p:sldLayout xmlns:a="http://schemas.openxmlformats.org/drawingml/2006/main" xmlns:p="http://schemas.openxmlformats.org/presentationml/2006/main" xmlns:r="http://schemas.openxmlformats.org/officeDocument/2006/relationships" xmlns:p14="http://schemas.microsoft.com/office/powerpoint/2010/main" xmlns:p15="http://schemas.microsoft.com/office/powerpoint/2012/main" xmlns:mc="http://schemas.openxmlformats.org/markup-compatibility/2006" type="fourObj" preserve="1">
+<p:sldLayout xmlns:a="http://schemas.openxmlformats.org/drawingml/2006/main" xmlns:r="http://schemas.openxmlformats.org/officeDocument/2006/relationships" xmlns:p="http://schemas.openxmlformats.org/presentationml/2006/main" type="fourObj" preserve="1">
   <p:cSld name="Title, 4 Content">
     <p:spTree>
       <p:nvGrpSpPr>
@@ -550,9 +744,10 @@
           </a:prstGeom>
         </p:spPr>
         <p:txBody>
-          <a:bodyPr lIns="0" rIns="0" tIns="0" bIns="0" anchor="ctr"/>
-          <a:p>
-            <a:endParaRPr b="0" lang="en-US" sz="1800" spc="-1" strike="noStrike">
+          <a:bodyPr lIns="0" tIns="0" rIns="0" bIns="0" anchor="ctr"/>
+          <a:lstStyle/>
+          <a:p>
+            <a:endParaRPr lang="en-US" sz="1800" b="0" strike="noStrike" spc="-1">
               <a:solidFill>
                 <a:srgbClr val="000000"/>
               </a:solidFill>
@@ -581,13 +776,14 @@
           </a:prstGeom>
         </p:spPr>
         <p:txBody>
-          <a:bodyPr lIns="0" rIns="0" tIns="0" bIns="0">
+          <a:bodyPr lIns="0" tIns="0" rIns="0" bIns="0">
             <a:normAutofit/>
           </a:bodyPr>
-          <a:p>
-            <a:endParaRPr b="0" lang="en-US" sz="1800" spc="-1" strike="noStrike">
+          <a:lstStyle/>
+          <a:p>
+            <a:endParaRPr lang="en-US" sz="1800" b="0" strike="noStrike" spc="-1">
               <a:solidFill>
-                <a:srgbClr val="3d3d3d"/>
+                <a:srgbClr val="3D3D3D"/>
               </a:solidFill>
               <a:latin typeface="Gill Sans MT"/>
             </a:endParaRPr>
@@ -614,13 +810,14 @@
           </a:prstGeom>
         </p:spPr>
         <p:txBody>
-          <a:bodyPr lIns="0" rIns="0" tIns="0" bIns="0">
+          <a:bodyPr lIns="0" tIns="0" rIns="0" bIns="0">
             <a:normAutofit/>
           </a:bodyPr>
-          <a:p>
-            <a:endParaRPr b="0" lang="en-US" sz="1800" spc="-1" strike="noStrike">
+          <a:lstStyle/>
+          <a:p>
+            <a:endParaRPr lang="en-US" sz="1800" b="0" strike="noStrike" spc="-1">
               <a:solidFill>
-                <a:srgbClr val="3d3d3d"/>
+                <a:srgbClr val="3D3D3D"/>
               </a:solidFill>
               <a:latin typeface="Gill Sans MT"/>
             </a:endParaRPr>
@@ -647,13 +844,14 @@
           </a:prstGeom>
         </p:spPr>
         <p:txBody>
-          <a:bodyPr lIns="0" rIns="0" tIns="0" bIns="0">
+          <a:bodyPr lIns="0" tIns="0" rIns="0" bIns="0">
             <a:normAutofit/>
           </a:bodyPr>
-          <a:p>
-            <a:endParaRPr b="0" lang="en-US" sz="1800" spc="-1" strike="noStrike">
+          <a:lstStyle/>
+          <a:p>
+            <a:endParaRPr lang="en-US" sz="1800" b="0" strike="noStrike" spc="-1">
               <a:solidFill>
-                <a:srgbClr val="3d3d3d"/>
+                <a:srgbClr val="3D3D3D"/>
               </a:solidFill>
               <a:latin typeface="Gill Sans MT"/>
             </a:endParaRPr>
@@ -680,13 +878,14 @@
           </a:prstGeom>
         </p:spPr>
         <p:txBody>
-          <a:bodyPr lIns="0" rIns="0" tIns="0" bIns="0">
+          <a:bodyPr lIns="0" tIns="0" rIns="0" bIns="0">
             <a:normAutofit/>
           </a:bodyPr>
-          <a:p>
-            <a:endParaRPr b="0" lang="en-US" sz="1800" spc="-1" strike="noStrike">
+          <a:lstStyle/>
+          <a:p>
+            <a:endParaRPr lang="en-US" sz="1800" b="0" strike="noStrike" spc="-1">
               <a:solidFill>
-                <a:srgbClr val="3d3d3d"/>
+                <a:srgbClr val="3D3D3D"/>
               </a:solidFill>
               <a:latin typeface="Gill Sans MT"/>
             </a:endParaRPr>
@@ -695,11 +894,14 @@
       </p:sp>
     </p:spTree>
   </p:cSld>
+  <p:clrMapOvr>
+    <a:masterClrMapping/>
+  </p:clrMapOvr>
 </p:sldLayout>
 </file>
 
 <file path=ppt/slideLayouts/slideLayout12.xml><?xml version="1.0" encoding="utf-8"?>
-<p:sldLayout xmlns:a="http://schemas.openxmlformats.org/drawingml/2006/main" xmlns:p="http://schemas.openxmlformats.org/presentationml/2006/main" xmlns:r="http://schemas.openxmlformats.org/officeDocument/2006/relationships" xmlns:p14="http://schemas.microsoft.com/office/powerpoint/2010/main" xmlns:p15="http://schemas.microsoft.com/office/powerpoint/2012/main" xmlns:mc="http://schemas.openxmlformats.org/markup-compatibility/2006" type="blank" preserve="1">
+<p:sldLayout xmlns:a="http://schemas.openxmlformats.org/drawingml/2006/main" xmlns:r="http://schemas.openxmlformats.org/officeDocument/2006/relationships" xmlns:p="http://schemas.openxmlformats.org/presentationml/2006/main" type="blank" preserve="1">
   <p:cSld name="Title, 6 Content">
     <p:spTree>
       <p:nvGrpSpPr>
@@ -735,9 +937,10 @@
           </a:prstGeom>
         </p:spPr>
         <p:txBody>
-          <a:bodyPr lIns="0" rIns="0" tIns="0" bIns="0" anchor="ctr"/>
-          <a:p>
-            <a:endParaRPr b="0" lang="en-US" sz="1800" spc="-1" strike="noStrike">
+          <a:bodyPr lIns="0" tIns="0" rIns="0" bIns="0" anchor="ctr"/>
+          <a:lstStyle/>
+          <a:p>
+            <a:endParaRPr lang="en-US" sz="1800" b="0" strike="noStrike" spc="-1">
               <a:solidFill>
                 <a:srgbClr val="000000"/>
               </a:solidFill>
@@ -766,13 +969,14 @@
           </a:prstGeom>
         </p:spPr>
         <p:txBody>
-          <a:bodyPr lIns="0" rIns="0" tIns="0" bIns="0">
+          <a:bodyPr lIns="0" tIns="0" rIns="0" bIns="0">
             <a:normAutofit/>
           </a:bodyPr>
-          <a:p>
-            <a:endParaRPr b="0" lang="en-US" sz="1800" spc="-1" strike="noStrike">
+          <a:lstStyle/>
+          <a:p>
+            <a:endParaRPr lang="en-US" sz="1800" b="0" strike="noStrike" spc="-1">
               <a:solidFill>
-                <a:srgbClr val="3d3d3d"/>
+                <a:srgbClr val="3D3D3D"/>
               </a:solidFill>
               <a:latin typeface="Gill Sans MT"/>
             </a:endParaRPr>
@@ -799,13 +1003,14 @@
           </a:prstGeom>
         </p:spPr>
         <p:txBody>
-          <a:bodyPr lIns="0" rIns="0" tIns="0" bIns="0">
+          <a:bodyPr lIns="0" tIns="0" rIns="0" bIns="0">
             <a:normAutofit/>
           </a:bodyPr>
-          <a:p>
-            <a:endParaRPr b="0" lang="en-US" sz="1800" spc="-1" strike="noStrike">
+          <a:lstStyle/>
+          <a:p>
+            <a:endParaRPr lang="en-US" sz="1800" b="0" strike="noStrike" spc="-1">
               <a:solidFill>
-                <a:srgbClr val="3d3d3d"/>
+                <a:srgbClr val="3D3D3D"/>
               </a:solidFill>
               <a:latin typeface="Gill Sans MT"/>
             </a:endParaRPr>
@@ -832,13 +1037,14 @@
           </a:prstGeom>
         </p:spPr>
         <p:txBody>
-          <a:bodyPr lIns="0" rIns="0" tIns="0" bIns="0">
+          <a:bodyPr lIns="0" tIns="0" rIns="0" bIns="0">
             <a:normAutofit/>
           </a:bodyPr>
-          <a:p>
-            <a:endParaRPr b="0" lang="en-US" sz="1800" spc="-1" strike="noStrike">
+          <a:lstStyle/>
+          <a:p>
+            <a:endParaRPr lang="en-US" sz="1800" b="0" strike="noStrike" spc="-1">
               <a:solidFill>
-                <a:srgbClr val="3d3d3d"/>
+                <a:srgbClr val="3D3D3D"/>
               </a:solidFill>
               <a:latin typeface="Gill Sans MT"/>
             </a:endParaRPr>
@@ -865,13 +1071,14 @@
           </a:prstGeom>
         </p:spPr>
         <p:txBody>
-          <a:bodyPr lIns="0" rIns="0" tIns="0" bIns="0">
+          <a:bodyPr lIns="0" tIns="0" rIns="0" bIns="0">
             <a:normAutofit/>
           </a:bodyPr>
-          <a:p>
-            <a:endParaRPr b="0" lang="en-US" sz="1800" spc="-1" strike="noStrike">
+          <a:lstStyle/>
+          <a:p>
+            <a:endParaRPr lang="en-US" sz="1800" b="0" strike="noStrike" spc="-1">
               <a:solidFill>
-                <a:srgbClr val="3d3d3d"/>
+                <a:srgbClr val="3D3D3D"/>
               </a:solidFill>
               <a:latin typeface="Gill Sans MT"/>
             </a:endParaRPr>
@@ -898,13 +1105,14 @@
           </a:prstGeom>
         </p:spPr>
         <p:txBody>
-          <a:bodyPr lIns="0" rIns="0" tIns="0" bIns="0">
+          <a:bodyPr lIns="0" tIns="0" rIns="0" bIns="0">
             <a:normAutofit/>
           </a:bodyPr>
-          <a:p>
-            <a:endParaRPr b="0" lang="en-US" sz="1800" spc="-1" strike="noStrike">
+          <a:lstStyle/>
+          <a:p>
+            <a:endParaRPr lang="en-US" sz="1800" b="0" strike="noStrike" spc="-1">
               <a:solidFill>
-                <a:srgbClr val="3d3d3d"/>
+                <a:srgbClr val="3D3D3D"/>
               </a:solidFill>
               <a:latin typeface="Gill Sans MT"/>
             </a:endParaRPr>
@@ -931,13 +1139,14 @@
           </a:prstGeom>
         </p:spPr>
         <p:txBody>
-          <a:bodyPr lIns="0" rIns="0" tIns="0" bIns="0">
+          <a:bodyPr lIns="0" tIns="0" rIns="0" bIns="0">
             <a:normAutofit/>
           </a:bodyPr>
-          <a:p>
-            <a:endParaRPr b="0" lang="en-US" sz="1800" spc="-1" strike="noStrike">
+          <a:lstStyle/>
+          <a:p>
+            <a:endParaRPr lang="en-US" sz="1800" b="0" strike="noStrike" spc="-1">
               <a:solidFill>
-                <a:srgbClr val="3d3d3d"/>
+                <a:srgbClr val="3D3D3D"/>
               </a:solidFill>
               <a:latin typeface="Gill Sans MT"/>
             </a:endParaRPr>
@@ -946,11 +1155,14 @@
       </p:sp>
     </p:spTree>
   </p:cSld>
+  <p:clrMapOvr>
+    <a:masterClrMapping/>
+  </p:clrMapOvr>
 </p:sldLayout>
 </file>
 
 <file path=ppt/slideLayouts/slideLayout13.xml><?xml version="1.0" encoding="utf-8"?>
-<p:sldLayout xmlns:a="http://schemas.openxmlformats.org/drawingml/2006/main" xmlns:p="http://schemas.openxmlformats.org/presentationml/2006/main" xmlns:r="http://schemas.openxmlformats.org/officeDocument/2006/relationships" xmlns:p14="http://schemas.microsoft.com/office/powerpoint/2010/main" xmlns:p15="http://schemas.microsoft.com/office/powerpoint/2012/main" xmlns:mc="http://schemas.openxmlformats.org/markup-compatibility/2006" type="blank" preserve="1">
+<p:sldLayout xmlns:a="http://schemas.openxmlformats.org/drawingml/2006/main" xmlns:r="http://schemas.openxmlformats.org/officeDocument/2006/relationships" xmlns:p="http://schemas.openxmlformats.org/presentationml/2006/main" type="blank" preserve="1">
   <p:cSld name="Blank Slide">
     <p:spTree>
       <p:nvGrpSpPr>
@@ -968,11 +1180,14 @@
       </p:grpSpPr>
     </p:spTree>
   </p:cSld>
+  <p:clrMapOvr>
+    <a:masterClrMapping/>
+  </p:clrMapOvr>
 </p:sldLayout>
 </file>
 
 <file path=ppt/slideLayouts/slideLayout14.xml><?xml version="1.0" encoding="utf-8"?>
-<p:sldLayout xmlns:a="http://schemas.openxmlformats.org/drawingml/2006/main" xmlns:p="http://schemas.openxmlformats.org/presentationml/2006/main" xmlns:r="http://schemas.openxmlformats.org/officeDocument/2006/relationships" xmlns:p14="http://schemas.microsoft.com/office/powerpoint/2010/main" xmlns:p15="http://schemas.microsoft.com/office/powerpoint/2012/main" xmlns:mc="http://schemas.openxmlformats.org/markup-compatibility/2006" type="tx" preserve="1">
+<p:sldLayout xmlns:a="http://schemas.openxmlformats.org/drawingml/2006/main" xmlns:r="http://schemas.openxmlformats.org/officeDocument/2006/relationships" xmlns:p="http://schemas.openxmlformats.org/presentationml/2006/main" type="tx" preserve="1">
   <p:cSld name="Title Slide">
     <p:spTree>
       <p:nvGrpSpPr>
@@ -1008,9 +1223,10 @@
           </a:prstGeom>
         </p:spPr>
         <p:txBody>
-          <a:bodyPr lIns="0" rIns="0" tIns="0" bIns="0" anchor="ctr"/>
-          <a:p>
-            <a:endParaRPr b="0" lang="en-US" sz="1800" spc="-1" strike="noStrike">
+          <a:bodyPr lIns="0" tIns="0" rIns="0" bIns="0" anchor="ctr"/>
+          <a:lstStyle/>
+          <a:p>
+            <a:endParaRPr lang="en-US" sz="1800" b="0" strike="noStrike" spc="-1">
               <a:solidFill>
                 <a:srgbClr val="000000"/>
               </a:solidFill>
@@ -1039,10 +1255,11 @@
           </a:prstGeom>
         </p:spPr>
         <p:txBody>
-          <a:bodyPr lIns="0" rIns="0" tIns="0" bIns="0" anchor="ctr"/>
+          <a:bodyPr lIns="0" tIns="0" rIns="0" bIns="0" anchor="ctr"/>
+          <a:lstStyle/>
           <a:p>
             <a:pPr algn="ctr"/>
-            <a:endParaRPr b="0" lang="pt-BR" sz="3200" spc="-1" strike="noStrike">
+            <a:endParaRPr lang="pt-BR" sz="3200" b="0" strike="noStrike" spc="-1">
               <a:latin typeface="Arial"/>
             </a:endParaRPr>
           </a:p>
@@ -1050,11 +1267,14 @@
       </p:sp>
     </p:spTree>
   </p:cSld>
+  <p:clrMapOvr>
+    <a:masterClrMapping/>
+  </p:clrMapOvr>
 </p:sldLayout>
 </file>
 
 <file path=ppt/slideLayouts/slideLayout15.xml><?xml version="1.0" encoding="utf-8"?>
-<p:sldLayout xmlns:a="http://schemas.openxmlformats.org/drawingml/2006/main" xmlns:p="http://schemas.openxmlformats.org/presentationml/2006/main" xmlns:r="http://schemas.openxmlformats.org/officeDocument/2006/relationships" xmlns:p14="http://schemas.microsoft.com/office/powerpoint/2010/main" xmlns:p15="http://schemas.microsoft.com/office/powerpoint/2012/main" xmlns:mc="http://schemas.openxmlformats.org/markup-compatibility/2006" type="obj" preserve="1">
+<p:sldLayout xmlns:a="http://schemas.openxmlformats.org/drawingml/2006/main" xmlns:r="http://schemas.openxmlformats.org/officeDocument/2006/relationships" xmlns:p="http://schemas.openxmlformats.org/presentationml/2006/main" type="obj" preserve="1">
   <p:cSld name="Title, Content">
     <p:spTree>
       <p:nvGrpSpPr>
@@ -1090,9 +1310,10 @@
           </a:prstGeom>
         </p:spPr>
         <p:txBody>
-          <a:bodyPr lIns="0" rIns="0" tIns="0" bIns="0" anchor="ctr"/>
-          <a:p>
-            <a:endParaRPr b="0" lang="en-US" sz="1800" spc="-1" strike="noStrike">
+          <a:bodyPr lIns="0" tIns="0" rIns="0" bIns="0" anchor="ctr"/>
+          <a:lstStyle/>
+          <a:p>
+            <a:endParaRPr lang="en-US" sz="1800" b="0" strike="noStrike" spc="-1">
               <a:solidFill>
                 <a:srgbClr val="000000"/>
               </a:solidFill>
@@ -1121,13 +1342,14 @@
           </a:prstGeom>
         </p:spPr>
         <p:txBody>
-          <a:bodyPr lIns="0" rIns="0" tIns="0" bIns="0">
+          <a:bodyPr lIns="0" tIns="0" rIns="0" bIns="0">
             <a:normAutofit/>
           </a:bodyPr>
-          <a:p>
-            <a:endParaRPr b="0" lang="en-US" sz="1800" spc="-1" strike="noStrike">
+          <a:lstStyle/>
+          <a:p>
+            <a:endParaRPr lang="en-US" sz="1800" b="0" strike="noStrike" spc="-1">
               <a:solidFill>
-                <a:srgbClr val="3d3d3d"/>
+                <a:srgbClr val="3D3D3D"/>
               </a:solidFill>
               <a:latin typeface="Gill Sans MT"/>
             </a:endParaRPr>
@@ -1136,11 +1358,14 @@
       </p:sp>
     </p:spTree>
   </p:cSld>
+  <p:clrMapOvr>
+    <a:masterClrMapping/>
+  </p:clrMapOvr>
 </p:sldLayout>
 </file>
 
 <file path=ppt/slideLayouts/slideLayout16.xml><?xml version="1.0" encoding="utf-8"?>
-<p:sldLayout xmlns:a="http://schemas.openxmlformats.org/drawingml/2006/main" xmlns:p="http://schemas.openxmlformats.org/presentationml/2006/main" xmlns:r="http://schemas.openxmlformats.org/officeDocument/2006/relationships" xmlns:p14="http://schemas.microsoft.com/office/powerpoint/2010/main" xmlns:p15="http://schemas.microsoft.com/office/powerpoint/2012/main" xmlns:mc="http://schemas.openxmlformats.org/markup-compatibility/2006" type="twoObj" preserve="1">
+<p:sldLayout xmlns:a="http://schemas.openxmlformats.org/drawingml/2006/main" xmlns:r="http://schemas.openxmlformats.org/officeDocument/2006/relationships" xmlns:p="http://schemas.openxmlformats.org/presentationml/2006/main" type="twoObj" preserve="1">
   <p:cSld name="Title, 2 Content">
     <p:spTree>
       <p:nvGrpSpPr>
@@ -1176,9 +1401,10 @@
           </a:prstGeom>
         </p:spPr>
         <p:txBody>
-          <a:bodyPr lIns="0" rIns="0" tIns="0" bIns="0" anchor="ctr"/>
-          <a:p>
-            <a:endParaRPr b="0" lang="en-US" sz="1800" spc="-1" strike="noStrike">
+          <a:bodyPr lIns="0" tIns="0" rIns="0" bIns="0" anchor="ctr"/>
+          <a:lstStyle/>
+          <a:p>
+            <a:endParaRPr lang="en-US" sz="1800" b="0" strike="noStrike" spc="-1">
               <a:solidFill>
                 <a:srgbClr val="000000"/>
               </a:solidFill>
@@ -1207,13 +1433,14 @@
           </a:prstGeom>
         </p:spPr>
         <p:txBody>
-          <a:bodyPr lIns="0" rIns="0" tIns="0" bIns="0">
+          <a:bodyPr lIns="0" tIns="0" rIns="0" bIns="0">
             <a:normAutofit/>
           </a:bodyPr>
-          <a:p>
-            <a:endParaRPr b="0" lang="en-US" sz="1800" spc="-1" strike="noStrike">
+          <a:lstStyle/>
+          <a:p>
+            <a:endParaRPr lang="en-US" sz="1800" b="0" strike="noStrike" spc="-1">
               <a:solidFill>
-                <a:srgbClr val="3d3d3d"/>
+                <a:srgbClr val="3D3D3D"/>
               </a:solidFill>
               <a:latin typeface="Gill Sans MT"/>
             </a:endParaRPr>
@@ -1240,13 +1467,14 @@
           </a:prstGeom>
         </p:spPr>
         <p:txBody>
-          <a:bodyPr lIns="0" rIns="0" tIns="0" bIns="0">
+          <a:bodyPr lIns="0" tIns="0" rIns="0" bIns="0">
             <a:normAutofit/>
           </a:bodyPr>
-          <a:p>
-            <a:endParaRPr b="0" lang="en-US" sz="1800" spc="-1" strike="noStrike">
+          <a:lstStyle/>
+          <a:p>
+            <a:endParaRPr lang="en-US" sz="1800" b="0" strike="noStrike" spc="-1">
               <a:solidFill>
-                <a:srgbClr val="3d3d3d"/>
+                <a:srgbClr val="3D3D3D"/>
               </a:solidFill>
               <a:latin typeface="Gill Sans MT"/>
             </a:endParaRPr>
@@ -1255,11 +1483,14 @@
       </p:sp>
     </p:spTree>
   </p:cSld>
+  <p:clrMapOvr>
+    <a:masterClrMapping/>
+  </p:clrMapOvr>
 </p:sldLayout>
 </file>
 
 <file path=ppt/slideLayouts/slideLayout17.xml><?xml version="1.0" encoding="utf-8"?>
-<p:sldLayout xmlns:a="http://schemas.openxmlformats.org/drawingml/2006/main" xmlns:p="http://schemas.openxmlformats.org/presentationml/2006/main" xmlns:r="http://schemas.openxmlformats.org/officeDocument/2006/relationships" xmlns:p14="http://schemas.microsoft.com/office/powerpoint/2010/main" xmlns:p15="http://schemas.microsoft.com/office/powerpoint/2012/main" xmlns:mc="http://schemas.openxmlformats.org/markup-compatibility/2006" type="titleOnly" preserve="1">
+<p:sldLayout xmlns:a="http://schemas.openxmlformats.org/drawingml/2006/main" xmlns:r="http://schemas.openxmlformats.org/officeDocument/2006/relationships" xmlns:p="http://schemas.openxmlformats.org/presentationml/2006/main" type="titleOnly" preserve="1">
   <p:cSld name="Title Only">
     <p:spTree>
       <p:nvGrpSpPr>
@@ -1295,9 +1526,10 @@
           </a:prstGeom>
         </p:spPr>
         <p:txBody>
-          <a:bodyPr lIns="0" rIns="0" tIns="0" bIns="0" anchor="ctr"/>
-          <a:p>
-            <a:endParaRPr b="0" lang="en-US" sz="1800" spc="-1" strike="noStrike">
+          <a:bodyPr lIns="0" tIns="0" rIns="0" bIns="0" anchor="ctr"/>
+          <a:lstStyle/>
+          <a:p>
+            <a:endParaRPr lang="en-US" sz="1800" b="0" strike="noStrike" spc="-1">
               <a:solidFill>
                 <a:srgbClr val="000000"/>
               </a:solidFill>
@@ -1308,11 +1540,14 @@
       </p:sp>
     </p:spTree>
   </p:cSld>
+  <p:clrMapOvr>
+    <a:masterClrMapping/>
+  </p:clrMapOvr>
 </p:sldLayout>
 </file>
 
 <file path=ppt/slideLayouts/slideLayout18.xml><?xml version="1.0" encoding="utf-8"?>
-<p:sldLayout xmlns:a="http://schemas.openxmlformats.org/drawingml/2006/main" xmlns:p="http://schemas.openxmlformats.org/presentationml/2006/main" xmlns:r="http://schemas.openxmlformats.org/officeDocument/2006/relationships" xmlns:p14="http://schemas.microsoft.com/office/powerpoint/2010/main" xmlns:p15="http://schemas.microsoft.com/office/powerpoint/2012/main" xmlns:mc="http://schemas.openxmlformats.org/markup-compatibility/2006" type="objOnly" preserve="1">
+<p:sldLayout xmlns:a="http://schemas.openxmlformats.org/drawingml/2006/main" xmlns:r="http://schemas.openxmlformats.org/officeDocument/2006/relationships" xmlns:p="http://schemas.openxmlformats.org/presentationml/2006/main" type="objOnly" preserve="1">
   <p:cSld name="Centered Text">
     <p:spTree>
       <p:nvGrpSpPr>
@@ -1348,10 +1583,11 @@
           </a:prstGeom>
         </p:spPr>
         <p:txBody>
-          <a:bodyPr lIns="0" rIns="0" tIns="0" bIns="0" anchor="ctr"/>
+          <a:bodyPr lIns="0" tIns="0" rIns="0" bIns="0" anchor="ctr"/>
+          <a:lstStyle/>
           <a:p>
             <a:pPr algn="ctr"/>
-            <a:endParaRPr b="0" lang="pt-BR" sz="3200" spc="-1" strike="noStrike">
+            <a:endParaRPr lang="pt-BR" sz="3200" b="0" strike="noStrike" spc="-1">
               <a:latin typeface="Arial"/>
             </a:endParaRPr>
           </a:p>
@@ -1359,11 +1595,14 @@
       </p:sp>
     </p:spTree>
   </p:cSld>
+  <p:clrMapOvr>
+    <a:masterClrMapping/>
+  </p:clrMapOvr>
 </p:sldLayout>
 </file>
 
 <file path=ppt/slideLayouts/slideLayout19.xml><?xml version="1.0" encoding="utf-8"?>
-<p:sldLayout xmlns:a="http://schemas.openxmlformats.org/drawingml/2006/main" xmlns:p="http://schemas.openxmlformats.org/presentationml/2006/main" xmlns:r="http://schemas.openxmlformats.org/officeDocument/2006/relationships" xmlns:p14="http://schemas.microsoft.com/office/powerpoint/2010/main" xmlns:p15="http://schemas.microsoft.com/office/powerpoint/2012/main" xmlns:mc="http://schemas.openxmlformats.org/markup-compatibility/2006" type="twoObjAndObj" preserve="1">
+<p:sldLayout xmlns:a="http://schemas.openxmlformats.org/drawingml/2006/main" xmlns:r="http://schemas.openxmlformats.org/officeDocument/2006/relationships" xmlns:p="http://schemas.openxmlformats.org/presentationml/2006/main" type="twoObjAndObj" preserve="1">
   <p:cSld name="Title, 2 Content and Content">
     <p:spTree>
       <p:nvGrpSpPr>
@@ -1399,9 +1638,10 @@
           </a:prstGeom>
         </p:spPr>
         <p:txBody>
-          <a:bodyPr lIns="0" rIns="0" tIns="0" bIns="0" anchor="ctr"/>
-          <a:p>
-            <a:endParaRPr b="0" lang="en-US" sz="1800" spc="-1" strike="noStrike">
+          <a:bodyPr lIns="0" tIns="0" rIns="0" bIns="0" anchor="ctr"/>
+          <a:lstStyle/>
+          <a:p>
+            <a:endParaRPr lang="en-US" sz="1800" b="0" strike="noStrike" spc="-1">
               <a:solidFill>
                 <a:srgbClr val="000000"/>
               </a:solidFill>
@@ -1430,13 +1670,14 @@
           </a:prstGeom>
         </p:spPr>
         <p:txBody>
-          <a:bodyPr lIns="0" rIns="0" tIns="0" bIns="0">
+          <a:bodyPr lIns="0" tIns="0" rIns="0" bIns="0">
             <a:normAutofit/>
           </a:bodyPr>
-          <a:p>
-            <a:endParaRPr b="0" lang="en-US" sz="1800" spc="-1" strike="noStrike">
+          <a:lstStyle/>
+          <a:p>
+            <a:endParaRPr lang="en-US" sz="1800" b="0" strike="noStrike" spc="-1">
               <a:solidFill>
-                <a:srgbClr val="3d3d3d"/>
+                <a:srgbClr val="3D3D3D"/>
               </a:solidFill>
               <a:latin typeface="Gill Sans MT"/>
             </a:endParaRPr>
@@ -1463,13 +1704,14 @@
           </a:prstGeom>
         </p:spPr>
         <p:txBody>
-          <a:bodyPr lIns="0" rIns="0" tIns="0" bIns="0">
+          <a:bodyPr lIns="0" tIns="0" rIns="0" bIns="0">
             <a:normAutofit/>
           </a:bodyPr>
-          <a:p>
-            <a:endParaRPr b="0" lang="en-US" sz="1800" spc="-1" strike="noStrike">
+          <a:lstStyle/>
+          <a:p>
+            <a:endParaRPr lang="en-US" sz="1800" b="0" strike="noStrike" spc="-1">
               <a:solidFill>
-                <a:srgbClr val="3d3d3d"/>
+                <a:srgbClr val="3D3D3D"/>
               </a:solidFill>
               <a:latin typeface="Gill Sans MT"/>
             </a:endParaRPr>
@@ -1496,13 +1738,14 @@
           </a:prstGeom>
         </p:spPr>
         <p:txBody>
-          <a:bodyPr lIns="0" rIns="0" tIns="0" bIns="0">
+          <a:bodyPr lIns="0" tIns="0" rIns="0" bIns="0">
             <a:normAutofit/>
           </a:bodyPr>
-          <a:p>
-            <a:endParaRPr b="0" lang="en-US" sz="1800" spc="-1" strike="noStrike">
+          <a:lstStyle/>
+          <a:p>
+            <a:endParaRPr lang="en-US" sz="1800" b="0" strike="noStrike" spc="-1">
               <a:solidFill>
-                <a:srgbClr val="3d3d3d"/>
+                <a:srgbClr val="3D3D3D"/>
               </a:solidFill>
               <a:latin typeface="Gill Sans MT"/>
             </a:endParaRPr>
@@ -1511,11 +1754,14 @@
       </p:sp>
     </p:spTree>
   </p:cSld>
+  <p:clrMapOvr>
+    <a:masterClrMapping/>
+  </p:clrMapOvr>
 </p:sldLayout>
 </file>
 
 <file path=ppt/slideLayouts/slideLayout2.xml><?xml version="1.0" encoding="utf-8"?>
-<p:sldLayout xmlns:a="http://schemas.openxmlformats.org/drawingml/2006/main" xmlns:p="http://schemas.openxmlformats.org/presentationml/2006/main" xmlns:r="http://schemas.openxmlformats.org/officeDocument/2006/relationships" xmlns:p14="http://schemas.microsoft.com/office/powerpoint/2010/main" xmlns:p15="http://schemas.microsoft.com/office/powerpoint/2012/main" xmlns:mc="http://schemas.openxmlformats.org/markup-compatibility/2006" type="tx" preserve="1">
+<p:sldLayout xmlns:a="http://schemas.openxmlformats.org/drawingml/2006/main" xmlns:r="http://schemas.openxmlformats.org/officeDocument/2006/relationships" xmlns:p="http://schemas.openxmlformats.org/presentationml/2006/main" type="tx" preserve="1">
   <p:cSld name="Title Slide">
     <p:spTree>
       <p:nvGrpSpPr>
@@ -1551,9 +1797,10 @@
           </a:prstGeom>
         </p:spPr>
         <p:txBody>
-          <a:bodyPr lIns="0" rIns="0" tIns="0" bIns="0" anchor="ctr"/>
-          <a:p>
-            <a:endParaRPr b="0" lang="en-US" sz="1800" spc="-1" strike="noStrike">
+          <a:bodyPr lIns="0" tIns="0" rIns="0" bIns="0" anchor="ctr"/>
+          <a:lstStyle/>
+          <a:p>
+            <a:endParaRPr lang="en-US" sz="1800" b="0" strike="noStrike" spc="-1">
               <a:solidFill>
                 <a:srgbClr val="000000"/>
               </a:solidFill>
@@ -1582,10 +1829,11 @@
           </a:prstGeom>
         </p:spPr>
         <p:txBody>
-          <a:bodyPr lIns="0" rIns="0" tIns="0" bIns="0" anchor="ctr"/>
+          <a:bodyPr lIns="0" tIns="0" rIns="0" bIns="0" anchor="ctr"/>
+          <a:lstStyle/>
           <a:p>
             <a:pPr algn="ctr"/>
-            <a:endParaRPr b="0" lang="pt-BR" sz="3200" spc="-1" strike="noStrike">
+            <a:endParaRPr lang="pt-BR" sz="3200" b="0" strike="noStrike" spc="-1">
               <a:latin typeface="Arial"/>
             </a:endParaRPr>
           </a:p>
@@ -1593,11 +1841,14 @@
       </p:sp>
     </p:spTree>
   </p:cSld>
+  <p:clrMapOvr>
+    <a:masterClrMapping/>
+  </p:clrMapOvr>
 </p:sldLayout>
 </file>
 
 <file path=ppt/slideLayouts/slideLayout20.xml><?xml version="1.0" encoding="utf-8"?>
-<p:sldLayout xmlns:a="http://schemas.openxmlformats.org/drawingml/2006/main" xmlns:p="http://schemas.openxmlformats.org/presentationml/2006/main" xmlns:r="http://schemas.openxmlformats.org/officeDocument/2006/relationships" xmlns:p14="http://schemas.microsoft.com/office/powerpoint/2010/main" xmlns:p15="http://schemas.microsoft.com/office/powerpoint/2012/main" xmlns:mc="http://schemas.openxmlformats.org/markup-compatibility/2006" type="objAndTwoObj" preserve="1">
+<p:sldLayout xmlns:a="http://schemas.openxmlformats.org/drawingml/2006/main" xmlns:r="http://schemas.openxmlformats.org/officeDocument/2006/relationships" xmlns:p="http://schemas.openxmlformats.org/presentationml/2006/main" type="objAndTwoObj" preserve="1">
   <p:cSld name="Title Content and 2 Content">
     <p:spTree>
       <p:nvGrpSpPr>
@@ -1633,9 +1884,10 @@
           </a:prstGeom>
         </p:spPr>
         <p:txBody>
-          <a:bodyPr lIns="0" rIns="0" tIns="0" bIns="0" anchor="ctr"/>
-          <a:p>
-            <a:endParaRPr b="0" lang="en-US" sz="1800" spc="-1" strike="noStrike">
+          <a:bodyPr lIns="0" tIns="0" rIns="0" bIns="0" anchor="ctr"/>
+          <a:lstStyle/>
+          <a:p>
+            <a:endParaRPr lang="en-US" sz="1800" b="0" strike="noStrike" spc="-1">
               <a:solidFill>
                 <a:srgbClr val="000000"/>
               </a:solidFill>
@@ -1664,13 +1916,14 @@
           </a:prstGeom>
         </p:spPr>
         <p:txBody>
-          <a:bodyPr lIns="0" rIns="0" tIns="0" bIns="0">
+          <a:bodyPr lIns="0" tIns="0" rIns="0" bIns="0">
             <a:normAutofit/>
           </a:bodyPr>
-          <a:p>
-            <a:endParaRPr b="0" lang="en-US" sz="1800" spc="-1" strike="noStrike">
+          <a:lstStyle/>
+          <a:p>
+            <a:endParaRPr lang="en-US" sz="1800" b="0" strike="noStrike" spc="-1">
               <a:solidFill>
-                <a:srgbClr val="3d3d3d"/>
+                <a:srgbClr val="3D3D3D"/>
               </a:solidFill>
               <a:latin typeface="Gill Sans MT"/>
             </a:endParaRPr>
@@ -1697,13 +1950,14 @@
           </a:prstGeom>
         </p:spPr>
         <p:txBody>
-          <a:bodyPr lIns="0" rIns="0" tIns="0" bIns="0">
+          <a:bodyPr lIns="0" tIns="0" rIns="0" bIns="0">
             <a:normAutofit/>
           </a:bodyPr>
-          <a:p>
-            <a:endParaRPr b="0" lang="en-US" sz="1800" spc="-1" strike="noStrike">
+          <a:lstStyle/>
+          <a:p>
+            <a:endParaRPr lang="en-US" sz="1800" b="0" strike="noStrike" spc="-1">
               <a:solidFill>
-                <a:srgbClr val="3d3d3d"/>
+                <a:srgbClr val="3D3D3D"/>
               </a:solidFill>
               <a:latin typeface="Gill Sans MT"/>
             </a:endParaRPr>
@@ -1730,13 +1984,14 @@
           </a:prstGeom>
         </p:spPr>
         <p:txBody>
-          <a:bodyPr lIns="0" rIns="0" tIns="0" bIns="0">
+          <a:bodyPr lIns="0" tIns="0" rIns="0" bIns="0">
             <a:normAutofit/>
           </a:bodyPr>
-          <a:p>
-            <a:endParaRPr b="0" lang="en-US" sz="1800" spc="-1" strike="noStrike">
+          <a:lstStyle/>
+          <a:p>
+            <a:endParaRPr lang="en-US" sz="1800" b="0" strike="noStrike" spc="-1">
               <a:solidFill>
-                <a:srgbClr val="3d3d3d"/>
+                <a:srgbClr val="3D3D3D"/>
               </a:solidFill>
               <a:latin typeface="Gill Sans MT"/>
             </a:endParaRPr>
@@ -1745,11 +2000,14 @@
       </p:sp>
     </p:spTree>
   </p:cSld>
+  <p:clrMapOvr>
+    <a:masterClrMapping/>
+  </p:clrMapOvr>
 </p:sldLayout>
 </file>
 
 <file path=ppt/slideLayouts/slideLayout21.xml><?xml version="1.0" encoding="utf-8"?>
-<p:sldLayout xmlns:a="http://schemas.openxmlformats.org/drawingml/2006/main" xmlns:p="http://schemas.openxmlformats.org/presentationml/2006/main" xmlns:r="http://schemas.openxmlformats.org/officeDocument/2006/relationships" xmlns:p14="http://schemas.microsoft.com/office/powerpoint/2010/main" xmlns:p15="http://schemas.microsoft.com/office/powerpoint/2012/main" xmlns:mc="http://schemas.openxmlformats.org/markup-compatibility/2006" type="twoObjOverTx" preserve="1">
+<p:sldLayout xmlns:a="http://schemas.openxmlformats.org/drawingml/2006/main" xmlns:r="http://schemas.openxmlformats.org/officeDocument/2006/relationships" xmlns:p="http://schemas.openxmlformats.org/presentationml/2006/main" type="twoObjOverTx" preserve="1">
   <p:cSld name="Title, 2 Content over Content">
     <p:spTree>
       <p:nvGrpSpPr>
@@ -1785,9 +2043,10 @@
           </a:prstGeom>
         </p:spPr>
         <p:txBody>
-          <a:bodyPr lIns="0" rIns="0" tIns="0" bIns="0" anchor="ctr"/>
-          <a:p>
-            <a:endParaRPr b="0" lang="en-US" sz="1800" spc="-1" strike="noStrike">
+          <a:bodyPr lIns="0" tIns="0" rIns="0" bIns="0" anchor="ctr"/>
+          <a:lstStyle/>
+          <a:p>
+            <a:endParaRPr lang="en-US" sz="1800" b="0" strike="noStrike" spc="-1">
               <a:solidFill>
                 <a:srgbClr val="000000"/>
               </a:solidFill>
@@ -1816,13 +2075,14 @@
           </a:prstGeom>
         </p:spPr>
         <p:txBody>
-          <a:bodyPr lIns="0" rIns="0" tIns="0" bIns="0">
+          <a:bodyPr lIns="0" tIns="0" rIns="0" bIns="0">
             <a:normAutofit/>
           </a:bodyPr>
-          <a:p>
-            <a:endParaRPr b="0" lang="en-US" sz="1800" spc="-1" strike="noStrike">
+          <a:lstStyle/>
+          <a:p>
+            <a:endParaRPr lang="en-US" sz="1800" b="0" strike="noStrike" spc="-1">
               <a:solidFill>
-                <a:srgbClr val="3d3d3d"/>
+                <a:srgbClr val="3D3D3D"/>
               </a:solidFill>
               <a:latin typeface="Gill Sans MT"/>
             </a:endParaRPr>
@@ -1849,13 +2109,14 @@
           </a:prstGeom>
         </p:spPr>
         <p:txBody>
-          <a:bodyPr lIns="0" rIns="0" tIns="0" bIns="0">
+          <a:bodyPr lIns="0" tIns="0" rIns="0" bIns="0">
             <a:normAutofit/>
           </a:bodyPr>
-          <a:p>
-            <a:endParaRPr b="0" lang="en-US" sz="1800" spc="-1" strike="noStrike">
+          <a:lstStyle/>
+          <a:p>
+            <a:endParaRPr lang="en-US" sz="1800" b="0" strike="noStrike" spc="-1">
               <a:solidFill>
-                <a:srgbClr val="3d3d3d"/>
+                <a:srgbClr val="3D3D3D"/>
               </a:solidFill>
               <a:latin typeface="Gill Sans MT"/>
             </a:endParaRPr>
@@ -1882,13 +2143,14 @@
           </a:prstGeom>
         </p:spPr>
         <p:txBody>
-          <a:bodyPr lIns="0" rIns="0" tIns="0" bIns="0">
+          <a:bodyPr lIns="0" tIns="0" rIns="0" bIns="0">
             <a:normAutofit/>
           </a:bodyPr>
-          <a:p>
-            <a:endParaRPr b="0" lang="en-US" sz="1800" spc="-1" strike="noStrike">
+          <a:lstStyle/>
+          <a:p>
+            <a:endParaRPr lang="en-US" sz="1800" b="0" strike="noStrike" spc="-1">
               <a:solidFill>
-                <a:srgbClr val="3d3d3d"/>
+                <a:srgbClr val="3D3D3D"/>
               </a:solidFill>
               <a:latin typeface="Gill Sans MT"/>
             </a:endParaRPr>
@@ -1897,11 +2159,14 @@
       </p:sp>
     </p:spTree>
   </p:cSld>
+  <p:clrMapOvr>
+    <a:masterClrMapping/>
+  </p:clrMapOvr>
 </p:sldLayout>
 </file>
 
 <file path=ppt/slideLayouts/slideLayout22.xml><?xml version="1.0" encoding="utf-8"?>
-<p:sldLayout xmlns:a="http://schemas.openxmlformats.org/drawingml/2006/main" xmlns:p="http://schemas.openxmlformats.org/presentationml/2006/main" xmlns:r="http://schemas.openxmlformats.org/officeDocument/2006/relationships" xmlns:p14="http://schemas.microsoft.com/office/powerpoint/2010/main" xmlns:p15="http://schemas.microsoft.com/office/powerpoint/2012/main" xmlns:mc="http://schemas.openxmlformats.org/markup-compatibility/2006" type="objOverTx" preserve="1">
+<p:sldLayout xmlns:a="http://schemas.openxmlformats.org/drawingml/2006/main" xmlns:r="http://schemas.openxmlformats.org/officeDocument/2006/relationships" xmlns:p="http://schemas.openxmlformats.org/presentationml/2006/main" type="objOverTx" preserve="1">
   <p:cSld name="Title, Content over Content">
     <p:spTree>
       <p:nvGrpSpPr>
@@ -1937,9 +2202,10 @@
           </a:prstGeom>
         </p:spPr>
         <p:txBody>
-          <a:bodyPr lIns="0" rIns="0" tIns="0" bIns="0" anchor="ctr"/>
-          <a:p>
-            <a:endParaRPr b="0" lang="en-US" sz="1800" spc="-1" strike="noStrike">
+          <a:bodyPr lIns="0" tIns="0" rIns="0" bIns="0" anchor="ctr"/>
+          <a:lstStyle/>
+          <a:p>
+            <a:endParaRPr lang="en-US" sz="1800" b="0" strike="noStrike" spc="-1">
               <a:solidFill>
                 <a:srgbClr val="000000"/>
               </a:solidFill>
@@ -1968,13 +2234,14 @@
           </a:prstGeom>
         </p:spPr>
         <p:txBody>
-          <a:bodyPr lIns="0" rIns="0" tIns="0" bIns="0">
+          <a:bodyPr lIns="0" tIns="0" rIns="0" bIns="0">
             <a:normAutofit/>
           </a:bodyPr>
-          <a:p>
-            <a:endParaRPr b="0" lang="en-US" sz="1800" spc="-1" strike="noStrike">
+          <a:lstStyle/>
+          <a:p>
+            <a:endParaRPr lang="en-US" sz="1800" b="0" strike="noStrike" spc="-1">
               <a:solidFill>
-                <a:srgbClr val="3d3d3d"/>
+                <a:srgbClr val="3D3D3D"/>
               </a:solidFill>
               <a:latin typeface="Gill Sans MT"/>
             </a:endParaRPr>
@@ -2001,13 +2268,14 @@
           </a:prstGeom>
         </p:spPr>
         <p:txBody>
-          <a:bodyPr lIns="0" rIns="0" tIns="0" bIns="0">
+          <a:bodyPr lIns="0" tIns="0" rIns="0" bIns="0">
             <a:normAutofit/>
           </a:bodyPr>
-          <a:p>
-            <a:endParaRPr b="0" lang="en-US" sz="1800" spc="-1" strike="noStrike">
+          <a:lstStyle/>
+          <a:p>
+            <a:endParaRPr lang="en-US" sz="1800" b="0" strike="noStrike" spc="-1">
               <a:solidFill>
-                <a:srgbClr val="3d3d3d"/>
+                <a:srgbClr val="3D3D3D"/>
               </a:solidFill>
               <a:latin typeface="Gill Sans MT"/>
             </a:endParaRPr>
@@ -2016,11 +2284,14 @@
       </p:sp>
     </p:spTree>
   </p:cSld>
+  <p:clrMapOvr>
+    <a:masterClrMapping/>
+  </p:clrMapOvr>
 </p:sldLayout>
 </file>
 
 <file path=ppt/slideLayouts/slideLayout23.xml><?xml version="1.0" encoding="utf-8"?>
-<p:sldLayout xmlns:a="http://schemas.openxmlformats.org/drawingml/2006/main" xmlns:p="http://schemas.openxmlformats.org/presentationml/2006/main" xmlns:r="http://schemas.openxmlformats.org/officeDocument/2006/relationships" xmlns:p14="http://schemas.microsoft.com/office/powerpoint/2010/main" xmlns:p15="http://schemas.microsoft.com/office/powerpoint/2012/main" xmlns:mc="http://schemas.openxmlformats.org/markup-compatibility/2006" type="fourObj" preserve="1">
+<p:sldLayout xmlns:a="http://schemas.openxmlformats.org/drawingml/2006/main" xmlns:r="http://schemas.openxmlformats.org/officeDocument/2006/relationships" xmlns:p="http://schemas.openxmlformats.org/presentationml/2006/main" type="fourObj" preserve="1">
   <p:cSld name="Title, 4 Content">
     <p:spTree>
       <p:nvGrpSpPr>
@@ -2056,9 +2327,10 @@
           </a:prstGeom>
         </p:spPr>
         <p:txBody>
-          <a:bodyPr lIns="0" rIns="0" tIns="0" bIns="0" anchor="ctr"/>
-          <a:p>
-            <a:endParaRPr b="0" lang="en-US" sz="1800" spc="-1" strike="noStrike">
+          <a:bodyPr lIns="0" tIns="0" rIns="0" bIns="0" anchor="ctr"/>
+          <a:lstStyle/>
+          <a:p>
+            <a:endParaRPr lang="en-US" sz="1800" b="0" strike="noStrike" spc="-1">
               <a:solidFill>
                 <a:srgbClr val="000000"/>
               </a:solidFill>
@@ -2087,13 +2359,14 @@
           </a:prstGeom>
         </p:spPr>
         <p:txBody>
-          <a:bodyPr lIns="0" rIns="0" tIns="0" bIns="0">
+          <a:bodyPr lIns="0" tIns="0" rIns="0" bIns="0">
             <a:normAutofit/>
           </a:bodyPr>
-          <a:p>
-            <a:endParaRPr b="0" lang="en-US" sz="1800" spc="-1" strike="noStrike">
+          <a:lstStyle/>
+          <a:p>
+            <a:endParaRPr lang="en-US" sz="1800" b="0" strike="noStrike" spc="-1">
               <a:solidFill>
-                <a:srgbClr val="3d3d3d"/>
+                <a:srgbClr val="3D3D3D"/>
               </a:solidFill>
               <a:latin typeface="Gill Sans MT"/>
             </a:endParaRPr>
@@ -2120,13 +2393,14 @@
           </a:prstGeom>
         </p:spPr>
         <p:txBody>
-          <a:bodyPr lIns="0" rIns="0" tIns="0" bIns="0">
+          <a:bodyPr lIns="0" tIns="0" rIns="0" bIns="0">
             <a:normAutofit/>
           </a:bodyPr>
-          <a:p>
-            <a:endParaRPr b="0" lang="en-US" sz="1800" spc="-1" strike="noStrike">
+          <a:lstStyle/>
+          <a:p>
+            <a:endParaRPr lang="en-US" sz="1800" b="0" strike="noStrike" spc="-1">
               <a:solidFill>
-                <a:srgbClr val="3d3d3d"/>
+                <a:srgbClr val="3D3D3D"/>
               </a:solidFill>
               <a:latin typeface="Gill Sans MT"/>
             </a:endParaRPr>
@@ -2153,13 +2427,14 @@
           </a:prstGeom>
         </p:spPr>
         <p:txBody>
-          <a:bodyPr lIns="0" rIns="0" tIns="0" bIns="0">
+          <a:bodyPr lIns="0" tIns="0" rIns="0" bIns="0">
             <a:normAutofit/>
           </a:bodyPr>
-          <a:p>
-            <a:endParaRPr b="0" lang="en-US" sz="1800" spc="-1" strike="noStrike">
+          <a:lstStyle/>
+          <a:p>
+            <a:endParaRPr lang="en-US" sz="1800" b="0" strike="noStrike" spc="-1">
               <a:solidFill>
-                <a:srgbClr val="3d3d3d"/>
+                <a:srgbClr val="3D3D3D"/>
               </a:solidFill>
               <a:latin typeface="Gill Sans MT"/>
             </a:endParaRPr>
@@ -2186,13 +2461,14 @@
           </a:prstGeom>
         </p:spPr>
         <p:txBody>
-          <a:bodyPr lIns="0" rIns="0" tIns="0" bIns="0">
+          <a:bodyPr lIns="0" tIns="0" rIns="0" bIns="0">
             <a:normAutofit/>
           </a:bodyPr>
-          <a:p>
-            <a:endParaRPr b="0" lang="en-US" sz="1800" spc="-1" strike="noStrike">
+          <a:lstStyle/>
+          <a:p>
+            <a:endParaRPr lang="en-US" sz="1800" b="0" strike="noStrike" spc="-1">
               <a:solidFill>
-                <a:srgbClr val="3d3d3d"/>
+                <a:srgbClr val="3D3D3D"/>
               </a:solidFill>
               <a:latin typeface="Gill Sans MT"/>
             </a:endParaRPr>
@@ -2201,11 +2477,14 @@
       </p:sp>
     </p:spTree>
   </p:cSld>
+  <p:clrMapOvr>
+    <a:masterClrMapping/>
+  </p:clrMapOvr>
 </p:sldLayout>
 </file>
 
 <file path=ppt/slideLayouts/slideLayout24.xml><?xml version="1.0" encoding="utf-8"?>
-<p:sldLayout xmlns:a="http://schemas.openxmlformats.org/drawingml/2006/main" xmlns:p="http://schemas.openxmlformats.org/presentationml/2006/main" xmlns:r="http://schemas.openxmlformats.org/officeDocument/2006/relationships" xmlns:p14="http://schemas.microsoft.com/office/powerpoint/2010/main" xmlns:p15="http://schemas.microsoft.com/office/powerpoint/2012/main" xmlns:mc="http://schemas.openxmlformats.org/markup-compatibility/2006" type="blank" preserve="1">
+<p:sldLayout xmlns:a="http://schemas.openxmlformats.org/drawingml/2006/main" xmlns:r="http://schemas.openxmlformats.org/officeDocument/2006/relationships" xmlns:p="http://schemas.openxmlformats.org/presentationml/2006/main" type="blank" preserve="1">
   <p:cSld name="Title, 6 Content">
     <p:spTree>
       <p:nvGrpSpPr>
@@ -2241,9 +2520,10 @@
           </a:prstGeom>
         </p:spPr>
         <p:txBody>
-          <a:bodyPr lIns="0" rIns="0" tIns="0" bIns="0" anchor="ctr"/>
-          <a:p>
-            <a:endParaRPr b="0" lang="en-US" sz="1800" spc="-1" strike="noStrike">
+          <a:bodyPr lIns="0" tIns="0" rIns="0" bIns="0" anchor="ctr"/>
+          <a:lstStyle/>
+          <a:p>
+            <a:endParaRPr lang="en-US" sz="1800" b="0" strike="noStrike" spc="-1">
               <a:solidFill>
                 <a:srgbClr val="000000"/>
               </a:solidFill>
@@ -2272,13 +2552,14 @@
           </a:prstGeom>
         </p:spPr>
         <p:txBody>
-          <a:bodyPr lIns="0" rIns="0" tIns="0" bIns="0">
+          <a:bodyPr lIns="0" tIns="0" rIns="0" bIns="0">
             <a:normAutofit/>
           </a:bodyPr>
-          <a:p>
-            <a:endParaRPr b="0" lang="en-US" sz="1800" spc="-1" strike="noStrike">
+          <a:lstStyle/>
+          <a:p>
+            <a:endParaRPr lang="en-US" sz="1800" b="0" strike="noStrike" spc="-1">
               <a:solidFill>
-                <a:srgbClr val="3d3d3d"/>
+                <a:srgbClr val="3D3D3D"/>
               </a:solidFill>
               <a:latin typeface="Gill Sans MT"/>
             </a:endParaRPr>
@@ -2305,13 +2586,14 @@
           </a:prstGeom>
         </p:spPr>
         <p:txBody>
-          <a:bodyPr lIns="0" rIns="0" tIns="0" bIns="0">
+          <a:bodyPr lIns="0" tIns="0" rIns="0" bIns="0">
             <a:normAutofit/>
           </a:bodyPr>
-          <a:p>
-            <a:endParaRPr b="0" lang="en-US" sz="1800" spc="-1" strike="noStrike">
+          <a:lstStyle/>
+          <a:p>
+            <a:endParaRPr lang="en-US" sz="1800" b="0" strike="noStrike" spc="-1">
               <a:solidFill>
-                <a:srgbClr val="3d3d3d"/>
+                <a:srgbClr val="3D3D3D"/>
               </a:solidFill>
               <a:latin typeface="Gill Sans MT"/>
             </a:endParaRPr>
@@ -2338,13 +2620,14 @@
           </a:prstGeom>
         </p:spPr>
         <p:txBody>
-          <a:bodyPr lIns="0" rIns="0" tIns="0" bIns="0">
+          <a:bodyPr lIns="0" tIns="0" rIns="0" bIns="0">
             <a:normAutofit/>
           </a:bodyPr>
-          <a:p>
-            <a:endParaRPr b="0" lang="en-US" sz="1800" spc="-1" strike="noStrike">
+          <a:lstStyle/>
+          <a:p>
+            <a:endParaRPr lang="en-US" sz="1800" b="0" strike="noStrike" spc="-1">
               <a:solidFill>
-                <a:srgbClr val="3d3d3d"/>
+                <a:srgbClr val="3D3D3D"/>
               </a:solidFill>
               <a:latin typeface="Gill Sans MT"/>
             </a:endParaRPr>
@@ -2371,13 +2654,14 @@
           </a:prstGeom>
         </p:spPr>
         <p:txBody>
-          <a:bodyPr lIns="0" rIns="0" tIns="0" bIns="0">
+          <a:bodyPr lIns="0" tIns="0" rIns="0" bIns="0">
             <a:normAutofit/>
           </a:bodyPr>
-          <a:p>
-            <a:endParaRPr b="0" lang="en-US" sz="1800" spc="-1" strike="noStrike">
+          <a:lstStyle/>
+          <a:p>
+            <a:endParaRPr lang="en-US" sz="1800" b="0" strike="noStrike" spc="-1">
               <a:solidFill>
-                <a:srgbClr val="3d3d3d"/>
+                <a:srgbClr val="3D3D3D"/>
               </a:solidFill>
               <a:latin typeface="Gill Sans MT"/>
             </a:endParaRPr>
@@ -2404,13 +2688,14 @@
           </a:prstGeom>
         </p:spPr>
         <p:txBody>
-          <a:bodyPr lIns="0" rIns="0" tIns="0" bIns="0">
+          <a:bodyPr lIns="0" tIns="0" rIns="0" bIns="0">
             <a:normAutofit/>
           </a:bodyPr>
-          <a:p>
-            <a:endParaRPr b="0" lang="en-US" sz="1800" spc="-1" strike="noStrike">
+          <a:lstStyle/>
+          <a:p>
+            <a:endParaRPr lang="en-US" sz="1800" b="0" strike="noStrike" spc="-1">
               <a:solidFill>
-                <a:srgbClr val="3d3d3d"/>
+                <a:srgbClr val="3D3D3D"/>
               </a:solidFill>
               <a:latin typeface="Gill Sans MT"/>
             </a:endParaRPr>
@@ -2437,13 +2722,14 @@
           </a:prstGeom>
         </p:spPr>
         <p:txBody>
-          <a:bodyPr lIns="0" rIns="0" tIns="0" bIns="0">
+          <a:bodyPr lIns="0" tIns="0" rIns="0" bIns="0">
             <a:normAutofit/>
           </a:bodyPr>
-          <a:p>
-            <a:endParaRPr b="0" lang="en-US" sz="1800" spc="-1" strike="noStrike">
+          <a:lstStyle/>
+          <a:p>
+            <a:endParaRPr lang="en-US" sz="1800" b="0" strike="noStrike" spc="-1">
               <a:solidFill>
-                <a:srgbClr val="3d3d3d"/>
+                <a:srgbClr val="3D3D3D"/>
               </a:solidFill>
               <a:latin typeface="Gill Sans MT"/>
             </a:endParaRPr>
@@ -2452,11 +2738,14 @@
       </p:sp>
     </p:spTree>
   </p:cSld>
+  <p:clrMapOvr>
+    <a:masterClrMapping/>
+  </p:clrMapOvr>
 </p:sldLayout>
 </file>
 
 <file path=ppt/slideLayouts/slideLayout3.xml><?xml version="1.0" encoding="utf-8"?>
-<p:sldLayout xmlns:a="http://schemas.openxmlformats.org/drawingml/2006/main" xmlns:p="http://schemas.openxmlformats.org/presentationml/2006/main" xmlns:r="http://schemas.openxmlformats.org/officeDocument/2006/relationships" xmlns:p14="http://schemas.microsoft.com/office/powerpoint/2010/main" xmlns:p15="http://schemas.microsoft.com/office/powerpoint/2012/main" xmlns:mc="http://schemas.openxmlformats.org/markup-compatibility/2006" type="obj" preserve="1">
+<p:sldLayout xmlns:a="http://schemas.openxmlformats.org/drawingml/2006/main" xmlns:r="http://schemas.openxmlformats.org/officeDocument/2006/relationships" xmlns:p="http://schemas.openxmlformats.org/presentationml/2006/main" type="obj" preserve="1">
   <p:cSld name="Title, Content">
     <p:spTree>
       <p:nvGrpSpPr>
@@ -2492,9 +2781,10 @@
           </a:prstGeom>
         </p:spPr>
         <p:txBody>
-          <a:bodyPr lIns="0" rIns="0" tIns="0" bIns="0" anchor="ctr"/>
-          <a:p>
-            <a:endParaRPr b="0" lang="en-US" sz="1800" spc="-1" strike="noStrike">
+          <a:bodyPr lIns="0" tIns="0" rIns="0" bIns="0" anchor="ctr"/>
+          <a:lstStyle/>
+          <a:p>
+            <a:endParaRPr lang="en-US" sz="1800" b="0" strike="noStrike" spc="-1">
               <a:solidFill>
                 <a:srgbClr val="000000"/>
               </a:solidFill>
@@ -2523,13 +2813,14 @@
           </a:prstGeom>
         </p:spPr>
         <p:txBody>
-          <a:bodyPr lIns="0" rIns="0" tIns="0" bIns="0">
+          <a:bodyPr lIns="0" tIns="0" rIns="0" bIns="0">
             <a:normAutofit/>
           </a:bodyPr>
-          <a:p>
-            <a:endParaRPr b="0" lang="en-US" sz="1800" spc="-1" strike="noStrike">
+          <a:lstStyle/>
+          <a:p>
+            <a:endParaRPr lang="en-US" sz="1800" b="0" strike="noStrike" spc="-1">
               <a:solidFill>
-                <a:srgbClr val="3d3d3d"/>
+                <a:srgbClr val="3D3D3D"/>
               </a:solidFill>
               <a:latin typeface="Gill Sans MT"/>
             </a:endParaRPr>
@@ -2538,11 +2829,14 @@
       </p:sp>
     </p:spTree>
   </p:cSld>
+  <p:clrMapOvr>
+    <a:masterClrMapping/>
+  </p:clrMapOvr>
 </p:sldLayout>
 </file>
 
 <file path=ppt/slideLayouts/slideLayout4.xml><?xml version="1.0" encoding="utf-8"?>
-<p:sldLayout xmlns:a="http://schemas.openxmlformats.org/drawingml/2006/main" xmlns:p="http://schemas.openxmlformats.org/presentationml/2006/main" xmlns:r="http://schemas.openxmlformats.org/officeDocument/2006/relationships" xmlns:p14="http://schemas.microsoft.com/office/powerpoint/2010/main" xmlns:p15="http://schemas.microsoft.com/office/powerpoint/2012/main" xmlns:mc="http://schemas.openxmlformats.org/markup-compatibility/2006" type="twoObj" preserve="1">
+<p:sldLayout xmlns:a="http://schemas.openxmlformats.org/drawingml/2006/main" xmlns:r="http://schemas.openxmlformats.org/officeDocument/2006/relationships" xmlns:p="http://schemas.openxmlformats.org/presentationml/2006/main" type="twoObj" preserve="1">
   <p:cSld name="Title, 2 Content">
     <p:spTree>
       <p:nvGrpSpPr>
@@ -2578,9 +2872,10 @@
           </a:prstGeom>
         </p:spPr>
         <p:txBody>
-          <a:bodyPr lIns="0" rIns="0" tIns="0" bIns="0" anchor="ctr"/>
-          <a:p>
-            <a:endParaRPr b="0" lang="en-US" sz="1800" spc="-1" strike="noStrike">
+          <a:bodyPr lIns="0" tIns="0" rIns="0" bIns="0" anchor="ctr"/>
+          <a:lstStyle/>
+          <a:p>
+            <a:endParaRPr lang="en-US" sz="1800" b="0" strike="noStrike" spc="-1">
               <a:solidFill>
                 <a:srgbClr val="000000"/>
               </a:solidFill>
@@ -2609,13 +2904,14 @@
           </a:prstGeom>
         </p:spPr>
         <p:txBody>
-          <a:bodyPr lIns="0" rIns="0" tIns="0" bIns="0">
+          <a:bodyPr lIns="0" tIns="0" rIns="0" bIns="0">
             <a:normAutofit/>
           </a:bodyPr>
-          <a:p>
-            <a:endParaRPr b="0" lang="en-US" sz="1800" spc="-1" strike="noStrike">
+          <a:lstStyle/>
+          <a:p>
+            <a:endParaRPr lang="en-US" sz="1800" b="0" strike="noStrike" spc="-1">
               <a:solidFill>
-                <a:srgbClr val="3d3d3d"/>
+                <a:srgbClr val="3D3D3D"/>
               </a:solidFill>
               <a:latin typeface="Gill Sans MT"/>
             </a:endParaRPr>
@@ -2642,13 +2938,14 @@
           </a:prstGeom>
         </p:spPr>
         <p:txBody>
-          <a:bodyPr lIns="0" rIns="0" tIns="0" bIns="0">
+          <a:bodyPr lIns="0" tIns="0" rIns="0" bIns="0">
             <a:normAutofit/>
           </a:bodyPr>
-          <a:p>
-            <a:endParaRPr b="0" lang="en-US" sz="1800" spc="-1" strike="noStrike">
+          <a:lstStyle/>
+          <a:p>
+            <a:endParaRPr lang="en-US" sz="1800" b="0" strike="noStrike" spc="-1">
               <a:solidFill>
-                <a:srgbClr val="3d3d3d"/>
+                <a:srgbClr val="3D3D3D"/>
               </a:solidFill>
               <a:latin typeface="Gill Sans MT"/>
             </a:endParaRPr>
@@ -2657,11 +2954,14 @@
       </p:sp>
     </p:spTree>
   </p:cSld>
+  <p:clrMapOvr>
+    <a:masterClrMapping/>
+  </p:clrMapOvr>
 </p:sldLayout>
 </file>
 
 <file path=ppt/slideLayouts/slideLayout5.xml><?xml version="1.0" encoding="utf-8"?>
-<p:sldLayout xmlns:a="http://schemas.openxmlformats.org/drawingml/2006/main" xmlns:p="http://schemas.openxmlformats.org/presentationml/2006/main" xmlns:r="http://schemas.openxmlformats.org/officeDocument/2006/relationships" xmlns:p14="http://schemas.microsoft.com/office/powerpoint/2010/main" xmlns:p15="http://schemas.microsoft.com/office/powerpoint/2012/main" xmlns:mc="http://schemas.openxmlformats.org/markup-compatibility/2006" type="titleOnly" preserve="1">
+<p:sldLayout xmlns:a="http://schemas.openxmlformats.org/drawingml/2006/main" xmlns:r="http://schemas.openxmlformats.org/officeDocument/2006/relationships" xmlns:p="http://schemas.openxmlformats.org/presentationml/2006/main" type="titleOnly" preserve="1">
   <p:cSld name="Title Only">
     <p:spTree>
       <p:nvGrpSpPr>
@@ -2697,9 +2997,10 @@
           </a:prstGeom>
         </p:spPr>
         <p:txBody>
-          <a:bodyPr lIns="0" rIns="0" tIns="0" bIns="0" anchor="ctr"/>
-          <a:p>
-            <a:endParaRPr b="0" lang="en-US" sz="1800" spc="-1" strike="noStrike">
+          <a:bodyPr lIns="0" tIns="0" rIns="0" bIns="0" anchor="ctr"/>
+          <a:lstStyle/>
+          <a:p>
+            <a:endParaRPr lang="en-US" sz="1800" b="0" strike="noStrike" spc="-1">
               <a:solidFill>
                 <a:srgbClr val="000000"/>
               </a:solidFill>
@@ -2710,11 +3011,14 @@
       </p:sp>
     </p:spTree>
   </p:cSld>
+  <p:clrMapOvr>
+    <a:masterClrMapping/>
+  </p:clrMapOvr>
 </p:sldLayout>
 </file>
 
 <file path=ppt/slideLayouts/slideLayout6.xml><?xml version="1.0" encoding="utf-8"?>
-<p:sldLayout xmlns:a="http://schemas.openxmlformats.org/drawingml/2006/main" xmlns:p="http://schemas.openxmlformats.org/presentationml/2006/main" xmlns:r="http://schemas.openxmlformats.org/officeDocument/2006/relationships" xmlns:p14="http://schemas.microsoft.com/office/powerpoint/2010/main" xmlns:p15="http://schemas.microsoft.com/office/powerpoint/2012/main" xmlns:mc="http://schemas.openxmlformats.org/markup-compatibility/2006" type="objOnly" preserve="1">
+<p:sldLayout xmlns:a="http://schemas.openxmlformats.org/drawingml/2006/main" xmlns:r="http://schemas.openxmlformats.org/officeDocument/2006/relationships" xmlns:p="http://schemas.openxmlformats.org/presentationml/2006/main" type="objOnly" preserve="1">
   <p:cSld name="Centered Text">
     <p:spTree>
       <p:nvGrpSpPr>
@@ -2750,10 +3054,11 @@
           </a:prstGeom>
         </p:spPr>
         <p:txBody>
-          <a:bodyPr lIns="0" rIns="0" tIns="0" bIns="0" anchor="ctr"/>
+          <a:bodyPr lIns="0" tIns="0" rIns="0" bIns="0" anchor="ctr"/>
+          <a:lstStyle/>
           <a:p>
             <a:pPr algn="ctr"/>
-            <a:endParaRPr b="0" lang="pt-BR" sz="3200" spc="-1" strike="noStrike">
+            <a:endParaRPr lang="pt-BR" sz="3200" b="0" strike="noStrike" spc="-1">
               <a:latin typeface="Arial"/>
             </a:endParaRPr>
           </a:p>
@@ -2761,11 +3066,14 @@
       </p:sp>
     </p:spTree>
   </p:cSld>
+  <p:clrMapOvr>
+    <a:masterClrMapping/>
+  </p:clrMapOvr>
 </p:sldLayout>
 </file>
 
 <file path=ppt/slideLayouts/slideLayout7.xml><?xml version="1.0" encoding="utf-8"?>
-<p:sldLayout xmlns:a="http://schemas.openxmlformats.org/drawingml/2006/main" xmlns:p="http://schemas.openxmlformats.org/presentationml/2006/main" xmlns:r="http://schemas.openxmlformats.org/officeDocument/2006/relationships" xmlns:p14="http://schemas.microsoft.com/office/powerpoint/2010/main" xmlns:p15="http://schemas.microsoft.com/office/powerpoint/2012/main" xmlns:mc="http://schemas.openxmlformats.org/markup-compatibility/2006" type="twoObjAndObj" preserve="1">
+<p:sldLayout xmlns:a="http://schemas.openxmlformats.org/drawingml/2006/main" xmlns:r="http://schemas.openxmlformats.org/officeDocument/2006/relationships" xmlns:p="http://schemas.openxmlformats.org/presentationml/2006/main" type="twoObjAndObj" preserve="1">
   <p:cSld name="Title, 2 Content and Content">
     <p:spTree>
       <p:nvGrpSpPr>
@@ -2801,9 +3109,10 @@
           </a:prstGeom>
         </p:spPr>
         <p:txBody>
-          <a:bodyPr lIns="0" rIns="0" tIns="0" bIns="0" anchor="ctr"/>
-          <a:p>
-            <a:endParaRPr b="0" lang="en-US" sz="1800" spc="-1" strike="noStrike">
+          <a:bodyPr lIns="0" tIns="0" rIns="0" bIns="0" anchor="ctr"/>
+          <a:lstStyle/>
+          <a:p>
+            <a:endParaRPr lang="en-US" sz="1800" b="0" strike="noStrike" spc="-1">
               <a:solidFill>
                 <a:srgbClr val="000000"/>
               </a:solidFill>
@@ -2832,13 +3141,14 @@
           </a:prstGeom>
         </p:spPr>
         <p:txBody>
-          <a:bodyPr lIns="0" rIns="0" tIns="0" bIns="0">
+          <a:bodyPr lIns="0" tIns="0" rIns="0" bIns="0">
             <a:normAutofit/>
           </a:bodyPr>
-          <a:p>
-            <a:endParaRPr b="0" lang="en-US" sz="1800" spc="-1" strike="noStrike">
+          <a:lstStyle/>
+          <a:p>
+            <a:endParaRPr lang="en-US" sz="1800" b="0" strike="noStrike" spc="-1">
               <a:solidFill>
-                <a:srgbClr val="3d3d3d"/>
+                <a:srgbClr val="3D3D3D"/>
               </a:solidFill>
               <a:latin typeface="Gill Sans MT"/>
             </a:endParaRPr>
@@ -2865,13 +3175,14 @@
           </a:prstGeom>
         </p:spPr>
         <p:txBody>
-          <a:bodyPr lIns="0" rIns="0" tIns="0" bIns="0">
+          <a:bodyPr lIns="0" tIns="0" rIns="0" bIns="0">
             <a:normAutofit/>
           </a:bodyPr>
-          <a:p>
-            <a:endParaRPr b="0" lang="en-US" sz="1800" spc="-1" strike="noStrike">
+          <a:lstStyle/>
+          <a:p>
+            <a:endParaRPr lang="en-US" sz="1800" b="0" strike="noStrike" spc="-1">
               <a:solidFill>
-                <a:srgbClr val="3d3d3d"/>
+                <a:srgbClr val="3D3D3D"/>
               </a:solidFill>
               <a:latin typeface="Gill Sans MT"/>
             </a:endParaRPr>
@@ -2898,13 +3209,14 @@
           </a:prstGeom>
         </p:spPr>
         <p:txBody>
-          <a:bodyPr lIns="0" rIns="0" tIns="0" bIns="0">
+          <a:bodyPr lIns="0" tIns="0" rIns="0" bIns="0">
             <a:normAutofit/>
           </a:bodyPr>
-          <a:p>
-            <a:endParaRPr b="0" lang="en-US" sz="1800" spc="-1" strike="noStrike">
+          <a:lstStyle/>
+          <a:p>
+            <a:endParaRPr lang="en-US" sz="1800" b="0" strike="noStrike" spc="-1">
               <a:solidFill>
-                <a:srgbClr val="3d3d3d"/>
+                <a:srgbClr val="3D3D3D"/>
               </a:solidFill>
               <a:latin typeface="Gill Sans MT"/>
             </a:endParaRPr>
@@ -2913,11 +3225,14 @@
       </p:sp>
     </p:spTree>
   </p:cSld>
+  <p:clrMapOvr>
+    <a:masterClrMapping/>
+  </p:clrMapOvr>
 </p:sldLayout>
 </file>
 
 <file path=ppt/slideLayouts/slideLayout8.xml><?xml version="1.0" encoding="utf-8"?>
-<p:sldLayout xmlns:a="http://schemas.openxmlformats.org/drawingml/2006/main" xmlns:p="http://schemas.openxmlformats.org/presentationml/2006/main" xmlns:r="http://schemas.openxmlformats.org/officeDocument/2006/relationships" xmlns:p14="http://schemas.microsoft.com/office/powerpoint/2010/main" xmlns:p15="http://schemas.microsoft.com/office/powerpoint/2012/main" xmlns:mc="http://schemas.openxmlformats.org/markup-compatibility/2006" type="objAndTwoObj" preserve="1">
+<p:sldLayout xmlns:a="http://schemas.openxmlformats.org/drawingml/2006/main" xmlns:r="http://schemas.openxmlformats.org/officeDocument/2006/relationships" xmlns:p="http://schemas.openxmlformats.org/presentationml/2006/main" type="objAndTwoObj" preserve="1">
   <p:cSld name="Title Content and 2 Content">
     <p:spTree>
       <p:nvGrpSpPr>
@@ -2953,9 +3268,10 @@
           </a:prstGeom>
         </p:spPr>
         <p:txBody>
-          <a:bodyPr lIns="0" rIns="0" tIns="0" bIns="0" anchor="ctr"/>
-          <a:p>
-            <a:endParaRPr b="0" lang="en-US" sz="1800" spc="-1" strike="noStrike">
+          <a:bodyPr lIns="0" tIns="0" rIns="0" bIns="0" anchor="ctr"/>
+          <a:lstStyle/>
+          <a:p>
+            <a:endParaRPr lang="en-US" sz="1800" b="0" strike="noStrike" spc="-1">
               <a:solidFill>
                 <a:srgbClr val="000000"/>
               </a:solidFill>
@@ -2984,13 +3300,14 @@
           </a:prstGeom>
         </p:spPr>
         <p:txBody>
-          <a:bodyPr lIns="0" rIns="0" tIns="0" bIns="0">
+          <a:bodyPr lIns="0" tIns="0" rIns="0" bIns="0">
             <a:normAutofit/>
           </a:bodyPr>
-          <a:p>
-            <a:endParaRPr b="0" lang="en-US" sz="1800" spc="-1" strike="noStrike">
+          <a:lstStyle/>
+          <a:p>
+            <a:endParaRPr lang="en-US" sz="1800" b="0" strike="noStrike" spc="-1">
               <a:solidFill>
-                <a:srgbClr val="3d3d3d"/>
+                <a:srgbClr val="3D3D3D"/>
               </a:solidFill>
               <a:latin typeface="Gill Sans MT"/>
             </a:endParaRPr>
@@ -3017,13 +3334,14 @@
           </a:prstGeom>
         </p:spPr>
         <p:txBody>
-          <a:bodyPr lIns="0" rIns="0" tIns="0" bIns="0">
+          <a:bodyPr lIns="0" tIns="0" rIns="0" bIns="0">
             <a:normAutofit/>
           </a:bodyPr>
-          <a:p>
-            <a:endParaRPr b="0" lang="en-US" sz="1800" spc="-1" strike="noStrike">
+          <a:lstStyle/>
+          <a:p>
+            <a:endParaRPr lang="en-US" sz="1800" b="0" strike="noStrike" spc="-1">
               <a:solidFill>
-                <a:srgbClr val="3d3d3d"/>
+                <a:srgbClr val="3D3D3D"/>
               </a:solidFill>
               <a:latin typeface="Gill Sans MT"/>
             </a:endParaRPr>
@@ -3050,13 +3368,14 @@
           </a:prstGeom>
         </p:spPr>
         <p:txBody>
-          <a:bodyPr lIns="0" rIns="0" tIns="0" bIns="0">
+          <a:bodyPr lIns="0" tIns="0" rIns="0" bIns="0">
             <a:normAutofit/>
           </a:bodyPr>
-          <a:p>
-            <a:endParaRPr b="0" lang="en-US" sz="1800" spc="-1" strike="noStrike">
+          <a:lstStyle/>
+          <a:p>
+            <a:endParaRPr lang="en-US" sz="1800" b="0" strike="noStrike" spc="-1">
               <a:solidFill>
-                <a:srgbClr val="3d3d3d"/>
+                <a:srgbClr val="3D3D3D"/>
               </a:solidFill>
               <a:latin typeface="Gill Sans MT"/>
             </a:endParaRPr>
@@ -3065,11 +3384,14 @@
       </p:sp>
     </p:spTree>
   </p:cSld>
+  <p:clrMapOvr>
+    <a:masterClrMapping/>
+  </p:clrMapOvr>
 </p:sldLayout>
 </file>
 
 <file path=ppt/slideLayouts/slideLayout9.xml><?xml version="1.0" encoding="utf-8"?>
-<p:sldLayout xmlns:a="http://schemas.openxmlformats.org/drawingml/2006/main" xmlns:p="http://schemas.openxmlformats.org/presentationml/2006/main" xmlns:r="http://schemas.openxmlformats.org/officeDocument/2006/relationships" xmlns:p14="http://schemas.microsoft.com/office/powerpoint/2010/main" xmlns:p15="http://schemas.microsoft.com/office/powerpoint/2012/main" xmlns:mc="http://schemas.openxmlformats.org/markup-compatibility/2006" type="twoObjOverTx" preserve="1">
+<p:sldLayout xmlns:a="http://schemas.openxmlformats.org/drawingml/2006/main" xmlns:r="http://schemas.openxmlformats.org/officeDocument/2006/relationships" xmlns:p="http://schemas.openxmlformats.org/presentationml/2006/main" type="twoObjOverTx" preserve="1">
   <p:cSld name="Title, 2 Content over Content">
     <p:spTree>
       <p:nvGrpSpPr>
@@ -3105,9 +3427,10 @@
           </a:prstGeom>
         </p:spPr>
         <p:txBody>
-          <a:bodyPr lIns="0" rIns="0" tIns="0" bIns="0" anchor="ctr"/>
-          <a:p>
-            <a:endParaRPr b="0" lang="en-US" sz="1800" spc="-1" strike="noStrike">
+          <a:bodyPr lIns="0" tIns="0" rIns="0" bIns="0" anchor="ctr"/>
+          <a:lstStyle/>
+          <a:p>
+            <a:endParaRPr lang="en-US" sz="1800" b="0" strike="noStrike" spc="-1">
               <a:solidFill>
                 <a:srgbClr val="000000"/>
               </a:solidFill>
@@ -3136,13 +3459,14 @@
           </a:prstGeom>
         </p:spPr>
         <p:txBody>
-          <a:bodyPr lIns="0" rIns="0" tIns="0" bIns="0">
+          <a:bodyPr lIns="0" tIns="0" rIns="0" bIns="0">
             <a:normAutofit/>
           </a:bodyPr>
-          <a:p>
-            <a:endParaRPr b="0" lang="en-US" sz="1800" spc="-1" strike="noStrike">
+          <a:lstStyle/>
+          <a:p>
+            <a:endParaRPr lang="en-US" sz="1800" b="0" strike="noStrike" spc="-1">
               <a:solidFill>
-                <a:srgbClr val="3d3d3d"/>
+                <a:srgbClr val="3D3D3D"/>
               </a:solidFill>
               <a:latin typeface="Gill Sans MT"/>
             </a:endParaRPr>
@@ -3169,13 +3493,14 @@
           </a:prstGeom>
         </p:spPr>
         <p:txBody>
-          <a:bodyPr lIns="0" rIns="0" tIns="0" bIns="0">
+          <a:bodyPr lIns="0" tIns="0" rIns="0" bIns="0">
             <a:normAutofit/>
           </a:bodyPr>
-          <a:p>
-            <a:endParaRPr b="0" lang="en-US" sz="1800" spc="-1" strike="noStrike">
+          <a:lstStyle/>
+          <a:p>
+            <a:endParaRPr lang="en-US" sz="1800" b="0" strike="noStrike" spc="-1">
               <a:solidFill>
-                <a:srgbClr val="3d3d3d"/>
+                <a:srgbClr val="3D3D3D"/>
               </a:solidFill>
               <a:latin typeface="Gill Sans MT"/>
             </a:endParaRPr>
@@ -3202,13 +3527,14 @@
           </a:prstGeom>
         </p:spPr>
         <p:txBody>
-          <a:bodyPr lIns="0" rIns="0" tIns="0" bIns="0">
+          <a:bodyPr lIns="0" tIns="0" rIns="0" bIns="0">
             <a:normAutofit/>
           </a:bodyPr>
-          <a:p>
-            <a:endParaRPr b="0" lang="en-US" sz="1800" spc="-1" strike="noStrike">
+          <a:lstStyle/>
+          <a:p>
+            <a:endParaRPr lang="en-US" sz="1800" b="0" strike="noStrike" spc="-1">
               <a:solidFill>
-                <a:srgbClr val="3d3d3d"/>
+                <a:srgbClr val="3D3D3D"/>
               </a:solidFill>
               <a:latin typeface="Gill Sans MT"/>
             </a:endParaRPr>
@@ -3217,17 +3543,21 @@
       </p:sp>
     </p:spTree>
   </p:cSld>
+  <p:clrMapOvr>
+    <a:masterClrMapping/>
+  </p:clrMapOvr>
 </p:sldLayout>
 </file>
 
 <file path=ppt/slideMasters/slideMaster1.xml><?xml version="1.0" encoding="utf-8"?>
-<p:sldMaster xmlns:a="http://schemas.openxmlformats.org/drawingml/2006/main" xmlns:p="http://schemas.openxmlformats.org/presentationml/2006/main" xmlns:r="http://schemas.openxmlformats.org/officeDocument/2006/relationships" xmlns:p14="http://schemas.microsoft.com/office/powerpoint/2010/main" xmlns:p15="http://schemas.microsoft.com/office/powerpoint/2012/main" xmlns:mc="http://schemas.openxmlformats.org/markup-compatibility/2006">
+<p:sldMaster xmlns:a="http://schemas.openxmlformats.org/drawingml/2006/main" xmlns:r="http://schemas.openxmlformats.org/officeDocument/2006/relationships" xmlns:p="http://schemas.openxmlformats.org/presentationml/2006/main">
   <p:cSld>
     <p:bg>
       <p:bgPr>
         <a:solidFill>
-          <a:srgbClr val="ffffff"/>
+          <a:srgbClr val="FFFFFF"/>
         </a:solidFill>
+        <a:effectLst/>
       </p:bgPr>
     </p:bg>
     <p:spTree>
@@ -3246,7 +3576,7 @@
       </p:grpSpPr>
       <p:sp>
         <p:nvSpPr>
-          <p:cNvPr id="0" name="CustomShape 1"/>
+          <p:cNvPr id="12" name="CustomShape 1"/>
           <p:cNvSpPr/>
           <p:nvPr/>
         </p:nvSpPr>
@@ -3265,7 +3595,7 @@
             <a:noFill/>
           </a:ln>
           <a:effectLst>
-            <a:outerShdw blurRad="38100" dir="5400000" dist="25400" rotWithShape="0">
+            <a:outerShdw blurRad="38100" dist="25400" dir="5400000" rotWithShape="0">
               <a:srgbClr val="000000">
                 <a:alpha val="55000"/>
               </a:srgbClr>
@@ -3287,7 +3617,7 @@
       </p:sp>
       <p:sp>
         <p:nvSpPr>
-          <p:cNvPr id="1" name="CustomShape 2"/>
+          <p:cNvPr id="13" name="CustomShape 2"/>
           <p:cNvSpPr/>
           <p:nvPr/>
         </p:nvSpPr>
@@ -3306,7 +3636,7 @@
             <a:noFill/>
           </a:ln>
           <a:effectLst>
-            <a:outerShdw blurRad="38100" dir="5400000" dist="25400" rotWithShape="0">
+            <a:outerShdw blurRad="38100" dist="25400" dir="5400000" rotWithShape="0">
               <a:srgbClr val="000000">
                 <a:alpha val="55000"/>
               </a:srgbClr>
@@ -3347,7 +3677,7 @@
             <a:noFill/>
           </a:ln>
           <a:effectLst>
-            <a:outerShdw blurRad="38100" dir="5400000" dist="25400" rotWithShape="0">
+            <a:outerShdw blurRad="38100" dist="25400" dir="5400000" rotWithShape="0">
               <a:srgbClr val="000000">
                 <a:alpha val="55000"/>
               </a:srgbClr>
@@ -3382,7 +3712,7 @@
             <a:avLst/>
           </a:prstGeom>
           <a:solidFill>
-            <a:srgbClr val="24cf39"/>
+            <a:srgbClr val="24CF39"/>
           </a:solidFill>
           <a:ln>
             <a:noFill/>
@@ -3424,7 +3754,7 @@
             <a:noFill/>
           </a:ln>
           <a:effectLst>
-            <a:outerShdw blurRad="38100" dir="5400000" dist="25400" rotWithShape="0">
+            <a:outerShdw blurRad="38100" dist="25400" dir="5400000" rotWithShape="0">
               <a:srgbClr val="000000">
                 <a:alpha val="55000"/>
               </a:srgbClr>
@@ -3467,6 +3797,7 @@
           <a:bodyPr anchor="b">
             <a:normAutofit/>
           </a:bodyPr>
+          <a:lstStyle/>
           <a:p>
             <a:pPr algn="ctr">
               <a:lnSpc>
@@ -3474,15 +3805,15 @@
               </a:lnSpc>
             </a:pPr>
             <a:r>
-              <a:rPr b="0" lang="en-US" sz="3600" spc="-1" strike="noStrike" cap="all">
-                <a:solidFill>
-                  <a:srgbClr val="ffffff"/>
+              <a:rPr lang="en-US" sz="3600" b="0" strike="noStrike" cap="all" spc="-1">
+                <a:solidFill>
+                  <a:srgbClr val="FFFFFF"/>
                 </a:solidFill>
                 <a:latin typeface="Gill Sans MT"/>
               </a:rPr>
               <a:t>title style</a:t>
             </a:r>
-            <a:endParaRPr b="0" lang="en-US" sz="3600" spc="-1" strike="noStrike">
+            <a:endParaRPr lang="en-US" sz="3600" b="0" strike="noStrike" spc="-1">
               <a:solidFill>
                 <a:srgbClr val="000000"/>
               </a:solidFill>
@@ -3511,7 +3842,8 @@
           </a:prstGeom>
         </p:spPr>
         <p:txBody>
-          <a:bodyPr lIns="90000" rIns="90000" tIns="45000" bIns="45000"/>
+          <a:bodyPr lIns="90000" tIns="45000" rIns="90000" bIns="45000"/>
+          <a:lstStyle/>
           <a:p>
             <a:pPr>
               <a:lnSpc>
@@ -3519,15 +3851,15 @@
               </a:lnSpc>
             </a:pPr>
             <a:fld id="{AAF20608-83D8-4E3D-B61F-A4257EFF9119}" type="datetime1">
-              <a:rPr b="0" lang="pt-BR" sz="1800" spc="-1" strike="noStrike">
-                <a:solidFill>
-                  <a:srgbClr val="537ed0"/>
-                </a:solidFill>
-                <a:latin typeface="Gill Sans MT"/>
-              </a:rPr>
-              <a:t>31/08/2018</a:t>
+              <a:rPr lang="pt-BR" sz="1800" b="0" strike="noStrike" spc="-1">
+                <a:solidFill>
+                  <a:srgbClr val="537ED0"/>
+                </a:solidFill>
+                <a:latin typeface="Gill Sans MT"/>
+              </a:rPr>
+              <a:t>01/10/2018</a:t>
             </a:fld>
-            <a:endParaRPr b="0" lang="pt-BR" sz="1800" spc="-1" strike="noStrike">
+            <a:endParaRPr lang="pt-BR" sz="1800" b="0" strike="noStrike" spc="-1">
               <a:latin typeface="Times New Roman"/>
             </a:endParaRPr>
           </a:p>
@@ -3553,7 +3885,8 @@
           </a:prstGeom>
         </p:spPr>
         <p:txBody>
-          <a:bodyPr lIns="90000" rIns="90000" tIns="45000" bIns="45000"/>
+          <a:bodyPr lIns="90000" tIns="45000" rIns="90000" bIns="45000"/>
+          <a:lstStyle/>
           <a:p>
             <a:pPr>
               <a:lnSpc>
@@ -3561,15 +3894,15 @@
               </a:lnSpc>
             </a:pPr>
             <a:r>
-              <a:rPr b="0" lang="pt-BR" sz="1800" spc="-1" strike="noStrike">
-                <a:solidFill>
-                  <a:srgbClr val="537ed0"/>
+              <a:rPr lang="pt-BR" sz="1800" b="0" strike="noStrike" spc="-1">
+                <a:solidFill>
+                  <a:srgbClr val="537ED0"/>
                 </a:solidFill>
                 <a:latin typeface="Gill Sans MT"/>
               </a:rPr>
               <a:t>© 2018, FLL Tutorials (Last Edit 6/11/2018)</a:t>
             </a:r>
-            <a:endParaRPr b="0" lang="pt-BR" sz="1800" spc="-1" strike="noStrike">
+            <a:endParaRPr lang="pt-BR" sz="1800" b="0" strike="noStrike" spc="-1">
               <a:latin typeface="Times New Roman"/>
             </a:endParaRPr>
           </a:p>
@@ -3595,7 +3928,8 @@
           </a:prstGeom>
         </p:spPr>
         <p:txBody>
-          <a:bodyPr lIns="90000" rIns="90000" tIns="45000" bIns="45000"/>
+          <a:bodyPr lIns="90000" tIns="45000" rIns="90000" bIns="45000"/>
+          <a:lstStyle/>
           <a:p>
             <a:pPr>
               <a:lnSpc>
@@ -3603,15 +3937,15 @@
               </a:lnSpc>
             </a:pPr>
             <a:fld id="{7CD7C8FA-C372-4CF9-9440-53A0F34EB74A}" type="slidenum">
-              <a:rPr b="0" lang="pt-BR" sz="1800" spc="-1" strike="noStrike">
-                <a:solidFill>
-                  <a:srgbClr val="537ed0"/>
-                </a:solidFill>
-                <a:latin typeface="Gill Sans MT"/>
-              </a:rPr>
-              <a:t>&lt;número&gt;</a:t>
+              <a:rPr lang="pt-BR" sz="1800" b="0" strike="noStrike" spc="-1">
+                <a:solidFill>
+                  <a:srgbClr val="537ED0"/>
+                </a:solidFill>
+                <a:latin typeface="Gill Sans MT"/>
+              </a:rPr>
+              <a:t>‹#›</a:t>
             </a:fld>
-            <a:endParaRPr b="0" lang="pt-BR" sz="1800" spc="-1" strike="noStrike">
+            <a:endParaRPr lang="pt-BR" sz="1800" b="0" strike="noStrike" spc="-1">
               <a:latin typeface="Times New Roman"/>
             </a:endParaRPr>
           </a:p>
@@ -3619,12 +3953,12 @@
       </p:sp>
       <p:pic>
         <p:nvPicPr>
-          <p:cNvPr id="9" name="Picture 7" descr=""/>
+          <p:cNvPr id="9" name="Picture 7"/>
           <p:cNvPicPr/>
           <p:nvPr/>
         </p:nvPicPr>
         <p:blipFill>
-          <a:blip r:embed="rId2"/>
+          <a:blip r:embed="rId14"/>
           <a:stretch/>
         </p:blipFill>
         <p:spPr>
@@ -3655,7 +3989,7 @@
             <a:avLst/>
           </a:prstGeom>
           <a:solidFill>
-            <a:srgbClr val="24cf39"/>
+            <a:srgbClr val="24CF39"/>
           </a:solidFill>
           <a:ln>
             <a:noFill/>
@@ -3696,9 +4030,10 @@
           </a:prstGeom>
         </p:spPr>
         <p:txBody>
-          <a:bodyPr lIns="0" rIns="0" tIns="0" bIns="0">
+          <a:bodyPr lIns="0" tIns="0" rIns="0" bIns="0">
             <a:normAutofit/>
           </a:bodyPr>
+          <a:lstStyle/>
           <a:p>
             <a:pPr marL="432000" indent="-324000">
               <a:spcBef>
@@ -3712,23 +4047,17 @@
               <a:buChar char=""/>
             </a:pPr>
             <a:r>
-              <a:rPr b="0" lang="en-US" sz="1800" spc="-1" strike="noStrike">
-                <a:solidFill>
-                  <a:srgbClr val="3d3d3d"/>
+              <a:rPr lang="en-US" sz="1800" b="0" strike="noStrike" spc="-1">
+                <a:solidFill>
+                  <a:srgbClr val="3D3D3D"/>
                 </a:solidFill>
                 <a:latin typeface="Gill Sans MT"/>
               </a:rPr>
               <a:t>Clique para editar o formato do texto da estrutura de tópicos</a:t>
             </a:r>
-            <a:endParaRPr b="0" lang="en-US" sz="1800" spc="-1" strike="noStrike">
-              <a:solidFill>
-                <a:srgbClr val="3d3d3d"/>
-              </a:solidFill>
-              <a:latin typeface="Gill Sans MT"/>
-            </a:endParaRPr>
-          </a:p>
-          <a:p>
-            <a:pPr lvl="1" marL="864000" indent="-324000">
+          </a:p>
+          <a:p>
+            <a:pPr marL="864000" lvl="1" indent="-324000">
               <a:spcBef>
                 <a:spcPts val="1134"/>
               </a:spcBef>
@@ -3740,23 +4069,17 @@
               <a:buChar char=""/>
             </a:pPr>
             <a:r>
-              <a:rPr b="0" lang="en-US" sz="1400" spc="-1" strike="noStrike">
-                <a:solidFill>
-                  <a:srgbClr val="3d3d3d"/>
+              <a:rPr lang="en-US" sz="1400" b="0" strike="noStrike" spc="-1">
+                <a:solidFill>
+                  <a:srgbClr val="3D3D3D"/>
                 </a:solidFill>
                 <a:latin typeface="Gill Sans MT"/>
               </a:rPr>
               <a:t>2.º nível da estrutura de tópicos</a:t>
             </a:r>
-            <a:endParaRPr b="0" lang="en-US" sz="1400" spc="-1" strike="noStrike">
-              <a:solidFill>
-                <a:srgbClr val="3d3d3d"/>
-              </a:solidFill>
-              <a:latin typeface="Gill Sans MT"/>
-            </a:endParaRPr>
-          </a:p>
-          <a:p>
-            <a:pPr lvl="2" marL="1296000" indent="-288000">
+          </a:p>
+          <a:p>
+            <a:pPr marL="1296000" lvl="2" indent="-288000">
               <a:spcBef>
                 <a:spcPts val="850"/>
               </a:spcBef>
@@ -3768,23 +4091,17 @@
               <a:buChar char=""/>
             </a:pPr>
             <a:r>
-              <a:rPr b="0" lang="en-US" sz="1200" spc="-1" strike="noStrike">
-                <a:solidFill>
-                  <a:srgbClr val="3d3d3d"/>
+              <a:rPr lang="en-US" sz="1200" b="0" strike="noStrike" spc="-1">
+                <a:solidFill>
+                  <a:srgbClr val="3D3D3D"/>
                 </a:solidFill>
                 <a:latin typeface="Gill Sans MT"/>
               </a:rPr>
               <a:t>3.º nível da estrutura de tópicos</a:t>
             </a:r>
-            <a:endParaRPr b="0" lang="en-US" sz="1200" spc="-1" strike="noStrike">
-              <a:solidFill>
-                <a:srgbClr val="3d3d3d"/>
-              </a:solidFill>
-              <a:latin typeface="Gill Sans MT"/>
-            </a:endParaRPr>
-          </a:p>
-          <a:p>
-            <a:pPr lvl="3" marL="1728000" indent="-216000">
+          </a:p>
+          <a:p>
+            <a:pPr marL="1728000" lvl="3" indent="-216000">
               <a:spcBef>
                 <a:spcPts val="567"/>
               </a:spcBef>
@@ -3796,23 +4113,17 @@
               <a:buChar char=""/>
             </a:pPr>
             <a:r>
-              <a:rPr b="0" lang="en-US" sz="1200" spc="-1" strike="noStrike">
-                <a:solidFill>
-                  <a:srgbClr val="3d3d3d"/>
+              <a:rPr lang="en-US" sz="1200" b="0" strike="noStrike" spc="-1">
+                <a:solidFill>
+                  <a:srgbClr val="3D3D3D"/>
                 </a:solidFill>
                 <a:latin typeface="Gill Sans MT"/>
               </a:rPr>
               <a:t>4.º nível da estrutura de tópicos</a:t>
             </a:r>
-            <a:endParaRPr b="0" lang="en-US" sz="1200" spc="-1" strike="noStrike">
-              <a:solidFill>
-                <a:srgbClr val="3d3d3d"/>
-              </a:solidFill>
-              <a:latin typeface="Gill Sans MT"/>
-            </a:endParaRPr>
-          </a:p>
-          <a:p>
-            <a:pPr lvl="4" marL="2160000" indent="-216000">
+          </a:p>
+          <a:p>
+            <a:pPr marL="2160000" lvl="4" indent="-216000">
               <a:spcBef>
                 <a:spcPts val="283"/>
               </a:spcBef>
@@ -3824,23 +4135,17 @@
               <a:buChar char=""/>
             </a:pPr>
             <a:r>
-              <a:rPr b="0" lang="en-US" sz="2000" spc="-1" strike="noStrike">
-                <a:solidFill>
-                  <a:srgbClr val="3d3d3d"/>
+              <a:rPr lang="en-US" sz="2000" b="0" strike="noStrike" spc="-1">
+                <a:solidFill>
+                  <a:srgbClr val="3D3D3D"/>
                 </a:solidFill>
                 <a:latin typeface="Gill Sans MT"/>
               </a:rPr>
               <a:t>5.º nível da estrutura de tópicos</a:t>
             </a:r>
-            <a:endParaRPr b="0" lang="en-US" sz="2000" spc="-1" strike="noStrike">
-              <a:solidFill>
-                <a:srgbClr val="3d3d3d"/>
-              </a:solidFill>
-              <a:latin typeface="Gill Sans MT"/>
-            </a:endParaRPr>
-          </a:p>
-          <a:p>
-            <a:pPr lvl="5" marL="2592000" indent="-216000">
+          </a:p>
+          <a:p>
+            <a:pPr marL="2592000" lvl="5" indent="-216000">
               <a:spcBef>
                 <a:spcPts val="283"/>
               </a:spcBef>
@@ -3852,23 +4157,17 @@
               <a:buChar char=""/>
             </a:pPr>
             <a:r>
-              <a:rPr b="0" lang="en-US" sz="2000" spc="-1" strike="noStrike">
-                <a:solidFill>
-                  <a:srgbClr val="3d3d3d"/>
+              <a:rPr lang="en-US" sz="2000" b="0" strike="noStrike" spc="-1">
+                <a:solidFill>
+                  <a:srgbClr val="3D3D3D"/>
                 </a:solidFill>
                 <a:latin typeface="Gill Sans MT"/>
               </a:rPr>
               <a:t>6.º nível da estrutura de tópicos</a:t>
             </a:r>
-            <a:endParaRPr b="0" lang="en-US" sz="2000" spc="-1" strike="noStrike">
-              <a:solidFill>
-                <a:srgbClr val="3d3d3d"/>
-              </a:solidFill>
-              <a:latin typeface="Gill Sans MT"/>
-            </a:endParaRPr>
-          </a:p>
-          <a:p>
-            <a:pPr lvl="6" marL="3024000" indent="-216000">
+          </a:p>
+          <a:p>
+            <a:pPr marL="3024000" lvl="6" indent="-216000">
               <a:spcBef>
                 <a:spcPts val="283"/>
               </a:spcBef>
@@ -3880,51 +4179,326 @@
               <a:buChar char=""/>
             </a:pPr>
             <a:r>
-              <a:rPr b="0" lang="en-US" sz="2000" spc="-1" strike="noStrike">
-                <a:solidFill>
-                  <a:srgbClr val="3d3d3d"/>
+              <a:rPr lang="en-US" sz="2000" b="0" strike="noStrike" spc="-1">
+                <a:solidFill>
+                  <a:srgbClr val="3D3D3D"/>
                 </a:solidFill>
                 <a:latin typeface="Gill Sans MT"/>
               </a:rPr>
               <a:t>7.º nível da estrutura de tópicos</a:t>
             </a:r>
-            <a:endParaRPr b="0" lang="en-US" sz="2000" spc="-1" strike="noStrike">
-              <a:solidFill>
-                <a:srgbClr val="3d3d3d"/>
-              </a:solidFill>
-              <a:latin typeface="Gill Sans MT"/>
-            </a:endParaRPr>
           </a:p>
         </p:txBody>
       </p:sp>
     </p:spTree>
   </p:cSld>
-  <p:clrMap bg1="lt1" bg2="lt2" tx1="dk1" tx2="dk2" accent1="accent1" accent2="accent2" accent3="accent3" accent4="accent4" accent5="accent5" accent6="accent6" hlink="hlink" folHlink="folHlink"/>
+  <p:clrMap bg1="lt1" tx1="dk1" bg2="lt2" tx2="dk2" accent1="accent1" accent2="accent2" accent3="accent3" accent4="accent4" accent5="accent5" accent6="accent6" hlink="hlink" folHlink="folHlink"/>
   <p:sldLayoutIdLst>
-    <p:sldLayoutId id="2147483649" r:id="rId3"/>
-    <p:sldLayoutId id="2147483650" r:id="rId4"/>
-    <p:sldLayoutId id="2147483651" r:id="rId5"/>
-    <p:sldLayoutId id="2147483652" r:id="rId6"/>
-    <p:sldLayoutId id="2147483653" r:id="rId7"/>
-    <p:sldLayoutId id="2147483654" r:id="rId8"/>
-    <p:sldLayoutId id="2147483655" r:id="rId9"/>
-    <p:sldLayoutId id="2147483656" r:id="rId10"/>
-    <p:sldLayoutId id="2147483657" r:id="rId11"/>
-    <p:sldLayoutId id="2147483658" r:id="rId12"/>
-    <p:sldLayoutId id="2147483659" r:id="rId13"/>
-    <p:sldLayoutId id="2147483660" r:id="rId14"/>
+    <p:sldLayoutId id="2147483649" r:id="rId1"/>
+    <p:sldLayoutId id="2147483650" r:id="rId2"/>
+    <p:sldLayoutId id="2147483651" r:id="rId3"/>
+    <p:sldLayoutId id="2147483652" r:id="rId4"/>
+    <p:sldLayoutId id="2147483653" r:id="rId5"/>
+    <p:sldLayoutId id="2147483654" r:id="rId6"/>
+    <p:sldLayoutId id="2147483655" r:id="rId7"/>
+    <p:sldLayoutId id="2147483656" r:id="rId8"/>
+    <p:sldLayoutId id="2147483657" r:id="rId9"/>
+    <p:sldLayoutId id="2147483658" r:id="rId10"/>
+    <p:sldLayoutId id="2147483659" r:id="rId11"/>
+    <p:sldLayoutId id="2147483660" r:id="rId12"/>
   </p:sldLayoutIdLst>
+  <p:txStyles>
+    <p:titleStyle>
+      <a:lvl1pPr algn="l" defTabSz="914400" rtl="0" eaLnBrk="1" latinLnBrk="0" hangingPunct="1">
+        <a:lnSpc>
+          <a:spcPct val="90000"/>
+        </a:lnSpc>
+        <a:spcBef>
+          <a:spcPct val="0"/>
+        </a:spcBef>
+        <a:buNone/>
+        <a:defRPr sz="4400" kern="1200">
+          <a:solidFill>
+            <a:schemeClr val="tx1"/>
+          </a:solidFill>
+          <a:latin typeface="+mj-lt"/>
+          <a:ea typeface="+mj-ea"/>
+          <a:cs typeface="+mj-cs"/>
+        </a:defRPr>
+      </a:lvl1pPr>
+    </p:titleStyle>
+    <p:bodyStyle>
+      <a:lvl1pPr marL="228600" indent="-228600" algn="l" defTabSz="914400" rtl="0" eaLnBrk="1" latinLnBrk="0" hangingPunct="1">
+        <a:lnSpc>
+          <a:spcPct val="90000"/>
+        </a:lnSpc>
+        <a:spcBef>
+          <a:spcPts val="1000"/>
+        </a:spcBef>
+        <a:buFont typeface="Arial" panose="020B0604020202020204" pitchFamily="34" charset="0"/>
+        <a:buChar char="•"/>
+        <a:defRPr sz="2800" kern="1200">
+          <a:solidFill>
+            <a:schemeClr val="tx1"/>
+          </a:solidFill>
+          <a:latin typeface="+mn-lt"/>
+          <a:ea typeface="+mn-ea"/>
+          <a:cs typeface="+mn-cs"/>
+        </a:defRPr>
+      </a:lvl1pPr>
+      <a:lvl2pPr marL="685800" indent="-228600" algn="l" defTabSz="914400" rtl="0" eaLnBrk="1" latinLnBrk="0" hangingPunct="1">
+        <a:lnSpc>
+          <a:spcPct val="90000"/>
+        </a:lnSpc>
+        <a:spcBef>
+          <a:spcPts val="500"/>
+        </a:spcBef>
+        <a:buFont typeface="Arial" panose="020B0604020202020204" pitchFamily="34" charset="0"/>
+        <a:buChar char="•"/>
+        <a:defRPr sz="2400" kern="1200">
+          <a:solidFill>
+            <a:schemeClr val="tx1"/>
+          </a:solidFill>
+          <a:latin typeface="+mn-lt"/>
+          <a:ea typeface="+mn-ea"/>
+          <a:cs typeface="+mn-cs"/>
+        </a:defRPr>
+      </a:lvl2pPr>
+      <a:lvl3pPr marL="1143000" indent="-228600" algn="l" defTabSz="914400" rtl="0" eaLnBrk="1" latinLnBrk="0" hangingPunct="1">
+        <a:lnSpc>
+          <a:spcPct val="90000"/>
+        </a:lnSpc>
+        <a:spcBef>
+          <a:spcPts val="500"/>
+        </a:spcBef>
+        <a:buFont typeface="Arial" panose="020B0604020202020204" pitchFamily="34" charset="0"/>
+        <a:buChar char="•"/>
+        <a:defRPr sz="2000" kern="1200">
+          <a:solidFill>
+            <a:schemeClr val="tx1"/>
+          </a:solidFill>
+          <a:latin typeface="+mn-lt"/>
+          <a:ea typeface="+mn-ea"/>
+          <a:cs typeface="+mn-cs"/>
+        </a:defRPr>
+      </a:lvl3pPr>
+      <a:lvl4pPr marL="1600200" indent="-228600" algn="l" defTabSz="914400" rtl="0" eaLnBrk="1" latinLnBrk="0" hangingPunct="1">
+        <a:lnSpc>
+          <a:spcPct val="90000"/>
+        </a:lnSpc>
+        <a:spcBef>
+          <a:spcPts val="500"/>
+        </a:spcBef>
+        <a:buFont typeface="Arial" panose="020B0604020202020204" pitchFamily="34" charset="0"/>
+        <a:buChar char="•"/>
+        <a:defRPr sz="1800" kern="1200">
+          <a:solidFill>
+            <a:schemeClr val="tx1"/>
+          </a:solidFill>
+          <a:latin typeface="+mn-lt"/>
+          <a:ea typeface="+mn-ea"/>
+          <a:cs typeface="+mn-cs"/>
+        </a:defRPr>
+      </a:lvl4pPr>
+      <a:lvl5pPr marL="2057400" indent="-228600" algn="l" defTabSz="914400" rtl="0" eaLnBrk="1" latinLnBrk="0" hangingPunct="1">
+        <a:lnSpc>
+          <a:spcPct val="90000"/>
+        </a:lnSpc>
+        <a:spcBef>
+          <a:spcPts val="500"/>
+        </a:spcBef>
+        <a:buFont typeface="Arial" panose="020B0604020202020204" pitchFamily="34" charset="0"/>
+        <a:buChar char="•"/>
+        <a:defRPr sz="1800" kern="1200">
+          <a:solidFill>
+            <a:schemeClr val="tx1"/>
+          </a:solidFill>
+          <a:latin typeface="+mn-lt"/>
+          <a:ea typeface="+mn-ea"/>
+          <a:cs typeface="+mn-cs"/>
+        </a:defRPr>
+      </a:lvl5pPr>
+      <a:lvl6pPr marL="2514600" indent="-228600" algn="l" defTabSz="914400" rtl="0" eaLnBrk="1" latinLnBrk="0" hangingPunct="1">
+        <a:lnSpc>
+          <a:spcPct val="90000"/>
+        </a:lnSpc>
+        <a:spcBef>
+          <a:spcPts val="500"/>
+        </a:spcBef>
+        <a:buFont typeface="Arial" panose="020B0604020202020204" pitchFamily="34" charset="0"/>
+        <a:buChar char="•"/>
+        <a:defRPr sz="1800" kern="1200">
+          <a:solidFill>
+            <a:schemeClr val="tx1"/>
+          </a:solidFill>
+          <a:latin typeface="+mn-lt"/>
+          <a:ea typeface="+mn-ea"/>
+          <a:cs typeface="+mn-cs"/>
+        </a:defRPr>
+      </a:lvl6pPr>
+      <a:lvl7pPr marL="2971800" indent="-228600" algn="l" defTabSz="914400" rtl="0" eaLnBrk="1" latinLnBrk="0" hangingPunct="1">
+        <a:lnSpc>
+          <a:spcPct val="90000"/>
+        </a:lnSpc>
+        <a:spcBef>
+          <a:spcPts val="500"/>
+        </a:spcBef>
+        <a:buFont typeface="Arial" panose="020B0604020202020204" pitchFamily="34" charset="0"/>
+        <a:buChar char="•"/>
+        <a:defRPr sz="1800" kern="1200">
+          <a:solidFill>
+            <a:schemeClr val="tx1"/>
+          </a:solidFill>
+          <a:latin typeface="+mn-lt"/>
+          <a:ea typeface="+mn-ea"/>
+          <a:cs typeface="+mn-cs"/>
+        </a:defRPr>
+      </a:lvl7pPr>
+      <a:lvl8pPr marL="3429000" indent="-228600" algn="l" defTabSz="914400" rtl="0" eaLnBrk="1" latinLnBrk="0" hangingPunct="1">
+        <a:lnSpc>
+          <a:spcPct val="90000"/>
+        </a:lnSpc>
+        <a:spcBef>
+          <a:spcPts val="500"/>
+        </a:spcBef>
+        <a:buFont typeface="Arial" panose="020B0604020202020204" pitchFamily="34" charset="0"/>
+        <a:buChar char="•"/>
+        <a:defRPr sz="1800" kern="1200">
+          <a:solidFill>
+            <a:schemeClr val="tx1"/>
+          </a:solidFill>
+          <a:latin typeface="+mn-lt"/>
+          <a:ea typeface="+mn-ea"/>
+          <a:cs typeface="+mn-cs"/>
+        </a:defRPr>
+      </a:lvl8pPr>
+      <a:lvl9pPr marL="3886200" indent="-228600" algn="l" defTabSz="914400" rtl="0" eaLnBrk="1" latinLnBrk="0" hangingPunct="1">
+        <a:lnSpc>
+          <a:spcPct val="90000"/>
+        </a:lnSpc>
+        <a:spcBef>
+          <a:spcPts val="500"/>
+        </a:spcBef>
+        <a:buFont typeface="Arial" panose="020B0604020202020204" pitchFamily="34" charset="0"/>
+        <a:buChar char="•"/>
+        <a:defRPr sz="1800" kern="1200">
+          <a:solidFill>
+            <a:schemeClr val="tx1"/>
+          </a:solidFill>
+          <a:latin typeface="+mn-lt"/>
+          <a:ea typeface="+mn-ea"/>
+          <a:cs typeface="+mn-cs"/>
+        </a:defRPr>
+      </a:lvl9pPr>
+    </p:bodyStyle>
+    <p:otherStyle>
+      <a:defPPr>
+        <a:defRPr lang="en-US"/>
+      </a:defPPr>
+      <a:lvl1pPr marL="0" algn="l" defTabSz="914400" rtl="0" eaLnBrk="1" latinLnBrk="0" hangingPunct="1">
+        <a:defRPr sz="1800" kern="1200">
+          <a:solidFill>
+            <a:schemeClr val="tx1"/>
+          </a:solidFill>
+          <a:latin typeface="+mn-lt"/>
+          <a:ea typeface="+mn-ea"/>
+          <a:cs typeface="+mn-cs"/>
+        </a:defRPr>
+      </a:lvl1pPr>
+      <a:lvl2pPr marL="457200" algn="l" defTabSz="914400" rtl="0" eaLnBrk="1" latinLnBrk="0" hangingPunct="1">
+        <a:defRPr sz="1800" kern="1200">
+          <a:solidFill>
+            <a:schemeClr val="tx1"/>
+          </a:solidFill>
+          <a:latin typeface="+mn-lt"/>
+          <a:ea typeface="+mn-ea"/>
+          <a:cs typeface="+mn-cs"/>
+        </a:defRPr>
+      </a:lvl2pPr>
+      <a:lvl3pPr marL="914400" algn="l" defTabSz="914400" rtl="0" eaLnBrk="1" latinLnBrk="0" hangingPunct="1">
+        <a:defRPr sz="1800" kern="1200">
+          <a:solidFill>
+            <a:schemeClr val="tx1"/>
+          </a:solidFill>
+          <a:latin typeface="+mn-lt"/>
+          <a:ea typeface="+mn-ea"/>
+          <a:cs typeface="+mn-cs"/>
+        </a:defRPr>
+      </a:lvl3pPr>
+      <a:lvl4pPr marL="1371600" algn="l" defTabSz="914400" rtl="0" eaLnBrk="1" latinLnBrk="0" hangingPunct="1">
+        <a:defRPr sz="1800" kern="1200">
+          <a:solidFill>
+            <a:schemeClr val="tx1"/>
+          </a:solidFill>
+          <a:latin typeface="+mn-lt"/>
+          <a:ea typeface="+mn-ea"/>
+          <a:cs typeface="+mn-cs"/>
+        </a:defRPr>
+      </a:lvl4pPr>
+      <a:lvl5pPr marL="1828800" algn="l" defTabSz="914400" rtl="0" eaLnBrk="1" latinLnBrk="0" hangingPunct="1">
+        <a:defRPr sz="1800" kern="1200">
+          <a:solidFill>
+            <a:schemeClr val="tx1"/>
+          </a:solidFill>
+          <a:latin typeface="+mn-lt"/>
+          <a:ea typeface="+mn-ea"/>
+          <a:cs typeface="+mn-cs"/>
+        </a:defRPr>
+      </a:lvl5pPr>
+      <a:lvl6pPr marL="2286000" algn="l" defTabSz="914400" rtl="0" eaLnBrk="1" latinLnBrk="0" hangingPunct="1">
+        <a:defRPr sz="1800" kern="1200">
+          <a:solidFill>
+            <a:schemeClr val="tx1"/>
+          </a:solidFill>
+          <a:latin typeface="+mn-lt"/>
+          <a:ea typeface="+mn-ea"/>
+          <a:cs typeface="+mn-cs"/>
+        </a:defRPr>
+      </a:lvl6pPr>
+      <a:lvl7pPr marL="2743200" algn="l" defTabSz="914400" rtl="0" eaLnBrk="1" latinLnBrk="0" hangingPunct="1">
+        <a:defRPr sz="1800" kern="1200">
+          <a:solidFill>
+            <a:schemeClr val="tx1"/>
+          </a:solidFill>
+          <a:latin typeface="+mn-lt"/>
+          <a:ea typeface="+mn-ea"/>
+          <a:cs typeface="+mn-cs"/>
+        </a:defRPr>
+      </a:lvl7pPr>
+      <a:lvl8pPr marL="3200400" algn="l" defTabSz="914400" rtl="0" eaLnBrk="1" latinLnBrk="0" hangingPunct="1">
+        <a:defRPr sz="1800" kern="1200">
+          <a:solidFill>
+            <a:schemeClr val="tx1"/>
+          </a:solidFill>
+          <a:latin typeface="+mn-lt"/>
+          <a:ea typeface="+mn-ea"/>
+          <a:cs typeface="+mn-cs"/>
+        </a:defRPr>
+      </a:lvl8pPr>
+      <a:lvl9pPr marL="3657600" algn="l" defTabSz="914400" rtl="0" eaLnBrk="1" latinLnBrk="0" hangingPunct="1">
+        <a:defRPr sz="1800" kern="1200">
+          <a:solidFill>
+            <a:schemeClr val="tx1"/>
+          </a:solidFill>
+          <a:latin typeface="+mn-lt"/>
+          <a:ea typeface="+mn-ea"/>
+          <a:cs typeface="+mn-cs"/>
+        </a:defRPr>
+      </a:lvl9pPr>
+    </p:otherStyle>
+  </p:txStyles>
 </p:sldMaster>
 </file>
 
 <file path=ppt/slideMasters/slideMaster2.xml><?xml version="1.0" encoding="utf-8"?>
-<p:sldMaster xmlns:a="http://schemas.openxmlformats.org/drawingml/2006/main" xmlns:p="http://schemas.openxmlformats.org/presentationml/2006/main" xmlns:r="http://schemas.openxmlformats.org/officeDocument/2006/relationships" xmlns:p14="http://schemas.microsoft.com/office/powerpoint/2010/main" xmlns:p15="http://schemas.microsoft.com/office/powerpoint/2012/main" xmlns:mc="http://schemas.openxmlformats.org/markup-compatibility/2006">
+<p:sldMaster xmlns:a="http://schemas.openxmlformats.org/drawingml/2006/main" xmlns:r="http://schemas.openxmlformats.org/officeDocument/2006/relationships" xmlns:p="http://schemas.openxmlformats.org/presentationml/2006/main">
   <p:cSld>
     <p:bg>
       <p:bgPr>
         <a:solidFill>
-          <a:srgbClr val="ffffff"/>
+          <a:srgbClr val="FFFFFF"/>
         </a:solidFill>
+        <a:effectLst/>
       </p:bgPr>
     </p:bg>
     <p:spTree>
@@ -3962,7 +4536,7 @@
             <a:noFill/>
           </a:ln>
           <a:effectLst>
-            <a:outerShdw blurRad="38100" dir="5400000" dist="25400" rotWithShape="0">
+            <a:outerShdw blurRad="38100" dist="25400" dir="5400000" rotWithShape="0">
               <a:srgbClr val="000000">
                 <a:alpha val="55000"/>
               </a:srgbClr>
@@ -4003,7 +4577,7 @@
             <a:noFill/>
           </a:ln>
           <a:effectLst>
-            <a:outerShdw blurRad="38100" dir="5400000" dist="25400" rotWithShape="0">
+            <a:outerShdw blurRad="38100" dist="25400" dir="5400000" rotWithShape="0">
               <a:srgbClr val="000000">
                 <a:alpha val="55000"/>
               </a:srgbClr>
@@ -4044,7 +4618,7 @@
             <a:noFill/>
           </a:ln>
           <a:effectLst>
-            <a:outerShdw blurRad="38100" dir="5400000" dist="25400" rotWithShape="0">
+            <a:outerShdw blurRad="38100" dist="25400" dir="5400000" rotWithShape="0">
               <a:srgbClr val="000000">
                 <a:alpha val="55000"/>
               </a:srgbClr>
@@ -4079,7 +4653,7 @@
             <a:avLst/>
           </a:prstGeom>
           <a:solidFill>
-            <a:srgbClr val="24cf39"/>
+            <a:srgbClr val="24CF39"/>
           </a:solidFill>
           <a:ln>
             <a:noFill/>
@@ -4121,7 +4695,7 @@
             <a:noFill/>
           </a:ln>
           <a:effectLst>
-            <a:outerShdw blurRad="38100" dir="5400000" dist="25400" rotWithShape="0">
+            <a:outerShdw blurRad="38100" dist="25400" dir="5400000" rotWithShape="0">
               <a:srgbClr val="000000">
                 <a:alpha val="55000"/>
               </a:srgbClr>
@@ -4162,6 +4736,7 @@
         </p:spPr>
         <p:txBody>
           <a:bodyPr anchor="b"/>
+          <a:lstStyle/>
           <a:p>
             <a:pPr>
               <a:lnSpc>
@@ -4169,15 +4744,15 @@
               </a:lnSpc>
             </a:pPr>
             <a:r>
-              <a:rPr b="0" lang="en-US" sz="2800" spc="-1" strike="noStrike" cap="all">
-                <a:solidFill>
-                  <a:srgbClr val="ffffff"/>
+              <a:rPr lang="en-US" sz="2800" b="0" strike="noStrike" cap="all" spc="-1">
+                <a:solidFill>
+                  <a:srgbClr val="FFFFFF"/>
                 </a:solidFill>
                 <a:latin typeface="Gill Sans MT"/>
               </a:rPr>
               <a:t>Click to edit Master title style</a:t>
             </a:r>
-            <a:endParaRPr b="0" lang="en-US" sz="2800" spc="-1" strike="noStrike">
+            <a:endParaRPr lang="en-US" sz="2800" b="0" strike="noStrike" spc="-1">
               <a:solidFill>
                 <a:srgbClr val="000000"/>
               </a:solidFill>
@@ -4207,6 +4782,7 @@
         </p:spPr>
         <p:txBody>
           <a:bodyPr/>
+          <a:lstStyle/>
           <a:p>
             <a:pPr marL="306000" indent="-305640">
               <a:lnSpc>
@@ -4219,30 +4795,24 @@
                 <a:spcPts val="601"/>
               </a:spcAft>
               <a:buClr>
-                <a:srgbClr val="4590b8"/>
+                <a:srgbClr val="4590B8"/>
               </a:buClr>
               <a:buSzPct val="92000"/>
               <a:buFont typeface="Wingdings 2" charset="2"/>
               <a:buChar char=""/>
             </a:pPr>
             <a:r>
-              <a:rPr b="0" lang="en-US" sz="3600" spc="-1" strike="noStrike">
-                <a:solidFill>
-                  <a:srgbClr val="3d3d3d"/>
+              <a:rPr lang="en-US" sz="3600" b="0" strike="noStrike" spc="-1">
+                <a:solidFill>
+                  <a:srgbClr val="3D3D3D"/>
                 </a:solidFill>
                 <a:latin typeface="Gill Sans MT"/>
               </a:rPr>
               <a:t>Edit Master text styles</a:t>
             </a:r>
-            <a:endParaRPr b="0" lang="en-US" sz="3600" spc="-1" strike="noStrike">
-              <a:solidFill>
-                <a:srgbClr val="3d3d3d"/>
-              </a:solidFill>
-              <a:latin typeface="Gill Sans MT"/>
-            </a:endParaRPr>
-          </a:p>
-          <a:p>
-            <a:pPr lvl="1" marL="630000" indent="-305640">
+          </a:p>
+          <a:p>
+            <a:pPr marL="630000" lvl="1" indent="-305640">
               <a:lnSpc>
                 <a:spcPct val="100000"/>
               </a:lnSpc>
@@ -4253,30 +4823,24 @@
                 <a:spcPts val="601"/>
               </a:spcAft>
               <a:buClr>
-                <a:srgbClr val="4590b8"/>
+                <a:srgbClr val="4590B8"/>
               </a:buClr>
               <a:buSzPct val="92000"/>
               <a:buFont typeface="Wingdings 2" charset="2"/>
               <a:buChar char=""/>
             </a:pPr>
             <a:r>
-              <a:rPr b="0" lang="en-US" sz="3200" spc="-1" strike="noStrike">
-                <a:solidFill>
-                  <a:srgbClr val="3d3d3d"/>
+              <a:rPr lang="en-US" sz="3200" b="0" strike="noStrike" spc="-1">
+                <a:solidFill>
+                  <a:srgbClr val="3D3D3D"/>
                 </a:solidFill>
                 <a:latin typeface="Gill Sans MT"/>
               </a:rPr>
               <a:t>Second level</a:t>
             </a:r>
-            <a:endParaRPr b="0" lang="en-US" sz="3200" spc="-1" strike="noStrike">
-              <a:solidFill>
-                <a:srgbClr val="3d3d3d"/>
-              </a:solidFill>
-              <a:latin typeface="Gill Sans MT"/>
-            </a:endParaRPr>
-          </a:p>
-          <a:p>
-            <a:pPr lvl="2" marL="900000" indent="-269640">
+          </a:p>
+          <a:p>
+            <a:pPr marL="900000" lvl="2" indent="-269640">
               <a:lnSpc>
                 <a:spcPct val="100000"/>
               </a:lnSpc>
@@ -4287,30 +4851,24 @@
                 <a:spcPts val="601"/>
               </a:spcAft>
               <a:buClr>
-                <a:srgbClr val="4590b8"/>
+                <a:srgbClr val="4590B8"/>
               </a:buClr>
               <a:buSzPct val="92000"/>
               <a:buFont typeface="Wingdings 2" charset="2"/>
               <a:buChar char=""/>
             </a:pPr>
             <a:r>
-              <a:rPr b="0" lang="en-US" sz="2800" spc="-1" strike="noStrike">
-                <a:solidFill>
-                  <a:srgbClr val="3d3d3d"/>
+              <a:rPr lang="en-US" sz="2800" b="0" strike="noStrike" spc="-1">
+                <a:solidFill>
+                  <a:srgbClr val="3D3D3D"/>
                 </a:solidFill>
                 <a:latin typeface="Gill Sans MT"/>
               </a:rPr>
               <a:t>Third level</a:t>
             </a:r>
-            <a:endParaRPr b="0" lang="en-US" sz="2800" spc="-1" strike="noStrike">
-              <a:solidFill>
-                <a:srgbClr val="3d3d3d"/>
-              </a:solidFill>
-              <a:latin typeface="Gill Sans MT"/>
-            </a:endParaRPr>
-          </a:p>
-          <a:p>
-            <a:pPr lvl="3" marL="1242000" indent="-233640">
+          </a:p>
+          <a:p>
+            <a:pPr marL="1242000" lvl="3" indent="-233640">
               <a:lnSpc>
                 <a:spcPct val="100000"/>
               </a:lnSpc>
@@ -4321,30 +4879,24 @@
                 <a:spcPts val="601"/>
               </a:spcAft>
               <a:buClr>
-                <a:srgbClr val="4590b8"/>
+                <a:srgbClr val="4590B8"/>
               </a:buClr>
               <a:buSzPct val="92000"/>
               <a:buFont typeface="Wingdings 2" charset="2"/>
               <a:buChar char=""/>
             </a:pPr>
             <a:r>
-              <a:rPr b="0" lang="en-US" sz="2400" spc="-1" strike="noStrike">
-                <a:solidFill>
-                  <a:srgbClr val="3d3d3d"/>
+              <a:rPr lang="en-US" sz="2400" b="0" strike="noStrike" spc="-1">
+                <a:solidFill>
+                  <a:srgbClr val="3D3D3D"/>
                 </a:solidFill>
                 <a:latin typeface="Gill Sans MT"/>
               </a:rPr>
               <a:t>Fourth level</a:t>
             </a:r>
-            <a:endParaRPr b="0" lang="en-US" sz="2400" spc="-1" strike="noStrike">
-              <a:solidFill>
-                <a:srgbClr val="3d3d3d"/>
-              </a:solidFill>
-              <a:latin typeface="Gill Sans MT"/>
-            </a:endParaRPr>
-          </a:p>
-          <a:p>
-            <a:pPr lvl="4" marL="1602000" indent="-233640">
+          </a:p>
+          <a:p>
+            <a:pPr marL="1602000" lvl="4" indent="-233640">
               <a:lnSpc>
                 <a:spcPct val="100000"/>
               </a:lnSpc>
@@ -4355,27 +4907,21 @@
                 <a:spcPts val="601"/>
               </a:spcAft>
               <a:buClr>
-                <a:srgbClr val="4590b8"/>
+                <a:srgbClr val="4590B8"/>
               </a:buClr>
               <a:buSzPct val="92000"/>
               <a:buFont typeface="Wingdings 2" charset="2"/>
               <a:buChar char=""/>
             </a:pPr>
             <a:r>
-              <a:rPr b="0" lang="en-US" sz="2400" spc="-1" strike="noStrike">
-                <a:solidFill>
-                  <a:srgbClr val="3d3d3d"/>
+              <a:rPr lang="en-US" sz="2400" b="0" strike="noStrike" spc="-1">
+                <a:solidFill>
+                  <a:srgbClr val="3D3D3D"/>
                 </a:solidFill>
                 <a:latin typeface="Gill Sans MT"/>
               </a:rPr>
               <a:t>Fifth level</a:t>
             </a:r>
-            <a:endParaRPr b="0" lang="en-US" sz="2400" spc="-1" strike="noStrike">
-              <a:solidFill>
-                <a:srgbClr val="3d3d3d"/>
-              </a:solidFill>
-              <a:latin typeface="Gill Sans MT"/>
-            </a:endParaRPr>
           </a:p>
         </p:txBody>
       </p:sp>
@@ -4399,7 +4945,8 @@
           </a:prstGeom>
         </p:spPr>
         <p:txBody>
-          <a:bodyPr lIns="90000" rIns="90000" tIns="45000" bIns="45000"/>
+          <a:bodyPr lIns="90000" tIns="45000" rIns="90000" bIns="45000"/>
+          <a:lstStyle/>
           <a:p>
             <a:pPr>
               <a:lnSpc>
@@ -4407,15 +4954,15 @@
               </a:lnSpc>
             </a:pPr>
             <a:fld id="{EF0B90CC-F80F-4EF4-BA18-5EAC085887D0}" type="datetime1">
-              <a:rPr b="0" lang="pt-BR" sz="1800" spc="-1" strike="noStrike">
-                <a:solidFill>
-                  <a:srgbClr val="537ed0"/>
-                </a:solidFill>
-                <a:latin typeface="Gill Sans MT"/>
-              </a:rPr>
-              <a:t>31/08/2018</a:t>
+              <a:rPr lang="pt-BR" sz="1800" b="0" strike="noStrike" spc="-1">
+                <a:solidFill>
+                  <a:srgbClr val="537ED0"/>
+                </a:solidFill>
+                <a:latin typeface="Gill Sans MT"/>
+              </a:rPr>
+              <a:t>01/10/2018</a:t>
             </a:fld>
-            <a:endParaRPr b="0" lang="pt-BR" sz="1800" spc="-1" strike="noStrike">
+            <a:endParaRPr lang="pt-BR" sz="1800" b="0" strike="noStrike" spc="-1">
               <a:latin typeface="Times New Roman"/>
             </a:endParaRPr>
           </a:p>
@@ -4441,7 +4988,8 @@
           </a:prstGeom>
         </p:spPr>
         <p:txBody>
-          <a:bodyPr lIns="90000" rIns="90000" tIns="45000" bIns="45000"/>
+          <a:bodyPr lIns="90000" tIns="45000" rIns="90000" bIns="45000"/>
+          <a:lstStyle/>
           <a:p>
             <a:pPr>
               <a:lnSpc>
@@ -4449,15 +4997,15 @@
               </a:lnSpc>
             </a:pPr>
             <a:r>
-              <a:rPr b="0" lang="pt-BR" sz="1800" spc="-1" strike="noStrike">
-                <a:solidFill>
-                  <a:srgbClr val="537ed0"/>
+              <a:rPr lang="pt-BR" sz="1800" b="0" strike="noStrike" spc="-1">
+                <a:solidFill>
+                  <a:srgbClr val="537ED0"/>
                 </a:solidFill>
                 <a:latin typeface="Gill Sans MT"/>
               </a:rPr>
               <a:t>© 2018, FLL Tutorials (Last Edit 6/11/2018)</a:t>
             </a:r>
-            <a:endParaRPr b="0" lang="pt-BR" sz="1800" spc="-1" strike="noStrike">
+            <a:endParaRPr lang="pt-BR" sz="1800" b="0" strike="noStrike" spc="-1">
               <a:latin typeface="Times New Roman"/>
             </a:endParaRPr>
           </a:p>
@@ -4483,7 +5031,8 @@
           </a:prstGeom>
         </p:spPr>
         <p:txBody>
-          <a:bodyPr lIns="90000" rIns="90000" tIns="45000" bIns="45000"/>
+          <a:bodyPr lIns="90000" tIns="45000" rIns="90000" bIns="45000"/>
+          <a:lstStyle/>
           <a:p>
             <a:pPr>
               <a:lnSpc>
@@ -4491,15 +5040,15 @@
               </a:lnSpc>
             </a:pPr>
             <a:fld id="{2A7D1604-E955-400E-8283-2C29418766DF}" type="slidenum">
-              <a:rPr b="0" lang="pt-BR" sz="1800" spc="-1" strike="noStrike">
-                <a:solidFill>
-                  <a:srgbClr val="537ed0"/>
-                </a:solidFill>
-                <a:latin typeface="Gill Sans MT"/>
-              </a:rPr>
-              <a:t>&lt;número&gt;</a:t>
+              <a:rPr lang="pt-BR" sz="1800" b="0" strike="noStrike" spc="-1">
+                <a:solidFill>
+                  <a:srgbClr val="537ED0"/>
+                </a:solidFill>
+                <a:latin typeface="Gill Sans MT"/>
+              </a:rPr>
+              <a:t>‹#›</a:t>
             </a:fld>
-            <a:endParaRPr b="0" lang="pt-BR" sz="1800" spc="-1" strike="noStrike">
+            <a:endParaRPr lang="pt-BR" sz="1800" b="0" strike="noStrike" spc="-1">
               <a:latin typeface="Times New Roman"/>
             </a:endParaRPr>
           </a:p>
@@ -4507,26 +5056,306 @@
       </p:sp>
     </p:spTree>
   </p:cSld>
-  <p:clrMap bg1="lt1" bg2="lt2" tx1="dk1" tx2="dk2" accent1="accent1" accent2="accent2" accent3="accent3" accent4="accent4" accent5="accent5" accent6="accent6" hlink="hlink" folHlink="folHlink"/>
+  <p:clrMap bg1="lt1" tx1="dk1" bg2="lt2" tx2="dk2" accent1="accent1" accent2="accent2" accent3="accent3" accent4="accent4" accent5="accent5" accent6="accent6" hlink="hlink" folHlink="folHlink"/>
   <p:sldLayoutIdLst>
-    <p:sldLayoutId id="2147483662" r:id="rId2"/>
-    <p:sldLayoutId id="2147483663" r:id="rId3"/>
-    <p:sldLayoutId id="2147483664" r:id="rId4"/>
-    <p:sldLayoutId id="2147483665" r:id="rId5"/>
-    <p:sldLayoutId id="2147483666" r:id="rId6"/>
-    <p:sldLayoutId id="2147483667" r:id="rId7"/>
-    <p:sldLayoutId id="2147483668" r:id="rId8"/>
-    <p:sldLayoutId id="2147483669" r:id="rId9"/>
-    <p:sldLayoutId id="2147483670" r:id="rId10"/>
-    <p:sldLayoutId id="2147483671" r:id="rId11"/>
-    <p:sldLayoutId id="2147483672" r:id="rId12"/>
-    <p:sldLayoutId id="2147483673" r:id="rId13"/>
+    <p:sldLayoutId id="2147483662" r:id="rId1"/>
+    <p:sldLayoutId id="2147483663" r:id="rId2"/>
+    <p:sldLayoutId id="2147483664" r:id="rId3"/>
+    <p:sldLayoutId id="2147483665" r:id="rId4"/>
+    <p:sldLayoutId id="2147483666" r:id="rId5"/>
+    <p:sldLayoutId id="2147483667" r:id="rId6"/>
+    <p:sldLayoutId id="2147483668" r:id="rId7"/>
+    <p:sldLayoutId id="2147483669" r:id="rId8"/>
+    <p:sldLayoutId id="2147483670" r:id="rId9"/>
+    <p:sldLayoutId id="2147483671" r:id="rId10"/>
+    <p:sldLayoutId id="2147483672" r:id="rId11"/>
+    <p:sldLayoutId id="2147483673" r:id="rId12"/>
   </p:sldLayoutIdLst>
+  <p:txStyles>
+    <p:titleStyle>
+      <a:lvl1pPr algn="l" defTabSz="914400" rtl="0" eaLnBrk="1" latinLnBrk="0" hangingPunct="1">
+        <a:lnSpc>
+          <a:spcPct val="90000"/>
+        </a:lnSpc>
+        <a:spcBef>
+          <a:spcPct val="0"/>
+        </a:spcBef>
+        <a:buNone/>
+        <a:defRPr sz="4400" kern="1200">
+          <a:solidFill>
+            <a:schemeClr val="tx1"/>
+          </a:solidFill>
+          <a:latin typeface="+mj-lt"/>
+          <a:ea typeface="+mj-ea"/>
+          <a:cs typeface="+mj-cs"/>
+        </a:defRPr>
+      </a:lvl1pPr>
+    </p:titleStyle>
+    <p:bodyStyle>
+      <a:lvl1pPr marL="228600" indent="-228600" algn="l" defTabSz="914400" rtl="0" eaLnBrk="1" latinLnBrk="0" hangingPunct="1">
+        <a:lnSpc>
+          <a:spcPct val="90000"/>
+        </a:lnSpc>
+        <a:spcBef>
+          <a:spcPts val="1000"/>
+        </a:spcBef>
+        <a:buFont typeface="Arial" panose="020B0604020202020204" pitchFamily="34" charset="0"/>
+        <a:buChar char="•"/>
+        <a:defRPr sz="2800" kern="1200">
+          <a:solidFill>
+            <a:schemeClr val="tx1"/>
+          </a:solidFill>
+          <a:latin typeface="+mn-lt"/>
+          <a:ea typeface="+mn-ea"/>
+          <a:cs typeface="+mn-cs"/>
+        </a:defRPr>
+      </a:lvl1pPr>
+      <a:lvl2pPr marL="685800" indent="-228600" algn="l" defTabSz="914400" rtl="0" eaLnBrk="1" latinLnBrk="0" hangingPunct="1">
+        <a:lnSpc>
+          <a:spcPct val="90000"/>
+        </a:lnSpc>
+        <a:spcBef>
+          <a:spcPts val="500"/>
+        </a:spcBef>
+        <a:buFont typeface="Arial" panose="020B0604020202020204" pitchFamily="34" charset="0"/>
+        <a:buChar char="•"/>
+        <a:defRPr sz="2400" kern="1200">
+          <a:solidFill>
+            <a:schemeClr val="tx1"/>
+          </a:solidFill>
+          <a:latin typeface="+mn-lt"/>
+          <a:ea typeface="+mn-ea"/>
+          <a:cs typeface="+mn-cs"/>
+        </a:defRPr>
+      </a:lvl2pPr>
+      <a:lvl3pPr marL="1143000" indent="-228600" algn="l" defTabSz="914400" rtl="0" eaLnBrk="1" latinLnBrk="0" hangingPunct="1">
+        <a:lnSpc>
+          <a:spcPct val="90000"/>
+        </a:lnSpc>
+        <a:spcBef>
+          <a:spcPts val="500"/>
+        </a:spcBef>
+        <a:buFont typeface="Arial" panose="020B0604020202020204" pitchFamily="34" charset="0"/>
+        <a:buChar char="•"/>
+        <a:defRPr sz="2000" kern="1200">
+          <a:solidFill>
+            <a:schemeClr val="tx1"/>
+          </a:solidFill>
+          <a:latin typeface="+mn-lt"/>
+          <a:ea typeface="+mn-ea"/>
+          <a:cs typeface="+mn-cs"/>
+        </a:defRPr>
+      </a:lvl3pPr>
+      <a:lvl4pPr marL="1600200" indent="-228600" algn="l" defTabSz="914400" rtl="0" eaLnBrk="1" latinLnBrk="0" hangingPunct="1">
+        <a:lnSpc>
+          <a:spcPct val="90000"/>
+        </a:lnSpc>
+        <a:spcBef>
+          <a:spcPts val="500"/>
+        </a:spcBef>
+        <a:buFont typeface="Arial" panose="020B0604020202020204" pitchFamily="34" charset="0"/>
+        <a:buChar char="•"/>
+        <a:defRPr sz="1800" kern="1200">
+          <a:solidFill>
+            <a:schemeClr val="tx1"/>
+          </a:solidFill>
+          <a:latin typeface="+mn-lt"/>
+          <a:ea typeface="+mn-ea"/>
+          <a:cs typeface="+mn-cs"/>
+        </a:defRPr>
+      </a:lvl4pPr>
+      <a:lvl5pPr marL="2057400" indent="-228600" algn="l" defTabSz="914400" rtl="0" eaLnBrk="1" latinLnBrk="0" hangingPunct="1">
+        <a:lnSpc>
+          <a:spcPct val="90000"/>
+        </a:lnSpc>
+        <a:spcBef>
+          <a:spcPts val="500"/>
+        </a:spcBef>
+        <a:buFont typeface="Arial" panose="020B0604020202020204" pitchFamily="34" charset="0"/>
+        <a:buChar char="•"/>
+        <a:defRPr sz="1800" kern="1200">
+          <a:solidFill>
+            <a:schemeClr val="tx1"/>
+          </a:solidFill>
+          <a:latin typeface="+mn-lt"/>
+          <a:ea typeface="+mn-ea"/>
+          <a:cs typeface="+mn-cs"/>
+        </a:defRPr>
+      </a:lvl5pPr>
+      <a:lvl6pPr marL="2514600" indent="-228600" algn="l" defTabSz="914400" rtl="0" eaLnBrk="1" latinLnBrk="0" hangingPunct="1">
+        <a:lnSpc>
+          <a:spcPct val="90000"/>
+        </a:lnSpc>
+        <a:spcBef>
+          <a:spcPts val="500"/>
+        </a:spcBef>
+        <a:buFont typeface="Arial" panose="020B0604020202020204" pitchFamily="34" charset="0"/>
+        <a:buChar char="•"/>
+        <a:defRPr sz="1800" kern="1200">
+          <a:solidFill>
+            <a:schemeClr val="tx1"/>
+          </a:solidFill>
+          <a:latin typeface="+mn-lt"/>
+          <a:ea typeface="+mn-ea"/>
+          <a:cs typeface="+mn-cs"/>
+        </a:defRPr>
+      </a:lvl6pPr>
+      <a:lvl7pPr marL="2971800" indent="-228600" algn="l" defTabSz="914400" rtl="0" eaLnBrk="1" latinLnBrk="0" hangingPunct="1">
+        <a:lnSpc>
+          <a:spcPct val="90000"/>
+        </a:lnSpc>
+        <a:spcBef>
+          <a:spcPts val="500"/>
+        </a:spcBef>
+        <a:buFont typeface="Arial" panose="020B0604020202020204" pitchFamily="34" charset="0"/>
+        <a:buChar char="•"/>
+        <a:defRPr sz="1800" kern="1200">
+          <a:solidFill>
+            <a:schemeClr val="tx1"/>
+          </a:solidFill>
+          <a:latin typeface="+mn-lt"/>
+          <a:ea typeface="+mn-ea"/>
+          <a:cs typeface="+mn-cs"/>
+        </a:defRPr>
+      </a:lvl7pPr>
+      <a:lvl8pPr marL="3429000" indent="-228600" algn="l" defTabSz="914400" rtl="0" eaLnBrk="1" latinLnBrk="0" hangingPunct="1">
+        <a:lnSpc>
+          <a:spcPct val="90000"/>
+        </a:lnSpc>
+        <a:spcBef>
+          <a:spcPts val="500"/>
+        </a:spcBef>
+        <a:buFont typeface="Arial" panose="020B0604020202020204" pitchFamily="34" charset="0"/>
+        <a:buChar char="•"/>
+        <a:defRPr sz="1800" kern="1200">
+          <a:solidFill>
+            <a:schemeClr val="tx1"/>
+          </a:solidFill>
+          <a:latin typeface="+mn-lt"/>
+          <a:ea typeface="+mn-ea"/>
+          <a:cs typeface="+mn-cs"/>
+        </a:defRPr>
+      </a:lvl8pPr>
+      <a:lvl9pPr marL="3886200" indent="-228600" algn="l" defTabSz="914400" rtl="0" eaLnBrk="1" latinLnBrk="0" hangingPunct="1">
+        <a:lnSpc>
+          <a:spcPct val="90000"/>
+        </a:lnSpc>
+        <a:spcBef>
+          <a:spcPts val="500"/>
+        </a:spcBef>
+        <a:buFont typeface="Arial" panose="020B0604020202020204" pitchFamily="34" charset="0"/>
+        <a:buChar char="•"/>
+        <a:defRPr sz="1800" kern="1200">
+          <a:solidFill>
+            <a:schemeClr val="tx1"/>
+          </a:solidFill>
+          <a:latin typeface="+mn-lt"/>
+          <a:ea typeface="+mn-ea"/>
+          <a:cs typeface="+mn-cs"/>
+        </a:defRPr>
+      </a:lvl9pPr>
+    </p:bodyStyle>
+    <p:otherStyle>
+      <a:defPPr>
+        <a:defRPr lang="en-US"/>
+      </a:defPPr>
+      <a:lvl1pPr marL="0" algn="l" defTabSz="914400" rtl="0" eaLnBrk="1" latinLnBrk="0" hangingPunct="1">
+        <a:defRPr sz="1800" kern="1200">
+          <a:solidFill>
+            <a:schemeClr val="tx1"/>
+          </a:solidFill>
+          <a:latin typeface="+mn-lt"/>
+          <a:ea typeface="+mn-ea"/>
+          <a:cs typeface="+mn-cs"/>
+        </a:defRPr>
+      </a:lvl1pPr>
+      <a:lvl2pPr marL="457200" algn="l" defTabSz="914400" rtl="0" eaLnBrk="1" latinLnBrk="0" hangingPunct="1">
+        <a:defRPr sz="1800" kern="1200">
+          <a:solidFill>
+            <a:schemeClr val="tx1"/>
+          </a:solidFill>
+          <a:latin typeface="+mn-lt"/>
+          <a:ea typeface="+mn-ea"/>
+          <a:cs typeface="+mn-cs"/>
+        </a:defRPr>
+      </a:lvl2pPr>
+      <a:lvl3pPr marL="914400" algn="l" defTabSz="914400" rtl="0" eaLnBrk="1" latinLnBrk="0" hangingPunct="1">
+        <a:defRPr sz="1800" kern="1200">
+          <a:solidFill>
+            <a:schemeClr val="tx1"/>
+          </a:solidFill>
+          <a:latin typeface="+mn-lt"/>
+          <a:ea typeface="+mn-ea"/>
+          <a:cs typeface="+mn-cs"/>
+        </a:defRPr>
+      </a:lvl3pPr>
+      <a:lvl4pPr marL="1371600" algn="l" defTabSz="914400" rtl="0" eaLnBrk="1" latinLnBrk="0" hangingPunct="1">
+        <a:defRPr sz="1800" kern="1200">
+          <a:solidFill>
+            <a:schemeClr val="tx1"/>
+          </a:solidFill>
+          <a:latin typeface="+mn-lt"/>
+          <a:ea typeface="+mn-ea"/>
+          <a:cs typeface="+mn-cs"/>
+        </a:defRPr>
+      </a:lvl4pPr>
+      <a:lvl5pPr marL="1828800" algn="l" defTabSz="914400" rtl="0" eaLnBrk="1" latinLnBrk="0" hangingPunct="1">
+        <a:defRPr sz="1800" kern="1200">
+          <a:solidFill>
+            <a:schemeClr val="tx1"/>
+          </a:solidFill>
+          <a:latin typeface="+mn-lt"/>
+          <a:ea typeface="+mn-ea"/>
+          <a:cs typeface="+mn-cs"/>
+        </a:defRPr>
+      </a:lvl5pPr>
+      <a:lvl6pPr marL="2286000" algn="l" defTabSz="914400" rtl="0" eaLnBrk="1" latinLnBrk="0" hangingPunct="1">
+        <a:defRPr sz="1800" kern="1200">
+          <a:solidFill>
+            <a:schemeClr val="tx1"/>
+          </a:solidFill>
+          <a:latin typeface="+mn-lt"/>
+          <a:ea typeface="+mn-ea"/>
+          <a:cs typeface="+mn-cs"/>
+        </a:defRPr>
+      </a:lvl6pPr>
+      <a:lvl7pPr marL="2743200" algn="l" defTabSz="914400" rtl="0" eaLnBrk="1" latinLnBrk="0" hangingPunct="1">
+        <a:defRPr sz="1800" kern="1200">
+          <a:solidFill>
+            <a:schemeClr val="tx1"/>
+          </a:solidFill>
+          <a:latin typeface="+mn-lt"/>
+          <a:ea typeface="+mn-ea"/>
+          <a:cs typeface="+mn-cs"/>
+        </a:defRPr>
+      </a:lvl7pPr>
+      <a:lvl8pPr marL="3200400" algn="l" defTabSz="914400" rtl="0" eaLnBrk="1" latinLnBrk="0" hangingPunct="1">
+        <a:defRPr sz="1800" kern="1200">
+          <a:solidFill>
+            <a:schemeClr val="tx1"/>
+          </a:solidFill>
+          <a:latin typeface="+mn-lt"/>
+          <a:ea typeface="+mn-ea"/>
+          <a:cs typeface="+mn-cs"/>
+        </a:defRPr>
+      </a:lvl8pPr>
+      <a:lvl9pPr marL="3657600" algn="l" defTabSz="914400" rtl="0" eaLnBrk="1" latinLnBrk="0" hangingPunct="1">
+        <a:defRPr sz="1800" kern="1200">
+          <a:solidFill>
+            <a:schemeClr val="tx1"/>
+          </a:solidFill>
+          <a:latin typeface="+mn-lt"/>
+          <a:ea typeface="+mn-ea"/>
+          <a:cs typeface="+mn-cs"/>
+        </a:defRPr>
+      </a:lvl9pPr>
+    </p:otherStyle>
+  </p:txStyles>
 </p:sldMaster>
 </file>
 
 <file path=ppt/slides/slide1.xml><?xml version="1.0" encoding="utf-8"?>
-<p:sld xmlns:a="http://schemas.openxmlformats.org/drawingml/2006/main" xmlns:p="http://schemas.openxmlformats.org/presentationml/2006/main" xmlns:r="http://schemas.openxmlformats.org/officeDocument/2006/relationships" xmlns:p14="http://schemas.microsoft.com/office/powerpoint/2010/main" xmlns:p15="http://schemas.microsoft.com/office/powerpoint/2012/main" xmlns:mc="http://schemas.openxmlformats.org/markup-compatibility/2006">
+<p:sld xmlns:a="http://schemas.openxmlformats.org/drawingml/2006/main" xmlns:r="http://schemas.openxmlformats.org/officeDocument/2006/relationships" xmlns:p="http://schemas.openxmlformats.org/presentationml/2006/main">
   <p:cSld>
     <p:spTree>
       <p:nvGrpSpPr>
@@ -4563,6 +5392,7 @@
         </p:spPr>
         <p:txBody>
           <a:bodyPr anchor="b"/>
+          <a:lstStyle/>
           <a:p>
             <a:pPr algn="ctr">
               <a:lnSpc>
@@ -4570,15 +5400,15 @@
               </a:lnSpc>
             </a:pPr>
             <a:r>
-              <a:rPr b="0" lang="en-US" sz="3600" spc="-1" strike="noStrike" cap="all">
-                <a:solidFill>
-                  <a:srgbClr val="ffffff"/>
+              <a:rPr lang="en-US" sz="3600" b="0" strike="noStrike" cap="all" spc="-1">
+                <a:solidFill>
+                  <a:srgbClr val="FFFFFF"/>
                 </a:solidFill>
                 <a:latin typeface="Gill Sans MT"/>
               </a:rPr>
               <a:t>Identificando o Problema</a:t>
             </a:r>
-            <a:endParaRPr b="0" lang="en-US" sz="3600" spc="-1" strike="noStrike">
+            <a:endParaRPr lang="en-US" sz="3600" b="0" strike="noStrike" spc="-1">
               <a:solidFill>
                 <a:srgbClr val="000000"/>
               </a:solidFill>
@@ -4608,6 +5438,7 @@
         </p:spPr>
         <p:txBody>
           <a:bodyPr/>
+          <a:lstStyle/>
           <a:p>
             <a:pPr algn="ctr">
               <a:lnSpc>
@@ -4621,15 +5452,15 @@
               </a:spcAft>
             </a:pPr>
             <a:r>
-              <a:rPr b="0" lang="pt-BR" sz="1600" spc="-1" strike="noStrike" cap="all">
-                <a:solidFill>
-                  <a:srgbClr val="ffffff"/>
+              <a:rPr lang="pt-BR" sz="1600" b="0" strike="noStrike" cap="all" spc="-1">
+                <a:solidFill>
+                  <a:srgbClr val="FFFFFF"/>
                 </a:solidFill>
                 <a:latin typeface="Gill Sans MT"/>
               </a:rPr>
               <a:t>Seshan brothers</a:t>
             </a:r>
-            <a:endParaRPr b="0" lang="pt-BR" sz="1600" spc="-1" strike="noStrike">
+            <a:endParaRPr lang="pt-BR" sz="1600" b="0" strike="noStrike" spc="-1">
               <a:latin typeface="Arial"/>
             </a:endParaRPr>
           </a:p>
@@ -4646,15 +5477,15 @@
               </a:spcAft>
             </a:pPr>
             <a:r>
-              <a:rPr b="0" lang="pt-BR" sz="1600" spc="-1" strike="noStrike" cap="all">
-                <a:solidFill>
-                  <a:srgbClr val="ffffff"/>
+              <a:rPr lang="pt-BR" sz="1600" b="0" strike="noStrike" cap="all" spc="-1">
+                <a:solidFill>
+                  <a:srgbClr val="FFFFFF"/>
                 </a:solidFill>
                 <a:latin typeface="Gill Sans MT"/>
               </a:rPr>
               <a:t>Traduzido por equipe sunrise</a:t>
             </a:r>
-            <a:endParaRPr b="0" lang="pt-BR" sz="1600" spc="-1" strike="noStrike">
+            <a:endParaRPr lang="pt-BR" sz="1600" b="0" strike="noStrike" spc="-1">
               <a:latin typeface="Arial"/>
             </a:endParaRPr>
           </a:p>
@@ -4662,6 +5493,9 @@
       </p:sp>
     </p:spTree>
   </p:cSld>
+  <p:clrMapOvr>
+    <a:masterClrMapping/>
+  </p:clrMapOvr>
   <p:timing>
     <p:tnLst>
       <p:par>
@@ -4670,14 +5504,14 @@
             <p:seq>
               <p:cTn id="2" dur="indefinite" nodeType="mainSeq"/>
               <p:prevCondLst>
-                <p:cond delay="0" evt="onPrev">
+                <p:cond evt="onPrev" delay="0">
                   <p:tgtEl>
                     <p:sldTgt/>
                   </p:tgtEl>
                 </p:cond>
               </p:prevCondLst>
               <p:nextCondLst>
-                <p:cond delay="0" evt="onNext">
+                <p:cond evt="onNext" delay="0">
                   <p:tgtEl>
                     <p:sldTgt/>
                   </p:tgtEl>
@@ -4693,7 +5527,7 @@
 </file>
 
 <file path=ppt/slides/slide2.xml><?xml version="1.0" encoding="utf-8"?>
-<p:sld xmlns:a="http://schemas.openxmlformats.org/drawingml/2006/main" xmlns:p="http://schemas.openxmlformats.org/presentationml/2006/main" xmlns:r="http://schemas.openxmlformats.org/officeDocument/2006/relationships" xmlns:p14="http://schemas.microsoft.com/office/powerpoint/2010/main" xmlns:p15="http://schemas.microsoft.com/office/powerpoint/2012/main" xmlns:mc="http://schemas.openxmlformats.org/markup-compatibility/2006">
+<p:sld xmlns:a="http://schemas.openxmlformats.org/drawingml/2006/main" xmlns:r="http://schemas.openxmlformats.org/officeDocument/2006/relationships" xmlns:p="http://schemas.openxmlformats.org/presentationml/2006/main">
   <p:cSld>
     <p:spTree>
       <p:nvGrpSpPr>
@@ -4730,6 +5564,7 @@
         </p:spPr>
         <p:txBody>
           <a:bodyPr anchor="b"/>
+          <a:lstStyle/>
           <a:p>
             <a:pPr>
               <a:lnSpc>
@@ -4737,15 +5572,15 @@
               </a:lnSpc>
             </a:pPr>
             <a:r>
-              <a:rPr b="0" lang="en-US" sz="2800" spc="-1" strike="noStrike" cap="all">
-                <a:solidFill>
-                  <a:srgbClr val="ffffff"/>
+              <a:rPr lang="en-US" sz="2800" b="0" strike="noStrike" cap="all" spc="-1">
+                <a:solidFill>
+                  <a:srgbClr val="FFFFFF"/>
                 </a:solidFill>
                 <a:latin typeface="Gill Sans MT"/>
               </a:rPr>
               <a:t>Sobre os autores</a:t>
             </a:r>
-            <a:endParaRPr b="0" lang="en-US" sz="2800" spc="-1" strike="noStrike">
+            <a:endParaRPr lang="en-US" sz="2800" b="0" strike="noStrike" spc="-1">
               <a:solidFill>
                 <a:srgbClr val="000000"/>
               </a:solidFill>
@@ -4777,8 +5612,9 @@
           <a:bodyPr>
             <a:normAutofit/>
           </a:bodyPr>
-          <a:p>
-            <a:pPr lvl="1" marL="630000" indent="-305640">
+          <a:lstStyle/>
+          <a:p>
+            <a:pPr marL="630000" lvl="1" indent="-305640">
               <a:lnSpc>
                 <a:spcPct val="100000"/>
               </a:lnSpc>
@@ -4789,30 +5625,24 @@
                 <a:spcPts val="601"/>
               </a:spcAft>
               <a:buClr>
-                <a:srgbClr val="4590b8"/>
+                <a:srgbClr val="4590B8"/>
               </a:buClr>
               <a:buSzPct val="92000"/>
               <a:buFont typeface="Wingdings 2" charset="2"/>
               <a:buChar char=""/>
             </a:pPr>
             <a:r>
-              <a:rPr b="0" lang="en-US" sz="2000" spc="-1" strike="noStrike">
-                <a:solidFill>
-                  <a:srgbClr val="3d3d3d"/>
+              <a:rPr lang="en-US" sz="2000" b="0" strike="noStrike" spc="-1">
+                <a:solidFill>
+                  <a:srgbClr val="3D3D3D"/>
                 </a:solidFill>
                 <a:latin typeface="Gill Sans MT"/>
               </a:rPr>
               <a:t>Seshan Brothers estavam na equipe Not the Droids You Are Looking For </a:t>
             </a:r>
-            <a:endParaRPr b="0" lang="en-US" sz="2000" spc="-1" strike="noStrike">
-              <a:solidFill>
-                <a:srgbClr val="3d3d3d"/>
-              </a:solidFill>
-              <a:latin typeface="Gill Sans MT"/>
-            </a:endParaRPr>
-          </a:p>
-          <a:p>
-            <a:pPr lvl="1" marL="630000" indent="-305640">
+          </a:p>
+          <a:p>
+            <a:pPr marL="630000" lvl="1" indent="-305640">
               <a:lnSpc>
                 <a:spcPct val="100000"/>
               </a:lnSpc>
@@ -4823,30 +5653,24 @@
                 <a:spcPts val="601"/>
               </a:spcAft>
               <a:buClr>
-                <a:srgbClr val="4590b8"/>
+                <a:srgbClr val="4590B8"/>
               </a:buClr>
               <a:buSzPct val="92000"/>
               <a:buFont typeface="Wingdings 2" charset="2"/>
               <a:buChar char=""/>
             </a:pPr>
             <a:r>
-              <a:rPr b="0" lang="en-US" sz="2000" spc="-1" strike="noStrike">
-                <a:solidFill>
-                  <a:srgbClr val="3d3d3d"/>
+              <a:rPr lang="en-US" sz="2000" b="0" strike="noStrike" spc="-1">
+                <a:solidFill>
+                  <a:srgbClr val="3D3D3D"/>
                 </a:solidFill>
                 <a:latin typeface="Gill Sans MT"/>
               </a:rPr>
               <a:t>Nossa pesquisa para a Trash Trek foi semifinalista no Global Innovation Award (Top 20 de 30,0000 times)</a:t>
             </a:r>
-            <a:endParaRPr b="0" lang="en-US" sz="2000" spc="-1" strike="noStrike">
-              <a:solidFill>
-                <a:srgbClr val="3d3d3d"/>
-              </a:solidFill>
-              <a:latin typeface="Gill Sans MT"/>
-            </a:endParaRPr>
-          </a:p>
-          <a:p>
-            <a:pPr lvl="1" marL="630000" indent="-305640">
+          </a:p>
+          <a:p>
+            <a:pPr marL="630000" lvl="1" indent="-305640">
               <a:lnSpc>
                 <a:spcPct val="100000"/>
               </a:lnSpc>
@@ -4857,30 +5681,24 @@
                 <a:spcPts val="601"/>
               </a:spcAft>
               <a:buClr>
-                <a:srgbClr val="4590b8"/>
+                <a:srgbClr val="4590B8"/>
               </a:buClr>
               <a:buSzPct val="92000"/>
               <a:buFont typeface="Wingdings 2" charset="2"/>
               <a:buChar char=""/>
             </a:pPr>
             <a:r>
-              <a:rPr b="0" lang="en-US" sz="2000" spc="-1" strike="noStrike">
-                <a:solidFill>
-                  <a:srgbClr val="3d3d3d"/>
+              <a:rPr lang="en-US" sz="2000" b="0" strike="noStrike" spc="-1">
+                <a:solidFill>
+                  <a:srgbClr val="3D3D3D"/>
                 </a:solidFill>
                 <a:latin typeface="Gill Sans MT"/>
               </a:rPr>
               <a:t>Para o projeto de pesquisa da Nature’s Fury ganhou o Innovative Solution pela FIRST LEGO League International Open em Toronto.</a:t>
             </a:r>
-            <a:endParaRPr b="0" lang="en-US" sz="2000" spc="-1" strike="noStrike">
-              <a:solidFill>
-                <a:srgbClr val="3d3d3d"/>
-              </a:solidFill>
-              <a:latin typeface="Gill Sans MT"/>
-            </a:endParaRPr>
-          </a:p>
-          <a:p>
-            <a:pPr lvl="1" marL="630000" indent="-305640">
+          </a:p>
+          <a:p>
+            <a:pPr marL="630000" lvl="1" indent="-305640">
               <a:lnSpc>
                 <a:spcPct val="100000"/>
               </a:lnSpc>
@@ -4891,30 +5709,24 @@
                 <a:spcPts val="601"/>
               </a:spcAft>
               <a:buClr>
-                <a:srgbClr val="4590b8"/>
+                <a:srgbClr val="4590B8"/>
               </a:buClr>
               <a:buSzPct val="92000"/>
               <a:buFont typeface="Wingdings 2" charset="2"/>
               <a:buChar char=""/>
             </a:pPr>
             <a:r>
-              <a:rPr b="0" lang="en-US" sz="2000" spc="-1" strike="noStrike">
-                <a:solidFill>
-                  <a:srgbClr val="3d3d3d"/>
+              <a:rPr lang="en-US" sz="2000" b="0" strike="noStrike" spc="-1">
+                <a:solidFill>
+                  <a:srgbClr val="3D3D3D"/>
                 </a:solidFill>
                 <a:latin typeface="Gill Sans MT"/>
               </a:rPr>
               <a:t>Nosso projeto de pesquisa no World Class foi o EV3Lessons.com! ;-)</a:t>
             </a:r>
-            <a:endParaRPr b="0" lang="en-US" sz="2000" spc="-1" strike="noStrike">
-              <a:solidFill>
-                <a:srgbClr val="3d3d3d"/>
-              </a:solidFill>
-              <a:latin typeface="Gill Sans MT"/>
-            </a:endParaRPr>
-          </a:p>
-          <a:p>
-            <a:pPr lvl="1" marL="630000" indent="-305640">
+          </a:p>
+          <a:p>
+            <a:pPr marL="630000" lvl="1" indent="-305640">
               <a:lnSpc>
                 <a:spcPct val="100000"/>
               </a:lnSpc>
@@ -4925,27 +5737,21 @@
                 <a:spcPts val="601"/>
               </a:spcAft>
               <a:buClr>
-                <a:srgbClr val="4590b8"/>
+                <a:srgbClr val="4590B8"/>
               </a:buClr>
               <a:buSzPct val="92000"/>
               <a:buFont typeface="Wingdings 2" charset="2"/>
               <a:buChar char=""/>
             </a:pPr>
             <a:r>
-              <a:rPr b="0" lang="en-US" sz="2000" spc="-1" strike="noStrike">
-                <a:solidFill>
-                  <a:srgbClr val="3d3d3d"/>
+              <a:rPr lang="en-US" sz="2000" b="0" strike="noStrike" spc="-1">
+                <a:solidFill>
+                  <a:srgbClr val="3D3D3D"/>
                 </a:solidFill>
                 <a:latin typeface="Gill Sans MT"/>
               </a:rPr>
               <a:t>Somos Champion’s award do World Festival 2018</a:t>
             </a:r>
-            <a:endParaRPr b="0" lang="en-US" sz="2000" spc="-1" strike="noStrike">
-              <a:solidFill>
-                <a:srgbClr val="3d3d3d"/>
-              </a:solidFill>
-              <a:latin typeface="Gill Sans MT"/>
-            </a:endParaRPr>
           </a:p>
         </p:txBody>
       </p:sp>
@@ -4969,7 +5775,8 @@
           </a:ln>
         </p:spPr>
         <p:txBody>
-          <a:bodyPr lIns="90000" rIns="90000" tIns="45000" bIns="45000"/>
+          <a:bodyPr lIns="90000" tIns="45000" rIns="90000" bIns="45000"/>
+          <a:lstStyle/>
           <a:p>
             <a:pPr>
               <a:lnSpc>
@@ -4977,15 +5784,15 @@
               </a:lnSpc>
             </a:pPr>
             <a:r>
-              <a:rPr b="0" lang="pt-BR" sz="1800" spc="-1" strike="noStrike">
-                <a:solidFill>
-                  <a:srgbClr val="537ed0"/>
+              <a:rPr lang="pt-BR" sz="1800" b="0" strike="noStrike" spc="-1">
+                <a:solidFill>
+                  <a:srgbClr val="537ED0"/>
                 </a:solidFill>
                 <a:latin typeface="Gill Sans MT"/>
               </a:rPr>
               <a:t>© 2018, FLL Tutorials (Última edição 30/08/2018)</a:t>
             </a:r>
-            <a:endParaRPr b="0" lang="pt-BR" sz="1800" spc="-1" strike="noStrike">
+            <a:endParaRPr lang="pt-BR" sz="1800" b="0" strike="noStrike" spc="-1">
               <a:latin typeface="Times New Roman"/>
             </a:endParaRPr>
           </a:p>
@@ -5011,7 +5818,8 @@
           </a:ln>
         </p:spPr>
         <p:txBody>
-          <a:bodyPr lIns="90000" rIns="90000" tIns="45000" bIns="45000"/>
+          <a:bodyPr lIns="90000" tIns="45000" rIns="90000" bIns="45000"/>
+          <a:lstStyle/>
           <a:p>
             <a:pPr>
               <a:lnSpc>
@@ -5019,15 +5827,15 @@
               </a:lnSpc>
             </a:pPr>
             <a:fld id="{73543CD4-D9B6-478B-A94D-E1621BE4D4E2}" type="slidenum">
-              <a:rPr b="0" lang="pt-BR" sz="1800" spc="-1" strike="noStrike">
-                <a:solidFill>
-                  <a:srgbClr val="537ed0"/>
-                </a:solidFill>
-                <a:latin typeface="Gill Sans MT"/>
-              </a:rPr>
-              <a:t>&lt;número&gt;</a:t>
+              <a:rPr lang="pt-BR" sz="1800" b="0" strike="noStrike" spc="-1">
+                <a:solidFill>
+                  <a:srgbClr val="537ED0"/>
+                </a:solidFill>
+                <a:latin typeface="Gill Sans MT"/>
+              </a:rPr>
+              <a:t>2</a:t>
             </a:fld>
-            <a:endParaRPr b="0" lang="pt-BR" sz="1800" spc="-1" strike="noStrike">
+            <a:endParaRPr lang="pt-BR" sz="1800" b="0" strike="noStrike" spc="-1">
               <a:latin typeface="Times New Roman"/>
             </a:endParaRPr>
           </a:p>
@@ -5035,12 +5843,12 @@
       </p:sp>
       <p:pic>
         <p:nvPicPr>
-          <p:cNvPr id="106" name="Picture 6" descr=""/>
+          <p:cNvPr id="106" name="Picture 6"/>
           <p:cNvPicPr/>
           <p:nvPr/>
         </p:nvPicPr>
         <p:blipFill>
-          <a:blip r:embed="rId1"/>
+          <a:blip r:embed="rId2"/>
           <a:stretch/>
         </p:blipFill>
         <p:spPr>
@@ -5058,22 +5866,25 @@
       </p:pic>
     </p:spTree>
   </p:cSld>
+  <p:clrMapOvr>
+    <a:masterClrMapping/>
+  </p:clrMapOvr>
   <p:timing>
     <p:tnLst>
       <p:par>
-        <p:cTn id="3" dur="indefinite" restart="never" nodeType="tmRoot">
+        <p:cTn id="1" dur="indefinite" restart="never" nodeType="tmRoot">
           <p:childTnLst>
             <p:seq>
-              <p:cTn id="4" dur="indefinite" nodeType="mainSeq"/>
+              <p:cTn id="2" dur="indefinite" nodeType="mainSeq"/>
               <p:prevCondLst>
-                <p:cond delay="0" evt="onPrev">
+                <p:cond evt="onPrev" delay="0">
                   <p:tgtEl>
                     <p:sldTgt/>
                   </p:tgtEl>
                 </p:cond>
               </p:prevCondLst>
               <p:nextCondLst>
-                <p:cond delay="0" evt="onNext">
+                <p:cond evt="onNext" delay="0">
                   <p:tgtEl>
                     <p:sldTgt/>
                   </p:tgtEl>
@@ -5089,7 +5900,7 @@
 </file>
 
 <file path=ppt/slides/slide3.xml><?xml version="1.0" encoding="utf-8"?>
-<p:sld xmlns:a="http://schemas.openxmlformats.org/drawingml/2006/main" xmlns:p="http://schemas.openxmlformats.org/presentationml/2006/main" xmlns:r="http://schemas.openxmlformats.org/officeDocument/2006/relationships" xmlns:p14="http://schemas.microsoft.com/office/powerpoint/2010/main" xmlns:p15="http://schemas.microsoft.com/office/powerpoint/2012/main" xmlns:mc="http://schemas.openxmlformats.org/markup-compatibility/2006">
+<p:sld xmlns:a="http://schemas.openxmlformats.org/drawingml/2006/main" xmlns:r="http://schemas.openxmlformats.org/officeDocument/2006/relationships" xmlns:p="http://schemas.openxmlformats.org/presentationml/2006/main">
   <p:cSld>
     <p:spTree>
       <p:nvGrpSpPr>
@@ -5126,6 +5937,7 @@
         </p:spPr>
         <p:txBody>
           <a:bodyPr anchor="b"/>
+          <a:lstStyle/>
           <a:p>
             <a:pPr>
               <a:lnSpc>
@@ -5133,15 +5945,15 @@
               </a:lnSpc>
             </a:pPr>
             <a:r>
-              <a:rPr b="0" lang="en-US" sz="2800" spc="-1" strike="noStrike" cap="all">
-                <a:solidFill>
-                  <a:srgbClr val="ffffff"/>
+              <a:rPr lang="en-US" sz="2800" b="0" strike="noStrike" cap="all" spc="-1">
+                <a:solidFill>
+                  <a:srgbClr val="FFFFFF"/>
                 </a:solidFill>
                 <a:latin typeface="Gill Sans MT"/>
               </a:rPr>
               <a:t>Se adiantando</a:t>
             </a:r>
-            <a:endParaRPr b="0" lang="en-US" sz="2800" spc="-1" strike="noStrike">
+            <a:endParaRPr lang="en-US" sz="2800" b="0" strike="noStrike" spc="-1">
               <a:solidFill>
                 <a:srgbClr val="000000"/>
               </a:solidFill>
@@ -5171,31 +5983,212 @@
         </p:spPr>
         <p:txBody>
           <a:bodyPr>
-            <a:normAutofit/>
+            <a:noAutofit/>
           </a:bodyPr>
+          <a:lstStyle/>
           <a:p>
             <a:pPr marL="306000" indent="-305640">
               <a:lnSpc>
                 <a:spcPct val="100000"/>
               </a:lnSpc>
               <a:buClr>
-                <a:srgbClr val="3d3d3d"/>
+                <a:srgbClr val="3D3D3D"/>
               </a:buClr>
               <a:buFont typeface="Wingdings 2" charset="2"/>
               <a:buChar char=""/>
             </a:pPr>
             <a:r>
-              <a:rPr b="0" lang="en-US" sz="3600" spc="-1" strike="noStrike">
-                <a:solidFill>
-                  <a:srgbClr val="3d3d3d"/>
-                </a:solidFill>
-                <a:latin typeface="Gill Sans MT"/>
-              </a:rPr>
-              <a:t>Usualmente a FIRST LEGO League lança o tema da temporada do próximo ano por volta de Dezembro da temporada atual</a:t>
-            </a:r>
-            <a:endParaRPr b="0" lang="en-US" sz="3600" spc="-1" strike="noStrike">
+              <a:rPr lang="en-US" sz="2000" b="0" strike="noStrike" spc="-1" dirty="0" err="1">
+                <a:solidFill>
+                  <a:srgbClr val="3D3D3D"/>
+                </a:solidFill>
+                <a:latin typeface="Gill Sans MT"/>
+              </a:rPr>
+              <a:t>Usualmente</a:t>
+            </a:r>
+            <a:r>
+              <a:rPr lang="en-US" sz="2000" b="0" strike="noStrike" spc="-1" dirty="0">
+                <a:solidFill>
+                  <a:srgbClr val="3D3D3D"/>
+                </a:solidFill>
+                <a:latin typeface="Gill Sans MT"/>
+              </a:rPr>
+              <a:t> a FIRST LEGO League </a:t>
+            </a:r>
+            <a:r>
+              <a:rPr lang="en-US" sz="2000" b="0" strike="noStrike" spc="-1" dirty="0" err="1">
+                <a:solidFill>
+                  <a:srgbClr val="3D3D3D"/>
+                </a:solidFill>
+                <a:latin typeface="Gill Sans MT"/>
+              </a:rPr>
+              <a:t>lança</a:t>
+            </a:r>
+            <a:r>
+              <a:rPr lang="en-US" sz="2000" b="0" strike="noStrike" spc="-1" dirty="0">
+                <a:solidFill>
+                  <a:srgbClr val="3D3D3D"/>
+                </a:solidFill>
+                <a:latin typeface="Gill Sans MT"/>
+              </a:rPr>
+              <a:t> o </a:t>
+            </a:r>
+            <a:r>
+              <a:rPr lang="en-US" sz="2000" b="0" strike="noStrike" spc="-1" dirty="0" err="1">
+                <a:solidFill>
+                  <a:srgbClr val="3D3D3D"/>
+                </a:solidFill>
+                <a:latin typeface="Gill Sans MT"/>
+              </a:rPr>
+              <a:t>tema</a:t>
+            </a:r>
+            <a:r>
+              <a:rPr lang="en-US" sz="2000" b="0" strike="noStrike" spc="-1" dirty="0">
+                <a:solidFill>
+                  <a:srgbClr val="3D3D3D"/>
+                </a:solidFill>
+                <a:latin typeface="Gill Sans MT"/>
+              </a:rPr>
+              <a:t> da </a:t>
+            </a:r>
+            <a:r>
+              <a:rPr lang="en-US" sz="2000" b="0" strike="noStrike" spc="-1" dirty="0" err="1">
+                <a:solidFill>
+                  <a:srgbClr val="3D3D3D"/>
+                </a:solidFill>
+                <a:latin typeface="Gill Sans MT"/>
+              </a:rPr>
+              <a:t>temporada</a:t>
+            </a:r>
+            <a:r>
+              <a:rPr lang="en-US" sz="2000" b="0" strike="noStrike" spc="-1" dirty="0">
+                <a:solidFill>
+                  <a:srgbClr val="3D3D3D"/>
+                </a:solidFill>
+                <a:latin typeface="Gill Sans MT"/>
+              </a:rPr>
+              <a:t> do </a:t>
+            </a:r>
+            <a:r>
+              <a:rPr lang="en-US" sz="2000" b="0" strike="noStrike" spc="-1" dirty="0" err="1">
+                <a:solidFill>
+                  <a:srgbClr val="3D3D3D"/>
+                </a:solidFill>
+                <a:latin typeface="Gill Sans MT"/>
+              </a:rPr>
+              <a:t>próximo</a:t>
+            </a:r>
+            <a:r>
+              <a:rPr lang="en-US" sz="2000" b="0" strike="noStrike" spc="-1" dirty="0">
+                <a:solidFill>
+                  <a:srgbClr val="3D3D3D"/>
+                </a:solidFill>
+                <a:latin typeface="Gill Sans MT"/>
+              </a:rPr>
+              <a:t> </a:t>
+            </a:r>
+            <a:r>
+              <a:rPr lang="en-US" sz="2000" b="0" strike="noStrike" spc="-1" dirty="0" err="1">
+                <a:solidFill>
+                  <a:srgbClr val="3D3D3D"/>
+                </a:solidFill>
+                <a:latin typeface="Gill Sans MT"/>
+              </a:rPr>
+              <a:t>ano</a:t>
+            </a:r>
+            <a:r>
+              <a:rPr lang="en-US" sz="2000" b="0" strike="noStrike" spc="-1" dirty="0">
+                <a:solidFill>
+                  <a:srgbClr val="3D3D3D"/>
+                </a:solidFill>
+                <a:latin typeface="Gill Sans MT"/>
+              </a:rPr>
+              <a:t> </a:t>
+            </a:r>
+            <a:r>
+              <a:rPr lang="en-US" sz="2000" b="0" strike="noStrike" spc="-1" dirty="0" err="1">
+                <a:solidFill>
+                  <a:srgbClr val="3D3D3D"/>
+                </a:solidFill>
+                <a:latin typeface="Gill Sans MT"/>
+              </a:rPr>
+              <a:t>por</a:t>
+            </a:r>
+            <a:r>
+              <a:rPr lang="en-US" sz="2000" b="0" strike="noStrike" spc="-1" dirty="0">
+                <a:solidFill>
+                  <a:srgbClr val="3D3D3D"/>
+                </a:solidFill>
+                <a:latin typeface="Gill Sans MT"/>
+              </a:rPr>
+              <a:t> </a:t>
+            </a:r>
+            <a:r>
+              <a:rPr lang="en-US" sz="2000" b="0" strike="noStrike" spc="-1" dirty="0" err="1">
+                <a:solidFill>
+                  <a:srgbClr val="3D3D3D"/>
+                </a:solidFill>
+                <a:latin typeface="Gill Sans MT"/>
+              </a:rPr>
+              <a:t>volta</a:t>
+            </a:r>
+            <a:r>
+              <a:rPr lang="en-US" sz="2000" b="0" strike="noStrike" spc="-1" dirty="0">
+                <a:solidFill>
+                  <a:srgbClr val="3D3D3D"/>
+                </a:solidFill>
+                <a:latin typeface="Gill Sans MT"/>
+              </a:rPr>
+              <a:t> de </a:t>
+            </a:r>
+            <a:r>
+              <a:rPr lang="en-US" sz="2000" b="0" strike="noStrike" spc="-1" dirty="0" err="1">
+                <a:solidFill>
+                  <a:srgbClr val="3D3D3D"/>
+                </a:solidFill>
+                <a:latin typeface="Gill Sans MT"/>
+              </a:rPr>
+              <a:t>Dezembro</a:t>
+            </a:r>
+            <a:r>
+              <a:rPr lang="en-US" sz="2000" b="0" strike="noStrike" spc="-1" dirty="0">
+                <a:solidFill>
+                  <a:srgbClr val="3D3D3D"/>
+                </a:solidFill>
+                <a:latin typeface="Gill Sans MT"/>
+              </a:rPr>
+              <a:t> da </a:t>
+            </a:r>
+            <a:r>
+              <a:rPr lang="en-US" sz="2000" b="0" strike="noStrike" spc="-1" dirty="0" err="1">
+                <a:solidFill>
+                  <a:srgbClr val="3D3D3D"/>
+                </a:solidFill>
+                <a:latin typeface="Gill Sans MT"/>
+              </a:rPr>
+              <a:t>temporada</a:t>
+            </a:r>
+            <a:r>
+              <a:rPr lang="en-US" sz="2000" b="0" strike="noStrike" spc="-1" dirty="0">
+                <a:solidFill>
+                  <a:srgbClr val="3D3D3D"/>
+                </a:solidFill>
+                <a:latin typeface="Gill Sans MT"/>
+              </a:rPr>
+              <a:t> </a:t>
+            </a:r>
+            <a:r>
+              <a:rPr lang="en-US" sz="2000" b="0" strike="noStrike" spc="-1" dirty="0" err="1">
+                <a:solidFill>
+                  <a:srgbClr val="3D3D3D"/>
+                </a:solidFill>
+                <a:latin typeface="Gill Sans MT"/>
+              </a:rPr>
+              <a:t>atual</a:t>
+            </a:r>
+            <a:endParaRPr lang="en-US" sz="2000" b="0" strike="noStrike" spc="-1" dirty="0">
               <a:solidFill>
-                <a:srgbClr val="3d3d3d"/>
+                <a:srgbClr val="3D3D3D"/>
               </a:solidFill>
               <a:latin typeface="Gill Sans MT"/>
             </a:endParaRPr>
@@ -5206,9 +6199,9 @@
                 <a:spcPct val="100000"/>
               </a:lnSpc>
             </a:pPr>
-            <a:endParaRPr b="0" lang="en-US" sz="3600" spc="-1" strike="noStrike">
+            <a:endParaRPr lang="en-US" sz="2000" b="0" strike="noStrike" spc="-1" dirty="0">
               <a:solidFill>
-                <a:srgbClr val="3d3d3d"/>
+                <a:srgbClr val="3D3D3D"/>
               </a:solidFill>
               <a:latin typeface="Gill Sans MT"/>
             </a:endParaRPr>
@@ -5219,26 +6212,92 @@
                 <a:spcPct val="100000"/>
               </a:lnSpc>
               <a:buClr>
-                <a:srgbClr val="3d3d3d"/>
+                <a:srgbClr val="3D3D3D"/>
               </a:buClr>
               <a:buFont typeface="Wingdings 2" charset="2"/>
               <a:buChar char=""/>
             </a:pPr>
             <a:r>
-              <a:rPr b="0" lang="en-US" sz="3600" spc="-1" strike="noStrike">
-                <a:solidFill>
-                  <a:srgbClr val="3d3d3d"/>
-                </a:solidFill>
-                <a:latin typeface="Gill Sans MT"/>
-              </a:rPr>
-              <a:t>A FIRST também lança um vídeo no seu canal do YouTube</a:t>
-            </a:r>
-            <a:endParaRPr b="0" lang="en-US" sz="3600" spc="-1" strike="noStrike">
-              <a:solidFill>
-                <a:srgbClr val="3d3d3d"/>
-              </a:solidFill>
-              <a:latin typeface="Gill Sans MT"/>
-            </a:endParaRPr>
+              <a:rPr lang="en-US" sz="2000" b="0" strike="noStrike" spc="-1" dirty="0">
+                <a:solidFill>
+                  <a:srgbClr val="3D3D3D"/>
+                </a:solidFill>
+                <a:latin typeface="Gill Sans MT"/>
+              </a:rPr>
+              <a:t>A FIRST </a:t>
+            </a:r>
+            <a:r>
+              <a:rPr lang="en-US" sz="2000" b="0" strike="noStrike" spc="-1" dirty="0" err="1">
+                <a:solidFill>
+                  <a:srgbClr val="3D3D3D"/>
+                </a:solidFill>
+                <a:latin typeface="Gill Sans MT"/>
+              </a:rPr>
+              <a:t>também</a:t>
+            </a:r>
+            <a:r>
+              <a:rPr lang="en-US" sz="2000" b="0" strike="noStrike" spc="-1" dirty="0">
+                <a:solidFill>
+                  <a:srgbClr val="3D3D3D"/>
+                </a:solidFill>
+                <a:latin typeface="Gill Sans MT"/>
+              </a:rPr>
+              <a:t> </a:t>
+            </a:r>
+            <a:r>
+              <a:rPr lang="en-US" sz="2000" b="0" strike="noStrike" spc="-1" dirty="0" err="1">
+                <a:solidFill>
+                  <a:srgbClr val="3D3D3D"/>
+                </a:solidFill>
+                <a:latin typeface="Gill Sans MT"/>
+              </a:rPr>
+              <a:t>lança</a:t>
+            </a:r>
+            <a:r>
+              <a:rPr lang="en-US" sz="2000" b="0" strike="noStrike" spc="-1" dirty="0">
+                <a:solidFill>
+                  <a:srgbClr val="3D3D3D"/>
+                </a:solidFill>
+                <a:latin typeface="Gill Sans MT"/>
+              </a:rPr>
+              <a:t> um </a:t>
+            </a:r>
+            <a:r>
+              <a:rPr lang="en-US" sz="2000" b="0" strike="noStrike" spc="-1" dirty="0" err="1">
+                <a:solidFill>
+                  <a:srgbClr val="3D3D3D"/>
+                </a:solidFill>
+                <a:latin typeface="Gill Sans MT"/>
+              </a:rPr>
+              <a:t>vídeo</a:t>
+            </a:r>
+            <a:r>
+              <a:rPr lang="en-US" sz="2000" b="0" strike="noStrike" spc="-1" dirty="0">
+                <a:solidFill>
+                  <a:srgbClr val="3D3D3D"/>
+                </a:solidFill>
+                <a:latin typeface="Gill Sans MT"/>
+              </a:rPr>
+              <a:t> no </a:t>
+            </a:r>
+            <a:r>
+              <a:rPr lang="en-US" sz="2000" b="0" strike="noStrike" spc="-1" dirty="0" err="1">
+                <a:solidFill>
+                  <a:srgbClr val="3D3D3D"/>
+                </a:solidFill>
+                <a:latin typeface="Gill Sans MT"/>
+              </a:rPr>
+              <a:t>seu</a:t>
+            </a:r>
+            <a:r>
+              <a:rPr lang="en-US" sz="2000" b="0" strike="noStrike" spc="-1" dirty="0">
+                <a:solidFill>
+                  <a:srgbClr val="3D3D3D"/>
+                </a:solidFill>
+                <a:latin typeface="Gill Sans MT"/>
+              </a:rPr>
+              <a:t> canal do YouTube</a:t>
+            </a:r>
           </a:p>
           <a:p>
             <a:pPr>
@@ -5246,9 +6305,9 @@
                 <a:spcPct val="100000"/>
               </a:lnSpc>
             </a:pPr>
-            <a:endParaRPr b="0" lang="en-US" sz="3600" spc="-1" strike="noStrike">
+            <a:endParaRPr lang="en-US" sz="2000" b="0" strike="noStrike" spc="-1" dirty="0">
               <a:solidFill>
-                <a:srgbClr val="3d3d3d"/>
+                <a:srgbClr val="3D3D3D"/>
               </a:solidFill>
               <a:latin typeface="Gill Sans MT"/>
             </a:endParaRPr>
@@ -5259,23 +6318,149 @@
                 <a:spcPct val="100000"/>
               </a:lnSpc>
               <a:buClr>
-                <a:srgbClr val="3d3d3d"/>
+                <a:srgbClr val="3D3D3D"/>
               </a:buClr>
               <a:buFont typeface="Wingdings 2" charset="2"/>
               <a:buChar char=""/>
             </a:pPr>
             <a:r>
-              <a:rPr b="0" lang="en-US" sz="3600" spc="-1" strike="noStrike">
-                <a:solidFill>
-                  <a:srgbClr val="3d3d3d"/>
-                </a:solidFill>
-                <a:latin typeface="Gill Sans MT"/>
-              </a:rPr>
-              <a:t>Você pode começar a pensar na introdução bastante cedo</a:t>
-            </a:r>
-            <a:endParaRPr b="0" lang="en-US" sz="3600" spc="-1" strike="noStrike">
+              <a:rPr lang="en-US" sz="2000" b="0" strike="noStrike" spc="-1" dirty="0" err="1">
+                <a:solidFill>
+                  <a:srgbClr val="3D3D3D"/>
+                </a:solidFill>
+                <a:latin typeface="Gill Sans MT"/>
+              </a:rPr>
+              <a:t>Você</a:t>
+            </a:r>
+            <a:r>
+              <a:rPr lang="en-US" sz="2000" b="0" strike="noStrike" spc="-1" dirty="0">
+                <a:solidFill>
+                  <a:srgbClr val="3D3D3D"/>
+                </a:solidFill>
+                <a:latin typeface="Gill Sans MT"/>
+              </a:rPr>
+              <a:t> </a:t>
+            </a:r>
+            <a:r>
+              <a:rPr lang="en-US" sz="2000" b="0" strike="noStrike" spc="-1" dirty="0" err="1">
+                <a:solidFill>
+                  <a:srgbClr val="3D3D3D"/>
+                </a:solidFill>
+                <a:latin typeface="Gill Sans MT"/>
+              </a:rPr>
+              <a:t>pode</a:t>
+            </a:r>
+            <a:r>
+              <a:rPr lang="en-US" sz="2000" b="0" strike="noStrike" spc="-1" dirty="0">
+                <a:solidFill>
+                  <a:srgbClr val="3D3D3D"/>
+                </a:solidFill>
+                <a:latin typeface="Gill Sans MT"/>
+              </a:rPr>
+              <a:t> </a:t>
+            </a:r>
+            <a:r>
+              <a:rPr lang="en-US" sz="2000" b="0" strike="noStrike" spc="-1" dirty="0" err="1">
+                <a:solidFill>
+                  <a:srgbClr val="3D3D3D"/>
+                </a:solidFill>
+                <a:latin typeface="Gill Sans MT"/>
+              </a:rPr>
+              <a:t>começar</a:t>
+            </a:r>
+            <a:r>
+              <a:rPr lang="en-US" sz="2000" b="0" strike="noStrike" spc="-1" dirty="0">
+                <a:solidFill>
+                  <a:srgbClr val="3D3D3D"/>
+                </a:solidFill>
+                <a:latin typeface="Gill Sans MT"/>
+              </a:rPr>
+              <a:t> a </a:t>
+            </a:r>
+            <a:r>
+              <a:rPr lang="en-US" sz="2000" b="0" strike="noStrike" spc="-1" dirty="0" err="1">
+                <a:solidFill>
+                  <a:srgbClr val="3D3D3D"/>
+                </a:solidFill>
+                <a:latin typeface="Gill Sans MT"/>
+              </a:rPr>
+              <a:t>pensar</a:t>
+            </a:r>
+            <a:r>
+              <a:rPr lang="en-US" sz="2000" b="0" strike="noStrike" spc="-1" dirty="0">
+                <a:solidFill>
+                  <a:srgbClr val="3D3D3D"/>
+                </a:solidFill>
+                <a:latin typeface="Gill Sans MT"/>
+              </a:rPr>
+              <a:t> </a:t>
+            </a:r>
+            <a:r>
+              <a:rPr lang="en-US" sz="2000" b="0" strike="noStrike" spc="-1" dirty="0" err="1">
+                <a:solidFill>
+                  <a:srgbClr val="3D3D3D"/>
+                </a:solidFill>
+                <a:latin typeface="Gill Sans MT"/>
+              </a:rPr>
+              <a:t>na</a:t>
+            </a:r>
+            <a:r>
+              <a:rPr lang="en-US" sz="2000" b="0" strike="noStrike" spc="-1" dirty="0">
+                <a:solidFill>
+                  <a:srgbClr val="3D3D3D"/>
+                </a:solidFill>
+                <a:latin typeface="Gill Sans MT"/>
+              </a:rPr>
+              <a:t> </a:t>
+            </a:r>
+            <a:r>
+              <a:rPr lang="en-US" sz="2000" b="0" strike="noStrike" spc="-1" dirty="0" err="1">
+                <a:solidFill>
+                  <a:srgbClr val="3D3D3D"/>
+                </a:solidFill>
+                <a:latin typeface="Gill Sans MT"/>
+              </a:rPr>
+              <a:t>introdução</a:t>
+            </a:r>
+            <a:r>
+              <a:rPr lang="en-US" sz="2000" b="0" strike="noStrike" spc="-1" dirty="0">
+                <a:solidFill>
+                  <a:srgbClr val="3D3D3D"/>
+                </a:solidFill>
+                <a:latin typeface="Gill Sans MT"/>
+              </a:rPr>
+              <a:t> </a:t>
+            </a:r>
+            <a:r>
+              <a:rPr lang="en-US" sz="2000" b="0" strike="noStrike" spc="-1" dirty="0" err="1">
+                <a:solidFill>
+                  <a:srgbClr val="3D3D3D"/>
+                </a:solidFill>
+                <a:latin typeface="Gill Sans MT"/>
+              </a:rPr>
+              <a:t>bastante</a:t>
+            </a:r>
+            <a:r>
+              <a:rPr lang="en-US" sz="2000" b="0" strike="noStrike" spc="-1" dirty="0">
+                <a:solidFill>
+                  <a:srgbClr val="3D3D3D"/>
+                </a:solidFill>
+                <a:latin typeface="Gill Sans MT"/>
+              </a:rPr>
+              <a:t> </a:t>
+            </a:r>
+            <a:r>
+              <a:rPr lang="en-US" sz="2000" b="0" strike="noStrike" spc="-1" dirty="0" err="1">
+                <a:solidFill>
+                  <a:srgbClr val="3D3D3D"/>
+                </a:solidFill>
+                <a:latin typeface="Gill Sans MT"/>
+              </a:rPr>
+              <a:t>cedo</a:t>
+            </a:r>
+            <a:endParaRPr lang="en-US" sz="2000" b="0" strike="noStrike" spc="-1" dirty="0">
               <a:solidFill>
-                <a:srgbClr val="3d3d3d"/>
+                <a:srgbClr val="3D3D3D"/>
               </a:solidFill>
               <a:latin typeface="Gill Sans MT"/>
             </a:endParaRPr>
@@ -5286,9 +6471,9 @@
                 <a:spcPct val="100000"/>
               </a:lnSpc>
             </a:pPr>
-            <a:endParaRPr b="0" lang="en-US" sz="3600" spc="-1" strike="noStrike">
+            <a:endParaRPr lang="en-US" sz="2000" b="0" strike="noStrike" spc="-1" dirty="0">
               <a:solidFill>
-                <a:srgbClr val="3d3d3d"/>
+                <a:srgbClr val="3D3D3D"/>
               </a:solidFill>
               <a:latin typeface="Gill Sans MT"/>
             </a:endParaRPr>
@@ -5299,9 +6484,9 @@
                 <a:spcPct val="100000"/>
               </a:lnSpc>
             </a:pPr>
-            <a:endParaRPr b="0" lang="en-US" sz="3600" spc="-1" strike="noStrike">
+            <a:endParaRPr lang="en-US" sz="2000" b="0" strike="noStrike" spc="-1" dirty="0">
               <a:solidFill>
-                <a:srgbClr val="3d3d3d"/>
+                <a:srgbClr val="3D3D3D"/>
               </a:solidFill>
               <a:latin typeface="Gill Sans MT"/>
             </a:endParaRPr>
@@ -5312,9 +6497,9 @@
                 <a:spcPct val="100000"/>
               </a:lnSpc>
             </a:pPr>
-            <a:endParaRPr b="0" lang="en-US" sz="3600" spc="-1" strike="noStrike">
+            <a:endParaRPr lang="en-US" sz="2000" b="0" strike="noStrike" spc="-1" dirty="0">
               <a:solidFill>
-                <a:srgbClr val="3d3d3d"/>
+                <a:srgbClr val="3D3D3D"/>
               </a:solidFill>
               <a:latin typeface="Gill Sans MT"/>
             </a:endParaRPr>
@@ -5341,7 +6526,8 @@
           </a:ln>
         </p:spPr>
         <p:txBody>
-          <a:bodyPr lIns="90000" rIns="90000" tIns="45000" bIns="45000"/>
+          <a:bodyPr lIns="90000" tIns="45000" rIns="90000" bIns="45000"/>
+          <a:lstStyle/>
           <a:p>
             <a:pPr>
               <a:lnSpc>
@@ -5349,15 +6535,15 @@
               </a:lnSpc>
             </a:pPr>
             <a:fld id="{DFA90A81-F746-44A2-858F-93B31D5B1070}" type="slidenum">
-              <a:rPr b="0" lang="pt-BR" sz="1800" spc="-1" strike="noStrike">
-                <a:solidFill>
-                  <a:srgbClr val="537ed0"/>
-                </a:solidFill>
-                <a:latin typeface="Gill Sans MT"/>
-              </a:rPr>
-              <a:t>&lt;número&gt;</a:t>
+              <a:rPr lang="pt-BR" sz="1800" b="0" strike="noStrike" spc="-1">
+                <a:solidFill>
+                  <a:srgbClr val="537ED0"/>
+                </a:solidFill>
+                <a:latin typeface="Gill Sans MT"/>
+              </a:rPr>
+              <a:t>3</a:t>
             </a:fld>
-            <a:endParaRPr b="0" lang="pt-BR" sz="1800" spc="-1" strike="noStrike">
+            <a:endParaRPr lang="pt-BR" sz="1800" b="0" strike="noStrike" spc="-1">
               <a:latin typeface="Times New Roman"/>
             </a:endParaRPr>
           </a:p>
@@ -5365,30 +6551,7 @@
       </p:sp>
       <p:pic>
         <p:nvPicPr>
-          <p:cNvPr id="110" name="Picture 6" descr=""/>
-          <p:cNvPicPr/>
-          <p:nvPr/>
-        </p:nvPicPr>
-        <p:blipFill>
-          <a:blip r:embed="rId1"/>
-          <a:stretch/>
-        </p:blipFill>
-        <p:spPr>
-          <a:xfrm>
-            <a:off x="4228200" y="1497600"/>
-            <a:ext cx="3571920" cy="2338200"/>
-          </a:xfrm>
-          <a:prstGeom prst="rect">
-            <a:avLst/>
-          </a:prstGeom>
-          <a:ln>
-            <a:noFill/>
-          </a:ln>
-        </p:spPr>
-      </p:pic>
-      <p:pic>
-        <p:nvPicPr>
-          <p:cNvPr id="111" name="Picture 8" descr=""/>
+          <p:cNvPr id="110" name="Picture 6"/>
           <p:cNvPicPr/>
           <p:nvPr/>
         </p:nvPicPr>
@@ -5398,6 +6561,29 @@
         </p:blipFill>
         <p:spPr>
           <a:xfrm>
+            <a:off x="4228200" y="1497600"/>
+            <a:ext cx="3571920" cy="2338200"/>
+          </a:xfrm>
+          <a:prstGeom prst="rect">
+            <a:avLst/>
+          </a:prstGeom>
+          <a:ln>
+            <a:noFill/>
+          </a:ln>
+        </p:spPr>
+      </p:pic>
+      <p:pic>
+        <p:nvPicPr>
+          <p:cNvPr id="111" name="Picture 8"/>
+          <p:cNvPicPr/>
+          <p:nvPr/>
+        </p:nvPicPr>
+        <p:blipFill>
+          <a:blip r:embed="rId3"/>
+          <a:stretch/>
+        </p:blipFill>
+        <p:spPr>
+          <a:xfrm>
             <a:off x="4345920" y="3767040"/>
             <a:ext cx="4224600" cy="2262240"/>
           </a:xfrm>
@@ -5429,7 +6615,8 @@
           </a:ln>
         </p:spPr>
         <p:txBody>
-          <a:bodyPr lIns="90000" rIns="90000" tIns="45000" bIns="45000"/>
+          <a:bodyPr lIns="90000" tIns="45000" rIns="90000" bIns="45000"/>
+          <a:lstStyle/>
           <a:p>
             <a:pPr>
               <a:lnSpc>
@@ -5437,15 +6624,15 @@
               </a:lnSpc>
             </a:pPr>
             <a:r>
-              <a:rPr b="0" lang="pt-BR" sz="1800" spc="-1" strike="noStrike">
-                <a:solidFill>
-                  <a:srgbClr val="537ed0"/>
+              <a:rPr lang="pt-BR" sz="1800" b="0" strike="noStrike" spc="-1">
+                <a:solidFill>
+                  <a:srgbClr val="537ED0"/>
                 </a:solidFill>
                 <a:latin typeface="Gill Sans MT"/>
               </a:rPr>
               <a:t>© 2018, FLL Tutorials (Última edição 30/08/2018)</a:t>
             </a:r>
-            <a:endParaRPr b="0" lang="pt-BR" sz="1800" spc="-1" strike="noStrike">
+            <a:endParaRPr lang="pt-BR" sz="1800" b="0" strike="noStrike" spc="-1">
               <a:latin typeface="Times New Roman"/>
             </a:endParaRPr>
           </a:p>
@@ -5453,22 +6640,25 @@
       </p:sp>
     </p:spTree>
   </p:cSld>
+  <p:clrMapOvr>
+    <a:masterClrMapping/>
+  </p:clrMapOvr>
   <p:timing>
     <p:tnLst>
       <p:par>
-        <p:cTn id="5" dur="indefinite" restart="never" nodeType="tmRoot">
+        <p:cTn id="1" dur="indefinite" restart="never" nodeType="tmRoot">
           <p:childTnLst>
             <p:seq>
-              <p:cTn id="6" dur="indefinite" nodeType="mainSeq"/>
+              <p:cTn id="2" dur="indefinite" nodeType="mainSeq"/>
               <p:prevCondLst>
-                <p:cond delay="0" evt="onPrev">
+                <p:cond evt="onPrev" delay="0">
                   <p:tgtEl>
                     <p:sldTgt/>
                   </p:tgtEl>
                 </p:cond>
               </p:prevCondLst>
               <p:nextCondLst>
-                <p:cond delay="0" evt="onNext">
+                <p:cond evt="onNext" delay="0">
                   <p:tgtEl>
                     <p:sldTgt/>
                   </p:tgtEl>
@@ -5484,7 +6674,7 @@
 </file>
 
 <file path=ppt/slides/slide4.xml><?xml version="1.0" encoding="utf-8"?>
-<p:sld xmlns:a="http://schemas.openxmlformats.org/drawingml/2006/main" xmlns:p="http://schemas.openxmlformats.org/presentationml/2006/main" xmlns:r="http://schemas.openxmlformats.org/officeDocument/2006/relationships" xmlns:p14="http://schemas.microsoft.com/office/powerpoint/2010/main" xmlns:p15="http://schemas.microsoft.com/office/powerpoint/2012/main" xmlns:mc="http://schemas.openxmlformats.org/markup-compatibility/2006">
+<p:sld xmlns:a="http://schemas.openxmlformats.org/drawingml/2006/main" xmlns:r="http://schemas.openxmlformats.org/officeDocument/2006/relationships" xmlns:p="http://schemas.openxmlformats.org/presentationml/2006/main">
   <p:cSld>
     <p:spTree>
       <p:nvGrpSpPr>
@@ -5521,6 +6711,7 @@
         </p:spPr>
         <p:txBody>
           <a:bodyPr anchor="b"/>
+          <a:lstStyle/>
           <a:p>
             <a:pPr>
               <a:lnSpc>
@@ -5528,15 +6719,15 @@
               </a:lnSpc>
             </a:pPr>
             <a:r>
-              <a:rPr b="0" lang="en-US" sz="2800" spc="-1" strike="noStrike" cap="all">
-                <a:solidFill>
-                  <a:srgbClr val="ffffff"/>
+              <a:rPr lang="en-US" sz="2800" b="0" strike="noStrike" cap="all" spc="-1">
+                <a:solidFill>
+                  <a:srgbClr val="FFFFFF"/>
                 </a:solidFill>
                 <a:latin typeface="Gill Sans MT"/>
               </a:rPr>
               <a:t>Adiante as ideias</a:t>
             </a:r>
-            <a:endParaRPr b="0" lang="en-US" sz="2800" spc="-1" strike="noStrike">
+            <a:endParaRPr lang="en-US" sz="2800" b="0" strike="noStrike" spc="-1">
               <a:solidFill>
                 <a:srgbClr val="000000"/>
               </a:solidFill>
@@ -5566,8 +6757,9 @@
         </p:spPr>
         <p:txBody>
           <a:bodyPr>
-            <a:normAutofit/>
+            <a:noAutofit/>
           </a:bodyPr>
+          <a:lstStyle/>
           <a:p>
             <a:pPr marL="306000" indent="-305640">
               <a:lnSpc>
@@ -5580,30 +6772,102 @@
                 <a:spcPts val="601"/>
               </a:spcAft>
               <a:buClr>
-                <a:srgbClr val="4590b8"/>
+                <a:srgbClr val="4590B8"/>
               </a:buClr>
               <a:buSzPct val="92000"/>
               <a:buFont typeface="Wingdings 2" charset="2"/>
               <a:buChar char=""/>
             </a:pPr>
             <a:r>
-              <a:rPr b="0" lang="en-US" sz="3600" spc="-1" strike="noStrike">
-                <a:solidFill>
-                  <a:srgbClr val="3d3d3d"/>
-                </a:solidFill>
-                <a:latin typeface="Gill Sans MT"/>
-              </a:rPr>
-              <a:t>Faça viagens de campo, para ter ideias para o projeto</a:t>
-            </a:r>
-            <a:endParaRPr b="0" lang="en-US" sz="3600" spc="-1" strike="noStrike">
+              <a:rPr lang="en-US" sz="2000" b="0" strike="noStrike" spc="-1" dirty="0" err="1">
+                <a:solidFill>
+                  <a:srgbClr val="3D3D3D"/>
+                </a:solidFill>
+                <a:latin typeface="Gill Sans MT"/>
+              </a:rPr>
+              <a:t>Faça</a:t>
+            </a:r>
+            <a:r>
+              <a:rPr lang="en-US" sz="2000" b="0" strike="noStrike" spc="-1" dirty="0">
+                <a:solidFill>
+                  <a:srgbClr val="3D3D3D"/>
+                </a:solidFill>
+                <a:latin typeface="Gill Sans MT"/>
+              </a:rPr>
+              <a:t> </a:t>
+            </a:r>
+            <a:r>
+              <a:rPr lang="en-US" sz="2000" b="0" strike="noStrike" spc="-1" dirty="0" err="1">
+                <a:solidFill>
+                  <a:srgbClr val="3D3D3D"/>
+                </a:solidFill>
+                <a:latin typeface="Gill Sans MT"/>
+              </a:rPr>
+              <a:t>viagens</a:t>
+            </a:r>
+            <a:r>
+              <a:rPr lang="en-US" sz="2000" b="0" strike="noStrike" spc="-1" dirty="0">
+                <a:solidFill>
+                  <a:srgbClr val="3D3D3D"/>
+                </a:solidFill>
+                <a:latin typeface="Gill Sans MT"/>
+              </a:rPr>
+              <a:t> de campo, para </a:t>
+            </a:r>
+            <a:r>
+              <a:rPr lang="en-US" sz="2000" b="0" strike="noStrike" spc="-1" dirty="0" err="1">
+                <a:solidFill>
+                  <a:srgbClr val="3D3D3D"/>
+                </a:solidFill>
+                <a:latin typeface="Gill Sans MT"/>
+              </a:rPr>
+              <a:t>ter</a:t>
+            </a:r>
+            <a:r>
+              <a:rPr lang="en-US" sz="2000" b="0" strike="noStrike" spc="-1" dirty="0">
+                <a:solidFill>
+                  <a:srgbClr val="3D3D3D"/>
+                </a:solidFill>
+                <a:latin typeface="Gill Sans MT"/>
+              </a:rPr>
+              <a:t> </a:t>
+            </a:r>
+            <a:r>
+              <a:rPr lang="en-US" sz="2000" b="0" strike="noStrike" spc="-1" dirty="0" err="1">
+                <a:solidFill>
+                  <a:srgbClr val="3D3D3D"/>
+                </a:solidFill>
+                <a:latin typeface="Gill Sans MT"/>
+              </a:rPr>
+              <a:t>ideias</a:t>
+            </a:r>
+            <a:r>
+              <a:rPr lang="en-US" sz="2000" b="0" strike="noStrike" spc="-1" dirty="0">
+                <a:solidFill>
+                  <a:srgbClr val="3D3D3D"/>
+                </a:solidFill>
+                <a:latin typeface="Gill Sans MT"/>
+              </a:rPr>
+              <a:t> para o </a:t>
+            </a:r>
+            <a:r>
+              <a:rPr lang="en-US" sz="2000" b="0" strike="noStrike" spc="-1" dirty="0" err="1">
+                <a:solidFill>
+                  <a:srgbClr val="3D3D3D"/>
+                </a:solidFill>
+                <a:latin typeface="Gill Sans MT"/>
+              </a:rPr>
+              <a:t>projeto</a:t>
+            </a:r>
+            <a:endParaRPr lang="en-US" sz="2000" b="0" strike="noStrike" spc="-1" dirty="0">
               <a:solidFill>
-                <a:srgbClr val="3d3d3d"/>
+                <a:srgbClr val="3D3D3D"/>
               </a:solidFill>
               <a:latin typeface="Gill Sans MT"/>
             </a:endParaRPr>
           </a:p>
           <a:p>
-            <a:pPr lvl="1" marL="630000" indent="-305640">
+            <a:pPr marL="630000" lvl="1" indent="-305640">
               <a:lnSpc>
                 <a:spcPct val="100000"/>
               </a:lnSpc>
@@ -5614,24 +6878,123 @@
                 <a:spcPts val="601"/>
               </a:spcAft>
               <a:buClr>
-                <a:srgbClr val="4590b8"/>
+                <a:srgbClr val="4590B8"/>
               </a:buClr>
               <a:buSzPct val="92000"/>
               <a:buFont typeface="Wingdings 2" charset="2"/>
               <a:buChar char=""/>
             </a:pPr>
             <a:r>
-              <a:rPr b="0" lang="en-US" sz="3200" spc="-1" strike="noStrike">
-                <a:solidFill>
-                  <a:srgbClr val="3d3d3d"/>
-                </a:solidFill>
-                <a:latin typeface="Gill Sans MT"/>
-              </a:rPr>
-              <a:t>Na Animal Allies, muitas equipes visitaram zoológicos e locais de aquarismo</a:t>
-            </a:r>
-            <a:endParaRPr b="0" lang="en-US" sz="3200" spc="-1" strike="noStrike">
+              <a:rPr lang="en-US" b="0" strike="noStrike" spc="-1" dirty="0">
+                <a:solidFill>
+                  <a:srgbClr val="3D3D3D"/>
+                </a:solidFill>
+                <a:latin typeface="Gill Sans MT"/>
+              </a:rPr>
+              <a:t>Na Animal Allies, </a:t>
+            </a:r>
+            <a:r>
+              <a:rPr lang="en-US" b="0" strike="noStrike" spc="-1" dirty="0" err="1">
+                <a:solidFill>
+                  <a:srgbClr val="3D3D3D"/>
+                </a:solidFill>
+                <a:latin typeface="Gill Sans MT"/>
+              </a:rPr>
+              <a:t>muitas</a:t>
+            </a:r>
+            <a:r>
+              <a:rPr lang="en-US" b="0" strike="noStrike" spc="-1" dirty="0">
+                <a:solidFill>
+                  <a:srgbClr val="3D3D3D"/>
+                </a:solidFill>
+                <a:latin typeface="Gill Sans MT"/>
+              </a:rPr>
+              <a:t> </a:t>
+            </a:r>
+            <a:r>
+              <a:rPr lang="en-US" b="0" strike="noStrike" spc="-1" dirty="0" err="1">
+                <a:solidFill>
+                  <a:srgbClr val="3D3D3D"/>
+                </a:solidFill>
+                <a:latin typeface="Gill Sans MT"/>
+              </a:rPr>
+              <a:t>equipes</a:t>
+            </a:r>
+            <a:r>
+              <a:rPr lang="en-US" b="0" strike="noStrike" spc="-1" dirty="0">
+                <a:solidFill>
+                  <a:srgbClr val="3D3D3D"/>
+                </a:solidFill>
+                <a:latin typeface="Gill Sans MT"/>
+              </a:rPr>
+              <a:t> </a:t>
+            </a:r>
+            <a:r>
+              <a:rPr lang="en-US" b="0" strike="noStrike" spc="-1" dirty="0" err="1">
+                <a:solidFill>
+                  <a:srgbClr val="3D3D3D"/>
+                </a:solidFill>
+                <a:latin typeface="Gill Sans MT"/>
+              </a:rPr>
+              <a:t>visitaram</a:t>
+            </a:r>
+            <a:r>
+              <a:rPr lang="en-US" b="0" strike="noStrike" spc="-1" dirty="0">
+                <a:solidFill>
+                  <a:srgbClr val="3D3D3D"/>
+                </a:solidFill>
+                <a:latin typeface="Gill Sans MT"/>
+              </a:rPr>
+              <a:t> </a:t>
+            </a:r>
+            <a:r>
+              <a:rPr lang="en-US" b="0" strike="noStrike" spc="-1" dirty="0" err="1">
+                <a:solidFill>
+                  <a:srgbClr val="3D3D3D"/>
+                </a:solidFill>
+                <a:latin typeface="Gill Sans MT"/>
+              </a:rPr>
+              <a:t>zoológicos</a:t>
+            </a:r>
+            <a:r>
+              <a:rPr lang="en-US" b="0" strike="noStrike" spc="-1" dirty="0">
+                <a:solidFill>
+                  <a:srgbClr val="3D3D3D"/>
+                </a:solidFill>
+                <a:latin typeface="Gill Sans MT"/>
+              </a:rPr>
+              <a:t> e </a:t>
+            </a:r>
+            <a:r>
+              <a:rPr lang="en-US" b="0" strike="noStrike" spc="-1" dirty="0" err="1">
+                <a:solidFill>
+                  <a:srgbClr val="3D3D3D"/>
+                </a:solidFill>
+                <a:latin typeface="Gill Sans MT"/>
+              </a:rPr>
+              <a:t>locais</a:t>
+            </a:r>
+            <a:r>
+              <a:rPr lang="en-US" b="0" strike="noStrike" spc="-1" dirty="0">
+                <a:solidFill>
+                  <a:srgbClr val="3D3D3D"/>
+                </a:solidFill>
+                <a:latin typeface="Gill Sans MT"/>
+              </a:rPr>
+              <a:t> de </a:t>
+            </a:r>
+            <a:r>
+              <a:rPr lang="en-US" b="0" strike="noStrike" spc="-1" dirty="0" err="1">
+                <a:solidFill>
+                  <a:srgbClr val="3D3D3D"/>
+                </a:solidFill>
+                <a:latin typeface="Gill Sans MT"/>
+              </a:rPr>
+              <a:t>aquarismo</a:t>
+            </a:r>
+            <a:endParaRPr lang="en-US" b="0" strike="noStrike" spc="-1" dirty="0">
               <a:solidFill>
-                <a:srgbClr val="3d3d3d"/>
+                <a:srgbClr val="3D3D3D"/>
               </a:solidFill>
               <a:latin typeface="Gill Sans MT"/>
             </a:endParaRPr>
@@ -5648,24 +7011,78 @@
                 <a:spcPts val="601"/>
               </a:spcAft>
               <a:buClr>
-                <a:srgbClr val="4590b8"/>
+                <a:srgbClr val="4590B8"/>
               </a:buClr>
               <a:buSzPct val="92000"/>
               <a:buFont typeface="Wingdings 2" charset="2"/>
               <a:buChar char=""/>
             </a:pPr>
             <a:r>
-              <a:rPr b="0" lang="en-US" sz="3600" spc="-1" strike="noStrike">
-                <a:solidFill>
-                  <a:srgbClr val="3d3d3d"/>
-                </a:solidFill>
-                <a:latin typeface="Gill Sans MT"/>
-              </a:rPr>
-              <a:t>Faça pesquisas premilinares do tópico</a:t>
-            </a:r>
-            <a:endParaRPr b="0" lang="en-US" sz="3600" spc="-1" strike="noStrike">
+              <a:rPr lang="en-US" sz="2000" b="0" strike="noStrike" spc="-1" dirty="0" err="1">
+                <a:solidFill>
+                  <a:srgbClr val="3D3D3D"/>
+                </a:solidFill>
+                <a:latin typeface="Gill Sans MT"/>
+              </a:rPr>
+              <a:t>Faça</a:t>
+            </a:r>
+            <a:r>
+              <a:rPr lang="en-US" sz="2000" b="0" strike="noStrike" spc="-1" dirty="0">
+                <a:solidFill>
+                  <a:srgbClr val="3D3D3D"/>
+                </a:solidFill>
+                <a:latin typeface="Gill Sans MT"/>
+              </a:rPr>
+              <a:t> </a:t>
+            </a:r>
+            <a:r>
+              <a:rPr lang="en-US" sz="2000" b="0" strike="noStrike" spc="-1" dirty="0" err="1">
+                <a:solidFill>
+                  <a:srgbClr val="3D3D3D"/>
+                </a:solidFill>
+                <a:latin typeface="Gill Sans MT"/>
+              </a:rPr>
+              <a:t>pesquisas</a:t>
+            </a:r>
+            <a:r>
+              <a:rPr lang="en-US" sz="2000" b="0" strike="noStrike" spc="-1" dirty="0">
+                <a:solidFill>
+                  <a:srgbClr val="3D3D3D"/>
+                </a:solidFill>
+                <a:latin typeface="Gill Sans MT"/>
+              </a:rPr>
+              <a:t> </a:t>
+            </a:r>
+            <a:r>
+              <a:rPr lang="en-US" sz="2000" b="0" strike="noStrike" spc="-1" dirty="0" err="1">
+                <a:solidFill>
+                  <a:srgbClr val="3D3D3D"/>
+                </a:solidFill>
+                <a:latin typeface="Gill Sans MT"/>
+              </a:rPr>
+              <a:t>premilinares</a:t>
+            </a:r>
+            <a:r>
+              <a:rPr lang="en-US" sz="2000" b="0" strike="noStrike" spc="-1" dirty="0">
+                <a:solidFill>
+                  <a:srgbClr val="3D3D3D"/>
+                </a:solidFill>
+                <a:latin typeface="Gill Sans MT"/>
+              </a:rPr>
+              <a:t> do </a:t>
+            </a:r>
+            <a:r>
+              <a:rPr lang="en-US" sz="2000" b="0" strike="noStrike" spc="-1" dirty="0" err="1">
+                <a:solidFill>
+                  <a:srgbClr val="3D3D3D"/>
+                </a:solidFill>
+                <a:latin typeface="Gill Sans MT"/>
+              </a:rPr>
+              <a:t>tópico</a:t>
+            </a:r>
+            <a:endParaRPr lang="en-US" sz="2000" b="0" strike="noStrike" spc="-1" dirty="0">
               <a:solidFill>
-                <a:srgbClr val="3d3d3d"/>
+                <a:srgbClr val="3D3D3D"/>
               </a:solidFill>
               <a:latin typeface="Gill Sans MT"/>
             </a:endParaRPr>
@@ -5682,24 +7099,177 @@
                 <a:spcPts val="601"/>
               </a:spcAft>
               <a:buClr>
-                <a:srgbClr val="4590b8"/>
+                <a:srgbClr val="4590B8"/>
               </a:buClr>
               <a:buSzPct val="92000"/>
               <a:buFont typeface="Wingdings 2" charset="2"/>
               <a:buChar char=""/>
             </a:pPr>
             <a:r>
-              <a:rPr b="0" lang="en-US" sz="3600" spc="-1" strike="noStrike">
-                <a:solidFill>
-                  <a:srgbClr val="3d3d3d"/>
-                </a:solidFill>
-                <a:latin typeface="Gill Sans MT"/>
-              </a:rPr>
-              <a:t>A sua meta não é finalizar o projeto, mas tenha ideias para possíveis projetos</a:t>
-            </a:r>
-            <a:endParaRPr b="0" lang="en-US" sz="3600" spc="-1" strike="noStrike">
+              <a:rPr lang="en-US" sz="2000" b="0" strike="noStrike" spc="-1" dirty="0">
+                <a:solidFill>
+                  <a:srgbClr val="3D3D3D"/>
+                </a:solidFill>
+                <a:latin typeface="Gill Sans MT"/>
+              </a:rPr>
+              <a:t>A </a:t>
+            </a:r>
+            <a:r>
+              <a:rPr lang="en-US" sz="2000" b="0" strike="noStrike" spc="-1" dirty="0" err="1">
+                <a:solidFill>
+                  <a:srgbClr val="3D3D3D"/>
+                </a:solidFill>
+                <a:latin typeface="Gill Sans MT"/>
+              </a:rPr>
+              <a:t>sua</a:t>
+            </a:r>
+            <a:r>
+              <a:rPr lang="en-US" sz="2000" b="0" strike="noStrike" spc="-1" dirty="0">
+                <a:solidFill>
+                  <a:srgbClr val="3D3D3D"/>
+                </a:solidFill>
+                <a:latin typeface="Gill Sans MT"/>
+              </a:rPr>
+              <a:t> meta </a:t>
+            </a:r>
+            <a:r>
+              <a:rPr lang="en-US" sz="2000" b="0" strike="noStrike" spc="-1" dirty="0" err="1">
+                <a:solidFill>
+                  <a:srgbClr val="3D3D3D"/>
+                </a:solidFill>
+                <a:latin typeface="Gill Sans MT"/>
+              </a:rPr>
+              <a:t>não</a:t>
+            </a:r>
+            <a:r>
+              <a:rPr lang="en-US" sz="2000" b="0" strike="noStrike" spc="-1" dirty="0">
+                <a:solidFill>
+                  <a:srgbClr val="3D3D3D"/>
+                </a:solidFill>
+                <a:latin typeface="Gill Sans MT"/>
+              </a:rPr>
+              <a:t> </a:t>
+            </a:r>
+            <a:r>
+              <a:rPr lang="en-US" sz="2000" b="0" strike="noStrike" spc="-1" dirty="0" err="1">
+                <a:solidFill>
+                  <a:srgbClr val="3D3D3D"/>
+                </a:solidFill>
+                <a:latin typeface="Gill Sans MT"/>
+              </a:rPr>
+              <a:t>é</a:t>
+            </a:r>
+            <a:r>
+              <a:rPr lang="en-US" sz="2000" b="0" strike="noStrike" spc="-1" dirty="0">
+                <a:solidFill>
+                  <a:srgbClr val="3D3D3D"/>
+                </a:solidFill>
+                <a:latin typeface="Gill Sans MT"/>
+              </a:rPr>
+              <a:t> </a:t>
+            </a:r>
+            <a:r>
+              <a:rPr lang="en-US" sz="2000" b="0" strike="noStrike" spc="-1" dirty="0" err="1">
+                <a:solidFill>
+                  <a:srgbClr val="3D3D3D"/>
+                </a:solidFill>
+                <a:latin typeface="Gill Sans MT"/>
+              </a:rPr>
+              <a:t>finalizar</a:t>
+            </a:r>
+            <a:r>
+              <a:rPr lang="en-US" sz="2000" b="0" strike="noStrike" spc="-1" dirty="0">
+                <a:solidFill>
+                  <a:srgbClr val="3D3D3D"/>
+                </a:solidFill>
+                <a:latin typeface="Gill Sans MT"/>
+              </a:rPr>
+              <a:t> o </a:t>
+            </a:r>
+            <a:r>
+              <a:rPr lang="en-US" sz="2000" b="0" strike="noStrike" spc="-1" dirty="0" err="1">
+                <a:solidFill>
+                  <a:srgbClr val="3D3D3D"/>
+                </a:solidFill>
+                <a:latin typeface="Gill Sans MT"/>
+              </a:rPr>
+              <a:t>projeto</a:t>
+            </a:r>
+            <a:r>
+              <a:rPr lang="en-US" sz="2000" b="0" strike="noStrike" spc="-1" dirty="0">
+                <a:solidFill>
+                  <a:srgbClr val="3D3D3D"/>
+                </a:solidFill>
+                <a:latin typeface="Gill Sans MT"/>
+              </a:rPr>
+              <a:t>, mas </a:t>
+            </a:r>
+            <a:r>
+              <a:rPr lang="en-US" sz="2000" b="0" strike="noStrike" spc="-1" dirty="0" err="1">
+                <a:solidFill>
+                  <a:srgbClr val="3D3D3D"/>
+                </a:solidFill>
+                <a:latin typeface="Gill Sans MT"/>
+              </a:rPr>
+              <a:t>tenha</a:t>
+            </a:r>
+            <a:r>
+              <a:rPr lang="en-US" sz="2000" b="0" strike="noStrike" spc="-1" dirty="0">
+                <a:solidFill>
+                  <a:srgbClr val="3D3D3D"/>
+                </a:solidFill>
+                <a:latin typeface="Gill Sans MT"/>
+              </a:rPr>
+              <a:t> </a:t>
+            </a:r>
+            <a:r>
+              <a:rPr lang="en-US" sz="2000" b="0" strike="noStrike" spc="-1" dirty="0" err="1">
+                <a:solidFill>
+                  <a:srgbClr val="3D3D3D"/>
+                </a:solidFill>
+                <a:latin typeface="Gill Sans MT"/>
+              </a:rPr>
+              <a:t>ideias</a:t>
+            </a:r>
+            <a:r>
+              <a:rPr lang="en-US" sz="2000" b="0" strike="noStrike" spc="-1" dirty="0">
+                <a:solidFill>
+                  <a:srgbClr val="3D3D3D"/>
+                </a:solidFill>
+                <a:latin typeface="Gill Sans MT"/>
+              </a:rPr>
+              <a:t> para </a:t>
+            </a:r>
+            <a:r>
+              <a:rPr lang="en-US" sz="2000" b="0" strike="noStrike" spc="-1" dirty="0" err="1">
+                <a:solidFill>
+                  <a:srgbClr val="3D3D3D"/>
+                </a:solidFill>
+                <a:latin typeface="Gill Sans MT"/>
+              </a:rPr>
+              <a:t>possíveis</a:t>
+            </a:r>
+            <a:r>
+              <a:rPr lang="en-US" sz="2000" b="0" strike="noStrike" spc="-1" dirty="0">
+                <a:solidFill>
+                  <a:srgbClr val="3D3D3D"/>
+                </a:solidFill>
+                <a:latin typeface="Gill Sans MT"/>
+              </a:rPr>
+              <a:t> </a:t>
+            </a:r>
+            <a:r>
+              <a:rPr lang="en-US" sz="2000" b="0" strike="noStrike" spc="-1" dirty="0" err="1">
+                <a:solidFill>
+                  <a:srgbClr val="3D3D3D"/>
+                </a:solidFill>
+                <a:latin typeface="Gill Sans MT"/>
+              </a:rPr>
+              <a:t>projetos</a:t>
+            </a:r>
+            <a:endParaRPr lang="en-US" sz="2000" b="0" strike="noStrike" spc="-1" dirty="0">
               <a:solidFill>
-                <a:srgbClr val="3d3d3d"/>
+                <a:srgbClr val="3D3D3D"/>
               </a:solidFill>
               <a:latin typeface="Gill Sans MT"/>
             </a:endParaRPr>
@@ -5716,23 +7286,23 @@
                 <a:spcPts val="601"/>
               </a:spcAft>
               <a:buClr>
-                <a:srgbClr val="4590b8"/>
+                <a:srgbClr val="4590B8"/>
               </a:buClr>
               <a:buSzPct val="92000"/>
               <a:buFont typeface="Wingdings 2" charset="2"/>
               <a:buChar char=""/>
             </a:pPr>
-            <a:endParaRPr b="0" lang="en-US" sz="3600" spc="-1" strike="noStrike">
+            <a:endParaRPr lang="en-US" sz="2000" b="0" strike="noStrike" spc="-1" dirty="0">
               <a:solidFill>
-                <a:srgbClr val="3d3d3d"/>
+                <a:srgbClr val="3D3D3D"/>
               </a:solidFill>
               <a:latin typeface="Gill Sans MT"/>
             </a:endParaRPr>
           </a:p>
           <a:p>
-            <a:endParaRPr b="0" lang="en-US" sz="3600" spc="-1" strike="noStrike">
+            <a:endParaRPr lang="en-US" sz="2000" b="0" strike="noStrike" spc="-1" dirty="0">
               <a:solidFill>
-                <a:srgbClr val="3d3d3d"/>
+                <a:srgbClr val="3D3D3D"/>
               </a:solidFill>
               <a:latin typeface="Gill Sans MT"/>
             </a:endParaRPr>
@@ -5759,7 +7329,8 @@
           </a:ln>
         </p:spPr>
         <p:txBody>
-          <a:bodyPr lIns="90000" rIns="90000" tIns="45000" bIns="45000"/>
+          <a:bodyPr lIns="90000" tIns="45000" rIns="90000" bIns="45000"/>
+          <a:lstStyle/>
           <a:p>
             <a:pPr>
               <a:lnSpc>
@@ -5767,15 +7338,15 @@
               </a:lnSpc>
             </a:pPr>
             <a:fld id="{32A3C14B-9863-43C9-BDDF-153009730383}" type="slidenum">
-              <a:rPr b="0" lang="pt-BR" sz="1800" spc="-1" strike="noStrike">
-                <a:solidFill>
-                  <a:srgbClr val="537ed0"/>
-                </a:solidFill>
-                <a:latin typeface="Gill Sans MT"/>
-              </a:rPr>
-              <a:t>&lt;número&gt;</a:t>
+              <a:rPr lang="pt-BR" sz="1800" b="0" strike="noStrike" spc="-1">
+                <a:solidFill>
+                  <a:srgbClr val="537ED0"/>
+                </a:solidFill>
+                <a:latin typeface="Gill Sans MT"/>
+              </a:rPr>
+              <a:t>4</a:t>
             </a:fld>
-            <a:endParaRPr b="0" lang="pt-BR" sz="1800" spc="-1" strike="noStrike">
+            <a:endParaRPr lang="pt-BR" sz="1800" b="0" strike="noStrike" spc="-1">
               <a:latin typeface="Times New Roman"/>
             </a:endParaRPr>
           </a:p>
@@ -5783,12 +7354,12 @@
       </p:sp>
       <p:pic>
         <p:nvPicPr>
-          <p:cNvPr id="116" name="Picture 6" descr=""/>
+          <p:cNvPr id="116" name="Picture 6"/>
           <p:cNvPicPr/>
           <p:nvPr/>
         </p:nvPicPr>
         <p:blipFill>
-          <a:blip r:embed="rId1"/>
+          <a:blip r:embed="rId2"/>
           <a:stretch/>
         </p:blipFill>
         <p:spPr>
@@ -5824,7 +7395,8 @@
           </a:ln>
         </p:spPr>
         <p:txBody>
-          <a:bodyPr lIns="90000" rIns="90000" tIns="45000" bIns="45000"/>
+          <a:bodyPr lIns="90000" tIns="45000" rIns="90000" bIns="45000"/>
+          <a:lstStyle/>
           <a:p>
             <a:pPr>
               <a:lnSpc>
@@ -5832,15 +7404,15 @@
               </a:lnSpc>
             </a:pPr>
             <a:r>
-              <a:rPr b="0" lang="pt-BR" sz="1800" spc="-1" strike="noStrike">
-                <a:solidFill>
-                  <a:srgbClr val="537ed0"/>
+              <a:rPr lang="pt-BR" sz="1800" b="0" strike="noStrike" spc="-1">
+                <a:solidFill>
+                  <a:srgbClr val="537ED0"/>
                 </a:solidFill>
                 <a:latin typeface="Gill Sans MT"/>
               </a:rPr>
               <a:t>© 2018, FLL Tutorials (Última edição 30/08/2018)</a:t>
             </a:r>
-            <a:endParaRPr b="0" lang="pt-BR" sz="1800" spc="-1" strike="noStrike">
+            <a:endParaRPr lang="pt-BR" sz="1800" b="0" strike="noStrike" spc="-1">
               <a:latin typeface="Times New Roman"/>
             </a:endParaRPr>
           </a:p>
@@ -5848,22 +7420,25 @@
       </p:sp>
     </p:spTree>
   </p:cSld>
+  <p:clrMapOvr>
+    <a:masterClrMapping/>
+  </p:clrMapOvr>
   <p:timing>
     <p:tnLst>
       <p:par>
-        <p:cTn id="7" dur="indefinite" restart="never" nodeType="tmRoot">
+        <p:cTn id="1" dur="indefinite" restart="never" nodeType="tmRoot">
           <p:childTnLst>
             <p:seq>
-              <p:cTn id="8" dur="indefinite" nodeType="mainSeq"/>
+              <p:cTn id="2" dur="indefinite" nodeType="mainSeq"/>
               <p:prevCondLst>
-                <p:cond delay="0" evt="onPrev">
+                <p:cond evt="onPrev" delay="0">
                   <p:tgtEl>
                     <p:sldTgt/>
                   </p:tgtEl>
                 </p:cond>
               </p:prevCondLst>
               <p:nextCondLst>
-                <p:cond delay="0" evt="onNext">
+                <p:cond evt="onNext" delay="0">
                   <p:tgtEl>
                     <p:sldTgt/>
                   </p:tgtEl>
@@ -5879,7 +7454,7 @@
 </file>
 
 <file path=ppt/slides/slide5.xml><?xml version="1.0" encoding="utf-8"?>
-<p:sld xmlns:a="http://schemas.openxmlformats.org/drawingml/2006/main" xmlns:p="http://schemas.openxmlformats.org/presentationml/2006/main" xmlns:r="http://schemas.openxmlformats.org/officeDocument/2006/relationships" xmlns:p14="http://schemas.microsoft.com/office/powerpoint/2010/main" xmlns:p15="http://schemas.microsoft.com/office/powerpoint/2012/main" xmlns:mc="http://schemas.openxmlformats.org/markup-compatibility/2006">
+<p:sld xmlns:a="http://schemas.openxmlformats.org/drawingml/2006/main" xmlns:r="http://schemas.openxmlformats.org/officeDocument/2006/relationships" xmlns:p="http://schemas.openxmlformats.org/presentationml/2006/main">
   <p:cSld>
     <p:spTree>
       <p:nvGrpSpPr>
@@ -5918,6 +7493,7 @@
           <a:bodyPr anchor="b">
             <a:normAutofit/>
           </a:bodyPr>
+          <a:lstStyle/>
           <a:p>
             <a:pPr>
               <a:lnSpc>
@@ -5925,15 +7501,15 @@
               </a:lnSpc>
             </a:pPr>
             <a:r>
-              <a:rPr b="0" lang="en-US" sz="2800" spc="-1" strike="noStrike" cap="all">
-                <a:solidFill>
-                  <a:srgbClr val="ffffff"/>
+              <a:rPr lang="en-US" sz="2800" b="0" strike="noStrike" cap="all" spc="-1">
+                <a:solidFill>
+                  <a:srgbClr val="FFFFFF"/>
                 </a:solidFill>
                 <a:latin typeface="Gill Sans MT"/>
               </a:rPr>
               <a:t>Leia os guias do desafio cuidadosamente</a:t>
             </a:r>
-            <a:endParaRPr b="0" lang="en-US" sz="2800" spc="-1" strike="noStrike">
+            <a:endParaRPr lang="en-US" sz="2800" b="0" strike="noStrike" spc="-1">
               <a:solidFill>
                 <a:srgbClr val="000000"/>
               </a:solidFill>
@@ -5965,6 +7541,7 @@
           <a:bodyPr>
             <a:normAutofit/>
           </a:bodyPr>
+          <a:lstStyle/>
           <a:p>
             <a:pPr marL="306000" indent="-305640">
               <a:lnSpc>
@@ -5977,27 +7554,21 @@
                 <a:spcPts val="601"/>
               </a:spcAft>
               <a:buClr>
-                <a:srgbClr val="4590b8"/>
+                <a:srgbClr val="4590B8"/>
               </a:buClr>
               <a:buSzPct val="92000"/>
               <a:buFont typeface="Wingdings 2" charset="2"/>
               <a:buChar char=""/>
             </a:pPr>
             <a:r>
-              <a:rPr b="0" lang="en-US" sz="2000" spc="-1" strike="noStrike">
-                <a:solidFill>
-                  <a:srgbClr val="3d3d3d"/>
+              <a:rPr lang="en-US" sz="2000" b="0" strike="noStrike" spc="-1">
+                <a:solidFill>
+                  <a:srgbClr val="3D3D3D"/>
                 </a:solidFill>
                 <a:latin typeface="Gill Sans MT"/>
               </a:rPr>
               <a:t>Algumas vezes, você deve seguir certos sub-tópicos (como na Nature’s Fury, que listava quais desastres naturais eram permitidos)</a:t>
             </a:r>
-            <a:endParaRPr b="0" lang="en-US" sz="2000" spc="-1" strike="noStrike">
-              <a:solidFill>
-                <a:srgbClr val="3d3d3d"/>
-              </a:solidFill>
-              <a:latin typeface="Gill Sans MT"/>
-            </a:endParaRPr>
           </a:p>
           <a:p>
             <a:pPr>
@@ -6011,9 +7582,9 @@
                 <a:spcPts val="601"/>
               </a:spcAft>
             </a:pPr>
-            <a:endParaRPr b="0" lang="en-US" sz="2000" spc="-1" strike="noStrike">
+            <a:endParaRPr lang="en-US" sz="2000" b="0" strike="noStrike" spc="-1">
               <a:solidFill>
-                <a:srgbClr val="3d3d3d"/>
+                <a:srgbClr val="3D3D3D"/>
               </a:solidFill>
               <a:latin typeface="Gill Sans MT"/>
             </a:endParaRPr>
@@ -6030,9 +7601,9 @@
                 <a:spcPts val="601"/>
               </a:spcAft>
             </a:pPr>
-            <a:endParaRPr b="0" lang="en-US" sz="2000" spc="-1" strike="noStrike">
+            <a:endParaRPr lang="en-US" sz="2000" b="0" strike="noStrike" spc="-1">
               <a:solidFill>
-                <a:srgbClr val="3d3d3d"/>
+                <a:srgbClr val="3D3D3D"/>
               </a:solidFill>
               <a:latin typeface="Gill Sans MT"/>
             </a:endParaRPr>
@@ -6049,9 +7620,9 @@
                 <a:spcPts val="601"/>
               </a:spcAft>
             </a:pPr>
-            <a:endParaRPr b="0" lang="en-US" sz="2000" spc="-1" strike="noStrike">
+            <a:endParaRPr lang="en-US" sz="2000" b="0" strike="noStrike" spc="-1">
               <a:solidFill>
-                <a:srgbClr val="3d3d3d"/>
+                <a:srgbClr val="3D3D3D"/>
               </a:solidFill>
               <a:latin typeface="Gill Sans MT"/>
             </a:endParaRPr>
@@ -6068,27 +7639,21 @@
                 <a:spcPts val="601"/>
               </a:spcAft>
               <a:buClr>
-                <a:srgbClr val="4590b8"/>
+                <a:srgbClr val="4590B8"/>
               </a:buClr>
               <a:buSzPct val="92000"/>
               <a:buFont typeface="Wingdings 2" charset="2"/>
               <a:buChar char=""/>
             </a:pPr>
             <a:r>
-              <a:rPr b="0" lang="en-US" sz="2000" spc="-1" strike="noStrike">
-                <a:solidFill>
-                  <a:srgbClr val="3d3d3d"/>
+              <a:rPr lang="en-US" sz="2000" b="0" strike="noStrike" spc="-1">
+                <a:solidFill>
+                  <a:srgbClr val="3D3D3D"/>
                 </a:solidFill>
                 <a:latin typeface="Gill Sans MT"/>
               </a:rPr>
               <a:t>Algumas vezes, deve-se seguir algo específico (como na Senior Solution, que requeria ou Parceiro Sênior para cada equipe)</a:t>
             </a:r>
-            <a:endParaRPr b="0" lang="en-US" sz="2000" spc="-1" strike="noStrike">
-              <a:solidFill>
-                <a:srgbClr val="3d3d3d"/>
-              </a:solidFill>
-              <a:latin typeface="Gill Sans MT"/>
-            </a:endParaRPr>
           </a:p>
         </p:txBody>
       </p:sp>
@@ -6112,7 +7677,8 @@
           </a:ln>
         </p:spPr>
         <p:txBody>
-          <a:bodyPr lIns="90000" rIns="90000" tIns="45000" bIns="45000"/>
+          <a:bodyPr lIns="90000" tIns="45000" rIns="90000" bIns="45000"/>
+          <a:lstStyle/>
           <a:p>
             <a:pPr>
               <a:lnSpc>
@@ -6120,15 +7686,15 @@
               </a:lnSpc>
             </a:pPr>
             <a:fld id="{0FA9E2DF-2467-4AFA-B5CF-304F642CB2F6}" type="slidenum">
-              <a:rPr b="0" lang="pt-BR" sz="1800" spc="-1" strike="noStrike">
-                <a:solidFill>
-                  <a:srgbClr val="537ed0"/>
-                </a:solidFill>
-                <a:latin typeface="Gill Sans MT"/>
-              </a:rPr>
-              <a:t>&lt;número&gt;</a:t>
+              <a:rPr lang="pt-BR" sz="1800" b="0" strike="noStrike" spc="-1">
+                <a:solidFill>
+                  <a:srgbClr val="537ED0"/>
+                </a:solidFill>
+                <a:latin typeface="Gill Sans MT"/>
+              </a:rPr>
+              <a:t>5</a:t>
             </a:fld>
-            <a:endParaRPr b="0" lang="pt-BR" sz="1800" spc="-1" strike="noStrike">
+            <a:endParaRPr lang="pt-BR" sz="1800" b="0" strike="noStrike" spc="-1">
               <a:latin typeface="Times New Roman"/>
             </a:endParaRPr>
           </a:p>
@@ -6136,12 +7702,12 @@
       </p:sp>
       <p:pic>
         <p:nvPicPr>
-          <p:cNvPr id="121" name="Picture 5" descr=""/>
+          <p:cNvPr id="121" name="Picture 5"/>
           <p:cNvPicPr/>
           <p:nvPr/>
         </p:nvPicPr>
         <p:blipFill>
-          <a:blip r:embed="rId1"/>
+          <a:blip r:embed="rId2"/>
           <a:stretch/>
         </p:blipFill>
         <p:spPr>
@@ -6159,7 +7725,7 @@
             <a:miter/>
           </a:ln>
           <a:effectLst>
-            <a:outerShdw algn="tl" blurRad="50800" dir="2700000" dist="38100" rotWithShape="0">
+            <a:outerShdw blurRad="50800" dist="38100" dir="2700000" algn="tl" rotWithShape="0">
               <a:srgbClr val="000000">
                 <a:alpha val="43000"/>
               </a:srgbClr>
@@ -6169,12 +7735,12 @@
       </p:pic>
       <p:pic>
         <p:nvPicPr>
-          <p:cNvPr id="122" name="Picture 6" descr=""/>
+          <p:cNvPr id="122" name="Picture 6"/>
           <p:cNvPicPr/>
           <p:nvPr/>
         </p:nvPicPr>
         <p:blipFill>
-          <a:blip r:embed="rId2"/>
+          <a:blip r:embed="rId3"/>
           <a:stretch/>
         </p:blipFill>
         <p:spPr>
@@ -6192,7 +7758,7 @@
             <a:miter/>
           </a:ln>
           <a:effectLst>
-            <a:outerShdw algn="tl" blurRad="50800" dir="2700000" dist="38100" rotWithShape="0">
+            <a:outerShdw blurRad="50800" dist="38100" dir="2700000" algn="tl" rotWithShape="0">
               <a:srgbClr val="000000">
                 <a:alpha val="43000"/>
               </a:srgbClr>
@@ -6220,7 +7786,8 @@
           </a:ln>
         </p:spPr>
         <p:txBody>
-          <a:bodyPr lIns="90000" rIns="90000" tIns="45000" bIns="45000"/>
+          <a:bodyPr lIns="90000" tIns="45000" rIns="90000" bIns="45000"/>
+          <a:lstStyle/>
           <a:p>
             <a:pPr>
               <a:lnSpc>
@@ -6228,15 +7795,15 @@
               </a:lnSpc>
             </a:pPr>
             <a:r>
-              <a:rPr b="0" lang="pt-BR" sz="1800" spc="-1" strike="noStrike">
-                <a:solidFill>
-                  <a:srgbClr val="537ed0"/>
+              <a:rPr lang="pt-BR" sz="1800" b="0" strike="noStrike" spc="-1">
+                <a:solidFill>
+                  <a:srgbClr val="537ED0"/>
                 </a:solidFill>
                 <a:latin typeface="Gill Sans MT"/>
               </a:rPr>
               <a:t>© 2018, FLL Tutorials (Última edição 30/08/2018)</a:t>
             </a:r>
-            <a:endParaRPr b="0" lang="pt-BR" sz="1800" spc="-1" strike="noStrike">
+            <a:endParaRPr lang="pt-BR" sz="1800" b="0" strike="noStrike" spc="-1">
               <a:latin typeface="Times New Roman"/>
             </a:endParaRPr>
           </a:p>
@@ -6244,22 +7811,25 @@
       </p:sp>
     </p:spTree>
   </p:cSld>
+  <p:clrMapOvr>
+    <a:masterClrMapping/>
+  </p:clrMapOvr>
   <p:timing>
     <p:tnLst>
       <p:par>
-        <p:cTn id="9" dur="indefinite" restart="never" nodeType="tmRoot">
+        <p:cTn id="1" dur="indefinite" restart="never" nodeType="tmRoot">
           <p:childTnLst>
             <p:seq>
-              <p:cTn id="10" dur="indefinite" nodeType="mainSeq"/>
+              <p:cTn id="2" dur="indefinite" nodeType="mainSeq"/>
               <p:prevCondLst>
-                <p:cond delay="0" evt="onPrev">
+                <p:cond evt="onPrev" delay="0">
                   <p:tgtEl>
                     <p:sldTgt/>
                   </p:tgtEl>
                 </p:cond>
               </p:prevCondLst>
               <p:nextCondLst>
-                <p:cond delay="0" evt="onNext">
+                <p:cond evt="onNext" delay="0">
                   <p:tgtEl>
                     <p:sldTgt/>
                   </p:tgtEl>
@@ -6275,7 +7845,7 @@
 </file>
 
 <file path=ppt/slides/slide6.xml><?xml version="1.0" encoding="utf-8"?>
-<p:sld xmlns:a="http://schemas.openxmlformats.org/drawingml/2006/main" xmlns:p="http://schemas.openxmlformats.org/presentationml/2006/main" xmlns:r="http://schemas.openxmlformats.org/officeDocument/2006/relationships" xmlns:p14="http://schemas.microsoft.com/office/powerpoint/2010/main" xmlns:p15="http://schemas.microsoft.com/office/powerpoint/2012/main" xmlns:mc="http://schemas.openxmlformats.org/markup-compatibility/2006">
+<p:sld xmlns:a="http://schemas.openxmlformats.org/drawingml/2006/main" xmlns:r="http://schemas.openxmlformats.org/officeDocument/2006/relationships" xmlns:p="http://schemas.openxmlformats.org/presentationml/2006/main">
   <p:cSld>
     <p:spTree>
       <p:nvGrpSpPr>
@@ -6312,6 +7882,7 @@
         </p:spPr>
         <p:txBody>
           <a:bodyPr anchor="b"/>
+          <a:lstStyle/>
           <a:p>
             <a:pPr>
               <a:lnSpc>
@@ -6319,15 +7890,15 @@
               </a:lnSpc>
             </a:pPr>
             <a:r>
-              <a:rPr b="0" lang="en-US" sz="2800" spc="-1" strike="noStrike" cap="all">
-                <a:solidFill>
-                  <a:srgbClr val="ffffff"/>
+              <a:rPr lang="en-US" sz="2800" b="0" strike="noStrike" cap="all" spc="-1">
+                <a:solidFill>
+                  <a:srgbClr val="FFFFFF"/>
                 </a:solidFill>
                 <a:latin typeface="Gill Sans MT"/>
               </a:rPr>
               <a:t>Escolham algo que todos concordem</a:t>
             </a:r>
-            <a:endParaRPr b="0" lang="en-US" sz="2800" spc="-1" strike="noStrike">
+            <a:endParaRPr lang="en-US" sz="2800" b="0" strike="noStrike" spc="-1">
               <a:solidFill>
                 <a:srgbClr val="000000"/>
               </a:solidFill>
@@ -6357,8 +7928,9 @@
         </p:spPr>
         <p:txBody>
           <a:bodyPr>
-            <a:normAutofit/>
+            <a:noAutofit/>
           </a:bodyPr>
+          <a:lstStyle/>
           <a:p>
             <a:pPr marL="306000" indent="-305640">
               <a:lnSpc>
@@ -6371,30 +7943,66 @@
                 <a:spcPts val="601"/>
               </a:spcAft>
               <a:buClr>
-                <a:srgbClr val="4590b8"/>
+                <a:srgbClr val="4590B8"/>
               </a:buClr>
               <a:buSzPct val="92000"/>
               <a:buFont typeface="Wingdings 2" charset="2"/>
               <a:buChar char=""/>
             </a:pPr>
             <a:r>
-              <a:rPr b="0" lang="en-US" sz="3600" spc="-1" strike="noStrike">
-                <a:solidFill>
-                  <a:srgbClr val="3d3d3d"/>
-                </a:solidFill>
-                <a:latin typeface="Gill Sans MT"/>
-              </a:rPr>
-              <a:t>Todos trabalham no projeto</a:t>
-            </a:r>
-            <a:endParaRPr b="0" lang="en-US" sz="3600" spc="-1" strike="noStrike">
+              <a:rPr lang="en-US" b="0" strike="noStrike" spc="-1" dirty="0" err="1">
+                <a:solidFill>
+                  <a:srgbClr val="3D3D3D"/>
+                </a:solidFill>
+                <a:latin typeface="Gill Sans MT"/>
+              </a:rPr>
+              <a:t>Todos</a:t>
+            </a:r>
+            <a:r>
+              <a:rPr lang="en-US" b="0" strike="noStrike" spc="-1" dirty="0">
+                <a:solidFill>
+                  <a:srgbClr val="3D3D3D"/>
+                </a:solidFill>
+                <a:latin typeface="Gill Sans MT"/>
+              </a:rPr>
+              <a:t> </a:t>
+            </a:r>
+            <a:r>
+              <a:rPr lang="en-US" b="0" strike="noStrike" spc="-1" dirty="0" err="1">
+                <a:solidFill>
+                  <a:srgbClr val="3D3D3D"/>
+                </a:solidFill>
+                <a:latin typeface="Gill Sans MT"/>
+              </a:rPr>
+              <a:t>trabalham</a:t>
+            </a:r>
+            <a:r>
+              <a:rPr lang="en-US" b="0" strike="noStrike" spc="-1" dirty="0">
+                <a:solidFill>
+                  <a:srgbClr val="3D3D3D"/>
+                </a:solidFill>
+                <a:latin typeface="Gill Sans MT"/>
+              </a:rPr>
+              <a:t> no </a:t>
+            </a:r>
+            <a:r>
+              <a:rPr lang="en-US" b="0" strike="noStrike" spc="-1" dirty="0" err="1">
+                <a:solidFill>
+                  <a:srgbClr val="3D3D3D"/>
+                </a:solidFill>
+                <a:latin typeface="Gill Sans MT"/>
+              </a:rPr>
+              <a:t>projeto</a:t>
+            </a:r>
+            <a:endParaRPr lang="en-US" b="0" strike="noStrike" spc="-1" dirty="0">
               <a:solidFill>
-                <a:srgbClr val="3d3d3d"/>
+                <a:srgbClr val="3D3D3D"/>
               </a:solidFill>
               <a:latin typeface="Gill Sans MT"/>
             </a:endParaRPr>
           </a:p>
           <a:p>
-            <a:pPr lvl="1" marL="630000" indent="-305640">
+            <a:pPr marL="630000" lvl="1" indent="-305640">
               <a:lnSpc>
                 <a:spcPct val="100000"/>
               </a:lnSpc>
@@ -6405,24 +8013,150 @@
                 <a:spcPts val="601"/>
               </a:spcAft>
               <a:buClr>
-                <a:srgbClr val="4590b8"/>
+                <a:srgbClr val="4590B8"/>
               </a:buClr>
               <a:buSzPct val="92000"/>
               <a:buFont typeface="Wingdings 2" charset="2"/>
               <a:buChar char=""/>
             </a:pPr>
             <a:r>
-              <a:rPr b="0" lang="en-US" sz="3200" spc="-1" strike="noStrike">
-                <a:solidFill>
-                  <a:srgbClr val="3d3d3d"/>
-                </a:solidFill>
-                <a:latin typeface="Gill Sans MT"/>
-              </a:rPr>
-              <a:t>Escolham um tópico que todos os membros concordem ou se interessem</a:t>
-            </a:r>
-            <a:endParaRPr b="0" lang="en-US" sz="3200" spc="-1" strike="noStrike">
+              <a:rPr lang="en-US" sz="1600" b="0" strike="noStrike" spc="-1" dirty="0" err="1">
+                <a:solidFill>
+                  <a:srgbClr val="3D3D3D"/>
+                </a:solidFill>
+                <a:latin typeface="Gill Sans MT"/>
+              </a:rPr>
+              <a:t>Escolham</a:t>
+            </a:r>
+            <a:r>
+              <a:rPr lang="en-US" sz="1600" b="0" strike="noStrike" spc="-1" dirty="0">
+                <a:solidFill>
+                  <a:srgbClr val="3D3D3D"/>
+                </a:solidFill>
+                <a:latin typeface="Gill Sans MT"/>
+              </a:rPr>
+              <a:t> um </a:t>
+            </a:r>
+            <a:r>
+              <a:rPr lang="en-US" sz="1600" b="0" strike="noStrike" spc="-1" dirty="0" err="1">
+                <a:solidFill>
+                  <a:srgbClr val="3D3D3D"/>
+                </a:solidFill>
+                <a:latin typeface="Gill Sans MT"/>
+              </a:rPr>
+              <a:t>tópico</a:t>
+            </a:r>
+            <a:r>
+              <a:rPr lang="en-US" sz="1600" b="0" strike="noStrike" spc="-1" dirty="0">
+                <a:solidFill>
+                  <a:srgbClr val="3D3D3D"/>
+                </a:solidFill>
+                <a:latin typeface="Gill Sans MT"/>
+              </a:rPr>
+              <a:t> que </a:t>
+            </a:r>
+            <a:r>
+              <a:rPr lang="en-US" sz="1600" b="0" strike="noStrike" spc="-1" dirty="0" err="1">
+                <a:solidFill>
+                  <a:srgbClr val="3D3D3D"/>
+                </a:solidFill>
+                <a:latin typeface="Gill Sans MT"/>
+              </a:rPr>
+              <a:t>todos</a:t>
+            </a:r>
+            <a:r>
+              <a:rPr lang="en-US" sz="1600" b="0" strike="noStrike" spc="-1" dirty="0">
+                <a:solidFill>
+                  <a:srgbClr val="3D3D3D"/>
+                </a:solidFill>
+                <a:latin typeface="Gill Sans MT"/>
+              </a:rPr>
+              <a:t> </a:t>
+            </a:r>
+            <a:r>
+              <a:rPr lang="en-US" sz="1600" b="0" strike="noStrike" spc="-1" dirty="0" err="1">
+                <a:solidFill>
+                  <a:srgbClr val="3D3D3D"/>
+                </a:solidFill>
+                <a:latin typeface="Gill Sans MT"/>
+              </a:rPr>
+              <a:t>os</a:t>
+            </a:r>
+            <a:r>
+              <a:rPr lang="en-US" sz="1600" b="0" strike="noStrike" spc="-1" dirty="0">
+                <a:solidFill>
+                  <a:srgbClr val="3D3D3D"/>
+                </a:solidFill>
+                <a:latin typeface="Gill Sans MT"/>
+              </a:rPr>
+              <a:t> </a:t>
+            </a:r>
+            <a:r>
+              <a:rPr lang="en-US" sz="1600" b="0" strike="noStrike" spc="-1" dirty="0" err="1">
+                <a:solidFill>
+                  <a:srgbClr val="3D3D3D"/>
+                </a:solidFill>
+                <a:latin typeface="Gill Sans MT"/>
+              </a:rPr>
+              <a:t>membros</a:t>
+            </a:r>
+            <a:r>
+              <a:rPr lang="en-US" sz="1600" b="0" strike="noStrike" spc="-1" dirty="0">
+                <a:solidFill>
+                  <a:srgbClr val="3D3D3D"/>
+                </a:solidFill>
+                <a:latin typeface="Gill Sans MT"/>
+              </a:rPr>
+              <a:t> </a:t>
+            </a:r>
+            <a:r>
+              <a:rPr lang="en-US" sz="1600" b="0" strike="noStrike" spc="-1" dirty="0" err="1">
+                <a:solidFill>
+                  <a:srgbClr val="3D3D3D"/>
+                </a:solidFill>
+                <a:latin typeface="Gill Sans MT"/>
+              </a:rPr>
+              <a:t>concordem</a:t>
+            </a:r>
+            <a:r>
+              <a:rPr lang="en-US" sz="1600" b="0" strike="noStrike" spc="-1" dirty="0">
+                <a:solidFill>
+                  <a:srgbClr val="3D3D3D"/>
+                </a:solidFill>
+                <a:latin typeface="Gill Sans MT"/>
+              </a:rPr>
+              <a:t> </a:t>
+            </a:r>
+            <a:r>
+              <a:rPr lang="en-US" sz="1600" b="0" strike="noStrike" spc="-1" dirty="0" err="1">
+                <a:solidFill>
+                  <a:srgbClr val="3D3D3D"/>
+                </a:solidFill>
+                <a:latin typeface="Gill Sans MT"/>
+              </a:rPr>
+              <a:t>ou</a:t>
+            </a:r>
+            <a:r>
+              <a:rPr lang="en-US" sz="1600" b="0" strike="noStrike" spc="-1" dirty="0">
+                <a:solidFill>
+                  <a:srgbClr val="3D3D3D"/>
+                </a:solidFill>
+                <a:latin typeface="Gill Sans MT"/>
+              </a:rPr>
+              <a:t> se </a:t>
+            </a:r>
+            <a:r>
+              <a:rPr lang="en-US" sz="1600" b="0" strike="noStrike" spc="-1" dirty="0" err="1">
+                <a:solidFill>
+                  <a:srgbClr val="3D3D3D"/>
+                </a:solidFill>
+                <a:latin typeface="Gill Sans MT"/>
+              </a:rPr>
+              <a:t>interessem</a:t>
+            </a:r>
+            <a:endParaRPr lang="en-US" sz="1600" b="0" strike="noStrike" spc="-1" dirty="0">
               <a:solidFill>
-                <a:srgbClr val="3d3d3d"/>
+                <a:srgbClr val="3D3D3D"/>
               </a:solidFill>
               <a:latin typeface="Gill Sans MT"/>
             </a:endParaRPr>
@@ -6439,30 +8173,258 @@
                 <a:spcPts val="601"/>
               </a:spcAft>
               <a:buClr>
-                <a:srgbClr val="4590b8"/>
+                <a:srgbClr val="4590B8"/>
               </a:buClr>
               <a:buSzPct val="92000"/>
               <a:buFont typeface="Wingdings 2" charset="2"/>
               <a:buChar char=""/>
             </a:pPr>
             <a:r>
-              <a:rPr b="0" lang="en-US" sz="3600" spc="-1" strike="noStrike">
-                <a:solidFill>
-                  <a:srgbClr val="3d3d3d"/>
-                </a:solidFill>
-                <a:latin typeface="Gill Sans MT"/>
-              </a:rPr>
-              <a:t>Uma ideia que todos os membros façam um pouco de pesquisa em seu tópico favorito e que apresentem ele </a:t>
-            </a:r>
-            <a:endParaRPr b="0" lang="en-US" sz="3600" spc="-1" strike="noStrike">
-              <a:solidFill>
-                <a:srgbClr val="3d3d3d"/>
-              </a:solidFill>
-              <a:latin typeface="Gill Sans MT"/>
-            </a:endParaRPr>
-          </a:p>
-          <a:p>
-            <a:pPr lvl="1" marL="630000" indent="-305640">
+              <a:rPr lang="en-US" b="0" strike="noStrike" spc="-1" dirty="0">
+                <a:solidFill>
+                  <a:srgbClr val="3D3D3D"/>
+                </a:solidFill>
+                <a:latin typeface="Gill Sans MT"/>
+              </a:rPr>
+              <a:t>Uma </a:t>
+            </a:r>
+            <a:r>
+              <a:rPr lang="en-US" b="0" strike="noStrike" spc="-1" dirty="0" err="1">
+                <a:solidFill>
+                  <a:srgbClr val="3D3D3D"/>
+                </a:solidFill>
+                <a:latin typeface="Gill Sans MT"/>
+              </a:rPr>
+              <a:t>ideia</a:t>
+            </a:r>
+            <a:r>
+              <a:rPr lang="en-US" b="0" strike="noStrike" spc="-1" dirty="0">
+                <a:solidFill>
+                  <a:srgbClr val="3D3D3D"/>
+                </a:solidFill>
+                <a:latin typeface="Gill Sans MT"/>
+              </a:rPr>
+              <a:t> que </a:t>
+            </a:r>
+            <a:r>
+              <a:rPr lang="en-US" b="0" strike="noStrike" spc="-1" dirty="0" err="1">
+                <a:solidFill>
+                  <a:srgbClr val="3D3D3D"/>
+                </a:solidFill>
+                <a:latin typeface="Gill Sans MT"/>
+              </a:rPr>
+              <a:t>todos</a:t>
+            </a:r>
+            <a:r>
+              <a:rPr lang="en-US" b="0" strike="noStrike" spc="-1" dirty="0">
+                <a:solidFill>
+                  <a:srgbClr val="3D3D3D"/>
+                </a:solidFill>
+                <a:latin typeface="Gill Sans MT"/>
+              </a:rPr>
+              <a:t> </a:t>
+            </a:r>
+            <a:r>
+              <a:rPr lang="en-US" b="0" strike="noStrike" spc="-1" dirty="0" err="1">
+                <a:solidFill>
+                  <a:srgbClr val="3D3D3D"/>
+                </a:solidFill>
+                <a:latin typeface="Gill Sans MT"/>
+              </a:rPr>
+              <a:t>os</a:t>
+            </a:r>
+            <a:r>
+              <a:rPr lang="en-US" b="0" strike="noStrike" spc="-1" dirty="0">
+                <a:solidFill>
+                  <a:srgbClr val="3D3D3D"/>
+                </a:solidFill>
+                <a:latin typeface="Gill Sans MT"/>
+              </a:rPr>
+              <a:t> </a:t>
+            </a:r>
+            <a:r>
+              <a:rPr lang="en-US" b="0" strike="noStrike" spc="-1" dirty="0" err="1">
+                <a:solidFill>
+                  <a:srgbClr val="3D3D3D"/>
+                </a:solidFill>
+                <a:latin typeface="Gill Sans MT"/>
+              </a:rPr>
+              <a:t>membros</a:t>
+            </a:r>
+            <a:r>
+              <a:rPr lang="en-US" b="0" strike="noStrike" spc="-1" dirty="0">
+                <a:solidFill>
+                  <a:srgbClr val="3D3D3D"/>
+                </a:solidFill>
+                <a:latin typeface="Gill Sans MT"/>
+              </a:rPr>
+              <a:t> </a:t>
+            </a:r>
+            <a:r>
+              <a:rPr lang="en-US" b="0" strike="noStrike" spc="-1" dirty="0" err="1">
+                <a:solidFill>
+                  <a:srgbClr val="3D3D3D"/>
+                </a:solidFill>
+                <a:latin typeface="Gill Sans MT"/>
+              </a:rPr>
+              <a:t>façam</a:t>
+            </a:r>
+            <a:r>
+              <a:rPr lang="en-US" b="0" strike="noStrike" spc="-1" dirty="0">
+                <a:solidFill>
+                  <a:srgbClr val="3D3D3D"/>
+                </a:solidFill>
+                <a:latin typeface="Gill Sans MT"/>
+              </a:rPr>
+              <a:t> um </a:t>
+            </a:r>
+            <a:r>
+              <a:rPr lang="en-US" b="0" strike="noStrike" spc="-1" dirty="0" err="1">
+                <a:solidFill>
+                  <a:srgbClr val="3D3D3D"/>
+                </a:solidFill>
+                <a:latin typeface="Gill Sans MT"/>
+              </a:rPr>
+              <a:t>pouco</a:t>
+            </a:r>
+            <a:r>
+              <a:rPr lang="en-US" b="0" strike="noStrike" spc="-1" dirty="0">
+                <a:solidFill>
+                  <a:srgbClr val="3D3D3D"/>
+                </a:solidFill>
+                <a:latin typeface="Gill Sans MT"/>
+              </a:rPr>
+              <a:t> de </a:t>
+            </a:r>
+            <a:r>
+              <a:rPr lang="en-US" b="0" strike="noStrike" spc="-1" dirty="0" err="1">
+                <a:solidFill>
+                  <a:srgbClr val="3D3D3D"/>
+                </a:solidFill>
+                <a:latin typeface="Gill Sans MT"/>
+              </a:rPr>
+              <a:t>pesquisa</a:t>
+            </a:r>
+            <a:r>
+              <a:rPr lang="en-US" b="0" strike="noStrike" spc="-1" dirty="0">
+                <a:solidFill>
+                  <a:srgbClr val="3D3D3D"/>
+                </a:solidFill>
+                <a:latin typeface="Gill Sans MT"/>
+              </a:rPr>
+              <a:t> </a:t>
+            </a:r>
+            <a:r>
+              <a:rPr lang="en-US" b="0" strike="noStrike" spc="-1" dirty="0" err="1">
+                <a:solidFill>
+                  <a:srgbClr val="3D3D3D"/>
+                </a:solidFill>
+                <a:latin typeface="Gill Sans MT"/>
+              </a:rPr>
+              <a:t>em</a:t>
+            </a:r>
+            <a:r>
+              <a:rPr lang="en-US" b="0" strike="noStrike" spc="-1" dirty="0">
+                <a:solidFill>
+                  <a:srgbClr val="3D3D3D"/>
+                </a:solidFill>
+                <a:latin typeface="Gill Sans MT"/>
+              </a:rPr>
+              <a:t> </a:t>
+            </a:r>
+            <a:r>
+              <a:rPr lang="en-US" b="0" strike="noStrike" spc="-1" dirty="0" err="1">
+                <a:solidFill>
+                  <a:srgbClr val="3D3D3D"/>
+                </a:solidFill>
+                <a:latin typeface="Gill Sans MT"/>
+              </a:rPr>
+              <a:t>seu</a:t>
+            </a:r>
+            <a:r>
+              <a:rPr lang="en-US" b="0" strike="noStrike" spc="-1" dirty="0">
+                <a:solidFill>
+                  <a:srgbClr val="3D3D3D"/>
+                </a:solidFill>
+                <a:latin typeface="Gill Sans MT"/>
+              </a:rPr>
+              <a:t> </a:t>
+            </a:r>
+            <a:r>
+              <a:rPr lang="en-US" b="0" strike="noStrike" spc="-1" dirty="0" err="1">
+                <a:solidFill>
+                  <a:srgbClr val="3D3D3D"/>
+                </a:solidFill>
+                <a:latin typeface="Gill Sans MT"/>
+              </a:rPr>
+              <a:t>tópico</a:t>
+            </a:r>
+            <a:r>
+              <a:rPr lang="en-US" b="0" strike="noStrike" spc="-1" dirty="0">
+                <a:solidFill>
+                  <a:srgbClr val="3D3D3D"/>
+                </a:solidFill>
+                <a:latin typeface="Gill Sans MT"/>
+              </a:rPr>
+              <a:t> </a:t>
+            </a:r>
+            <a:r>
+              <a:rPr lang="en-US" b="0" strike="noStrike" spc="-1" dirty="0" err="1">
+                <a:solidFill>
+                  <a:srgbClr val="3D3D3D"/>
+                </a:solidFill>
+                <a:latin typeface="Gill Sans MT"/>
+              </a:rPr>
+              <a:t>favorito</a:t>
+            </a:r>
+            <a:r>
+              <a:rPr lang="en-US" b="0" strike="noStrike" spc="-1" dirty="0">
+                <a:solidFill>
+                  <a:srgbClr val="3D3D3D"/>
+                </a:solidFill>
+                <a:latin typeface="Gill Sans MT"/>
+              </a:rPr>
+              <a:t> e que </a:t>
+            </a:r>
+            <a:r>
+              <a:rPr lang="en-US" b="0" strike="noStrike" spc="-1" dirty="0" err="1">
+                <a:solidFill>
+                  <a:srgbClr val="3D3D3D"/>
+                </a:solidFill>
+                <a:latin typeface="Gill Sans MT"/>
+              </a:rPr>
+              <a:t>apresentem</a:t>
+            </a:r>
+            <a:r>
+              <a:rPr lang="en-US" b="0" strike="noStrike" spc="-1" dirty="0">
+                <a:solidFill>
+                  <a:srgbClr val="3D3D3D"/>
+                </a:solidFill>
+                <a:latin typeface="Gill Sans MT"/>
+              </a:rPr>
+              <a:t> </a:t>
+            </a:r>
+            <a:r>
+              <a:rPr lang="en-US" b="0" strike="noStrike" spc="-1" dirty="0" err="1">
+                <a:solidFill>
+                  <a:srgbClr val="3D3D3D"/>
+                </a:solidFill>
+                <a:latin typeface="Gill Sans MT"/>
+              </a:rPr>
+              <a:t>ele</a:t>
+            </a:r>
+            <a:r>
+              <a:rPr lang="en-US" b="0" strike="noStrike" spc="-1" dirty="0">
+                <a:solidFill>
+                  <a:srgbClr val="3D3D3D"/>
+                </a:solidFill>
+                <a:latin typeface="Gill Sans MT"/>
+              </a:rPr>
+              <a:t> </a:t>
+            </a:r>
+          </a:p>
+          <a:p>
+            <a:pPr marL="630000" lvl="1" indent="-305640">
               <a:lnSpc>
                 <a:spcPct val="100000"/>
               </a:lnSpc>
@@ -6473,30 +8435,246 @@
                 <a:spcPts val="601"/>
               </a:spcAft>
               <a:buClr>
-                <a:srgbClr val="4590b8"/>
+                <a:srgbClr val="4590B8"/>
               </a:buClr>
               <a:buSzPct val="92000"/>
               <a:buFont typeface="Wingdings 2" charset="2"/>
               <a:buChar char=""/>
             </a:pPr>
             <a:r>
-              <a:rPr b="0" lang="en-US" sz="3200" spc="-1" strike="noStrike">
-                <a:solidFill>
-                  <a:srgbClr val="3d3d3d"/>
-                </a:solidFill>
-                <a:latin typeface="Gill Sans MT"/>
-              </a:rPr>
-              <a:t>Quando a equipe decidir que tópico que eles estão mais interessados em fazer no seu projeto de pesquisa</a:t>
-            </a:r>
-            <a:endParaRPr b="0" lang="en-US" sz="3200" spc="-1" strike="noStrike">
+              <a:rPr lang="en-US" sz="1600" b="0" strike="noStrike" spc="-1" dirty="0" err="1">
+                <a:solidFill>
+                  <a:srgbClr val="3D3D3D"/>
+                </a:solidFill>
+                <a:latin typeface="Gill Sans MT"/>
+              </a:rPr>
+              <a:t>Quando</a:t>
+            </a:r>
+            <a:r>
+              <a:rPr lang="en-US" sz="1600" b="0" strike="noStrike" spc="-1" dirty="0">
+                <a:solidFill>
+                  <a:srgbClr val="3D3D3D"/>
+                </a:solidFill>
+                <a:latin typeface="Gill Sans MT"/>
+              </a:rPr>
+              <a:t> a </a:t>
+            </a:r>
+            <a:r>
+              <a:rPr lang="en-US" sz="1600" b="0" strike="noStrike" spc="-1" dirty="0" err="1">
+                <a:solidFill>
+                  <a:srgbClr val="3D3D3D"/>
+                </a:solidFill>
+                <a:latin typeface="Gill Sans MT"/>
+              </a:rPr>
+              <a:t>equipe</a:t>
+            </a:r>
+            <a:r>
+              <a:rPr lang="en-US" sz="1600" b="0" strike="noStrike" spc="-1" dirty="0">
+                <a:solidFill>
+                  <a:srgbClr val="3D3D3D"/>
+                </a:solidFill>
+                <a:latin typeface="Gill Sans MT"/>
+              </a:rPr>
+              <a:t> </a:t>
+            </a:r>
+            <a:r>
+              <a:rPr lang="en-US" sz="1600" b="0" strike="noStrike" spc="-1" dirty="0" err="1">
+                <a:solidFill>
+                  <a:srgbClr val="3D3D3D"/>
+                </a:solidFill>
+                <a:latin typeface="Gill Sans MT"/>
+              </a:rPr>
+              <a:t>decidir</a:t>
+            </a:r>
+            <a:r>
+              <a:rPr lang="en-US" sz="1600" b="0" strike="noStrike" spc="-1" dirty="0">
+                <a:solidFill>
+                  <a:srgbClr val="3D3D3D"/>
+                </a:solidFill>
+                <a:latin typeface="Gill Sans MT"/>
+              </a:rPr>
+              <a:t> que </a:t>
+            </a:r>
+            <a:r>
+              <a:rPr lang="en-US" sz="1600" b="0" strike="noStrike" spc="-1" dirty="0" err="1">
+                <a:solidFill>
+                  <a:srgbClr val="3D3D3D"/>
+                </a:solidFill>
+                <a:latin typeface="Gill Sans MT"/>
+              </a:rPr>
+              <a:t>tópico</a:t>
+            </a:r>
+            <a:r>
+              <a:rPr lang="en-US" sz="1600" b="0" strike="noStrike" spc="-1" dirty="0">
+                <a:solidFill>
+                  <a:srgbClr val="3D3D3D"/>
+                </a:solidFill>
+                <a:latin typeface="Gill Sans MT"/>
+              </a:rPr>
+              <a:t> que </a:t>
+            </a:r>
+            <a:r>
+              <a:rPr lang="en-US" sz="1600" b="0" strike="noStrike" spc="-1" dirty="0" err="1">
+                <a:solidFill>
+                  <a:srgbClr val="3D3D3D"/>
+                </a:solidFill>
+                <a:latin typeface="Gill Sans MT"/>
+              </a:rPr>
+              <a:t>eles</a:t>
+            </a:r>
+            <a:r>
+              <a:rPr lang="en-US" sz="1600" b="0" strike="noStrike" spc="-1" dirty="0">
+                <a:solidFill>
+                  <a:srgbClr val="3D3D3D"/>
+                </a:solidFill>
+                <a:latin typeface="Gill Sans MT"/>
+              </a:rPr>
+              <a:t> </a:t>
+            </a:r>
+            <a:r>
+              <a:rPr lang="en-US" sz="1600" b="0" strike="noStrike" spc="-1" dirty="0" err="1">
+                <a:solidFill>
+                  <a:srgbClr val="3D3D3D"/>
+                </a:solidFill>
+                <a:latin typeface="Gill Sans MT"/>
+              </a:rPr>
+              <a:t>estão</a:t>
+            </a:r>
+            <a:r>
+              <a:rPr lang="en-US" sz="1600" b="0" strike="noStrike" spc="-1" dirty="0">
+                <a:solidFill>
+                  <a:srgbClr val="3D3D3D"/>
+                </a:solidFill>
+                <a:latin typeface="Gill Sans MT"/>
+              </a:rPr>
+              <a:t> </a:t>
+            </a:r>
+            <a:r>
+              <a:rPr lang="en-US" sz="1600" b="0" strike="noStrike" spc="-1" dirty="0" err="1">
+                <a:solidFill>
+                  <a:srgbClr val="3D3D3D"/>
+                </a:solidFill>
+                <a:latin typeface="Gill Sans MT"/>
+              </a:rPr>
+              <a:t>mais</a:t>
+            </a:r>
+            <a:r>
+              <a:rPr lang="en-US" sz="1600" b="0" strike="noStrike" spc="-1" dirty="0">
+                <a:solidFill>
+                  <a:srgbClr val="3D3D3D"/>
+                </a:solidFill>
+                <a:latin typeface="Gill Sans MT"/>
+              </a:rPr>
+              <a:t> </a:t>
+            </a:r>
+            <a:r>
+              <a:rPr lang="en-US" sz="1600" b="0" strike="noStrike" spc="-1" dirty="0" err="1">
+                <a:solidFill>
+                  <a:srgbClr val="3D3D3D"/>
+                </a:solidFill>
+                <a:latin typeface="Gill Sans MT"/>
+              </a:rPr>
+              <a:t>interessados</a:t>
+            </a:r>
+            <a:r>
+              <a:rPr lang="en-US" sz="1600" b="0" strike="noStrike" spc="-1" dirty="0">
+                <a:solidFill>
+                  <a:srgbClr val="3D3D3D"/>
+                </a:solidFill>
+                <a:latin typeface="Gill Sans MT"/>
+              </a:rPr>
+              <a:t> </a:t>
+            </a:r>
+            <a:r>
+              <a:rPr lang="en-US" sz="1600" b="0" strike="noStrike" spc="-1" dirty="0" err="1">
+                <a:solidFill>
+                  <a:srgbClr val="3D3D3D"/>
+                </a:solidFill>
+                <a:latin typeface="Gill Sans MT"/>
+              </a:rPr>
+              <a:t>em</a:t>
+            </a:r>
+            <a:r>
+              <a:rPr lang="en-US" sz="1600" b="0" strike="noStrike" spc="-1" dirty="0">
+                <a:solidFill>
+                  <a:srgbClr val="3D3D3D"/>
+                </a:solidFill>
+                <a:latin typeface="Gill Sans MT"/>
+              </a:rPr>
+              <a:t> </a:t>
+            </a:r>
+            <a:r>
+              <a:rPr lang="en-US" sz="1600" b="0" strike="noStrike" spc="-1" dirty="0" err="1">
+                <a:solidFill>
+                  <a:srgbClr val="3D3D3D"/>
+                </a:solidFill>
+                <a:latin typeface="Gill Sans MT"/>
+              </a:rPr>
+              <a:t>fazer</a:t>
+            </a:r>
+            <a:r>
+              <a:rPr lang="en-US" sz="1600" b="0" strike="noStrike" spc="-1" dirty="0">
+                <a:solidFill>
+                  <a:srgbClr val="3D3D3D"/>
+                </a:solidFill>
+                <a:latin typeface="Gill Sans MT"/>
+              </a:rPr>
+              <a:t> no </a:t>
+            </a:r>
+            <a:r>
+              <a:rPr lang="en-US" sz="1600" b="0" strike="noStrike" spc="-1" dirty="0" err="1">
+                <a:solidFill>
+                  <a:srgbClr val="3D3D3D"/>
+                </a:solidFill>
+                <a:latin typeface="Gill Sans MT"/>
+              </a:rPr>
+              <a:t>seu</a:t>
+            </a:r>
+            <a:r>
+              <a:rPr lang="en-US" sz="1600" b="0" strike="noStrike" spc="-1" dirty="0">
+                <a:solidFill>
+                  <a:srgbClr val="3D3D3D"/>
+                </a:solidFill>
+                <a:latin typeface="Gill Sans MT"/>
+              </a:rPr>
+              <a:t> </a:t>
+            </a:r>
+            <a:r>
+              <a:rPr lang="en-US" sz="1600" b="0" strike="noStrike" spc="-1" dirty="0" err="1">
+                <a:solidFill>
+                  <a:srgbClr val="3D3D3D"/>
+                </a:solidFill>
+                <a:latin typeface="Gill Sans MT"/>
+              </a:rPr>
+              <a:t>projeto</a:t>
+            </a:r>
+            <a:r>
+              <a:rPr lang="en-US" sz="1600" b="0" strike="noStrike" spc="-1" dirty="0">
+                <a:solidFill>
+                  <a:srgbClr val="3D3D3D"/>
+                </a:solidFill>
+                <a:latin typeface="Gill Sans MT"/>
+              </a:rPr>
+              <a:t> de </a:t>
+            </a:r>
+            <a:r>
+              <a:rPr lang="en-US" sz="1600" b="0" strike="noStrike" spc="-1" dirty="0" err="1">
+                <a:solidFill>
+                  <a:srgbClr val="3D3D3D"/>
+                </a:solidFill>
+                <a:latin typeface="Gill Sans MT"/>
+              </a:rPr>
+              <a:t>pesquisa</a:t>
+            </a:r>
+            <a:endParaRPr lang="en-US" sz="1600" b="0" strike="noStrike" spc="-1" dirty="0">
               <a:solidFill>
-                <a:srgbClr val="3d3d3d"/>
+                <a:srgbClr val="3D3D3D"/>
               </a:solidFill>
               <a:latin typeface="Gill Sans MT"/>
             </a:endParaRPr>
           </a:p>
           <a:p>
-            <a:pPr lvl="1" marL="630000" indent="-305640">
+            <a:pPr marL="630000" lvl="1" indent="-305640">
               <a:lnSpc>
                 <a:spcPct val="100000"/>
               </a:lnSpc>
@@ -6507,24 +8685,132 @@
                 <a:spcPts val="601"/>
               </a:spcAft>
               <a:buClr>
-                <a:srgbClr val="4590b8"/>
+                <a:srgbClr val="4590B8"/>
               </a:buClr>
               <a:buSzPct val="92000"/>
               <a:buFont typeface="Wingdings 2" charset="2"/>
               <a:buChar char=""/>
             </a:pPr>
             <a:r>
-              <a:rPr b="0" lang="en-US" sz="3200" spc="-1" strike="noStrike">
-                <a:solidFill>
-                  <a:srgbClr val="3d3d3d"/>
-                </a:solidFill>
-                <a:latin typeface="Gill Sans MT"/>
-              </a:rPr>
-              <a:t>Depois, a equipe identifica um porblema específico para este tópico</a:t>
-            </a:r>
-            <a:endParaRPr b="0" lang="en-US" sz="3200" spc="-1" strike="noStrike">
+              <a:rPr lang="en-US" sz="1600" b="0" strike="noStrike" spc="-1" dirty="0" err="1">
+                <a:solidFill>
+                  <a:srgbClr val="3D3D3D"/>
+                </a:solidFill>
+                <a:latin typeface="Gill Sans MT"/>
+              </a:rPr>
+              <a:t>Depois</a:t>
+            </a:r>
+            <a:r>
+              <a:rPr lang="en-US" sz="1600" b="0" strike="noStrike" spc="-1" dirty="0">
+                <a:solidFill>
+                  <a:srgbClr val="3D3D3D"/>
+                </a:solidFill>
+                <a:latin typeface="Gill Sans MT"/>
+              </a:rPr>
+              <a:t>, a </a:t>
+            </a:r>
+            <a:r>
+              <a:rPr lang="en-US" sz="1600" b="0" strike="noStrike" spc="-1" dirty="0" err="1">
+                <a:solidFill>
+                  <a:srgbClr val="3D3D3D"/>
+                </a:solidFill>
+                <a:latin typeface="Gill Sans MT"/>
+              </a:rPr>
+              <a:t>equipe</a:t>
+            </a:r>
+            <a:r>
+              <a:rPr lang="en-US" sz="1600" b="0" strike="noStrike" spc="-1" dirty="0">
+                <a:solidFill>
+                  <a:srgbClr val="3D3D3D"/>
+                </a:solidFill>
+                <a:latin typeface="Gill Sans MT"/>
+              </a:rPr>
+              <a:t> </a:t>
+            </a:r>
+            <a:r>
+              <a:rPr lang="en-US" sz="1600" b="0" strike="noStrike" spc="-1" dirty="0" err="1">
+                <a:solidFill>
+                  <a:srgbClr val="3D3D3D"/>
+                </a:solidFill>
+                <a:latin typeface="Gill Sans MT"/>
+              </a:rPr>
+              <a:t>identifica</a:t>
+            </a:r>
+            <a:r>
+              <a:rPr lang="en-US" sz="1600" b="0" strike="noStrike" spc="-1" dirty="0">
+                <a:solidFill>
+                  <a:srgbClr val="3D3D3D"/>
+                </a:solidFill>
+                <a:latin typeface="Gill Sans MT"/>
+              </a:rPr>
+              <a:t> um </a:t>
+            </a:r>
+            <a:r>
+              <a:rPr lang="en-US" sz="1600" b="0" strike="noStrike" spc="-1" dirty="0" err="1">
+                <a:solidFill>
+                  <a:srgbClr val="3D3D3D"/>
+                </a:solidFill>
+                <a:latin typeface="Gill Sans MT"/>
+              </a:rPr>
+              <a:t>porblema</a:t>
+            </a:r>
+            <a:r>
+              <a:rPr lang="en-US" sz="1600" b="0" strike="noStrike" spc="-1" dirty="0">
+                <a:solidFill>
+                  <a:srgbClr val="3D3D3D"/>
+                </a:solidFill>
+                <a:latin typeface="Gill Sans MT"/>
+              </a:rPr>
+              <a:t> </a:t>
+            </a:r>
+            <a:r>
+              <a:rPr lang="en-US" sz="1600" b="0" strike="noStrike" spc="-1" dirty="0" err="1">
+                <a:solidFill>
+                  <a:srgbClr val="3D3D3D"/>
+                </a:solidFill>
+                <a:latin typeface="Gill Sans MT"/>
+              </a:rPr>
+              <a:t>específico</a:t>
+            </a:r>
+            <a:r>
+              <a:rPr lang="en-US" sz="1600" b="0" strike="noStrike" spc="-1" dirty="0">
+                <a:solidFill>
+                  <a:srgbClr val="3D3D3D"/>
+                </a:solidFill>
+                <a:latin typeface="Gill Sans MT"/>
+              </a:rPr>
+              <a:t> para </a:t>
+            </a:r>
+            <a:r>
+              <a:rPr lang="en-US" sz="1600" b="0" strike="noStrike" spc="-1" dirty="0" err="1">
+                <a:solidFill>
+                  <a:srgbClr val="3D3D3D"/>
+                </a:solidFill>
+                <a:latin typeface="Gill Sans MT"/>
+              </a:rPr>
+              <a:t>este</a:t>
+            </a:r>
+            <a:r>
+              <a:rPr lang="en-US" sz="1600" b="0" strike="noStrike" spc="-1" dirty="0">
+                <a:solidFill>
+                  <a:srgbClr val="3D3D3D"/>
+                </a:solidFill>
+                <a:latin typeface="Gill Sans MT"/>
+              </a:rPr>
+              <a:t> </a:t>
+            </a:r>
+            <a:r>
+              <a:rPr lang="en-US" sz="1600" b="0" strike="noStrike" spc="-1" dirty="0" err="1">
+                <a:solidFill>
+                  <a:srgbClr val="3D3D3D"/>
+                </a:solidFill>
+                <a:latin typeface="Gill Sans MT"/>
+              </a:rPr>
+              <a:t>tópico</a:t>
+            </a:r>
+            <a:endParaRPr lang="en-US" sz="1600" b="0" strike="noStrike" spc="-1" dirty="0">
               <a:solidFill>
-                <a:srgbClr val="3d3d3d"/>
+                <a:srgbClr val="3D3D3D"/>
               </a:solidFill>
               <a:latin typeface="Gill Sans MT"/>
             </a:endParaRPr>
@@ -6551,7 +8837,8 @@
           </a:ln>
         </p:spPr>
         <p:txBody>
-          <a:bodyPr lIns="90000" rIns="90000" tIns="45000" bIns="45000"/>
+          <a:bodyPr lIns="90000" tIns="45000" rIns="90000" bIns="45000"/>
+          <a:lstStyle/>
           <a:p>
             <a:pPr>
               <a:lnSpc>
@@ -6559,15 +8846,15 @@
               </a:lnSpc>
             </a:pPr>
             <a:fld id="{115697BF-B0CE-4C03-B073-E0121B42F421}" type="slidenum">
-              <a:rPr b="0" lang="pt-BR" sz="1800" spc="-1" strike="noStrike">
-                <a:solidFill>
-                  <a:srgbClr val="537ed0"/>
-                </a:solidFill>
-                <a:latin typeface="Gill Sans MT"/>
-              </a:rPr>
-              <a:t>&lt;número&gt;</a:t>
+              <a:rPr lang="pt-BR" sz="1800" b="0" strike="noStrike" spc="-1">
+                <a:solidFill>
+                  <a:srgbClr val="537ED0"/>
+                </a:solidFill>
+                <a:latin typeface="Gill Sans MT"/>
+              </a:rPr>
+              <a:t>6</a:t>
             </a:fld>
-            <a:endParaRPr b="0" lang="pt-BR" sz="1800" spc="-1" strike="noStrike">
+            <a:endParaRPr lang="pt-BR" sz="1800" b="0" strike="noStrike" spc="-1">
               <a:latin typeface="Times New Roman"/>
             </a:endParaRPr>
           </a:p>
@@ -6575,12 +8862,12 @@
       </p:sp>
       <p:pic>
         <p:nvPicPr>
-          <p:cNvPr id="127" name="Picture 5" descr=""/>
+          <p:cNvPr id="127" name="Picture 5"/>
           <p:cNvPicPr/>
           <p:nvPr/>
         </p:nvPicPr>
         <p:blipFill>
-          <a:blip r:embed="rId1"/>
+          <a:blip r:embed="rId2"/>
           <a:stretch/>
         </p:blipFill>
         <p:spPr>
@@ -6616,7 +8903,8 @@
           </a:ln>
         </p:spPr>
         <p:txBody>
-          <a:bodyPr lIns="90000" rIns="90000" tIns="45000" bIns="45000"/>
+          <a:bodyPr lIns="90000" tIns="45000" rIns="90000" bIns="45000"/>
+          <a:lstStyle/>
           <a:p>
             <a:pPr>
               <a:lnSpc>
@@ -6624,15 +8912,15 @@
               </a:lnSpc>
             </a:pPr>
             <a:r>
-              <a:rPr b="0" lang="pt-BR" sz="1800" spc="-1" strike="noStrike">
-                <a:solidFill>
-                  <a:srgbClr val="537ed0"/>
+              <a:rPr lang="pt-BR" sz="1800" b="0" strike="noStrike" spc="-1">
+                <a:solidFill>
+                  <a:srgbClr val="537ED0"/>
                 </a:solidFill>
                 <a:latin typeface="Gill Sans MT"/>
               </a:rPr>
               <a:t>© 2018, FLL Tutorials (Última edição 30/08/2018)</a:t>
             </a:r>
-            <a:endParaRPr b="0" lang="pt-BR" sz="1800" spc="-1" strike="noStrike">
+            <a:endParaRPr lang="pt-BR" sz="1800" b="0" strike="noStrike" spc="-1">
               <a:latin typeface="Times New Roman"/>
             </a:endParaRPr>
           </a:p>
@@ -6640,22 +8928,25 @@
       </p:sp>
     </p:spTree>
   </p:cSld>
+  <p:clrMapOvr>
+    <a:masterClrMapping/>
+  </p:clrMapOvr>
   <p:timing>
     <p:tnLst>
       <p:par>
-        <p:cTn id="11" dur="indefinite" restart="never" nodeType="tmRoot">
+        <p:cTn id="1" dur="indefinite" restart="never" nodeType="tmRoot">
           <p:childTnLst>
             <p:seq>
-              <p:cTn id="12" dur="indefinite" nodeType="mainSeq"/>
+              <p:cTn id="2" dur="indefinite" nodeType="mainSeq"/>
               <p:prevCondLst>
-                <p:cond delay="0" evt="onPrev">
+                <p:cond evt="onPrev" delay="0">
                   <p:tgtEl>
                     <p:sldTgt/>
                   </p:tgtEl>
                 </p:cond>
               </p:prevCondLst>
               <p:nextCondLst>
-                <p:cond delay="0" evt="onNext">
+                <p:cond evt="onNext" delay="0">
                   <p:tgtEl>
                     <p:sldTgt/>
                   </p:tgtEl>
@@ -6671,7 +8962,7 @@
 </file>
 
 <file path=ppt/slides/slide7.xml><?xml version="1.0" encoding="utf-8"?>
-<p:sld xmlns:a="http://schemas.openxmlformats.org/drawingml/2006/main" xmlns:p="http://schemas.openxmlformats.org/presentationml/2006/main" xmlns:r="http://schemas.openxmlformats.org/officeDocument/2006/relationships" xmlns:p14="http://schemas.microsoft.com/office/powerpoint/2010/main" xmlns:p15="http://schemas.microsoft.com/office/powerpoint/2012/main" xmlns:mc="http://schemas.openxmlformats.org/markup-compatibility/2006">
+<p:sld xmlns:a="http://schemas.openxmlformats.org/drawingml/2006/main" xmlns:r="http://schemas.openxmlformats.org/officeDocument/2006/relationships" xmlns:p="http://schemas.openxmlformats.org/presentationml/2006/main">
   <p:cSld>
     <p:spTree>
       <p:nvGrpSpPr>
@@ -6708,6 +8999,7 @@
         </p:spPr>
         <p:txBody>
           <a:bodyPr anchor="b"/>
+          <a:lstStyle/>
           <a:p>
             <a:pPr>
               <a:lnSpc>
@@ -6715,15 +9007,15 @@
               </a:lnSpc>
             </a:pPr>
             <a:r>
-              <a:rPr b="0" lang="en-US" sz="2800" spc="-1" strike="noStrike" cap="all">
-                <a:solidFill>
-                  <a:srgbClr val="ffffff"/>
+              <a:rPr lang="en-US" sz="2800" b="0" strike="noStrike" cap="all" spc="-1">
+                <a:solidFill>
+                  <a:srgbClr val="FFFFFF"/>
                 </a:solidFill>
                 <a:latin typeface="Gill Sans MT"/>
               </a:rPr>
               <a:t>Identificando o problema</a:t>
             </a:r>
-            <a:endParaRPr b="0" lang="en-US" sz="2800" spc="-1" strike="noStrike">
+            <a:endParaRPr lang="en-US" sz="2800" b="0" strike="noStrike" spc="-1">
               <a:solidFill>
                 <a:srgbClr val="000000"/>
               </a:solidFill>
@@ -6752,7 +9044,8 @@
           </a:ln>
         </p:spPr>
         <p:txBody>
-          <a:bodyPr lIns="90000" rIns="90000" tIns="45000" bIns="45000"/>
+          <a:bodyPr lIns="90000" tIns="45000" rIns="90000" bIns="45000"/>
+          <a:lstStyle/>
           <a:p>
             <a:pPr>
               <a:lnSpc>
@@ -6760,15 +9053,15 @@
               </a:lnSpc>
             </a:pPr>
             <a:fld id="{D99AAF4E-011E-47C3-8060-74E04140E7D3}" type="slidenum">
-              <a:rPr b="0" lang="pt-BR" sz="1800" spc="-1" strike="noStrike">
-                <a:solidFill>
-                  <a:srgbClr val="537ed0"/>
-                </a:solidFill>
-                <a:latin typeface="Gill Sans MT"/>
-              </a:rPr>
-              <a:t>&lt;número&gt;</a:t>
+              <a:rPr lang="pt-BR" sz="1800" b="0" strike="noStrike" spc="-1">
+                <a:solidFill>
+                  <a:srgbClr val="537ED0"/>
+                </a:solidFill>
+                <a:latin typeface="Gill Sans MT"/>
+              </a:rPr>
+              <a:t>7</a:t>
             </a:fld>
-            <a:endParaRPr b="0" lang="pt-BR" sz="1800" spc="-1" strike="noStrike">
+            <a:endParaRPr lang="pt-BR" sz="1800" b="0" strike="noStrike" spc="-1">
               <a:latin typeface="Times New Roman"/>
             </a:endParaRPr>
           </a:p>
@@ -6808,7 +9101,7 @@
               <a:noFill/>
             </a:ln>
             <a:effectLst>
-              <a:outerShdw blurRad="38100" dir="5400000" dist="25400" rotWithShape="0">
+              <a:outerShdw blurRad="38100" dist="25400" dir="5400000" rotWithShape="0">
                 <a:srgbClr val="000000">
                   <a:alpha val="55000"/>
                 </a:srgbClr>
@@ -6863,13 +9156,20 @@
             </a:ln>
           </p:spPr>
           <p:style>
-            <a:lnRef idx="0"/>
-            <a:fillRef idx="0"/>
-            <a:effectRef idx="0"/>
+            <a:lnRef idx="0">
+              <a:scrgbClr r="0" g="0" b="0"/>
+            </a:lnRef>
+            <a:fillRef idx="0">
+              <a:scrgbClr r="0" g="0" b="0"/>
+            </a:fillRef>
+            <a:effectRef idx="0">
+              <a:scrgbClr r="0" g="0" b="0"/>
+            </a:effectRef>
             <a:fontRef idx="minor"/>
           </p:style>
           <p:txBody>
             <a:bodyPr tIns="91440" bIns="91440" anchor="ctr"/>
+            <a:lstStyle/>
             <a:p>
               <a:pPr algn="ctr">
                 <a:lnSpc>
@@ -6880,15 +9180,15 @@
                 </a:spcAft>
               </a:pPr>
               <a:r>
-                <a:rPr b="0" lang="pt-BR" sz="1800" spc="-1" strike="noStrike">
+                <a:rPr lang="pt-BR" sz="1800" b="0" strike="noStrike" spc="-1">
                   <a:solidFill>
-                    <a:srgbClr val="ffffff"/>
+                    <a:srgbClr val="FFFFFF"/>
                   </a:solidFill>
                   <a:latin typeface="Gill Sans MT"/>
                 </a:rPr>
                 <a:t>Como reduzir as mortes de morcegos causadas pelo vento de turbinas</a:t>
               </a:r>
-              <a:endParaRPr b="0" lang="pt-BR" sz="1800" spc="-1" strike="noStrike">
+              <a:endParaRPr lang="pt-BR" sz="1800" b="0" strike="noStrike" spc="-1">
                 <a:latin typeface="Arial"/>
               </a:endParaRPr>
             </a:p>
@@ -6930,7 +9230,7 @@
               <a:noFill/>
             </a:ln>
             <a:effectLst>
-              <a:outerShdw blurRad="38100" dir="5400000" dist="25400" rotWithShape="0">
+              <a:outerShdw blurRad="38100" dist="25400" dir="5400000" rotWithShape="0">
                 <a:srgbClr val="000000">
                   <a:alpha val="55000"/>
                 </a:srgbClr>
@@ -6988,9 +9288,15 @@
             </a:ln>
           </p:spPr>
           <p:style>
-            <a:lnRef idx="0"/>
-            <a:fillRef idx="0"/>
-            <a:effectRef idx="0"/>
+            <a:lnRef idx="0">
+              <a:scrgbClr r="0" g="0" b="0"/>
+            </a:lnRef>
+            <a:fillRef idx="0">
+              <a:scrgbClr r="0" g="0" b="0"/>
+            </a:fillRef>
+            <a:effectRef idx="0">
+              <a:scrgbClr r="0" g="0" b="0"/>
+            </a:effectRef>
             <a:fontRef idx="minor"/>
           </p:style>
         </p:sp>
@@ -7029,7 +9335,7 @@
               <a:noFill/>
             </a:ln>
             <a:effectLst>
-              <a:outerShdw blurRad="38100" dir="5400000" dist="25400" rotWithShape="0">
+              <a:outerShdw blurRad="38100" dist="25400" dir="5400000" rotWithShape="0">
                 <a:srgbClr val="000000">
                   <a:alpha val="55000"/>
                 </a:srgbClr>
@@ -7084,13 +9390,20 @@
             </a:ln>
           </p:spPr>
           <p:style>
-            <a:lnRef idx="0"/>
-            <a:fillRef idx="0"/>
-            <a:effectRef idx="0"/>
+            <a:lnRef idx="0">
+              <a:scrgbClr r="0" g="0" b="0"/>
+            </a:lnRef>
+            <a:fillRef idx="0">
+              <a:scrgbClr r="0" g="0" b="0"/>
+            </a:fillRef>
+            <a:effectRef idx="0">
+              <a:scrgbClr r="0" g="0" b="0"/>
+            </a:effectRef>
             <a:fontRef idx="minor"/>
           </p:style>
           <p:txBody>
             <a:bodyPr tIns="91440" bIns="91440" anchor="ctr"/>
+            <a:lstStyle/>
             <a:p>
               <a:pPr algn="ctr">
                 <a:lnSpc>
@@ -7101,15 +9414,15 @@
                 </a:spcAft>
               </a:pPr>
               <a:r>
-                <a:rPr b="0" lang="pt-BR" sz="1800" spc="-1" strike="noStrike">
+                <a:rPr lang="pt-BR" sz="1800" b="0" strike="noStrike" spc="-1">
                   <a:solidFill>
-                    <a:srgbClr val="ffffff"/>
+                    <a:srgbClr val="FFFFFF"/>
                   </a:solidFill>
                   <a:latin typeface="Gill Sans MT"/>
                 </a:rPr>
                 <a:t>Morcegos são mortos pela síndrome do Nariz Branco que humanos espalham</a:t>
               </a:r>
-              <a:endParaRPr b="0" lang="pt-BR" sz="1800" spc="-1" strike="noStrike">
+              <a:endParaRPr lang="pt-BR" sz="1800" b="0" strike="noStrike" spc="-1">
                 <a:latin typeface="Arial"/>
               </a:endParaRPr>
             </a:p>
@@ -7151,7 +9464,7 @@
               <a:noFill/>
             </a:ln>
             <a:effectLst>
-              <a:outerShdw blurRad="38100" dir="5400000" dist="25400" rotWithShape="0">
+              <a:outerShdw blurRad="38100" dist="25400" dir="5400000" rotWithShape="0">
                 <a:srgbClr val="000000">
                   <a:alpha val="55000"/>
                 </a:srgbClr>
@@ -7209,9 +9522,15 @@
             </a:ln>
           </p:spPr>
           <p:style>
-            <a:lnRef idx="0"/>
-            <a:fillRef idx="0"/>
-            <a:effectRef idx="0"/>
+            <a:lnRef idx="0">
+              <a:scrgbClr r="0" g="0" b="0"/>
+            </a:lnRef>
+            <a:fillRef idx="0">
+              <a:scrgbClr r="0" g="0" b="0"/>
+            </a:fillRef>
+            <a:effectRef idx="0">
+              <a:scrgbClr r="0" g="0" b="0"/>
+            </a:effectRef>
             <a:fontRef idx="minor"/>
           </p:style>
         </p:sp>
@@ -7250,7 +9569,7 @@
               <a:noFill/>
             </a:ln>
             <a:effectLst>
-              <a:outerShdw blurRad="38100" dir="5400000" dist="25400" rotWithShape="0">
+              <a:outerShdw blurRad="38100" dist="25400" dir="5400000" rotWithShape="0">
                 <a:srgbClr val="000000">
                   <a:alpha val="55000"/>
                 </a:srgbClr>
@@ -7305,13 +9624,20 @@
             </a:ln>
           </p:spPr>
           <p:style>
-            <a:lnRef idx="0"/>
-            <a:fillRef idx="0"/>
-            <a:effectRef idx="0"/>
+            <a:lnRef idx="0">
+              <a:scrgbClr r="0" g="0" b="0"/>
+            </a:lnRef>
+            <a:fillRef idx="0">
+              <a:scrgbClr r="0" g="0" b="0"/>
+            </a:fillRef>
+            <a:effectRef idx="0">
+              <a:scrgbClr r="0" g="0" b="0"/>
+            </a:effectRef>
             <a:fontRef idx="minor"/>
           </p:style>
           <p:txBody>
             <a:bodyPr tIns="91440" bIns="91440" anchor="ctr"/>
+            <a:lstStyle/>
             <a:p>
               <a:pPr algn="ctr">
                 <a:lnSpc>
@@ -7322,15 +9648,15 @@
                 </a:spcAft>
               </a:pPr>
               <a:r>
-                <a:rPr b="0" lang="pt-BR" sz="1800" spc="-1" strike="noStrike">
+                <a:rPr lang="pt-BR" sz="1800" b="0" strike="noStrike" spc="-1">
                   <a:solidFill>
-                    <a:srgbClr val="ffffff"/>
+                    <a:srgbClr val="FFFFFF"/>
                   </a:solidFill>
                   <a:latin typeface="Gill Sans MT"/>
                 </a:rPr>
                 <a:t>Morcegos são mortos pelos ventos de turbinas que humanos fazem</a:t>
               </a:r>
-              <a:endParaRPr b="0" lang="pt-BR" sz="1800" spc="-1" strike="noStrike">
+              <a:endParaRPr lang="pt-BR" sz="1800" b="0" strike="noStrike" spc="-1">
                 <a:latin typeface="Arial"/>
               </a:endParaRPr>
             </a:p>
@@ -7371,7 +9697,7 @@
               <a:noFill/>
             </a:ln>
             <a:effectLst>
-              <a:outerShdw blurRad="38100" dir="5400000" dist="25400" rotWithShape="0">
+              <a:outerShdw blurRad="38100" dist="25400" dir="5400000" rotWithShape="0">
                 <a:srgbClr val="000000">
                   <a:alpha val="55000"/>
                 </a:srgbClr>
@@ -7426,13 +9752,20 @@
             </a:ln>
           </p:spPr>
           <p:style>
-            <a:lnRef idx="0"/>
-            <a:fillRef idx="0"/>
-            <a:effectRef idx="0"/>
+            <a:lnRef idx="0">
+              <a:scrgbClr r="0" g="0" b="0"/>
+            </a:lnRef>
+            <a:fillRef idx="0">
+              <a:scrgbClr r="0" g="0" b="0"/>
+            </a:fillRef>
+            <a:effectRef idx="0">
+              <a:scrgbClr r="0" g="0" b="0"/>
+            </a:effectRef>
             <a:fontRef idx="minor"/>
           </p:style>
           <p:txBody>
             <a:bodyPr tIns="91440" bIns="91440" anchor="ctr"/>
+            <a:lstStyle/>
             <a:p>
               <a:pPr algn="ctr">
                 <a:lnSpc>
@@ -7443,15 +9776,15 @@
                 </a:spcAft>
               </a:pPr>
               <a:r>
-                <a:rPr b="0" lang="pt-BR" sz="1800" spc="-1" strike="noStrike">
+                <a:rPr lang="pt-BR" sz="1800" b="0" strike="noStrike" spc="-1">
                   <a:solidFill>
-                    <a:srgbClr val="ffffff"/>
+                    <a:srgbClr val="FFFFFF"/>
                   </a:solidFill>
                   <a:latin typeface="Gill Sans MT"/>
                 </a:rPr>
                 <a:t>Morcegos</a:t>
               </a:r>
-              <a:endParaRPr b="0" lang="pt-BR" sz="1800" spc="-1" strike="noStrike">
+              <a:endParaRPr lang="pt-BR" sz="1800" b="0" strike="noStrike" spc="-1">
                 <a:latin typeface="Arial"/>
               </a:endParaRPr>
             </a:p>
@@ -7478,13 +9811,20 @@
           </a:ln>
         </p:spPr>
         <p:style>
-          <a:lnRef idx="0"/>
-          <a:fillRef idx="0"/>
-          <a:effectRef idx="0"/>
+          <a:lnRef idx="0">
+            <a:scrgbClr r="0" g="0" b="0"/>
+          </a:lnRef>
+          <a:fillRef idx="0">
+            <a:scrgbClr r="0" g="0" b="0"/>
+          </a:fillRef>
+          <a:effectRef idx="0">
+            <a:scrgbClr r="0" g="0" b="0"/>
+          </a:effectRef>
           <a:fontRef idx="minor"/>
         </p:style>
         <p:txBody>
-          <a:bodyPr lIns="90000" rIns="90000" tIns="45000" bIns="45000"/>
+          <a:bodyPr lIns="90000" tIns="45000" rIns="90000" bIns="45000"/>
+          <a:lstStyle/>
           <a:p>
             <a:pPr algn="ctr">
               <a:lnSpc>
@@ -7492,16 +9832,16 @@
               </a:lnSpc>
             </a:pPr>
             <a:r>
-              <a:rPr b="1" lang="pt-BR" sz="1800" spc="-1" strike="noStrike" u="sng">
-                <a:solidFill>
-                  <a:srgbClr val="ff0000"/>
+              <a:rPr lang="pt-BR" sz="1800" b="1" u="sng" strike="noStrike" spc="-1">
+                <a:solidFill>
+                  <a:srgbClr val="FF0000"/>
                 </a:solidFill>
                 <a:uFillTx/>
                 <a:latin typeface="Gill Sans MT"/>
               </a:rPr>
               <a:t>Selecione um Animal</a:t>
             </a:r>
-            <a:endParaRPr b="0" lang="pt-BR" sz="1800" spc="-1" strike="noStrike">
+            <a:endParaRPr lang="pt-BR" sz="1800" b="0" strike="noStrike" spc="-1">
               <a:latin typeface="Arial"/>
             </a:endParaRPr>
           </a:p>
@@ -7527,13 +9867,20 @@
           </a:ln>
         </p:spPr>
         <p:style>
-          <a:lnRef idx="0"/>
-          <a:fillRef idx="0"/>
-          <a:effectRef idx="0"/>
+          <a:lnRef idx="0">
+            <a:scrgbClr r="0" g="0" b="0"/>
+          </a:lnRef>
+          <a:fillRef idx="0">
+            <a:scrgbClr r="0" g="0" b="0"/>
+          </a:fillRef>
+          <a:effectRef idx="0">
+            <a:scrgbClr r="0" g="0" b="0"/>
+          </a:effectRef>
           <a:fontRef idx="minor"/>
         </p:style>
         <p:txBody>
-          <a:bodyPr lIns="90000" rIns="90000" tIns="45000" bIns="45000"/>
+          <a:bodyPr lIns="90000" tIns="45000" rIns="90000" bIns="45000"/>
+          <a:lstStyle/>
           <a:p>
             <a:pPr algn="ctr">
               <a:lnSpc>
@@ -7541,16 +9888,16 @@
               </a:lnSpc>
             </a:pPr>
             <a:r>
-              <a:rPr b="1" lang="pt-BR" sz="1800" spc="-1" strike="noStrike" u="sng">
-                <a:solidFill>
-                  <a:srgbClr val="ff0000"/>
+              <a:rPr lang="pt-BR" sz="1800" b="1" u="sng" strike="noStrike" spc="-1">
+                <a:solidFill>
+                  <a:srgbClr val="FF0000"/>
                 </a:solidFill>
                 <a:uFillTx/>
                 <a:latin typeface="Gill Sans MT"/>
               </a:rPr>
               <a:t>Identificar a Interação Humana</a:t>
             </a:r>
-            <a:endParaRPr b="0" lang="pt-BR" sz="1800" spc="-1" strike="noStrike">
+            <a:endParaRPr lang="pt-BR" sz="1800" b="0" strike="noStrike" spc="-1">
               <a:latin typeface="Arial"/>
             </a:endParaRPr>
           </a:p>
@@ -7576,13 +9923,20 @@
           </a:ln>
         </p:spPr>
         <p:style>
-          <a:lnRef idx="0"/>
-          <a:fillRef idx="0"/>
-          <a:effectRef idx="0"/>
+          <a:lnRef idx="0">
+            <a:scrgbClr r="0" g="0" b="0"/>
+          </a:lnRef>
+          <a:fillRef idx="0">
+            <a:scrgbClr r="0" g="0" b="0"/>
+          </a:fillRef>
+          <a:effectRef idx="0">
+            <a:scrgbClr r="0" g="0" b="0"/>
+          </a:effectRef>
           <a:fontRef idx="minor"/>
         </p:style>
         <p:txBody>
-          <a:bodyPr lIns="90000" rIns="90000" tIns="45000" bIns="45000"/>
+          <a:bodyPr lIns="90000" tIns="45000" rIns="90000" bIns="45000"/>
+          <a:lstStyle/>
           <a:p>
             <a:pPr algn="ctr">
               <a:lnSpc>
@@ -7590,16 +9944,16 @@
               </a:lnSpc>
             </a:pPr>
             <a:r>
-              <a:rPr b="1" lang="pt-BR" sz="1800" spc="-1" strike="noStrike" u="sng">
-                <a:solidFill>
-                  <a:srgbClr val="ff0000"/>
+              <a:rPr lang="pt-BR" sz="1800" b="1" u="sng" strike="noStrike" spc="-1">
+                <a:solidFill>
+                  <a:srgbClr val="FF0000"/>
                 </a:solidFill>
                 <a:uFillTx/>
                 <a:latin typeface="Gill Sans MT"/>
               </a:rPr>
               <a:t>Problema Selecionado</a:t>
             </a:r>
-            <a:endParaRPr b="0" lang="pt-BR" sz="1800" spc="-1" strike="noStrike">
+            <a:endParaRPr lang="pt-BR" sz="1800" b="0" strike="noStrike" spc="-1">
               <a:latin typeface="Arial"/>
             </a:endParaRPr>
           </a:p>
@@ -7625,13 +9979,20 @@
           </a:ln>
         </p:spPr>
         <p:style>
-          <a:lnRef idx="0"/>
-          <a:fillRef idx="0"/>
-          <a:effectRef idx="0"/>
+          <a:lnRef idx="0">
+            <a:scrgbClr r="0" g="0" b="0"/>
+          </a:lnRef>
+          <a:fillRef idx="0">
+            <a:scrgbClr r="0" g="0" b="0"/>
+          </a:fillRef>
+          <a:effectRef idx="0">
+            <a:scrgbClr r="0" g="0" b="0"/>
+          </a:effectRef>
           <a:fontRef idx="minor"/>
         </p:style>
         <p:txBody>
-          <a:bodyPr lIns="90000" rIns="90000" tIns="45000" bIns="45000"/>
+          <a:bodyPr lIns="90000" tIns="45000" rIns="90000" bIns="45000"/>
+          <a:lstStyle/>
           <a:p>
             <a:pPr>
               <a:lnSpc>
@@ -7639,7 +10000,7 @@
               </a:lnSpc>
             </a:pPr>
             <a:r>
-              <a:rPr b="0" lang="pt-BR" sz="1400" spc="-1" strike="noStrike">
+              <a:rPr lang="pt-BR" sz="1400" b="0" strike="noStrike" spc="-1">
                 <a:solidFill>
                   <a:srgbClr val="000000"/>
                 </a:solidFill>
@@ -7647,7 +10008,7 @@
               </a:rPr>
               <a:t>Sample based on team that participated in FIRST LEGO League Animal Allies</a:t>
             </a:r>
-            <a:endParaRPr b="0" lang="pt-BR" sz="1400" spc="-1" strike="noStrike">
+            <a:endParaRPr lang="pt-BR" sz="1400" b="0" strike="noStrike" spc="-1">
               <a:latin typeface="Arial"/>
             </a:endParaRPr>
           </a:p>
@@ -7687,7 +10048,7 @@
               <a:noFill/>
             </a:ln>
             <a:effectLst>
-              <a:outerShdw blurRad="38100" dir="5400000" dist="25400" rotWithShape="0">
+              <a:outerShdw blurRad="38100" dist="25400" dir="5400000" rotWithShape="0">
                 <a:srgbClr val="000000">
                   <a:alpha val="55000"/>
                 </a:srgbClr>
@@ -7742,13 +10103,20 @@
             </a:ln>
           </p:spPr>
           <p:style>
-            <a:lnRef idx="0"/>
-            <a:fillRef idx="0"/>
-            <a:effectRef idx="0"/>
+            <a:lnRef idx="0">
+              <a:scrgbClr r="0" g="0" b="0"/>
+            </a:lnRef>
+            <a:fillRef idx="0">
+              <a:scrgbClr r="0" g="0" b="0"/>
+            </a:fillRef>
+            <a:effectRef idx="0">
+              <a:scrgbClr r="0" g="0" b="0"/>
+            </a:effectRef>
             <a:fontRef idx="minor"/>
           </p:style>
           <p:txBody>
             <a:bodyPr tIns="91440" bIns="91440" anchor="ctr"/>
+            <a:lstStyle/>
             <a:p>
               <a:pPr algn="ctr">
                 <a:lnSpc>
@@ -7759,15 +10127,15 @@
                 </a:spcAft>
               </a:pPr>
               <a:r>
-                <a:rPr b="0" lang="pt-BR" sz="1800" spc="-1" strike="noStrike">
+                <a:rPr lang="pt-BR" sz="1800" b="0" strike="noStrike" spc="-1">
                   <a:solidFill>
-                    <a:srgbClr val="ffffff"/>
+                    <a:srgbClr val="FFFFFF"/>
                   </a:solidFill>
                   <a:latin typeface="Gill Sans MT"/>
                 </a:rPr>
                 <a:t>Golfinhos</a:t>
               </a:r>
-              <a:endParaRPr b="0" lang="pt-BR" sz="1800" spc="-1" strike="noStrike">
+              <a:endParaRPr lang="pt-BR" sz="1800" b="0" strike="noStrike" spc="-1">
                 <a:latin typeface="Arial"/>
               </a:endParaRPr>
             </a:p>
@@ -7808,7 +10176,7 @@
               <a:noFill/>
             </a:ln>
             <a:effectLst>
-              <a:outerShdw blurRad="38100" dir="5400000" dist="25400" rotWithShape="0">
+              <a:outerShdw blurRad="38100" dist="25400" dir="5400000" rotWithShape="0">
                 <a:srgbClr val="000000">
                   <a:alpha val="55000"/>
                 </a:srgbClr>
@@ -7863,13 +10231,20 @@
             </a:ln>
           </p:spPr>
           <p:style>
-            <a:lnRef idx="0"/>
-            <a:fillRef idx="0"/>
-            <a:effectRef idx="0"/>
+            <a:lnRef idx="0">
+              <a:scrgbClr r="0" g="0" b="0"/>
+            </a:lnRef>
+            <a:fillRef idx="0">
+              <a:scrgbClr r="0" g="0" b="0"/>
+            </a:fillRef>
+            <a:effectRef idx="0">
+              <a:scrgbClr r="0" g="0" b="0"/>
+            </a:effectRef>
             <a:fontRef idx="minor"/>
           </p:style>
           <p:txBody>
             <a:bodyPr tIns="91440" bIns="91440" anchor="ctr"/>
+            <a:lstStyle/>
             <a:p>
               <a:pPr algn="ctr">
                 <a:lnSpc>
@@ -7880,15 +10255,15 @@
                 </a:spcAft>
               </a:pPr>
               <a:r>
-                <a:rPr b="0" lang="pt-BR" sz="1800" spc="-1" strike="noStrike">
+                <a:rPr lang="pt-BR" sz="1800" b="0" strike="noStrike" spc="-1">
                   <a:solidFill>
-                    <a:srgbClr val="ffffff"/>
+                    <a:srgbClr val="FFFFFF"/>
                   </a:solidFill>
                   <a:latin typeface="Gill Sans MT"/>
                 </a:rPr>
                 <a:t>K-9</a:t>
               </a:r>
-              <a:endParaRPr b="0" lang="pt-BR" sz="1800" spc="-1" strike="noStrike">
+              <a:endParaRPr lang="pt-BR" sz="1800" b="0" strike="noStrike" spc="-1">
                 <a:latin typeface="Arial"/>
               </a:endParaRPr>
             </a:p>
@@ -7929,7 +10304,7 @@
               <a:noFill/>
             </a:ln>
             <a:effectLst>
-              <a:outerShdw blurRad="38100" dir="5400000" dist="25400" rotWithShape="0">
+              <a:outerShdw blurRad="38100" dist="25400" dir="5400000" rotWithShape="0">
                 <a:srgbClr val="000000">
                   <a:alpha val="55000"/>
                 </a:srgbClr>
@@ -7984,13 +10359,20 @@
             </a:ln>
           </p:spPr>
           <p:style>
-            <a:lnRef idx="0"/>
-            <a:fillRef idx="0"/>
-            <a:effectRef idx="0"/>
+            <a:lnRef idx="0">
+              <a:scrgbClr r="0" g="0" b="0"/>
+            </a:lnRef>
+            <a:fillRef idx="0">
+              <a:scrgbClr r="0" g="0" b="0"/>
+            </a:fillRef>
+            <a:effectRef idx="0">
+              <a:scrgbClr r="0" g="0" b="0"/>
+            </a:effectRef>
             <a:fontRef idx="minor"/>
           </p:style>
           <p:txBody>
             <a:bodyPr tIns="91440" bIns="91440" anchor="ctr"/>
+            <a:lstStyle/>
             <a:p>
               <a:pPr algn="ctr">
                 <a:lnSpc>
@@ -8001,15 +10383,15 @@
                 </a:spcAft>
               </a:pPr>
               <a:r>
-                <a:rPr b="0" lang="pt-BR" sz="1800" spc="-1" strike="noStrike">
+                <a:rPr lang="pt-BR" sz="1800" b="0" strike="noStrike" spc="-1">
                   <a:solidFill>
-                    <a:srgbClr val="ffffff"/>
+                    <a:srgbClr val="FFFFFF"/>
                   </a:solidFill>
                   <a:latin typeface="Gill Sans MT"/>
                 </a:rPr>
                 <a:t>Morcegos</a:t>
               </a:r>
-              <a:endParaRPr b="0" lang="pt-BR" sz="1800" spc="-1" strike="noStrike">
+              <a:endParaRPr lang="pt-BR" sz="1800" b="0" strike="noStrike" spc="-1">
                 <a:latin typeface="Arial"/>
               </a:endParaRPr>
             </a:p>
@@ -8051,7 +10433,7 @@
               <a:noFill/>
             </a:ln>
             <a:effectLst>
-              <a:outerShdw blurRad="38100" dir="5400000" dist="25400" rotWithShape="0">
+              <a:outerShdw blurRad="38100" dist="25400" dir="5400000" rotWithShape="0">
                 <a:srgbClr val="000000">
                   <a:alpha val="55000"/>
                 </a:srgbClr>
@@ -8109,9 +10491,15 @@
             </a:ln>
           </p:spPr>
           <p:style>
-            <a:lnRef idx="0"/>
-            <a:fillRef idx="0"/>
-            <a:effectRef idx="0"/>
+            <a:lnRef idx="0">
+              <a:scrgbClr r="0" g="0" b="0"/>
+            </a:lnRef>
+            <a:fillRef idx="0">
+              <a:scrgbClr r="0" g="0" b="0"/>
+            </a:fillRef>
+            <a:effectRef idx="0">
+              <a:scrgbClr r="0" g="0" b="0"/>
+            </a:effectRef>
             <a:fontRef idx="minor"/>
           </p:style>
         </p:sp>
@@ -8136,7 +10524,8 @@
           </a:ln>
         </p:spPr>
         <p:txBody>
-          <a:bodyPr lIns="90000" rIns="90000" tIns="45000" bIns="45000"/>
+          <a:bodyPr lIns="90000" tIns="45000" rIns="90000" bIns="45000"/>
+          <a:lstStyle/>
           <a:p>
             <a:pPr>
               <a:lnSpc>
@@ -8144,15 +10533,15 @@
               </a:lnSpc>
             </a:pPr>
             <a:r>
-              <a:rPr b="0" lang="pt-BR" sz="1800" spc="-1" strike="noStrike">
-                <a:solidFill>
-                  <a:srgbClr val="537ed0"/>
+              <a:rPr lang="pt-BR" sz="1800" b="0" strike="noStrike" spc="-1">
+                <a:solidFill>
+                  <a:srgbClr val="537ED0"/>
                 </a:solidFill>
                 <a:latin typeface="Gill Sans MT"/>
               </a:rPr>
               <a:t>© 2018, FLL Tutorials (Última edição 30/08/2018)</a:t>
             </a:r>
-            <a:endParaRPr b="0" lang="pt-BR" sz="1800" spc="-1" strike="noStrike">
+            <a:endParaRPr lang="pt-BR" sz="1800" b="0" strike="noStrike" spc="-1">
               <a:latin typeface="Times New Roman"/>
             </a:endParaRPr>
           </a:p>
@@ -8160,22 +10549,25 @@
       </p:sp>
     </p:spTree>
   </p:cSld>
+  <p:clrMapOvr>
+    <a:masterClrMapping/>
+  </p:clrMapOvr>
   <p:timing>
     <p:tnLst>
       <p:par>
-        <p:cTn id="13" dur="indefinite" restart="never" nodeType="tmRoot">
+        <p:cTn id="1" dur="indefinite" restart="never" nodeType="tmRoot">
           <p:childTnLst>
             <p:seq>
-              <p:cTn id="14" dur="indefinite" nodeType="mainSeq"/>
+              <p:cTn id="2" dur="indefinite" nodeType="mainSeq"/>
               <p:prevCondLst>
-                <p:cond delay="0" evt="onPrev">
+                <p:cond evt="onPrev" delay="0">
                   <p:tgtEl>
                     <p:sldTgt/>
                   </p:tgtEl>
                 </p:cond>
               </p:prevCondLst>
               <p:nextCondLst>
-                <p:cond delay="0" evt="onNext">
+                <p:cond evt="onNext" delay="0">
                   <p:tgtEl>
                     <p:sldTgt/>
                   </p:tgtEl>
@@ -8191,7 +10583,7 @@
 </file>
 
 <file path=ppt/slides/slide8.xml><?xml version="1.0" encoding="utf-8"?>
-<p:sld xmlns:a="http://schemas.openxmlformats.org/drawingml/2006/main" xmlns:p="http://schemas.openxmlformats.org/presentationml/2006/main" xmlns:r="http://schemas.openxmlformats.org/officeDocument/2006/relationships" xmlns:p14="http://schemas.microsoft.com/office/powerpoint/2010/main" xmlns:p15="http://schemas.microsoft.com/office/powerpoint/2012/main" xmlns:mc="http://schemas.openxmlformats.org/markup-compatibility/2006">
+<p:sld xmlns:a="http://schemas.openxmlformats.org/drawingml/2006/main" xmlns:r="http://schemas.openxmlformats.org/officeDocument/2006/relationships" xmlns:p="http://schemas.openxmlformats.org/presentationml/2006/main">
   <p:cSld>
     <p:spTree>
       <p:nvGrpSpPr>
@@ -8228,6 +10620,7 @@
         </p:spPr>
         <p:txBody>
           <a:bodyPr anchor="b"/>
+          <a:lstStyle/>
           <a:p>
             <a:pPr>
               <a:lnSpc>
@@ -8235,15 +10628,15 @@
               </a:lnSpc>
             </a:pPr>
             <a:r>
-              <a:rPr b="0" lang="en-US" sz="2800" spc="-1" strike="noStrike" cap="all">
-                <a:solidFill>
-                  <a:srgbClr val="ffffff"/>
+              <a:rPr lang="en-US" sz="2800" b="0" strike="noStrike" cap="all" spc="-1">
+                <a:solidFill>
+                  <a:srgbClr val="FFFFFF"/>
                 </a:solidFill>
                 <a:latin typeface="Gill Sans MT"/>
               </a:rPr>
               <a:t>Tópicos na Animal Allies</a:t>
             </a:r>
-            <a:endParaRPr b="0" lang="en-US" sz="2800" spc="-1" strike="noStrike">
+            <a:endParaRPr lang="en-US" sz="2800" b="0" strike="noStrike" spc="-1">
               <a:solidFill>
                 <a:srgbClr val="000000"/>
               </a:solidFill>
@@ -8273,10 +10666,11 @@
         </p:spPr>
         <p:txBody>
           <a:bodyPr>
-            <a:normAutofit/>
+            <a:noAutofit/>
           </a:bodyPr>
-          <a:p>
-            <a:pPr lvl="1" marL="630000" indent="-305640">
+          <a:lstStyle/>
+          <a:p>
+            <a:pPr marL="630000" lvl="1" indent="-305640">
               <a:lnSpc>
                 <a:spcPct val="100000"/>
               </a:lnSpc>
@@ -8287,30 +10681,60 @@
                 <a:spcPts val="601"/>
               </a:spcAft>
               <a:buClr>
-                <a:srgbClr val="4590b8"/>
+                <a:srgbClr val="4590B8"/>
               </a:buClr>
               <a:buSzPct val="92000"/>
               <a:buFont typeface="Wingdings 2" charset="2"/>
               <a:buChar char=""/>
             </a:pPr>
             <a:r>
-              <a:rPr b="0" lang="en-US" sz="3200" spc="-1" strike="noStrike">
-                <a:solidFill>
-                  <a:srgbClr val="3d3d3d"/>
-                </a:solidFill>
-                <a:latin typeface="Gill Sans MT"/>
-              </a:rPr>
-              <a:t>Chimney Swifts perdendo suas casas</a:t>
-            </a:r>
-            <a:endParaRPr b="0" lang="en-US" sz="3200" spc="-1" strike="noStrike">
-              <a:solidFill>
-                <a:srgbClr val="3d3d3d"/>
-              </a:solidFill>
-              <a:latin typeface="Gill Sans MT"/>
-            </a:endParaRPr>
-          </a:p>
-          <a:p>
-            <a:pPr lvl="1" marL="630000" indent="-305640">
+              <a:rPr lang="en-US" sz="1200" b="0" strike="noStrike" spc="-1" dirty="0">
+                <a:solidFill>
+                  <a:srgbClr val="3D3D3D"/>
+                </a:solidFill>
+                <a:latin typeface="Gill Sans MT"/>
+              </a:rPr>
+              <a:t>Chimney Swifts </a:t>
+            </a:r>
+            <a:r>
+              <a:rPr lang="en-US" sz="1200" b="0" strike="noStrike" spc="-1" dirty="0" err="1">
+                <a:solidFill>
+                  <a:srgbClr val="3D3D3D"/>
+                </a:solidFill>
+                <a:latin typeface="Gill Sans MT"/>
+              </a:rPr>
+              <a:t>perdendo</a:t>
+            </a:r>
+            <a:r>
+              <a:rPr lang="en-US" sz="1200" b="0" strike="noStrike" spc="-1" dirty="0">
+                <a:solidFill>
+                  <a:srgbClr val="3D3D3D"/>
+                </a:solidFill>
+                <a:latin typeface="Gill Sans MT"/>
+              </a:rPr>
+              <a:t> </a:t>
+            </a:r>
+            <a:r>
+              <a:rPr lang="en-US" sz="1200" b="0" strike="noStrike" spc="-1" dirty="0" err="1">
+                <a:solidFill>
+                  <a:srgbClr val="3D3D3D"/>
+                </a:solidFill>
+                <a:latin typeface="Gill Sans MT"/>
+              </a:rPr>
+              <a:t>suas</a:t>
+            </a:r>
+            <a:r>
+              <a:rPr lang="en-US" sz="1200" b="0" strike="noStrike" spc="-1" dirty="0">
+                <a:solidFill>
+                  <a:srgbClr val="3D3D3D"/>
+                </a:solidFill>
+                <a:latin typeface="Gill Sans MT"/>
+              </a:rPr>
+              <a:t> casas</a:t>
+            </a:r>
+          </a:p>
+          <a:p>
+            <a:pPr marL="630000" lvl="1" indent="-305640">
               <a:lnSpc>
                 <a:spcPct val="100000"/>
               </a:lnSpc>
@@ -8321,30 +10745,66 @@
                 <a:spcPts val="601"/>
               </a:spcAft>
               <a:buClr>
-                <a:srgbClr val="4590b8"/>
+                <a:srgbClr val="4590B8"/>
               </a:buClr>
               <a:buSzPct val="92000"/>
               <a:buFont typeface="Wingdings 2" charset="2"/>
               <a:buChar char=""/>
             </a:pPr>
             <a:r>
-              <a:rPr b="0" lang="en-US" sz="3200" spc="-1" strike="noStrike">
-                <a:solidFill>
-                  <a:srgbClr val="3d3d3d"/>
-                </a:solidFill>
-                <a:latin typeface="Gill Sans MT"/>
-              </a:rPr>
-              <a:t>Treinando cachorros de terapia</a:t>
-            </a:r>
-            <a:endParaRPr b="0" lang="en-US" sz="3200" spc="-1" strike="noStrike">
+              <a:rPr lang="en-US" sz="1200" b="0" strike="noStrike" spc="-1" dirty="0" err="1">
+                <a:solidFill>
+                  <a:srgbClr val="3D3D3D"/>
+                </a:solidFill>
+                <a:latin typeface="Gill Sans MT"/>
+              </a:rPr>
+              <a:t>Treinando</a:t>
+            </a:r>
+            <a:r>
+              <a:rPr lang="en-US" sz="1200" b="0" strike="noStrike" spc="-1" dirty="0">
+                <a:solidFill>
+                  <a:srgbClr val="3D3D3D"/>
+                </a:solidFill>
+                <a:latin typeface="Gill Sans MT"/>
+              </a:rPr>
+              <a:t> </a:t>
+            </a:r>
+            <a:r>
+              <a:rPr lang="en-US" sz="1200" b="0" strike="noStrike" spc="-1" dirty="0" err="1">
+                <a:solidFill>
+                  <a:srgbClr val="3D3D3D"/>
+                </a:solidFill>
+                <a:latin typeface="Gill Sans MT"/>
+              </a:rPr>
+              <a:t>cachorros</a:t>
+            </a:r>
+            <a:r>
+              <a:rPr lang="en-US" sz="1200" b="0" strike="noStrike" spc="-1" dirty="0">
+                <a:solidFill>
+                  <a:srgbClr val="3D3D3D"/>
+                </a:solidFill>
+                <a:latin typeface="Gill Sans MT"/>
+              </a:rPr>
+              <a:t> de </a:t>
+            </a:r>
+            <a:r>
+              <a:rPr lang="en-US" sz="1200" b="0" strike="noStrike" spc="-1" dirty="0" err="1">
+                <a:solidFill>
+                  <a:srgbClr val="3D3D3D"/>
+                </a:solidFill>
+                <a:latin typeface="Gill Sans MT"/>
+              </a:rPr>
+              <a:t>terapia</a:t>
+            </a:r>
+            <a:endParaRPr lang="en-US" sz="1200" b="0" strike="noStrike" spc="-1" dirty="0">
               <a:solidFill>
-                <a:srgbClr val="3d3d3d"/>
+                <a:srgbClr val="3D3D3D"/>
               </a:solidFill>
               <a:latin typeface="Gill Sans MT"/>
             </a:endParaRPr>
           </a:p>
           <a:p>
-            <a:pPr lvl="1" marL="630000" indent="-305640">
+            <a:pPr marL="630000" lvl="1" indent="-305640">
               <a:lnSpc>
                 <a:spcPct val="100000"/>
               </a:lnSpc>
@@ -8355,30 +10815,66 @@
                 <a:spcPts val="601"/>
               </a:spcAft>
               <a:buClr>
-                <a:srgbClr val="4590b8"/>
+                <a:srgbClr val="4590B8"/>
               </a:buClr>
               <a:buSzPct val="92000"/>
               <a:buFont typeface="Wingdings 2" charset="2"/>
               <a:buChar char=""/>
             </a:pPr>
             <a:r>
-              <a:rPr b="0" lang="en-US" sz="3200" spc="-1" strike="noStrike">
-                <a:solidFill>
-                  <a:srgbClr val="3d3d3d"/>
-                </a:solidFill>
-                <a:latin typeface="Gill Sans MT"/>
-              </a:rPr>
-              <a:t>Cachorros K-9 ajudando a polícia</a:t>
-            </a:r>
-            <a:endParaRPr b="0" lang="en-US" sz="3200" spc="-1" strike="noStrike">
+              <a:rPr lang="en-US" sz="1200" b="0" strike="noStrike" spc="-1" dirty="0" err="1">
+                <a:solidFill>
+                  <a:srgbClr val="3D3D3D"/>
+                </a:solidFill>
+                <a:latin typeface="Gill Sans MT"/>
+              </a:rPr>
+              <a:t>Cachorros</a:t>
+            </a:r>
+            <a:r>
+              <a:rPr lang="en-US" sz="1200" b="0" strike="noStrike" spc="-1" dirty="0">
+                <a:solidFill>
+                  <a:srgbClr val="3D3D3D"/>
+                </a:solidFill>
+                <a:latin typeface="Gill Sans MT"/>
+              </a:rPr>
+              <a:t> K-9 </a:t>
+            </a:r>
+            <a:r>
+              <a:rPr lang="en-US" sz="1200" b="0" strike="noStrike" spc="-1" dirty="0" err="1">
+                <a:solidFill>
+                  <a:srgbClr val="3D3D3D"/>
+                </a:solidFill>
+                <a:latin typeface="Gill Sans MT"/>
+              </a:rPr>
+              <a:t>ajudando</a:t>
+            </a:r>
+            <a:r>
+              <a:rPr lang="en-US" sz="1200" b="0" strike="noStrike" spc="-1" dirty="0">
+                <a:solidFill>
+                  <a:srgbClr val="3D3D3D"/>
+                </a:solidFill>
+                <a:latin typeface="Gill Sans MT"/>
+              </a:rPr>
+              <a:t> a </a:t>
+            </a:r>
+            <a:r>
+              <a:rPr lang="en-US" sz="1200" b="0" strike="noStrike" spc="-1" dirty="0" err="1">
+                <a:solidFill>
+                  <a:srgbClr val="3D3D3D"/>
+                </a:solidFill>
+                <a:latin typeface="Gill Sans MT"/>
+              </a:rPr>
+              <a:t>polícia</a:t>
+            </a:r>
+            <a:endParaRPr lang="en-US" sz="1200" b="0" strike="noStrike" spc="-1" dirty="0">
               <a:solidFill>
-                <a:srgbClr val="3d3d3d"/>
+                <a:srgbClr val="3D3D3D"/>
               </a:solidFill>
               <a:latin typeface="Gill Sans MT"/>
             </a:endParaRPr>
           </a:p>
           <a:p>
-            <a:pPr lvl="1" marL="630000" indent="-305640">
+            <a:pPr marL="630000" lvl="1" indent="-305640">
               <a:lnSpc>
                 <a:spcPct val="100000"/>
               </a:lnSpc>
@@ -8389,30 +10885,102 @@
                 <a:spcPts val="601"/>
               </a:spcAft>
               <a:buClr>
-                <a:srgbClr val="4590b8"/>
+                <a:srgbClr val="4590B8"/>
               </a:buClr>
               <a:buSzPct val="92000"/>
               <a:buFont typeface="Wingdings 2" charset="2"/>
               <a:buChar char=""/>
             </a:pPr>
             <a:r>
-              <a:rPr b="0" lang="en-US" sz="3200" spc="-1" strike="noStrike">
-                <a:solidFill>
-                  <a:srgbClr val="3d3d3d"/>
-                </a:solidFill>
-                <a:latin typeface="Gill Sans MT"/>
-              </a:rPr>
-              <a:t>Monitorar colméias de abelhas para mantê-las saudáveis</a:t>
-            </a:r>
-            <a:endParaRPr b="0" lang="en-US" sz="3200" spc="-1" strike="noStrike">
+              <a:rPr lang="en-US" sz="1200" b="0" strike="noStrike" spc="-1" dirty="0" err="1">
+                <a:solidFill>
+                  <a:srgbClr val="3D3D3D"/>
+                </a:solidFill>
+                <a:latin typeface="Gill Sans MT"/>
+              </a:rPr>
+              <a:t>Monitorar</a:t>
+            </a:r>
+            <a:r>
+              <a:rPr lang="en-US" sz="1200" b="0" strike="noStrike" spc="-1" dirty="0">
+                <a:solidFill>
+                  <a:srgbClr val="3D3D3D"/>
+                </a:solidFill>
+                <a:latin typeface="Gill Sans MT"/>
+              </a:rPr>
+              <a:t> </a:t>
+            </a:r>
+            <a:r>
+              <a:rPr lang="en-US" sz="1200" b="0" strike="noStrike" spc="-1" dirty="0" err="1">
+                <a:solidFill>
+                  <a:srgbClr val="3D3D3D"/>
+                </a:solidFill>
+                <a:latin typeface="Gill Sans MT"/>
+              </a:rPr>
+              <a:t>colméias</a:t>
+            </a:r>
+            <a:r>
+              <a:rPr lang="en-US" sz="1200" b="0" strike="noStrike" spc="-1" dirty="0">
+                <a:solidFill>
+                  <a:srgbClr val="3D3D3D"/>
+                </a:solidFill>
+                <a:latin typeface="Gill Sans MT"/>
+              </a:rPr>
+              <a:t> de </a:t>
+            </a:r>
+            <a:r>
+              <a:rPr lang="en-US" sz="1200" b="0" strike="noStrike" spc="-1" dirty="0" err="1">
+                <a:solidFill>
+                  <a:srgbClr val="3D3D3D"/>
+                </a:solidFill>
+                <a:latin typeface="Gill Sans MT"/>
+              </a:rPr>
+              <a:t>abelhas</a:t>
+            </a:r>
+            <a:r>
+              <a:rPr lang="en-US" sz="1200" b="0" strike="noStrike" spc="-1" dirty="0">
+                <a:solidFill>
+                  <a:srgbClr val="3D3D3D"/>
+                </a:solidFill>
+                <a:latin typeface="Gill Sans MT"/>
+              </a:rPr>
+              <a:t> para </a:t>
+            </a:r>
+            <a:r>
+              <a:rPr lang="en-US" sz="1200" b="0" strike="noStrike" spc="-1" dirty="0" err="1">
+                <a:solidFill>
+                  <a:srgbClr val="3D3D3D"/>
+                </a:solidFill>
+                <a:latin typeface="Gill Sans MT"/>
+              </a:rPr>
+              <a:t>mantê</a:t>
+            </a:r>
+            <a:r>
+              <a:rPr lang="en-US" sz="1200" b="0" strike="noStrike" spc="-1" dirty="0">
+                <a:solidFill>
+                  <a:srgbClr val="3D3D3D"/>
+                </a:solidFill>
+                <a:latin typeface="Gill Sans MT"/>
+              </a:rPr>
+              <a:t>-las </a:t>
+            </a:r>
+            <a:r>
+              <a:rPr lang="en-US" sz="1200" b="0" strike="noStrike" spc="-1" dirty="0" err="1">
+                <a:solidFill>
+                  <a:srgbClr val="3D3D3D"/>
+                </a:solidFill>
+                <a:latin typeface="Gill Sans MT"/>
+              </a:rPr>
+              <a:t>saudáveis</a:t>
+            </a:r>
+            <a:endParaRPr lang="en-US" sz="1200" b="0" strike="noStrike" spc="-1" dirty="0">
               <a:solidFill>
-                <a:srgbClr val="3d3d3d"/>
+                <a:srgbClr val="3D3D3D"/>
               </a:solidFill>
               <a:latin typeface="Gill Sans MT"/>
             </a:endParaRPr>
           </a:p>
           <a:p>
-            <a:pPr lvl="1" marL="630000" indent="-305640">
+            <a:pPr marL="630000" lvl="1" indent="-305640">
               <a:lnSpc>
                 <a:spcPct val="100000"/>
               </a:lnSpc>
@@ -8423,30 +10991,102 @@
                 <a:spcPts val="601"/>
               </a:spcAft>
               <a:buClr>
-                <a:srgbClr val="4590b8"/>
+                <a:srgbClr val="4590B8"/>
               </a:buClr>
               <a:buSzPct val="92000"/>
               <a:buFont typeface="Wingdings 2" charset="2"/>
               <a:buChar char=""/>
             </a:pPr>
             <a:r>
-              <a:rPr b="0" lang="en-US" sz="3200" spc="-1" strike="noStrike">
-                <a:solidFill>
-                  <a:srgbClr val="3d3d3d"/>
-                </a:solidFill>
-                <a:latin typeface="Gill Sans MT"/>
-              </a:rPr>
-              <a:t>Ursos indo em latas de lixo</a:t>
-            </a:r>
-            <a:endParaRPr b="0" lang="en-US" sz="3200" spc="-1" strike="noStrike">
+              <a:rPr lang="en-US" sz="1200" b="0" strike="noStrike" spc="-1" dirty="0" err="1">
+                <a:solidFill>
+                  <a:srgbClr val="3D3D3D"/>
+                </a:solidFill>
+                <a:latin typeface="Gill Sans MT"/>
+              </a:rPr>
+              <a:t>Ursos</a:t>
+            </a:r>
+            <a:r>
+              <a:rPr lang="en-US" sz="1200" b="0" strike="noStrike" spc="-1" dirty="0">
+                <a:solidFill>
+                  <a:srgbClr val="3D3D3D"/>
+                </a:solidFill>
+                <a:latin typeface="Gill Sans MT"/>
+              </a:rPr>
+              <a:t> </a:t>
+            </a:r>
+            <a:r>
+              <a:rPr lang="en-US" sz="1200" b="0" strike="noStrike" spc="-1" dirty="0" err="1">
+                <a:solidFill>
+                  <a:srgbClr val="3D3D3D"/>
+                </a:solidFill>
+                <a:latin typeface="Gill Sans MT"/>
+              </a:rPr>
+              <a:t>indo</a:t>
+            </a:r>
+            <a:r>
+              <a:rPr lang="en-US" sz="1200" b="0" strike="noStrike" spc="-1" dirty="0">
+                <a:solidFill>
+                  <a:srgbClr val="3D3D3D"/>
+                </a:solidFill>
+                <a:latin typeface="Gill Sans MT"/>
+              </a:rPr>
+              <a:t> </a:t>
+            </a:r>
+            <a:r>
+              <a:rPr lang="en-US" sz="1200" b="0" strike="noStrike" spc="-1" dirty="0" err="1">
+                <a:solidFill>
+                  <a:srgbClr val="3D3D3D"/>
+                </a:solidFill>
+                <a:latin typeface="Gill Sans MT"/>
+              </a:rPr>
+              <a:t>em</a:t>
+            </a:r>
+            <a:r>
+              <a:rPr lang="en-US" sz="1200" b="0" strike="noStrike" spc="-1" dirty="0">
+                <a:solidFill>
+                  <a:srgbClr val="3D3D3D"/>
+                </a:solidFill>
+                <a:latin typeface="Gill Sans MT"/>
+              </a:rPr>
+              <a:t> </a:t>
+            </a:r>
+            <a:r>
+              <a:rPr lang="en-US" sz="1200" b="0" strike="noStrike" spc="-1" dirty="0" err="1">
+                <a:solidFill>
+                  <a:srgbClr val="3D3D3D"/>
+                </a:solidFill>
+                <a:latin typeface="Gill Sans MT"/>
+              </a:rPr>
+              <a:t>latas</a:t>
+            </a:r>
+            <a:r>
+              <a:rPr lang="en-US" sz="1200" b="0" strike="noStrike" spc="-1" dirty="0">
+                <a:solidFill>
+                  <a:srgbClr val="3D3D3D"/>
+                </a:solidFill>
+                <a:latin typeface="Gill Sans MT"/>
+              </a:rPr>
+              <a:t> de </a:t>
+            </a:r>
+            <a:r>
+              <a:rPr lang="en-US" sz="1200" b="0" strike="noStrike" spc="-1" dirty="0" err="1">
+                <a:solidFill>
+                  <a:srgbClr val="3D3D3D"/>
+                </a:solidFill>
+                <a:latin typeface="Gill Sans MT"/>
+              </a:rPr>
+              <a:t>lixo</a:t>
+            </a:r>
+            <a:endParaRPr lang="en-US" sz="1200" b="0" strike="noStrike" spc="-1" dirty="0">
               <a:solidFill>
-                <a:srgbClr val="3d3d3d"/>
+                <a:srgbClr val="3D3D3D"/>
               </a:solidFill>
               <a:latin typeface="Gill Sans MT"/>
             </a:endParaRPr>
           </a:p>
           <a:p>
-            <a:pPr lvl="1" marL="630000" indent="-305640">
+            <a:pPr marL="630000" lvl="1" indent="-305640">
               <a:lnSpc>
                 <a:spcPct val="100000"/>
               </a:lnSpc>
@@ -8457,30 +11097,66 @@
                 <a:spcPts val="601"/>
               </a:spcAft>
               <a:buClr>
-                <a:srgbClr val="4590b8"/>
+                <a:srgbClr val="4590B8"/>
               </a:buClr>
               <a:buSzPct val="92000"/>
               <a:buFont typeface="Wingdings 2" charset="2"/>
               <a:buChar char=""/>
             </a:pPr>
             <a:r>
-              <a:rPr b="0" lang="en-US" sz="3200" spc="-1" strike="noStrike">
-                <a:solidFill>
-                  <a:srgbClr val="3d3d3d"/>
-                </a:solidFill>
-                <a:latin typeface="Gill Sans MT"/>
-              </a:rPr>
-              <a:t>Achar cachorros perdidos</a:t>
-            </a:r>
-            <a:endParaRPr b="0" lang="en-US" sz="3200" spc="-1" strike="noStrike">
+              <a:rPr lang="en-US" sz="1200" b="0" strike="noStrike" spc="-1" dirty="0" err="1">
+                <a:solidFill>
+                  <a:srgbClr val="3D3D3D"/>
+                </a:solidFill>
+                <a:latin typeface="Gill Sans MT"/>
+              </a:rPr>
+              <a:t>Achar</a:t>
+            </a:r>
+            <a:r>
+              <a:rPr lang="en-US" sz="1200" b="0" strike="noStrike" spc="-1" dirty="0">
+                <a:solidFill>
+                  <a:srgbClr val="3D3D3D"/>
+                </a:solidFill>
+                <a:latin typeface="Gill Sans MT"/>
+              </a:rPr>
+              <a:t> </a:t>
+            </a:r>
+            <a:r>
+              <a:rPr lang="en-US" sz="1200" b="0" strike="noStrike" spc="-1" dirty="0" err="1">
+                <a:solidFill>
+                  <a:srgbClr val="3D3D3D"/>
+                </a:solidFill>
+                <a:latin typeface="Gill Sans MT"/>
+              </a:rPr>
+              <a:t>cachorros</a:t>
+            </a:r>
+            <a:r>
+              <a:rPr lang="en-US" sz="1200" b="0" strike="noStrike" spc="-1" dirty="0">
+                <a:solidFill>
+                  <a:srgbClr val="3D3D3D"/>
+                </a:solidFill>
+                <a:latin typeface="Gill Sans MT"/>
+              </a:rPr>
+              <a:t> </a:t>
+            </a:r>
+            <a:r>
+              <a:rPr lang="en-US" sz="1200" b="0" strike="noStrike" spc="-1" dirty="0" err="1">
+                <a:solidFill>
+                  <a:srgbClr val="3D3D3D"/>
+                </a:solidFill>
+                <a:latin typeface="Gill Sans MT"/>
+              </a:rPr>
+              <a:t>perdidos</a:t>
+            </a:r>
+            <a:endParaRPr lang="en-US" sz="1200" b="0" strike="noStrike" spc="-1" dirty="0">
               <a:solidFill>
-                <a:srgbClr val="3d3d3d"/>
+                <a:srgbClr val="3D3D3D"/>
               </a:solidFill>
               <a:latin typeface="Gill Sans MT"/>
             </a:endParaRPr>
           </a:p>
           <a:p>
-            <a:pPr lvl="1" marL="630000" indent="-305640">
+            <a:pPr marL="630000" lvl="1" indent="-305640">
               <a:lnSpc>
                 <a:spcPct val="100000"/>
               </a:lnSpc>
@@ -8491,30 +11167,66 @@
                 <a:spcPts val="601"/>
               </a:spcAft>
               <a:buClr>
-                <a:srgbClr val="4590b8"/>
+                <a:srgbClr val="4590B8"/>
               </a:buClr>
               <a:buSzPct val="92000"/>
               <a:buFont typeface="Wingdings 2" charset="2"/>
               <a:buChar char=""/>
             </a:pPr>
             <a:r>
-              <a:rPr b="0" lang="en-US" sz="3200" spc="-1" strike="noStrike">
-                <a:solidFill>
-                  <a:srgbClr val="3d3d3d"/>
-                </a:solidFill>
-                <a:latin typeface="Gill Sans MT"/>
-              </a:rPr>
-              <a:t>Prevenir lima de carrapatos de veados</a:t>
-            </a:r>
-            <a:endParaRPr b="0" lang="en-US" sz="3200" spc="-1" strike="noStrike">
+              <a:rPr lang="en-US" sz="1200" b="0" strike="noStrike" spc="-1" dirty="0" err="1">
+                <a:solidFill>
+                  <a:srgbClr val="3D3D3D"/>
+                </a:solidFill>
+                <a:latin typeface="Gill Sans MT"/>
+              </a:rPr>
+              <a:t>Prevenir</a:t>
+            </a:r>
+            <a:r>
+              <a:rPr lang="en-US" sz="1200" b="0" strike="noStrike" spc="-1" dirty="0">
+                <a:solidFill>
+                  <a:srgbClr val="3D3D3D"/>
+                </a:solidFill>
+                <a:latin typeface="Gill Sans MT"/>
+              </a:rPr>
+              <a:t> lima de </a:t>
+            </a:r>
+            <a:r>
+              <a:rPr lang="en-US" sz="1200" b="0" strike="noStrike" spc="-1" dirty="0" err="1">
+                <a:solidFill>
+                  <a:srgbClr val="3D3D3D"/>
+                </a:solidFill>
+                <a:latin typeface="Gill Sans MT"/>
+              </a:rPr>
+              <a:t>carrapatos</a:t>
+            </a:r>
+            <a:r>
+              <a:rPr lang="en-US" sz="1200" b="0" strike="noStrike" spc="-1" dirty="0">
+                <a:solidFill>
+                  <a:srgbClr val="3D3D3D"/>
+                </a:solidFill>
+                <a:latin typeface="Gill Sans MT"/>
+              </a:rPr>
+              <a:t> de </a:t>
+            </a:r>
+            <a:r>
+              <a:rPr lang="en-US" sz="1200" b="0" strike="noStrike" spc="-1" dirty="0" err="1">
+                <a:solidFill>
+                  <a:srgbClr val="3D3D3D"/>
+                </a:solidFill>
+                <a:latin typeface="Gill Sans MT"/>
+              </a:rPr>
+              <a:t>veados</a:t>
+            </a:r>
+            <a:endParaRPr lang="en-US" sz="1200" b="0" strike="noStrike" spc="-1" dirty="0">
               <a:solidFill>
-                <a:srgbClr val="3d3d3d"/>
+                <a:srgbClr val="3D3D3D"/>
               </a:solidFill>
               <a:latin typeface="Gill Sans MT"/>
             </a:endParaRPr>
           </a:p>
           <a:p>
-            <a:pPr lvl="1" marL="630000" indent="-305640">
+            <a:pPr marL="630000" lvl="1" indent="-305640">
               <a:lnSpc>
                 <a:spcPct val="100000"/>
               </a:lnSpc>
@@ -8525,30 +11237,138 @@
                 <a:spcPts val="601"/>
               </a:spcAft>
               <a:buClr>
-                <a:srgbClr val="4590b8"/>
+                <a:srgbClr val="4590B8"/>
               </a:buClr>
               <a:buSzPct val="92000"/>
               <a:buFont typeface="Wingdings 2" charset="2"/>
               <a:buChar char=""/>
             </a:pPr>
             <a:r>
-              <a:rPr b="0" lang="en-US" sz="3200" spc="-1" strike="noStrike">
-                <a:solidFill>
-                  <a:srgbClr val="3d3d3d"/>
-                </a:solidFill>
-                <a:latin typeface="Gill Sans MT"/>
-              </a:rPr>
-              <a:t>Ajudar tartarugas filhotes para achar seu caminho para o oceano</a:t>
-            </a:r>
-            <a:endParaRPr b="0" lang="en-US" sz="3200" spc="-1" strike="noStrike">
+              <a:rPr lang="en-US" sz="1200" b="0" strike="noStrike" spc="-1" dirty="0" err="1">
+                <a:solidFill>
+                  <a:srgbClr val="3D3D3D"/>
+                </a:solidFill>
+                <a:latin typeface="Gill Sans MT"/>
+              </a:rPr>
+              <a:t>Ajudar</a:t>
+            </a:r>
+            <a:r>
+              <a:rPr lang="en-US" sz="1200" b="0" strike="noStrike" spc="-1" dirty="0">
+                <a:solidFill>
+                  <a:srgbClr val="3D3D3D"/>
+                </a:solidFill>
+                <a:latin typeface="Gill Sans MT"/>
+              </a:rPr>
+              <a:t> </a:t>
+            </a:r>
+            <a:r>
+              <a:rPr lang="en-US" sz="1200" b="0" strike="noStrike" spc="-1" dirty="0" err="1">
+                <a:solidFill>
+                  <a:srgbClr val="3D3D3D"/>
+                </a:solidFill>
+                <a:latin typeface="Gill Sans MT"/>
+              </a:rPr>
+              <a:t>tartarugas</a:t>
+            </a:r>
+            <a:r>
+              <a:rPr lang="en-US" sz="1200" b="0" strike="noStrike" spc="-1" dirty="0">
+                <a:solidFill>
+                  <a:srgbClr val="3D3D3D"/>
+                </a:solidFill>
+                <a:latin typeface="Gill Sans MT"/>
+              </a:rPr>
+              <a:t> </a:t>
+            </a:r>
+            <a:r>
+              <a:rPr lang="en-US" sz="1200" b="0" strike="noStrike" spc="-1" dirty="0" err="1">
+                <a:solidFill>
+                  <a:srgbClr val="3D3D3D"/>
+                </a:solidFill>
+                <a:latin typeface="Gill Sans MT"/>
+              </a:rPr>
+              <a:t>filhotes</a:t>
+            </a:r>
+            <a:r>
+              <a:rPr lang="en-US" sz="1200" b="0" strike="noStrike" spc="-1" dirty="0">
+                <a:solidFill>
+                  <a:srgbClr val="3D3D3D"/>
+                </a:solidFill>
+                <a:latin typeface="Gill Sans MT"/>
+              </a:rPr>
+              <a:t> para </a:t>
+            </a:r>
+            <a:r>
+              <a:rPr lang="en-US" sz="1200" b="0" strike="noStrike" spc="-1" dirty="0" err="1">
+                <a:solidFill>
+                  <a:srgbClr val="3D3D3D"/>
+                </a:solidFill>
+                <a:latin typeface="Gill Sans MT"/>
+              </a:rPr>
+              <a:t>achar</a:t>
+            </a:r>
+            <a:r>
+              <a:rPr lang="en-US" sz="1200" b="0" strike="noStrike" spc="-1" dirty="0">
+                <a:solidFill>
+                  <a:srgbClr val="3D3D3D"/>
+                </a:solidFill>
+                <a:latin typeface="Gill Sans MT"/>
+              </a:rPr>
+              <a:t> </a:t>
+            </a:r>
+            <a:r>
+              <a:rPr lang="en-US" sz="1200" b="0" strike="noStrike" spc="-1" dirty="0" err="1">
+                <a:solidFill>
+                  <a:srgbClr val="3D3D3D"/>
+                </a:solidFill>
+                <a:latin typeface="Gill Sans MT"/>
+              </a:rPr>
+              <a:t>seu</a:t>
+            </a:r>
+            <a:r>
+              <a:rPr lang="en-US" sz="1200" b="0" strike="noStrike" spc="-1" dirty="0">
+                <a:solidFill>
+                  <a:srgbClr val="3D3D3D"/>
+                </a:solidFill>
+                <a:latin typeface="Gill Sans MT"/>
+              </a:rPr>
+              <a:t> </a:t>
+            </a:r>
+            <a:r>
+              <a:rPr lang="en-US" sz="1200" b="0" strike="noStrike" spc="-1" dirty="0" err="1">
+                <a:solidFill>
+                  <a:srgbClr val="3D3D3D"/>
+                </a:solidFill>
+                <a:latin typeface="Gill Sans MT"/>
+              </a:rPr>
+              <a:t>caminho</a:t>
+            </a:r>
+            <a:r>
+              <a:rPr lang="en-US" sz="1200" b="0" strike="noStrike" spc="-1" dirty="0">
+                <a:solidFill>
+                  <a:srgbClr val="3D3D3D"/>
+                </a:solidFill>
+                <a:latin typeface="Gill Sans MT"/>
+              </a:rPr>
+              <a:t> para o </a:t>
+            </a:r>
+            <a:r>
+              <a:rPr lang="en-US" sz="1200" b="0" strike="noStrike" spc="-1" dirty="0" err="1">
+                <a:solidFill>
+                  <a:srgbClr val="3D3D3D"/>
+                </a:solidFill>
+                <a:latin typeface="Gill Sans MT"/>
+              </a:rPr>
+              <a:t>oceano</a:t>
+            </a:r>
+            <a:endParaRPr lang="en-US" sz="1200" b="0" strike="noStrike" spc="-1" dirty="0">
               <a:solidFill>
-                <a:srgbClr val="3d3d3d"/>
+                <a:srgbClr val="3D3D3D"/>
               </a:solidFill>
               <a:latin typeface="Gill Sans MT"/>
             </a:endParaRPr>
           </a:p>
           <a:p>
-            <a:pPr lvl="1" marL="630000" indent="-305640">
+            <a:pPr marL="630000" lvl="1" indent="-305640">
               <a:lnSpc>
                 <a:spcPct val="100000"/>
               </a:lnSpc>
@@ -8559,30 +11379,48 @@
                 <a:spcPts val="601"/>
               </a:spcAft>
               <a:buClr>
-                <a:srgbClr val="4590b8"/>
+                <a:srgbClr val="4590B8"/>
               </a:buClr>
               <a:buSzPct val="92000"/>
               <a:buFont typeface="Wingdings 2" charset="2"/>
               <a:buChar char=""/>
             </a:pPr>
             <a:r>
-              <a:rPr b="0" lang="en-US" sz="3200" spc="-1" strike="noStrike">
-                <a:solidFill>
-                  <a:srgbClr val="3d3d3d"/>
-                </a:solidFill>
-                <a:latin typeface="Gill Sans MT"/>
-              </a:rPr>
-              <a:t>Marcação de vacas</a:t>
-            </a:r>
-            <a:endParaRPr b="0" lang="en-US" sz="3200" spc="-1" strike="noStrike">
+              <a:rPr lang="en-US" sz="1200" b="0" strike="noStrike" spc="-1" dirty="0" err="1">
+                <a:solidFill>
+                  <a:srgbClr val="3D3D3D"/>
+                </a:solidFill>
+                <a:latin typeface="Gill Sans MT"/>
+              </a:rPr>
+              <a:t>Marcação</a:t>
+            </a:r>
+            <a:r>
+              <a:rPr lang="en-US" sz="1200" b="0" strike="noStrike" spc="-1" dirty="0">
+                <a:solidFill>
+                  <a:srgbClr val="3D3D3D"/>
+                </a:solidFill>
+                <a:latin typeface="Gill Sans MT"/>
+              </a:rPr>
+              <a:t> de </a:t>
+            </a:r>
+            <a:r>
+              <a:rPr lang="en-US" sz="1200" b="0" strike="noStrike" spc="-1" dirty="0" err="1">
+                <a:solidFill>
+                  <a:srgbClr val="3D3D3D"/>
+                </a:solidFill>
+                <a:latin typeface="Gill Sans MT"/>
+              </a:rPr>
+              <a:t>vacas</a:t>
+            </a:r>
+            <a:endParaRPr lang="en-US" sz="1200" b="0" strike="noStrike" spc="-1" dirty="0">
               <a:solidFill>
-                <a:srgbClr val="3d3d3d"/>
+                <a:srgbClr val="3D3D3D"/>
               </a:solidFill>
               <a:latin typeface="Gill Sans MT"/>
             </a:endParaRPr>
           </a:p>
           <a:p>
-            <a:pPr lvl="1" marL="630000" indent="-305640">
+            <a:pPr marL="630000" lvl="1" indent="-305640">
               <a:lnSpc>
                 <a:spcPct val="100000"/>
               </a:lnSpc>
@@ -8593,30 +11431,84 @@
                 <a:spcPts val="601"/>
               </a:spcAft>
               <a:buClr>
-                <a:srgbClr val="4590b8"/>
+                <a:srgbClr val="4590B8"/>
               </a:buClr>
               <a:buSzPct val="92000"/>
               <a:buFont typeface="Wingdings 2" charset="2"/>
               <a:buChar char=""/>
             </a:pPr>
             <a:r>
-              <a:rPr b="0" lang="en-US" sz="3200" spc="-1" strike="noStrike">
-                <a:solidFill>
-                  <a:srgbClr val="3d3d3d"/>
-                </a:solidFill>
-                <a:latin typeface="Gill Sans MT"/>
-              </a:rPr>
-              <a:t>Animais bebendo água poluídas</a:t>
-            </a:r>
-            <a:endParaRPr b="0" lang="en-US" sz="3200" spc="-1" strike="noStrike">
+              <a:rPr lang="en-US" sz="1200" b="0" strike="noStrike" spc="-1" dirty="0" err="1">
+                <a:solidFill>
+                  <a:srgbClr val="3D3D3D"/>
+                </a:solidFill>
+                <a:latin typeface="Gill Sans MT"/>
+              </a:rPr>
+              <a:t>Animais</a:t>
+            </a:r>
+            <a:r>
+              <a:rPr lang="en-US" sz="1200" b="0" strike="noStrike" spc="-1" dirty="0">
+                <a:solidFill>
+                  <a:srgbClr val="3D3D3D"/>
+                </a:solidFill>
+                <a:latin typeface="Gill Sans MT"/>
+              </a:rPr>
+              <a:t> </a:t>
+            </a:r>
+            <a:r>
+              <a:rPr lang="en-US" sz="1200" b="0" strike="noStrike" spc="-1" dirty="0" err="1">
+                <a:solidFill>
+                  <a:srgbClr val="3D3D3D"/>
+                </a:solidFill>
+                <a:latin typeface="Gill Sans MT"/>
+              </a:rPr>
+              <a:t>bebendo</a:t>
+            </a:r>
+            <a:r>
+              <a:rPr lang="en-US" sz="1200" b="0" strike="noStrike" spc="-1" dirty="0">
+                <a:solidFill>
+                  <a:srgbClr val="3D3D3D"/>
+                </a:solidFill>
+                <a:latin typeface="Gill Sans MT"/>
+              </a:rPr>
+              <a:t> </a:t>
+            </a:r>
+            <a:r>
+              <a:rPr lang="en-US" sz="1200" b="0" strike="noStrike" spc="-1" dirty="0" err="1">
+                <a:solidFill>
+                  <a:srgbClr val="3D3D3D"/>
+                </a:solidFill>
+                <a:latin typeface="Gill Sans MT"/>
+              </a:rPr>
+              <a:t>água</a:t>
+            </a:r>
+            <a:r>
+              <a:rPr lang="en-US" sz="1200" b="0" strike="noStrike" spc="-1" dirty="0">
+                <a:solidFill>
+                  <a:srgbClr val="3D3D3D"/>
+                </a:solidFill>
+                <a:latin typeface="Gill Sans MT"/>
+              </a:rPr>
+              <a:t> </a:t>
+            </a:r>
+            <a:r>
+              <a:rPr lang="en-US" sz="1200" b="0" strike="noStrike" spc="-1" dirty="0" err="1">
+                <a:solidFill>
+                  <a:srgbClr val="3D3D3D"/>
+                </a:solidFill>
+                <a:latin typeface="Gill Sans MT"/>
+              </a:rPr>
+              <a:t>poluídas</a:t>
+            </a:r>
+            <a:endParaRPr lang="en-US" sz="1200" b="0" strike="noStrike" spc="-1" dirty="0">
               <a:solidFill>
-                <a:srgbClr val="3d3d3d"/>
+                <a:srgbClr val="3D3D3D"/>
               </a:solidFill>
               <a:latin typeface="Gill Sans MT"/>
             </a:endParaRPr>
           </a:p>
           <a:p>
-            <a:pPr lvl="1" marL="630000" indent="-305640">
+            <a:pPr marL="630000" lvl="1" indent="-305640">
               <a:lnSpc>
                 <a:spcPct val="100000"/>
               </a:lnSpc>
@@ -8627,56 +11519,113 @@
                 <a:spcPts val="601"/>
               </a:spcAft>
               <a:buClr>
-                <a:srgbClr val="4590b8"/>
+                <a:srgbClr val="4590B8"/>
               </a:buClr>
               <a:buSzPct val="92000"/>
               <a:buFont typeface="Wingdings 2" charset="2"/>
               <a:buChar char=""/>
             </a:pPr>
             <a:r>
-              <a:rPr b="0" lang="en-US" sz="3200" spc="-1" strike="noStrike">
-                <a:solidFill>
-                  <a:srgbClr val="3d3d3d"/>
-                </a:solidFill>
-                <a:latin typeface="Gill Sans MT"/>
-              </a:rPr>
-              <a:t>Manter cavalos hidratados (Vencedor da Global Innovation award 2017)</a:t>
-            </a:r>
-            <a:endParaRPr b="0" lang="en-US" sz="3200" spc="-1" strike="noStrike">
+              <a:rPr lang="en-US" sz="1200" b="0" strike="noStrike" spc="-1" dirty="0" err="1">
+                <a:solidFill>
+                  <a:srgbClr val="3D3D3D"/>
+                </a:solidFill>
+                <a:latin typeface="Gill Sans MT"/>
+              </a:rPr>
+              <a:t>Manter</a:t>
+            </a:r>
+            <a:r>
+              <a:rPr lang="en-US" sz="1200" b="0" strike="noStrike" spc="-1" dirty="0">
+                <a:solidFill>
+                  <a:srgbClr val="3D3D3D"/>
+                </a:solidFill>
+                <a:latin typeface="Gill Sans MT"/>
+              </a:rPr>
+              <a:t> </a:t>
+            </a:r>
+            <a:r>
+              <a:rPr lang="en-US" sz="1200" b="0" strike="noStrike" spc="-1" dirty="0" err="1">
+                <a:solidFill>
+                  <a:srgbClr val="3D3D3D"/>
+                </a:solidFill>
+                <a:latin typeface="Gill Sans MT"/>
+              </a:rPr>
+              <a:t>cavalos</a:t>
+            </a:r>
+            <a:r>
+              <a:rPr lang="en-US" sz="1200" b="0" strike="noStrike" spc="-1" dirty="0">
+                <a:solidFill>
+                  <a:srgbClr val="3D3D3D"/>
+                </a:solidFill>
+                <a:latin typeface="Gill Sans MT"/>
+              </a:rPr>
+              <a:t> </a:t>
+            </a:r>
+            <a:r>
+              <a:rPr lang="en-US" sz="1200" b="0" strike="noStrike" spc="-1" dirty="0" err="1">
+                <a:solidFill>
+                  <a:srgbClr val="3D3D3D"/>
+                </a:solidFill>
+                <a:latin typeface="Gill Sans MT"/>
+              </a:rPr>
+              <a:t>hidratados</a:t>
+            </a:r>
+            <a:r>
+              <a:rPr lang="en-US" sz="1200" b="0" strike="noStrike" spc="-1" dirty="0">
+                <a:solidFill>
+                  <a:srgbClr val="3D3D3D"/>
+                </a:solidFill>
+                <a:latin typeface="Gill Sans MT"/>
+              </a:rPr>
+              <a:t> (</a:t>
+            </a:r>
+            <a:r>
+              <a:rPr lang="en-US" sz="1200" b="0" strike="noStrike" spc="-1" dirty="0" err="1">
+                <a:solidFill>
+                  <a:srgbClr val="3D3D3D"/>
+                </a:solidFill>
+                <a:latin typeface="Gill Sans MT"/>
+              </a:rPr>
+              <a:t>Vencedor</a:t>
+            </a:r>
+            <a:r>
+              <a:rPr lang="en-US" sz="1200" b="0" strike="noStrike" spc="-1" dirty="0">
+                <a:solidFill>
+                  <a:srgbClr val="3D3D3D"/>
+                </a:solidFill>
+                <a:latin typeface="Gill Sans MT"/>
+              </a:rPr>
+              <a:t> da Global Innovation award 2017)</a:t>
+            </a:r>
+          </a:p>
+          <a:p>
+            <a:endParaRPr lang="en-US" sz="1200" b="0" strike="noStrike" spc="-1" dirty="0">
               <a:solidFill>
-                <a:srgbClr val="3d3d3d"/>
+                <a:srgbClr val="3D3D3D"/>
               </a:solidFill>
               <a:latin typeface="Gill Sans MT"/>
             </a:endParaRPr>
           </a:p>
           <a:p>
-            <a:endParaRPr b="0" lang="en-US" sz="3200" spc="-1" strike="noStrike">
+            <a:endParaRPr lang="en-US" sz="1200" b="0" strike="noStrike" spc="-1" dirty="0">
               <a:solidFill>
-                <a:srgbClr val="3d3d3d"/>
+                <a:srgbClr val="3D3D3D"/>
               </a:solidFill>
               <a:latin typeface="Gill Sans MT"/>
             </a:endParaRPr>
           </a:p>
           <a:p>
-            <a:endParaRPr b="0" lang="en-US" sz="3200" spc="-1" strike="noStrike">
+            <a:endParaRPr lang="en-US" sz="1200" b="0" strike="noStrike" spc="-1" dirty="0">
               <a:solidFill>
-                <a:srgbClr val="3d3d3d"/>
+                <a:srgbClr val="3D3D3D"/>
               </a:solidFill>
               <a:latin typeface="Gill Sans MT"/>
             </a:endParaRPr>
           </a:p>
           <a:p>
-            <a:endParaRPr b="0" lang="en-US" sz="3200" spc="-1" strike="noStrike">
+            <a:endParaRPr lang="en-US" sz="1200" b="0" strike="noStrike" spc="-1" dirty="0">
               <a:solidFill>
-                <a:srgbClr val="3d3d3d"/>
-              </a:solidFill>
-              <a:latin typeface="Gill Sans MT"/>
-            </a:endParaRPr>
-          </a:p>
-          <a:p>
-            <a:endParaRPr b="0" lang="en-US" sz="3200" spc="-1" strike="noStrike">
-              <a:solidFill>
-                <a:srgbClr val="3d3d3d"/>
+                <a:srgbClr val="3D3D3D"/>
               </a:solidFill>
               <a:latin typeface="Gill Sans MT"/>
             </a:endParaRPr>
@@ -8703,7 +11652,8 @@
           </a:ln>
         </p:spPr>
         <p:txBody>
-          <a:bodyPr lIns="90000" rIns="90000" tIns="45000" bIns="45000"/>
+          <a:bodyPr lIns="90000" tIns="45000" rIns="90000" bIns="45000"/>
+          <a:lstStyle/>
           <a:p>
             <a:pPr>
               <a:lnSpc>
@@ -8711,15 +11661,15 @@
               </a:lnSpc>
             </a:pPr>
             <a:fld id="{F1D07182-3391-4623-920D-EBA2C42D4AAC}" type="slidenum">
-              <a:rPr b="0" lang="pt-BR" sz="1800" spc="-1" strike="noStrike">
-                <a:solidFill>
-                  <a:srgbClr val="537ed0"/>
-                </a:solidFill>
-                <a:latin typeface="Gill Sans MT"/>
-              </a:rPr>
-              <a:t>&lt;número&gt;</a:t>
+              <a:rPr lang="pt-BR" sz="1800" b="0" strike="noStrike" spc="-1">
+                <a:solidFill>
+                  <a:srgbClr val="537ED0"/>
+                </a:solidFill>
+                <a:latin typeface="Gill Sans MT"/>
+              </a:rPr>
+              <a:t>8</a:t>
             </a:fld>
-            <a:endParaRPr b="0" lang="pt-BR" sz="1800" spc="-1" strike="noStrike">
+            <a:endParaRPr lang="pt-BR" sz="1800" b="0" strike="noStrike" spc="-1">
               <a:latin typeface="Times New Roman"/>
             </a:endParaRPr>
           </a:p>
@@ -8727,12 +11677,12 @@
       </p:sp>
       <p:pic>
         <p:nvPicPr>
-          <p:cNvPr id="169" name="Picture 6" descr=""/>
+          <p:cNvPr id="169" name="Picture 6"/>
           <p:cNvPicPr/>
           <p:nvPr/>
         </p:nvPicPr>
         <p:blipFill>
-          <a:blip r:embed="rId1"/>
+          <a:blip r:embed="rId2"/>
           <a:stretch/>
         </p:blipFill>
         <p:spPr>
@@ -8768,13 +11718,20 @@
           </a:ln>
         </p:spPr>
         <p:style>
-          <a:lnRef idx="0"/>
-          <a:fillRef idx="0"/>
-          <a:effectRef idx="0"/>
+          <a:lnRef idx="0">
+            <a:scrgbClr r="0" g="0" b="0"/>
+          </a:lnRef>
+          <a:fillRef idx="0">
+            <a:scrgbClr r="0" g="0" b="0"/>
+          </a:fillRef>
+          <a:effectRef idx="0">
+            <a:scrgbClr r="0" g="0" b="0"/>
+          </a:effectRef>
           <a:fontRef idx="minor"/>
         </p:style>
         <p:txBody>
-          <a:bodyPr lIns="90000" rIns="90000" tIns="45000" bIns="45000"/>
+          <a:bodyPr lIns="90000" tIns="45000" rIns="90000" bIns="45000"/>
+          <a:lstStyle/>
           <a:p>
             <a:pPr>
               <a:lnSpc>
@@ -8782,7 +11739,7 @@
               </a:lnSpc>
             </a:pPr>
             <a:r>
-              <a:rPr b="0" lang="pt-BR" sz="1400" spc="-1" strike="noStrike">
+              <a:rPr lang="pt-BR" sz="1400" b="0" strike="noStrike" spc="-1">
                 <a:solidFill>
                   <a:srgbClr val="000000"/>
                 </a:solidFill>
@@ -8790,7 +11747,7 @@
               </a:rPr>
               <a:t>Tópicos de equipe que participaram da FIRST LEGO League Animal Allies</a:t>
             </a:r>
-            <a:endParaRPr b="0" lang="pt-BR" sz="1400" spc="-1" strike="noStrike">
+            <a:endParaRPr lang="pt-BR" sz="1400" b="0" strike="noStrike" spc="-1">
               <a:latin typeface="Arial"/>
             </a:endParaRPr>
           </a:p>
@@ -8816,7 +11773,8 @@
           </a:ln>
         </p:spPr>
         <p:txBody>
-          <a:bodyPr lIns="90000" rIns="90000" tIns="45000" bIns="45000"/>
+          <a:bodyPr lIns="90000" tIns="45000" rIns="90000" bIns="45000"/>
+          <a:lstStyle/>
           <a:p>
             <a:pPr>
               <a:lnSpc>
@@ -8824,15 +11782,15 @@
               </a:lnSpc>
             </a:pPr>
             <a:r>
-              <a:rPr b="0" lang="pt-BR" sz="1800" spc="-1" strike="noStrike">
-                <a:solidFill>
-                  <a:srgbClr val="537ed0"/>
+              <a:rPr lang="pt-BR" sz="1800" b="0" strike="noStrike" spc="-1">
+                <a:solidFill>
+                  <a:srgbClr val="537ED0"/>
                 </a:solidFill>
                 <a:latin typeface="Gill Sans MT"/>
               </a:rPr>
               <a:t>© 2018, FLL Tutorials (Última edição 30/08/2018)</a:t>
             </a:r>
-            <a:endParaRPr b="0" lang="pt-BR" sz="1800" spc="-1" strike="noStrike">
+            <a:endParaRPr lang="pt-BR" sz="1800" b="0" strike="noStrike" spc="-1">
               <a:latin typeface="Times New Roman"/>
             </a:endParaRPr>
           </a:p>
@@ -8840,22 +11798,25 @@
       </p:sp>
     </p:spTree>
   </p:cSld>
+  <p:clrMapOvr>
+    <a:masterClrMapping/>
+  </p:clrMapOvr>
   <p:timing>
     <p:tnLst>
       <p:par>
-        <p:cTn id="15" dur="indefinite" restart="never" nodeType="tmRoot">
+        <p:cTn id="1" dur="indefinite" restart="never" nodeType="tmRoot">
           <p:childTnLst>
             <p:seq>
-              <p:cTn id="16" dur="indefinite" nodeType="mainSeq"/>
+              <p:cTn id="2" dur="indefinite" nodeType="mainSeq"/>
               <p:prevCondLst>
-                <p:cond delay="0" evt="onPrev">
+                <p:cond evt="onPrev" delay="0">
                   <p:tgtEl>
                     <p:sldTgt/>
                   </p:tgtEl>
                 </p:cond>
               </p:prevCondLst>
               <p:nextCondLst>
-                <p:cond delay="0" evt="onNext">
+                <p:cond evt="onNext" delay="0">
                   <p:tgtEl>
                     <p:sldTgt/>
                   </p:tgtEl>
@@ -8871,7 +11832,7 @@
 </file>
 
 <file path=ppt/slides/slide9.xml><?xml version="1.0" encoding="utf-8"?>
-<p:sld xmlns:a="http://schemas.openxmlformats.org/drawingml/2006/main" xmlns:p="http://schemas.openxmlformats.org/presentationml/2006/main" xmlns:r="http://schemas.openxmlformats.org/officeDocument/2006/relationships" xmlns:p14="http://schemas.microsoft.com/office/powerpoint/2010/main" xmlns:p15="http://schemas.microsoft.com/office/powerpoint/2012/main" xmlns:mc="http://schemas.openxmlformats.org/markup-compatibility/2006">
+<p:sld xmlns:a="http://schemas.openxmlformats.org/drawingml/2006/main" xmlns:r="http://schemas.openxmlformats.org/officeDocument/2006/relationships" xmlns:p="http://schemas.openxmlformats.org/presentationml/2006/main">
   <p:cSld>
     <p:spTree>
       <p:nvGrpSpPr>
@@ -8908,6 +11869,7 @@
         </p:spPr>
         <p:txBody>
           <a:bodyPr anchor="b"/>
+          <a:lstStyle/>
           <a:p>
             <a:pPr>
               <a:lnSpc>
@@ -8915,15 +11877,15 @@
               </a:lnSpc>
             </a:pPr>
             <a:r>
-              <a:rPr b="0" lang="en-US" sz="2800" spc="-1" strike="noStrike" cap="all">
-                <a:solidFill>
-                  <a:srgbClr val="ffffff"/>
+              <a:rPr lang="en-US" sz="2800" b="0" strike="noStrike" cap="all" spc="-1">
+                <a:solidFill>
+                  <a:srgbClr val="FFFFFF"/>
                 </a:solidFill>
                 <a:latin typeface="Gill Sans MT"/>
               </a:rPr>
               <a:t>Créditos</a:t>
             </a:r>
-            <a:endParaRPr b="0" lang="en-US" sz="2800" spc="-1" strike="noStrike">
+            <a:endParaRPr lang="en-US" sz="2800" b="0" strike="noStrike" spc="-1">
               <a:solidFill>
                 <a:srgbClr val="000000"/>
               </a:solidFill>
@@ -8955,6 +11917,7 @@
           <a:bodyPr>
             <a:normAutofit/>
           </a:bodyPr>
+          <a:lstStyle/>
           <a:p>
             <a:pPr marL="306000" indent="-305640">
               <a:lnSpc>
@@ -8967,27 +11930,21 @@
                 <a:spcPts val="601"/>
               </a:spcAft>
               <a:buClr>
-                <a:srgbClr val="4590b8"/>
+                <a:srgbClr val="4590B8"/>
               </a:buClr>
               <a:buSzPct val="92000"/>
               <a:buFont typeface="Wingdings 2" charset="2"/>
               <a:buChar char=""/>
             </a:pPr>
             <a:r>
-              <a:rPr b="0" lang="en-US" sz="2800" spc="-1" strike="noStrike">
-                <a:solidFill>
-                  <a:srgbClr val="3d3d3d"/>
+              <a:rPr lang="en-US" sz="2800" b="0" strike="noStrike" spc="-1">
+                <a:solidFill>
+                  <a:srgbClr val="3D3D3D"/>
                 </a:solidFill>
                 <a:latin typeface="Gill Sans MT"/>
               </a:rPr>
               <a:t>Essa lição foi escrita por Sanjay e Arvind Seshan</a:t>
             </a:r>
-            <a:endParaRPr b="0" lang="en-US" sz="2800" spc="-1" strike="noStrike">
-              <a:solidFill>
-                <a:srgbClr val="3d3d3d"/>
-              </a:solidFill>
-              <a:latin typeface="Gill Sans MT"/>
-            </a:endParaRPr>
           </a:p>
           <a:p>
             <a:pPr marL="306000" indent="-305640">
@@ -9001,55 +11958,55 @@
                 <a:spcPts val="601"/>
               </a:spcAft>
               <a:buClr>
-                <a:srgbClr val="4590b8"/>
+                <a:srgbClr val="4590B8"/>
               </a:buClr>
               <a:buSzPct val="92000"/>
               <a:buFont typeface="Wingdings 2" charset="2"/>
               <a:buChar char=""/>
             </a:pPr>
             <a:r>
-              <a:rPr b="0" lang="en-US" sz="2800" spc="-1" strike="noStrike">
-                <a:solidFill>
-                  <a:srgbClr val="3d3d3d"/>
+              <a:rPr lang="en-US" sz="2800" b="0" strike="noStrike" spc="-1">
+                <a:solidFill>
+                  <a:srgbClr val="3D3D3D"/>
                 </a:solidFill>
                 <a:latin typeface="Gill Sans MT"/>
               </a:rPr>
               <a:t>Mais lições disponíveis em </a:t>
             </a:r>
             <a:r>
-              <a:rPr b="0" lang="en-US" sz="2800" spc="-1" strike="noStrike" u="sng">
+              <a:rPr lang="en-US" sz="2800" b="0" u="sng" strike="noStrike" spc="-1">
                 <a:solidFill>
                   <a:srgbClr val="828282"/>
                 </a:solidFill>
                 <a:uFillTx/>
                 <a:latin typeface="Gill Sans MT"/>
-                <a:hlinkClick r:id="rId1"/>
+                <a:hlinkClick r:id="rId2"/>
               </a:rPr>
               <a:t>www.ev3lessons.com</a:t>
             </a:r>
             <a:r>
-              <a:rPr b="0" lang="en-US" sz="2800" spc="-1" strike="noStrike">
-                <a:solidFill>
-                  <a:srgbClr val="3d3d3d"/>
+              <a:rPr lang="en-US" sz="2800" b="0" strike="noStrike" spc="-1">
+                <a:solidFill>
+                  <a:srgbClr val="3D3D3D"/>
                 </a:solidFill>
                 <a:latin typeface="Gill Sans MT"/>
               </a:rPr>
               <a:t> e </a:t>
             </a:r>
             <a:r>
-              <a:rPr b="0" lang="en-US" sz="2800" spc="-1" strike="noStrike" u="sng">
+              <a:rPr lang="en-US" sz="2800" b="0" u="sng" strike="noStrike" spc="-1">
                 <a:solidFill>
                   <a:srgbClr val="828282"/>
                 </a:solidFill>
                 <a:uFillTx/>
                 <a:latin typeface="Gill Sans MT"/>
-                <a:hlinkClick r:id="rId2"/>
+                <a:hlinkClick r:id="rId3"/>
               </a:rPr>
               <a:t>www.flltutorials.com</a:t>
             </a:r>
-            <a:endParaRPr b="0" lang="en-US" sz="2800" spc="-1" strike="noStrike">
+            <a:endParaRPr lang="en-US" sz="2800" b="0" strike="noStrike" spc="-1">
               <a:solidFill>
-                <a:srgbClr val="3d3d3d"/>
+                <a:srgbClr val="3D3D3D"/>
               </a:solidFill>
               <a:latin typeface="Gill Sans MT"/>
             </a:endParaRPr>
@@ -9066,14 +12023,14 @@
                 <a:spcPts val="601"/>
               </a:spcAft>
               <a:buClr>
-                <a:srgbClr val="4590b8"/>
+                <a:srgbClr val="4590B8"/>
               </a:buClr>
               <a:buSzPct val="92000"/>
               <a:buFont typeface="Wingdings 2" charset="2"/>
               <a:buChar char=""/>
             </a:pPr>
             <a:r>
-              <a:rPr b="0" lang="en-US" sz="2800" spc="-1" strike="noStrike">
+              <a:rPr lang="en-US" sz="2800" b="0" strike="noStrike" spc="-1">
                 <a:solidFill>
                   <a:srgbClr val="000000"/>
                 </a:solidFill>
@@ -9081,9 +12038,9 @@
               </a:rPr>
               <a:t>Traduzido por Equipe Sunrise, de Santa Catarina, Brasil</a:t>
             </a:r>
-            <a:endParaRPr b="0" lang="en-US" sz="2800" spc="-1" strike="noStrike">
+            <a:endParaRPr lang="en-US" sz="2800" b="0" strike="noStrike" spc="-1">
               <a:solidFill>
-                <a:srgbClr val="3d3d3d"/>
+                <a:srgbClr val="3D3D3D"/>
               </a:solidFill>
               <a:latin typeface="Gill Sans MT"/>
             </a:endParaRPr>
@@ -9100,9 +12057,9 @@
                 <a:spcPts val="601"/>
               </a:spcAft>
             </a:pPr>
-            <a:endParaRPr b="0" lang="en-US" sz="2800" spc="-1" strike="noStrike">
+            <a:endParaRPr lang="en-US" sz="2800" b="0" strike="noStrike" spc="-1">
               <a:solidFill>
-                <a:srgbClr val="3d3d3d"/>
+                <a:srgbClr val="3D3D3D"/>
               </a:solidFill>
               <a:latin typeface="Gill Sans MT"/>
             </a:endParaRPr>
@@ -9119,9 +12076,9 @@
                 <a:spcPts val="601"/>
               </a:spcAft>
             </a:pPr>
-            <a:endParaRPr b="0" lang="en-US" sz="2800" spc="-1" strike="noStrike">
+            <a:endParaRPr lang="en-US" sz="2800" b="0" strike="noStrike" spc="-1">
               <a:solidFill>
-                <a:srgbClr val="3d3d3d"/>
+                <a:srgbClr val="3D3D3D"/>
               </a:solidFill>
               <a:latin typeface="Gill Sans MT"/>
             </a:endParaRPr>
@@ -9148,7 +12105,8 @@
           </a:ln>
         </p:spPr>
         <p:txBody>
-          <a:bodyPr lIns="90000" rIns="90000" tIns="45000" bIns="45000"/>
+          <a:bodyPr lIns="90000" tIns="45000" rIns="90000" bIns="45000"/>
+          <a:lstStyle/>
           <a:p>
             <a:pPr>
               <a:lnSpc>
@@ -9156,15 +12114,15 @@
               </a:lnSpc>
             </a:pPr>
             <a:fld id="{2D0FFF49-F77C-4E8B-93EE-23A9D9522AAA}" type="slidenum">
-              <a:rPr b="0" lang="pt-BR" sz="1800" spc="-1" strike="noStrike">
-                <a:solidFill>
-                  <a:srgbClr val="537ed0"/>
-                </a:solidFill>
-                <a:latin typeface="Gill Sans MT"/>
-              </a:rPr>
-              <a:t>&lt;número&gt;</a:t>
+              <a:rPr lang="pt-BR" sz="1800" b="0" strike="noStrike" spc="-1">
+                <a:solidFill>
+                  <a:srgbClr val="537ED0"/>
+                </a:solidFill>
+                <a:latin typeface="Gill Sans MT"/>
+              </a:rPr>
+              <a:t>9</a:t>
             </a:fld>
-            <a:endParaRPr b="0" lang="pt-BR" sz="1800" spc="-1" strike="noStrike">
+            <a:endParaRPr lang="pt-BR" sz="1800" b="0" strike="noStrike" spc="-1">
               <a:latin typeface="Times New Roman"/>
             </a:endParaRPr>
           </a:p>
@@ -9172,12 +12130,12 @@
       </p:sp>
       <p:pic>
         <p:nvPicPr>
-          <p:cNvPr id="175" name="Picture 5" descr=""/>
+          <p:cNvPr id="175" name="Picture 5"/>
           <p:cNvPicPr/>
           <p:nvPr/>
         </p:nvPicPr>
         <p:blipFill>
-          <a:blip r:embed="rId3"/>
+          <a:blip r:embed="rId4"/>
           <a:srcRect l="9379" t="11605" r="9182" b="11466"/>
           <a:stretch/>
         </p:blipFill>
@@ -9214,7 +12172,8 @@
           </a:ln>
         </p:spPr>
         <p:txBody>
-          <a:bodyPr lIns="90000" rIns="90000" tIns="45000" bIns="45000"/>
+          <a:bodyPr lIns="90000" tIns="45000" rIns="90000" bIns="45000"/>
+          <a:lstStyle/>
           <a:p>
             <a:pPr>
               <a:lnSpc>
@@ -9222,15 +12181,15 @@
               </a:lnSpc>
             </a:pPr>
             <a:r>
-              <a:rPr b="0" lang="pt-BR" sz="1800" spc="-1" strike="noStrike">
-                <a:solidFill>
-                  <a:srgbClr val="537ed0"/>
+              <a:rPr lang="pt-BR" sz="1800" b="0" strike="noStrike" spc="-1">
+                <a:solidFill>
+                  <a:srgbClr val="537ED0"/>
                 </a:solidFill>
                 <a:latin typeface="Gill Sans MT"/>
               </a:rPr>
               <a:t>© 2018, FLL Tutorials (Última edição 30/08/2018)</a:t>
             </a:r>
-            <a:endParaRPr b="0" lang="pt-BR" sz="1800" spc="-1" strike="noStrike">
+            <a:endParaRPr lang="pt-BR" sz="1800" b="0" strike="noStrike" spc="-1">
               <a:latin typeface="Times New Roman"/>
             </a:endParaRPr>
           </a:p>
@@ -9238,22 +12197,25 @@
       </p:sp>
     </p:spTree>
   </p:cSld>
+  <p:clrMapOvr>
+    <a:masterClrMapping/>
+  </p:clrMapOvr>
   <p:timing>
     <p:tnLst>
       <p:par>
-        <p:cTn id="17" dur="indefinite" restart="never" nodeType="tmRoot">
+        <p:cTn id="1" dur="indefinite" restart="never" nodeType="tmRoot">
           <p:childTnLst>
             <p:seq>
-              <p:cTn id="18" dur="indefinite" nodeType="mainSeq"/>
+              <p:cTn id="2" dur="indefinite" nodeType="mainSeq"/>
               <p:prevCondLst>
-                <p:cond delay="0" evt="onPrev">
+                <p:cond evt="onPrev" delay="0">
                   <p:tgtEl>
                     <p:sldTgt/>
                   </p:tgtEl>
                 </p:cond>
               </p:prevCondLst>
               <p:nextCondLst>
-                <p:cond delay="0" evt="onNext">
+                <p:cond evt="onNext" delay="0">
                   <p:tgtEl>
                     <p:sldTgt/>
                   </p:tgtEl>
@@ -9279,34 +12241,34 @@
         <a:sysClr val="window" lastClr="FFFFFF"/>
       </a:lt1>
       <a:dk2>
-        <a:srgbClr val="3d3d3d"/>
+        <a:srgbClr val="3D3D3D"/>
       </a:dk2>
       <a:lt2>
-        <a:srgbClr val="ebebeb"/>
+        <a:srgbClr val="EBEBEB"/>
       </a:lt2>
       <a:accent1>
-        <a:srgbClr val="1a3260"/>
+        <a:srgbClr val="1A3260"/>
       </a:accent1>
       <a:accent2>
-        <a:srgbClr val="4590b8"/>
+        <a:srgbClr val="4590B8"/>
       </a:accent2>
       <a:accent3>
-        <a:srgbClr val="45cbe8"/>
+        <a:srgbClr val="45CBE8"/>
       </a:accent3>
       <a:accent4>
-        <a:srgbClr val="969fa7"/>
+        <a:srgbClr val="969FA7"/>
       </a:accent4>
       <a:accent5>
-        <a:srgbClr val="a2c777"/>
+        <a:srgbClr val="A2C777"/>
       </a:accent5>
       <a:accent6>
-        <a:srgbClr val="42955f"/>
+        <a:srgbClr val="42955F"/>
       </a:accent6>
       <a:hlink>
         <a:srgbClr val="828282"/>
       </a:hlink>
       <a:folHlink>
-        <a:srgbClr val="a5a5a5"/>
+        <a:srgbClr val="A5A5A5"/>
       </a:folHlink>
     </a:clrScheme>
     <a:fontScheme name="Office">
@@ -9488,6 +12450,8 @@
       </a:bgFillStyleLst>
     </a:fmtScheme>
   </a:themeElements>
+  <a:objectDefaults/>
+  <a:extraClrSchemeLst/>
 </a:theme>
 </file>
 
@@ -9502,31 +12466,31 @@
         <a:sysClr val="window" lastClr="FFFFFF"/>
       </a:lt1>
       <a:dk2>
-        <a:srgbClr val="1f497d"/>
+        <a:srgbClr val="1F497D"/>
       </a:dk2>
       <a:lt2>
-        <a:srgbClr val="eeece1"/>
+        <a:srgbClr val="EEECE1"/>
       </a:lt2>
       <a:accent1>
-        <a:srgbClr val="4f81bd"/>
+        <a:srgbClr val="4F81BD"/>
       </a:accent1>
       <a:accent2>
-        <a:srgbClr val="c0504d"/>
+        <a:srgbClr val="C0504D"/>
       </a:accent2>
       <a:accent3>
-        <a:srgbClr val="9bbb59"/>
+        <a:srgbClr val="9BBB59"/>
       </a:accent3>
       <a:accent4>
-        <a:srgbClr val="8064a2"/>
+        <a:srgbClr val="8064A2"/>
       </a:accent4>
       <a:accent5>
-        <a:srgbClr val="4bacc6"/>
+        <a:srgbClr val="4BACC6"/>
       </a:accent5>
       <a:accent6>
-        <a:srgbClr val="f79646"/>
+        <a:srgbClr val="F79646"/>
       </a:accent6>
       <a:hlink>
-        <a:srgbClr val="0000ff"/>
+        <a:srgbClr val="0000FF"/>
       </a:hlink>
       <a:folHlink>
         <a:srgbClr val="800080"/>
@@ -9711,6 +12675,8 @@
       </a:bgFillStyleLst>
     </a:fmtScheme>
   </a:themeElements>
+  <a:objectDefaults/>
+  <a:extraClrSchemeLst/>
 </a:theme>
 </file>
 
@@ -9725,31 +12691,31 @@
         <a:sysClr val="window" lastClr="FFFFFF"/>
       </a:lt1>
       <a:dk2>
-        <a:srgbClr val="1f497d"/>
+        <a:srgbClr val="1F497D"/>
       </a:dk2>
       <a:lt2>
-        <a:srgbClr val="eeece1"/>
+        <a:srgbClr val="EEECE1"/>
       </a:lt2>
       <a:accent1>
-        <a:srgbClr val="4f81bd"/>
+        <a:srgbClr val="4F81BD"/>
       </a:accent1>
       <a:accent2>
-        <a:srgbClr val="c0504d"/>
+        <a:srgbClr val="C0504D"/>
       </a:accent2>
       <a:accent3>
-        <a:srgbClr val="9bbb59"/>
+        <a:srgbClr val="9BBB59"/>
       </a:accent3>
       <a:accent4>
-        <a:srgbClr val="8064a2"/>
+        <a:srgbClr val="8064A2"/>
       </a:accent4>
       <a:accent5>
-        <a:srgbClr val="4bacc6"/>
+        <a:srgbClr val="4BACC6"/>
       </a:accent5>
       <a:accent6>
-        <a:srgbClr val="f79646"/>
+        <a:srgbClr val="F79646"/>
       </a:accent6>
       <a:hlink>
-        <a:srgbClr val="0000ff"/>
+        <a:srgbClr val="0000FF"/>
       </a:hlink>
       <a:folHlink>
         <a:srgbClr val="800080"/>
@@ -9934,5 +12900,7 @@
       </a:bgFillStyleLst>
     </a:fmtScheme>
   </a:themeElements>
+  <a:objectDefaults/>
+  <a:extraClrSchemeLst/>
 </a:theme>
 </file>